--- a/tf-demo-presentation.pptx
+++ b/tf-demo-presentation.pptx
@@ -7,19 +7,20 @@
   <p:sldIdLst>
     <p:sldId id="256" r:id="rId2"/>
     <p:sldId id="257" r:id="rId3"/>
-    <p:sldId id="258" r:id="rId4"/>
-    <p:sldId id="259" r:id="rId5"/>
-    <p:sldId id="260" r:id="rId6"/>
-    <p:sldId id="261" r:id="rId7"/>
-    <p:sldId id="262" r:id="rId8"/>
-    <p:sldId id="264" r:id="rId9"/>
-    <p:sldId id="265" r:id="rId10"/>
-    <p:sldId id="266" r:id="rId11"/>
-    <p:sldId id="263" r:id="rId12"/>
-    <p:sldId id="267" r:id="rId13"/>
-    <p:sldId id="268" r:id="rId14"/>
-    <p:sldId id="269" r:id="rId15"/>
-    <p:sldId id="270" r:id="rId16"/>
+    <p:sldId id="271" r:id="rId4"/>
+    <p:sldId id="258" r:id="rId5"/>
+    <p:sldId id="259" r:id="rId6"/>
+    <p:sldId id="260" r:id="rId7"/>
+    <p:sldId id="261" r:id="rId8"/>
+    <p:sldId id="262" r:id="rId9"/>
+    <p:sldId id="264" r:id="rId10"/>
+    <p:sldId id="265" r:id="rId11"/>
+    <p:sldId id="266" r:id="rId12"/>
+    <p:sldId id="263" r:id="rId13"/>
+    <p:sldId id="267" r:id="rId14"/>
+    <p:sldId id="268" r:id="rId15"/>
+    <p:sldId id="269" r:id="rId16"/>
+    <p:sldId id="270" r:id="rId17"/>
   </p:sldIdLst>
   <p:sldSz cx="12192000" cy="6858000"/>
   <p:notesSz cx="6858000" cy="9144000"/>
@@ -3706,7 +3707,7 @@
           <p:cNvPr id="2" name="Title 1">
             <a:extLst>
               <a:ext uri="{FF2B5EF4-FFF2-40B4-BE49-F238E27FC236}">
-                <a16:creationId xmlns:a16="http://schemas.microsoft.com/office/drawing/2014/main" id="{2C8794AD-FDC5-3E42-AF18-BEFD05539DDE}"/>
+                <a16:creationId xmlns:a16="http://schemas.microsoft.com/office/drawing/2014/main" id="{6738D53A-3DF2-874A-9F87-BFD2D6E1B95C}"/>
               </a:ext>
             </a:extLst>
           </p:cNvPr>
@@ -3724,7 +3725,7 @@
           <a:p>
             <a:r>
               <a:rPr lang="en-IL" dirty="0"/>
-              <a:t>Terraform resource handling</a:t>
+              <a:t>Demo_5_vars_outputs: tf-demo/demo_5_vars_outputs</a:t>
             </a:r>
           </a:p>
         </p:txBody>
@@ -3734,7 +3735,7 @@
           <p:cNvPr id="3" name="Content Placeholder 2">
             <a:extLst>
               <a:ext uri="{FF2B5EF4-FFF2-40B4-BE49-F238E27FC236}">
-                <a16:creationId xmlns:a16="http://schemas.microsoft.com/office/drawing/2014/main" id="{3109B7B2-8F2E-7349-8A35-42634CD4ACFB}"/>
+                <a16:creationId xmlns:a16="http://schemas.microsoft.com/office/drawing/2014/main" id="{2AB5B636-B3E9-BC46-AE93-FD499A8B3244}"/>
               </a:ext>
             </a:extLst>
           </p:cNvPr>
@@ -3747,33 +3748,51 @@
         </p:nvSpPr>
         <p:spPr/>
         <p:txBody>
-          <a:bodyPr/>
+          <a:bodyPr>
+            <a:normAutofit lnSpcReduction="10000"/>
+          </a:bodyPr>
           <a:lstStyle/>
           <a:p>
             <a:r>
               <a:rPr lang="en-IL" dirty="0"/>
-              <a:t>”terraform apply/destroy –target &lt;resource name&gt;” – thise will create or destroy a specific resource without changing the other infrastructure</a:t>
+              <a:t>Using outputs will print any information you want about any resource you want on your terminal screen after the run has been completed</a:t>
             </a:r>
           </a:p>
           <a:p>
             <a:r>
               <a:rPr lang="en-IL" dirty="0"/>
-              <a:t>”terraform validate” – will run a syntax check across all of your .tf files but might miss some syntax errors</a:t>
-            </a:r>
-          </a:p>
-          <a:p>
-            <a:r>
-              <a:rPr lang="en-US" dirty="0"/>
-              <a:t>“terraform providers” – will show you all the providers used in your project in a “tree” view</a:t>
+              <a:t>Using variables will give you the option to control you environment and configure it at will</a:t>
             </a:r>
           </a:p>
           <a:p>
             <a:r>
               <a:rPr lang="en-IL" dirty="0"/>
-              <a:t>“terraform import” – will import an existing resource into your tfstate file</a:t>
-            </a:r>
-          </a:p>
-          <a:p>
+              <a:t>Outputs manual alternitive: ”terraform state show &lt;resource&gt;”</a:t>
+            </a:r>
+            <a:br>
+              <a:rPr lang="en-IL" dirty="0"/>
+            </a:br>
+            <a:r>
+              <a:rPr lang="en-IL" dirty="0"/>
+              <a:t>This command will give you the information about the resource directly from the state file to pull the details you need</a:t>
+            </a:r>
+          </a:p>
+          <a:p>
+            <a:r>
+              <a:rPr lang="en-IL" dirty="0"/>
+              <a:t>run “terraform state list” to see the available resources</a:t>
+            </a:r>
+          </a:p>
+          <a:p>
+            <a:r>
+              <a:rPr lang="en-IL" dirty="0"/>
+              <a:t>If you want to add a new output, do not apply the changes and simply “terraform refresh” to get those outputs</a:t>
+            </a:r>
+          </a:p>
+          <a:p>
+            <a:pPr marL="0" indent="0">
+              <a:buNone/>
+            </a:pPr>
             <a:endParaRPr lang="en-IL" dirty="0"/>
           </a:p>
         </p:txBody>
@@ -3781,7 +3800,7 @@
     </p:spTree>
     <p:extLst>
       <p:ext uri="{BB962C8B-B14F-4D97-AF65-F5344CB8AC3E}">
-        <p14:creationId xmlns:p14="http://schemas.microsoft.com/office/powerpoint/2010/main" val="1021470420"/>
+        <p14:creationId xmlns:p14="http://schemas.microsoft.com/office/powerpoint/2010/main" val="1276881444"/>
       </p:ext>
     </p:extLst>
   </p:cSld>
@@ -3813,7 +3832,7 @@
           <p:cNvPr id="2" name="Title 1">
             <a:extLst>
               <a:ext uri="{FF2B5EF4-FFF2-40B4-BE49-F238E27FC236}">
-                <a16:creationId xmlns:a16="http://schemas.microsoft.com/office/drawing/2014/main" id="{0DF592A7-5320-664A-992C-4CCDEC3E7229}"/>
+                <a16:creationId xmlns:a16="http://schemas.microsoft.com/office/drawing/2014/main" id="{2C8794AD-FDC5-3E42-AF18-BEFD05539DDE}"/>
               </a:ext>
             </a:extLst>
           </p:cNvPr>
@@ -3831,7 +3850,7 @@
           <a:p>
             <a:r>
               <a:rPr lang="en-IL" dirty="0"/>
-              <a:t>Modules</a:t>
+              <a:t>Terraform resource handling</a:t>
             </a:r>
           </a:p>
         </p:txBody>
@@ -3841,7 +3860,7 @@
           <p:cNvPr id="3" name="Content Placeholder 2">
             <a:extLst>
               <a:ext uri="{FF2B5EF4-FFF2-40B4-BE49-F238E27FC236}">
-                <a16:creationId xmlns:a16="http://schemas.microsoft.com/office/drawing/2014/main" id="{2C63E211-845C-674F-9685-EC40F43CF494}"/>
+                <a16:creationId xmlns:a16="http://schemas.microsoft.com/office/drawing/2014/main" id="{3109B7B2-8F2E-7349-8A35-42634CD4ACFB}"/>
               </a:ext>
             </a:extLst>
           </p:cNvPr>
@@ -3854,139 +3873,41 @@
         </p:nvSpPr>
         <p:spPr/>
         <p:txBody>
-          <a:bodyPr>
-            <a:normAutofit/>
-          </a:bodyPr>
-          <a:lstStyle/>
-          <a:p>
-            <a:pPr marL="0" indent="0">
-              <a:buNone/>
-            </a:pPr>
-            <a:r>
-              <a:rPr lang="en-IL" sz="1600" dirty="0"/>
-              <a:t>Modules are a way to isolate specific resources and provision them at any time, dynamically and without using a duplicate code inside your main root file.</a:t>
-            </a:r>
-          </a:p>
-          <a:p>
-            <a:pPr marL="0" indent="0">
-              <a:buNone/>
-            </a:pPr>
-            <a:r>
-              <a:rPr lang="en-IL" sz="1600" dirty="0"/>
-              <a:t>As we saw in the previous demos, the standard files that are making up the terraform code are: </a:t>
-            </a:r>
-          </a:p>
-          <a:p>
-            <a:pPr marL="342900" indent="-342900">
-              <a:buAutoNum type="arabicPeriod"/>
-            </a:pPr>
-            <a:r>
-              <a:rPr lang="en-IL" sz="1600" dirty="0"/>
-              <a:t>main.tf</a:t>
-            </a:r>
-          </a:p>
-          <a:p>
-            <a:pPr marL="342900" indent="-342900">
-              <a:buAutoNum type="arabicPeriod"/>
-            </a:pPr>
-            <a:r>
-              <a:rPr lang="en-US" sz="1600" dirty="0"/>
-              <a:t>v</a:t>
-            </a:r>
-            <a:r>
-              <a:rPr lang="en-IL" sz="1600" dirty="0"/>
-              <a:t>ariables.tf</a:t>
-            </a:r>
-          </a:p>
-          <a:p>
-            <a:pPr marL="342900" indent="-342900">
-              <a:buAutoNum type="arabicPeriod"/>
-            </a:pPr>
-            <a:r>
-              <a:rPr lang="en-US" sz="1600" dirty="0"/>
-              <a:t>o</a:t>
-            </a:r>
-            <a:r>
-              <a:rPr lang="en-IL" sz="1600" dirty="0"/>
-              <a:t>utputs.tf</a:t>
-            </a:r>
-          </a:p>
-          <a:p>
-            <a:pPr>
-              <a:buFontTx/>
-              <a:buChar char="-"/>
-            </a:pPr>
-            <a:r>
-              <a:rPr lang="en-IL" sz="1600" dirty="0"/>
-              <a:t>Reminder: these files can all be pulled into one single files but this is never recommended</a:t>
-            </a:r>
-          </a:p>
-          <a:p>
-            <a:pPr marL="0" indent="0">
-              <a:buNone/>
-            </a:pPr>
-            <a:r>
-              <a:rPr lang="en-IL" sz="1600" dirty="0"/>
-              <a:t>Module will consist of the same files as your main one but will reside in a different folder. Once you wrote your module, you will need a way to call this module, populate the variables and provision it.</a:t>
-            </a:r>
-          </a:p>
-          <a:p>
-            <a:pPr marL="0" indent="0">
-              <a:buNone/>
-            </a:pPr>
-            <a:r>
-              <a:rPr lang="en-IL" sz="1600" dirty="0"/>
-              <a:t>So now your original ”root” folder with all the above files will be the place where you can call yout modules and apply them.</a:t>
-            </a:r>
-          </a:p>
-          <a:p>
-            <a:pPr marL="0" indent="0">
-              <a:buNone/>
-            </a:pPr>
-            <a:r>
-              <a:rPr lang="en-IL" sz="1600" dirty="0"/>
-              <a:t>”Calling” a module, will tell terraform upon apply/plan, to get all the resources from the module’s folder location and use them in your run.</a:t>
-            </a:r>
-          </a:p>
-          <a:p>
-            <a:pPr marL="0" indent="0">
-              <a:buNone/>
-            </a:pPr>
-            <a:r>
-              <a:rPr lang="en-IL" sz="1600" dirty="0"/>
-              <a:t>This is the perfect way to decouple different layers of your infrustructure into multiple modules that can be called when needed and a fine grain control over each resource</a:t>
-            </a:r>
-          </a:p>
-          <a:p>
-            <a:pPr marL="0" indent="0">
-              <a:buNone/>
-            </a:pPr>
-            <a:endParaRPr lang="en-IL" sz="1600" dirty="0"/>
-          </a:p>
-          <a:p>
-            <a:pPr marL="342900" indent="-342900">
-              <a:buAutoNum type="arabicPeriod"/>
-            </a:pPr>
-            <a:endParaRPr lang="en-IL" sz="1600" dirty="0"/>
-          </a:p>
-          <a:p>
-            <a:pPr marL="0" indent="0">
-              <a:buNone/>
-            </a:pPr>
-            <a:endParaRPr lang="en-IL" sz="1600" dirty="0"/>
-          </a:p>
-          <a:p>
-            <a:pPr marL="0" indent="0">
-              <a:buNone/>
-            </a:pPr>
-            <a:endParaRPr lang="en-IL" sz="1600" dirty="0"/>
+          <a:bodyPr/>
+          <a:lstStyle/>
+          <a:p>
+            <a:r>
+              <a:rPr lang="en-IL" dirty="0"/>
+              <a:t>”terraform apply/destroy –target &lt;resource name&gt;” – thise will create or destroy a specific resource without changing the other infrastructure</a:t>
+            </a:r>
+          </a:p>
+          <a:p>
+            <a:r>
+              <a:rPr lang="en-IL" dirty="0"/>
+              <a:t>”terraform validate” – will run a syntax check across all of your .tf files but might miss some syntax errors</a:t>
+            </a:r>
+          </a:p>
+          <a:p>
+            <a:r>
+              <a:rPr lang="en-US" dirty="0"/>
+              <a:t>“terraform providers” – will show you all the providers used in your project in a “tree” view</a:t>
+            </a:r>
+          </a:p>
+          <a:p>
+            <a:r>
+              <a:rPr lang="en-IL" dirty="0"/>
+              <a:t>“terraform import” – will import an existing resource into your tfstate file</a:t>
+            </a:r>
+          </a:p>
+          <a:p>
+            <a:endParaRPr lang="en-IL" dirty="0"/>
           </a:p>
         </p:txBody>
       </p:sp>
     </p:spTree>
     <p:extLst>
       <p:ext uri="{BB962C8B-B14F-4D97-AF65-F5344CB8AC3E}">
-        <p14:creationId xmlns:p14="http://schemas.microsoft.com/office/powerpoint/2010/main" val="453868289"/>
+        <p14:creationId xmlns:p14="http://schemas.microsoft.com/office/powerpoint/2010/main" val="1021470420"/>
       </p:ext>
     </p:extLst>
   </p:cSld>
@@ -4018,7 +3939,7 @@
           <p:cNvPr id="2" name="Title 1">
             <a:extLst>
               <a:ext uri="{FF2B5EF4-FFF2-40B4-BE49-F238E27FC236}">
-                <a16:creationId xmlns:a16="http://schemas.microsoft.com/office/drawing/2014/main" id="{4340634E-1960-4F4D-82AA-37FE96AD9E58}"/>
+                <a16:creationId xmlns:a16="http://schemas.microsoft.com/office/drawing/2014/main" id="{0DF592A7-5320-664A-992C-4CCDEC3E7229}"/>
               </a:ext>
             </a:extLst>
           </p:cNvPr>
@@ -4036,7 +3957,7 @@
           <a:p>
             <a:r>
               <a:rPr lang="en-IL" dirty="0"/>
-              <a:t>Demo_6_modules: tf_demo/demo_6_modules </a:t>
+              <a:t>Modules</a:t>
             </a:r>
           </a:p>
         </p:txBody>
@@ -4046,7 +3967,7 @@
           <p:cNvPr id="3" name="Content Placeholder 2">
             <a:extLst>
               <a:ext uri="{FF2B5EF4-FFF2-40B4-BE49-F238E27FC236}">
-                <a16:creationId xmlns:a16="http://schemas.microsoft.com/office/drawing/2014/main" id="{5855D59C-C6CE-6444-91BE-4E0B37C1E8E1}"/>
+                <a16:creationId xmlns:a16="http://schemas.microsoft.com/office/drawing/2014/main" id="{2C63E211-845C-674F-9685-EC40F43CF494}"/>
               </a:ext>
             </a:extLst>
           </p:cNvPr>
@@ -4059,72 +3980,139 @@
         </p:nvSpPr>
         <p:spPr/>
         <p:txBody>
-          <a:bodyPr/>
-          <a:lstStyle/>
-          <a:p>
-            <a:r>
-              <a:rPr lang="en-IL" dirty="0"/>
-              <a:t>Server module: creating our webserver</a:t>
-            </a:r>
-          </a:p>
-          <a:p>
-            <a:r>
-              <a:rPr lang="en-IL" dirty="0"/>
-              <a:t>Network module: creating all the network components</a:t>
-            </a:r>
-          </a:p>
-          <a:p>
-            <a:r>
-              <a:rPr lang="en-IL" dirty="0"/>
-              <a:t>Root main.tf: calling both modules and pupoluates the variables</a:t>
-            </a:r>
-          </a:p>
-          <a:p>
-            <a:r>
-              <a:rPr lang="en-US" dirty="0"/>
-              <a:t>T</a:t>
-            </a:r>
-            <a:r>
-              <a:rPr lang="en-IL" dirty="0"/>
-              <a:t>erraform.tfvars: contains the values of the variables to be injected into the modules</a:t>
-            </a:r>
-          </a:p>
-          <a:p>
-            <a:r>
-              <a:rPr lang="en-US" dirty="0"/>
-              <a:t>Root </a:t>
-            </a:r>
-            <a:r>
-              <a:rPr lang="en-US" dirty="0" err="1"/>
-              <a:t>outputs.tf</a:t>
-            </a:r>
-            <a:r>
-              <a:rPr lang="en-US" dirty="0"/>
-              <a:t>: will output the </a:t>
-            </a:r>
-            <a:r>
-              <a:rPr lang="en-US" dirty="0" err="1"/>
-              <a:t>server_ip</a:t>
-            </a:r>
-            <a:endParaRPr lang="en-US" dirty="0"/>
-          </a:p>
-          <a:p>
-            <a:r>
-              <a:rPr lang="en-US" dirty="0" err="1"/>
-              <a:t>Depends_on</a:t>
-            </a:r>
-            <a:r>
-              <a:rPr lang="en-US" dirty="0"/>
-              <a:t>: server module will depend on the completion of the network module</a:t>
-            </a:r>
-            <a:endParaRPr lang="en-IL" dirty="0"/>
+          <a:bodyPr>
+            <a:normAutofit/>
+          </a:bodyPr>
+          <a:lstStyle/>
+          <a:p>
+            <a:pPr marL="0" indent="0">
+              <a:buNone/>
+            </a:pPr>
+            <a:r>
+              <a:rPr lang="en-IL" sz="1600" dirty="0"/>
+              <a:t>Modules are a way to isolate specific resources and provision them at any time, dynamically and without using a duplicate code inside your main root file.</a:t>
+            </a:r>
+          </a:p>
+          <a:p>
+            <a:pPr marL="0" indent="0">
+              <a:buNone/>
+            </a:pPr>
+            <a:r>
+              <a:rPr lang="en-IL" sz="1600" dirty="0"/>
+              <a:t>As we saw in the previous demos, the standard files that are making up the terraform code are: </a:t>
+            </a:r>
+          </a:p>
+          <a:p>
+            <a:pPr marL="342900" indent="-342900">
+              <a:buAutoNum type="arabicPeriod"/>
+            </a:pPr>
+            <a:r>
+              <a:rPr lang="en-IL" sz="1600" dirty="0"/>
+              <a:t>main.tf</a:t>
+            </a:r>
+          </a:p>
+          <a:p>
+            <a:pPr marL="342900" indent="-342900">
+              <a:buAutoNum type="arabicPeriod"/>
+            </a:pPr>
+            <a:r>
+              <a:rPr lang="en-US" sz="1600" dirty="0"/>
+              <a:t>v</a:t>
+            </a:r>
+            <a:r>
+              <a:rPr lang="en-IL" sz="1600" dirty="0"/>
+              <a:t>ariables.tf</a:t>
+            </a:r>
+          </a:p>
+          <a:p>
+            <a:pPr marL="342900" indent="-342900">
+              <a:buAutoNum type="arabicPeriod"/>
+            </a:pPr>
+            <a:r>
+              <a:rPr lang="en-US" sz="1600" dirty="0"/>
+              <a:t>o</a:t>
+            </a:r>
+            <a:r>
+              <a:rPr lang="en-IL" sz="1600" dirty="0"/>
+              <a:t>utputs.tf</a:t>
+            </a:r>
+          </a:p>
+          <a:p>
+            <a:pPr>
+              <a:buFontTx/>
+              <a:buChar char="-"/>
+            </a:pPr>
+            <a:r>
+              <a:rPr lang="en-IL" sz="1600" dirty="0"/>
+              <a:t>Reminder: these files can all be pulled into one single files but this is never recommended</a:t>
+            </a:r>
+          </a:p>
+          <a:p>
+            <a:pPr marL="0" indent="0">
+              <a:buNone/>
+            </a:pPr>
+            <a:r>
+              <a:rPr lang="en-IL" sz="1600" dirty="0"/>
+              <a:t>Module will consist of the same files as your main one but will reside in a different folder. Once you wrote your module, you will need a way to call this module, populate the variables and provision it.</a:t>
+            </a:r>
+          </a:p>
+          <a:p>
+            <a:pPr marL="0" indent="0">
+              <a:buNone/>
+            </a:pPr>
+            <a:r>
+              <a:rPr lang="en-IL" sz="1600" dirty="0"/>
+              <a:t>So now your original ”root” folder with all the above files will be the place where you can call yout modules and apply them.</a:t>
+            </a:r>
+          </a:p>
+          <a:p>
+            <a:pPr marL="0" indent="0">
+              <a:buNone/>
+            </a:pPr>
+            <a:r>
+              <a:rPr lang="en-IL" sz="1600" dirty="0"/>
+              <a:t>”Calling” a module, will tell terraform upon apply/plan, to get all the resources from the module’s folder location and use them in your run.</a:t>
+            </a:r>
+          </a:p>
+          <a:p>
+            <a:pPr marL="0" indent="0">
+              <a:buNone/>
+            </a:pPr>
+            <a:r>
+              <a:rPr lang="en-IL" sz="1600" dirty="0"/>
+              <a:t>This is the perfect way to decouple different layers of your infrustructure into multiple modules that can be called when needed and a fine grain control over each resource</a:t>
+            </a:r>
+          </a:p>
+          <a:p>
+            <a:pPr marL="0" indent="0">
+              <a:buNone/>
+            </a:pPr>
+            <a:endParaRPr lang="en-IL" sz="1600" dirty="0"/>
+          </a:p>
+          <a:p>
+            <a:pPr marL="342900" indent="-342900">
+              <a:buAutoNum type="arabicPeriod"/>
+            </a:pPr>
+            <a:endParaRPr lang="en-IL" sz="1600" dirty="0"/>
+          </a:p>
+          <a:p>
+            <a:pPr marL="0" indent="0">
+              <a:buNone/>
+            </a:pPr>
+            <a:endParaRPr lang="en-IL" sz="1600" dirty="0"/>
+          </a:p>
+          <a:p>
+            <a:pPr marL="0" indent="0">
+              <a:buNone/>
+            </a:pPr>
+            <a:endParaRPr lang="en-IL" sz="1600" dirty="0"/>
           </a:p>
         </p:txBody>
       </p:sp>
     </p:spTree>
     <p:extLst>
       <p:ext uri="{BB962C8B-B14F-4D97-AF65-F5344CB8AC3E}">
-        <p14:creationId xmlns:p14="http://schemas.microsoft.com/office/powerpoint/2010/main" val="2004404667"/>
+        <p14:creationId xmlns:p14="http://schemas.microsoft.com/office/powerpoint/2010/main" val="453868289"/>
       </p:ext>
     </p:extLst>
   </p:cSld>
@@ -4156,7 +4144,7 @@
           <p:cNvPr id="2" name="Title 1">
             <a:extLst>
               <a:ext uri="{FF2B5EF4-FFF2-40B4-BE49-F238E27FC236}">
-                <a16:creationId xmlns:a16="http://schemas.microsoft.com/office/drawing/2014/main" id="{D76B2E1D-677A-324B-A916-95BE633CB86D}"/>
+                <a16:creationId xmlns:a16="http://schemas.microsoft.com/office/drawing/2014/main" id="{4340634E-1960-4F4D-82AA-37FE96AD9E58}"/>
               </a:ext>
             </a:extLst>
           </p:cNvPr>
@@ -4174,7 +4162,7 @@
           <a:p>
             <a:r>
               <a:rPr lang="en-IL" dirty="0"/>
-              <a:t>Workspaces</a:t>
+              <a:t>Demo_6_modules: tf_demo/demo_6_modules </a:t>
             </a:r>
           </a:p>
         </p:txBody>
@@ -4184,7 +4172,7 @@
           <p:cNvPr id="3" name="Content Placeholder 2">
             <a:extLst>
               <a:ext uri="{FF2B5EF4-FFF2-40B4-BE49-F238E27FC236}">
-                <a16:creationId xmlns:a16="http://schemas.microsoft.com/office/drawing/2014/main" id="{DAFDD8BB-904B-7840-B6CF-E1FC6067FFAF}"/>
+                <a16:creationId xmlns:a16="http://schemas.microsoft.com/office/drawing/2014/main" id="{5855D59C-C6CE-6444-91BE-4E0B37C1E8E1}"/>
               </a:ext>
             </a:extLst>
           </p:cNvPr>
@@ -4197,223 +4185,72 @@
         </p:nvSpPr>
         <p:spPr/>
         <p:txBody>
-          <a:bodyPr>
-            <a:normAutofit/>
-          </a:bodyPr>
-          <a:lstStyle/>
-          <a:p>
-            <a:r>
-              <a:rPr lang="en-US" sz="1800" dirty="0">
-                <a:solidFill>
-                  <a:srgbClr val="1D1E23"/>
-                </a:solidFill>
-                <a:latin typeface="metro-web"/>
-              </a:rPr>
-              <a:t>Each Terraform configuration has an associated </a:t>
-            </a:r>
-            <a:r>
-              <a:rPr lang="en-US" sz="1800" dirty="0">
-                <a:solidFill>
-                  <a:srgbClr val="623CE4"/>
-                </a:solidFill>
-                <a:latin typeface="metro-web"/>
-                <a:hlinkClick r:id="rId2">
-                  <a:extLst>
-                    <a:ext uri="{A12FA001-AC4F-418D-AE19-62706E023703}">
-                      <ahyp:hlinkClr xmlns:ahyp="http://schemas.microsoft.com/office/drawing/2018/hyperlinkcolor" val="tx"/>
-                    </a:ext>
-                  </a:extLst>
-                </a:hlinkClick>
-              </a:rPr>
-              <a:t>backend</a:t>
-            </a:r>
-            <a:r>
-              <a:rPr lang="en-US" sz="1800" dirty="0">
-                <a:solidFill>
-                  <a:srgbClr val="1D1E23"/>
-                </a:solidFill>
-                <a:latin typeface="metro-web"/>
-              </a:rPr>
-              <a:t> that defines how operations are executed and where persistent data such as </a:t>
-            </a:r>
-            <a:r>
-              <a:rPr lang="en-US" sz="1800" dirty="0">
-                <a:solidFill>
-                  <a:srgbClr val="623CE4"/>
-                </a:solidFill>
-                <a:latin typeface="metro-web"/>
-                <a:hlinkClick r:id="rId3">
-                  <a:extLst>
-                    <a:ext uri="{A12FA001-AC4F-418D-AE19-62706E023703}">
-                      <ahyp:hlinkClr xmlns:ahyp="http://schemas.microsoft.com/office/drawing/2018/hyperlinkcolor" val="tx"/>
-                    </a:ext>
-                  </a:extLst>
-                </a:hlinkClick>
-              </a:rPr>
-              <a:t>the Terraform state</a:t>
-            </a:r>
-            <a:r>
-              <a:rPr lang="en-US" sz="1800" dirty="0">
-                <a:solidFill>
-                  <a:srgbClr val="1D1E23"/>
-                </a:solidFill>
-                <a:latin typeface="metro-web"/>
-              </a:rPr>
-              <a:t> are stored</a:t>
-            </a:r>
-          </a:p>
-          <a:p>
-            <a:r>
-              <a:rPr lang="en-US" sz="1800" dirty="0">
-                <a:solidFill>
-                  <a:srgbClr val="1D1E23"/>
-                </a:solidFill>
-                <a:latin typeface="metro-web"/>
-              </a:rPr>
-              <a:t>The persistent data stored in the backend belongs to a </a:t>
-            </a:r>
-            <a:r>
-              <a:rPr lang="en-US" sz="1800" i="1" dirty="0">
-                <a:solidFill>
-                  <a:srgbClr val="1D1E23"/>
-                </a:solidFill>
-                <a:latin typeface="metro-web"/>
-              </a:rPr>
-              <a:t>workspace</a:t>
-            </a:r>
-            <a:r>
-              <a:rPr lang="en-US" sz="1800" dirty="0">
-                <a:solidFill>
-                  <a:srgbClr val="1D1E23"/>
-                </a:solidFill>
-                <a:latin typeface="metro-web"/>
-              </a:rPr>
-              <a:t>. Initially the backend has only one workspace, called "default", and thus there is only one Terraform state associated with that configuration</a:t>
-            </a:r>
-          </a:p>
-          <a:p>
-            <a:r>
-              <a:rPr lang="en-US" sz="1800" dirty="0">
-                <a:solidFill>
-                  <a:srgbClr val="1D1E23"/>
-                </a:solidFill>
-                <a:latin typeface="metro-web"/>
-              </a:rPr>
-              <a:t>By creating multiple workspaces, you can control multiple environments and it’s resources</a:t>
-            </a:r>
-          </a:p>
-          <a:p>
-            <a:r>
-              <a:rPr lang="en-US" sz="1800" dirty="0">
-                <a:solidFill>
-                  <a:srgbClr val="1D1E23"/>
-                </a:solidFill>
-                <a:latin typeface="metro-web"/>
-              </a:rPr>
-              <a:t>Each workspace will create it’s on </a:t>
-            </a:r>
-            <a:r>
-              <a:rPr lang="en-US" sz="1800" dirty="0" err="1">
-                <a:solidFill>
-                  <a:srgbClr val="1D1E23"/>
-                </a:solidFill>
-                <a:latin typeface="metro-web"/>
-              </a:rPr>
-              <a:t>tfstate</a:t>
-            </a:r>
-            <a:r>
-              <a:rPr lang="en-US" sz="1800" dirty="0">
-                <a:solidFill>
-                  <a:srgbClr val="1D1E23"/>
-                </a:solidFill>
-                <a:latin typeface="metro-web"/>
-              </a:rPr>
-              <a:t> after a run.</a:t>
-            </a:r>
-          </a:p>
-          <a:p>
-            <a:r>
-              <a:rPr lang="en-US" sz="1800" dirty="0">
-                <a:solidFill>
-                  <a:srgbClr val="1D1E23"/>
-                </a:solidFill>
-                <a:latin typeface="metro-web"/>
-              </a:rPr>
-              <a:t>Commands: </a:t>
-            </a:r>
-            <a:br>
-              <a:rPr lang="en-IL" sz="1800" dirty="0">
-                <a:solidFill>
-                  <a:srgbClr val="1D1E23"/>
-                </a:solidFill>
-                <a:latin typeface="metro-web"/>
-              </a:rPr>
-            </a:br>
-            <a:r>
-              <a:rPr lang="en-IL" sz="1800" dirty="0">
-                <a:solidFill>
-                  <a:srgbClr val="1D1E23"/>
-                </a:solidFill>
-                <a:latin typeface="metro-web"/>
-              </a:rPr>
-              <a:t>- </a:t>
-            </a:r>
-            <a:r>
-              <a:rPr lang="en-US" sz="1800" dirty="0"/>
-              <a:t>terraform workspace new dev: will create a new workspace for the dev environment and will be completely separated from the default one</a:t>
-            </a:r>
-            <a:br>
-              <a:rPr lang="en-US" sz="1800" dirty="0"/>
-            </a:br>
-            <a:r>
-              <a:rPr lang="en-US" sz="1800" dirty="0"/>
-              <a:t>- terraform workspace show: show all the workspaces available and the current one being used</a:t>
-            </a:r>
-          </a:p>
-          <a:p>
-            <a:r>
-              <a:rPr lang="en-US" sz="1800" dirty="0">
-                <a:solidFill>
-                  <a:srgbClr val="1D1E23"/>
-                </a:solidFill>
-                <a:latin typeface="metro-web"/>
-              </a:rPr>
-              <a:t>For local state, Terraform stores the workspace states in a directory called </a:t>
-            </a:r>
-            <a:r>
-              <a:rPr lang="en-US" sz="1800" dirty="0" err="1"/>
-              <a:t>terraform.tfstate.d</a:t>
-            </a:r>
-            <a:r>
-              <a:rPr lang="en-US" sz="1800" dirty="0">
-                <a:solidFill>
-                  <a:srgbClr val="1D1E23"/>
-                </a:solidFill>
-                <a:latin typeface="metro-web"/>
-              </a:rPr>
-              <a:t>. This directory should be treated similarly to local-only </a:t>
-            </a:r>
-            <a:r>
-              <a:rPr lang="en-US" sz="1800" dirty="0" err="1"/>
-              <a:t>terraform.tfstate</a:t>
-            </a:r>
-            <a:r>
-              <a:rPr lang="en-US" sz="1800" dirty="0">
-                <a:solidFill>
-                  <a:srgbClr val="1D1E23"/>
-                </a:solidFill>
-                <a:latin typeface="metro-web"/>
-              </a:rPr>
-              <a:t>; some teams commit these files to version control, although using a remote backend instead is recommended when there are multiple collaborators.</a:t>
-            </a:r>
-            <a:endParaRPr lang="en-US" sz="1800" dirty="0"/>
+          <a:bodyPr/>
+          <a:lstStyle/>
+          <a:p>
+            <a:r>
+              <a:rPr lang="en-IL" dirty="0"/>
+              <a:t>Server module: creating our webserver</a:t>
+            </a:r>
+          </a:p>
+          <a:p>
+            <a:r>
+              <a:rPr lang="en-IL" dirty="0"/>
+              <a:t>Network module: creating all the network components</a:t>
+            </a:r>
+          </a:p>
+          <a:p>
+            <a:r>
+              <a:rPr lang="en-IL" dirty="0"/>
+              <a:t>Root main.tf: calling both modules and pupoluates the variables</a:t>
+            </a:r>
+          </a:p>
+          <a:p>
+            <a:r>
+              <a:rPr lang="en-US" dirty="0"/>
+              <a:t>T</a:t>
+            </a:r>
+            <a:r>
+              <a:rPr lang="en-IL" dirty="0"/>
+              <a:t>erraform.tfvars: contains the values of the variables to be injected into the modules</a:t>
+            </a:r>
+          </a:p>
+          <a:p>
+            <a:r>
+              <a:rPr lang="en-US" dirty="0"/>
+              <a:t>Root </a:t>
+            </a:r>
+            <a:r>
+              <a:rPr lang="en-US" dirty="0" err="1"/>
+              <a:t>outputs.tf</a:t>
+            </a:r>
+            <a:r>
+              <a:rPr lang="en-US" dirty="0"/>
+              <a:t>: will output the </a:t>
+            </a:r>
+            <a:r>
+              <a:rPr lang="en-US" dirty="0" err="1"/>
+              <a:t>server_ip</a:t>
+            </a:r>
+            <a:endParaRPr lang="en-US" dirty="0"/>
+          </a:p>
+          <a:p>
+            <a:r>
+              <a:rPr lang="en-US" dirty="0" err="1"/>
+              <a:t>Depends_on</a:t>
+            </a:r>
+            <a:r>
+              <a:rPr lang="en-US" dirty="0"/>
+              <a:t>: server module will depend on the completion of the network module</a:t>
+            </a:r>
+            <a:endParaRPr lang="en-IL" dirty="0"/>
           </a:p>
         </p:txBody>
       </p:sp>
     </p:spTree>
     <p:extLst>
       <p:ext uri="{BB962C8B-B14F-4D97-AF65-F5344CB8AC3E}">
-        <p14:creationId xmlns:p14="http://schemas.microsoft.com/office/powerpoint/2010/main" val="3197203705"/>
+        <p14:creationId xmlns:p14="http://schemas.microsoft.com/office/powerpoint/2010/main" val="2004404667"/>
       </p:ext>
     </p:extLst>
   </p:cSld>
@@ -4445,7 +4282,7 @@
           <p:cNvPr id="2" name="Title 1">
             <a:extLst>
               <a:ext uri="{FF2B5EF4-FFF2-40B4-BE49-F238E27FC236}">
-                <a16:creationId xmlns:a16="http://schemas.microsoft.com/office/drawing/2014/main" id="{6E9EBAF7-D8C2-0348-800A-2C405EA1C6FD}"/>
+                <a16:creationId xmlns:a16="http://schemas.microsoft.com/office/drawing/2014/main" id="{D76B2E1D-677A-324B-A916-95BE633CB86D}"/>
               </a:ext>
             </a:extLst>
           </p:cNvPr>
@@ -4463,7 +4300,7 @@
           <a:p>
             <a:r>
               <a:rPr lang="en-IL" dirty="0"/>
-              <a:t>Demo_7_modules: tf_demo/demo_7_workspaces </a:t>
+              <a:t>Workspaces</a:t>
             </a:r>
           </a:p>
         </p:txBody>
@@ -4473,7 +4310,7 @@
           <p:cNvPr id="3" name="Content Placeholder 2">
             <a:extLst>
               <a:ext uri="{FF2B5EF4-FFF2-40B4-BE49-F238E27FC236}">
-                <a16:creationId xmlns:a16="http://schemas.microsoft.com/office/drawing/2014/main" id="{BCC5D51B-3BA5-F34F-994D-AEF78AA0E9DD}"/>
+                <a16:creationId xmlns:a16="http://schemas.microsoft.com/office/drawing/2014/main" id="{DAFDD8BB-904B-7840-B6CF-E1FC6067FFAF}"/>
               </a:ext>
             </a:extLst>
           </p:cNvPr>
@@ -4487,158 +4324,214 @@
         <p:spPr/>
         <p:txBody>
           <a:bodyPr>
-            <a:normAutofit lnSpcReduction="10000"/>
+            <a:normAutofit/>
           </a:bodyPr>
           <a:lstStyle/>
           <a:p>
             <a:r>
+              <a:rPr lang="en-US" sz="1800" dirty="0">
+                <a:solidFill>
+                  <a:srgbClr val="1D1E23"/>
+                </a:solidFill>
+                <a:latin typeface="metro-web"/>
+              </a:rPr>
+              <a:t>Each Terraform configuration has an associated </a:t>
+            </a:r>
+            <a:r>
+              <a:rPr lang="en-US" sz="1800" dirty="0">
+                <a:solidFill>
+                  <a:srgbClr val="623CE4"/>
+                </a:solidFill>
+                <a:latin typeface="metro-web"/>
+                <a:hlinkClick r:id="rId2">
+                  <a:extLst>
+                    <a:ext uri="{A12FA001-AC4F-418D-AE19-62706E023703}">
+                      <ahyp:hlinkClr xmlns:ahyp="http://schemas.microsoft.com/office/drawing/2018/hyperlinkcolor" val="tx"/>
+                    </a:ext>
+                  </a:extLst>
+                </a:hlinkClick>
+              </a:rPr>
+              <a:t>backend</a:t>
+            </a:r>
+            <a:r>
+              <a:rPr lang="en-US" sz="1800" dirty="0">
+                <a:solidFill>
+                  <a:srgbClr val="1D1E23"/>
+                </a:solidFill>
+                <a:latin typeface="metro-web"/>
+              </a:rPr>
+              <a:t> that defines how operations are executed and where persistent data such as </a:t>
+            </a:r>
+            <a:r>
+              <a:rPr lang="en-US" sz="1800" dirty="0">
+                <a:solidFill>
+                  <a:srgbClr val="623CE4"/>
+                </a:solidFill>
+                <a:latin typeface="metro-web"/>
+                <a:hlinkClick r:id="rId3">
+                  <a:extLst>
+                    <a:ext uri="{A12FA001-AC4F-418D-AE19-62706E023703}">
+                      <ahyp:hlinkClr xmlns:ahyp="http://schemas.microsoft.com/office/drawing/2018/hyperlinkcolor" val="tx"/>
+                    </a:ext>
+                  </a:extLst>
+                </a:hlinkClick>
+              </a:rPr>
+              <a:t>the Terraform state</a:t>
+            </a:r>
+            <a:r>
+              <a:rPr lang="en-US" sz="1800" dirty="0">
+                <a:solidFill>
+                  <a:srgbClr val="1D1E23"/>
+                </a:solidFill>
+                <a:latin typeface="metro-web"/>
+              </a:rPr>
+              <a:t> are stored</a:t>
+            </a:r>
+          </a:p>
+          <a:p>
+            <a:r>
+              <a:rPr lang="en-US" sz="1800" dirty="0">
+                <a:solidFill>
+                  <a:srgbClr val="1D1E23"/>
+                </a:solidFill>
+                <a:latin typeface="metro-web"/>
+              </a:rPr>
+              <a:t>The persistent data stored in the backend belongs to a </a:t>
+            </a:r>
+            <a:r>
+              <a:rPr lang="en-US" sz="1800" i="1" dirty="0">
+                <a:solidFill>
+                  <a:srgbClr val="1D1E23"/>
+                </a:solidFill>
+                <a:latin typeface="metro-web"/>
+              </a:rPr>
+              <a:t>workspace</a:t>
+            </a:r>
+            <a:r>
+              <a:rPr lang="en-US" sz="1800" dirty="0">
+                <a:solidFill>
+                  <a:srgbClr val="1D1E23"/>
+                </a:solidFill>
+                <a:latin typeface="metro-web"/>
+              </a:rPr>
+              <a:t>. Initially the backend has only one workspace, called "default", and thus there is only one Terraform state associated with that configuration</a:t>
+            </a:r>
+          </a:p>
+          <a:p>
+            <a:r>
+              <a:rPr lang="en-US" sz="1800" dirty="0">
+                <a:solidFill>
+                  <a:srgbClr val="1D1E23"/>
+                </a:solidFill>
+                <a:latin typeface="metro-web"/>
+              </a:rPr>
+              <a:t>By creating multiple workspaces, you can control multiple environments and it’s resources</a:t>
+            </a:r>
+          </a:p>
+          <a:p>
+            <a:r>
+              <a:rPr lang="en-US" sz="1800" dirty="0">
+                <a:solidFill>
+                  <a:srgbClr val="1D1E23"/>
+                </a:solidFill>
+                <a:latin typeface="metro-web"/>
+              </a:rPr>
+              <a:t>Each workspace will create it’s on </a:t>
+            </a:r>
+            <a:r>
+              <a:rPr lang="en-US" sz="1800" dirty="0" err="1">
+                <a:solidFill>
+                  <a:srgbClr val="1D1E23"/>
+                </a:solidFill>
+                <a:latin typeface="metro-web"/>
+              </a:rPr>
+              <a:t>tfstate</a:t>
+            </a:r>
+            <a:r>
+              <a:rPr lang="en-US" sz="1800" dirty="0">
+                <a:solidFill>
+                  <a:srgbClr val="1D1E23"/>
+                </a:solidFill>
+                <a:latin typeface="metro-web"/>
+              </a:rPr>
+              <a:t> after a run.</a:t>
+            </a:r>
+          </a:p>
+          <a:p>
+            <a:r>
+              <a:rPr lang="en-US" sz="1800" dirty="0">
+                <a:solidFill>
+                  <a:srgbClr val="1D1E23"/>
+                </a:solidFill>
+                <a:latin typeface="metro-web"/>
+              </a:rPr>
+              <a:t>Commands: </a:t>
+            </a:r>
+            <a:br>
+              <a:rPr lang="en-IL" sz="1800" dirty="0">
+                <a:solidFill>
+                  <a:srgbClr val="1D1E23"/>
+                </a:solidFill>
+                <a:latin typeface="metro-web"/>
+              </a:rPr>
+            </a:br>
+            <a:r>
+              <a:rPr lang="en-IL" sz="1800" dirty="0">
+                <a:solidFill>
+                  <a:srgbClr val="1D1E23"/>
+                </a:solidFill>
+                <a:latin typeface="metro-web"/>
+              </a:rPr>
+              <a:t>- </a:t>
+            </a:r>
+            <a:r>
               <a:rPr lang="en-US" sz="1800" dirty="0"/>
-              <a:t>T</a:t>
-            </a:r>
-            <a:r>
-              <a:rPr lang="en-IL" sz="1800" dirty="0"/>
-              <a:t>erraform workspace show: show all ws and the current one</a:t>
-            </a:r>
-          </a:p>
-          <a:p>
-            <a:r>
+              <a:t>terraform workspace new dev: will create a new workspace for the dev environment and will be completely separated from the default one</a:t>
+            </a:r>
+            <a:br>
               <a:rPr lang="en-US" sz="1800" dirty="0"/>
-              <a:t>T</a:t>
-            </a:r>
-            <a:r>
-              <a:rPr lang="en-IL" sz="1800" dirty="0"/>
-              <a:t>erraform workspace create dev: create dev ws</a:t>
-            </a:r>
-          </a:p>
-          <a:p>
+            </a:br>
             <a:r>
               <a:rPr lang="en-US" sz="1800" dirty="0"/>
-              <a:t>T</a:t>
-            </a:r>
-            <a:r>
-              <a:rPr lang="en-IL" sz="1800" dirty="0"/>
-              <a:t>erraform workspace create prod: create prod ws </a:t>
-            </a:r>
-          </a:p>
-          <a:p>
-            <a:r>
-              <a:rPr lang="en-IL" sz="1800" dirty="0"/>
-              <a:t>You will notice that </a:t>
+              <a:t>- terraform workspace show: show all the workspaces available and the current one being used</a:t>
+            </a:r>
+          </a:p>
+          <a:p>
+            <a:r>
+              <a:rPr lang="en-US" sz="1800" dirty="0">
+                <a:solidFill>
+                  <a:srgbClr val="1D1E23"/>
+                </a:solidFill>
+                <a:latin typeface="metro-web"/>
+              </a:rPr>
+              <a:t>For local state, Terraform stores the workspace states in a directory called </a:t>
             </a:r>
             <a:r>
               <a:rPr lang="en-US" sz="1800" dirty="0" err="1"/>
               <a:t>terraform.tfstate.d</a:t>
             </a:r>
             <a:r>
-              <a:rPr lang="en-US" sz="1800" dirty="0"/>
-              <a:t> folder has been created with “dev” and “prod” folders inside. These are your workspaces to store the </a:t>
+              <a:rPr lang="en-US" sz="1800" dirty="0">
+                <a:solidFill>
+                  <a:srgbClr val="1D1E23"/>
+                </a:solidFill>
+                <a:latin typeface="metro-web"/>
+              </a:rPr>
+              <a:t>. This directory should be treated similarly to local-only </a:t>
             </a:r>
             <a:r>
               <a:rPr lang="en-US" sz="1800" dirty="0" err="1"/>
-              <a:t>tfstate</a:t>
-            </a:r>
-            <a:r>
-              <a:rPr lang="en-US" sz="1800" dirty="0"/>
-              <a:t> file in</a:t>
-            </a:r>
-          </a:p>
-          <a:p>
-            <a:r>
-              <a:rPr lang="en-US" sz="1800" dirty="0"/>
-              <a:t>Terraform workspace select dev: switch to dev </a:t>
-            </a:r>
-            <a:r>
-              <a:rPr lang="en-US" sz="1800" dirty="0" err="1"/>
-              <a:t>ws</a:t>
-            </a:r>
-            <a:endParaRPr lang="en-US" sz="1800" dirty="0"/>
-          </a:p>
-          <a:p>
-            <a:r>
-              <a:rPr lang="en-US" sz="1800" dirty="0"/>
-              <a:t>Terraform </a:t>
-            </a:r>
-            <a:r>
-              <a:rPr lang="en-US" sz="1800" dirty="0" err="1"/>
-              <a:t>aply</a:t>
-            </a:r>
-            <a:endParaRPr lang="en-US" sz="1800" dirty="0"/>
-          </a:p>
-          <a:p>
-            <a:r>
-              <a:rPr lang="en-US" sz="1800" dirty="0"/>
-              <a:t>Terraform workspace select prod: switch to prod </a:t>
-            </a:r>
-            <a:r>
-              <a:rPr lang="en-US" sz="1800" dirty="0" err="1"/>
-              <a:t>ws</a:t>
-            </a:r>
-            <a:endParaRPr lang="en-US" sz="1800" dirty="0"/>
-          </a:p>
-          <a:p>
-            <a:r>
-              <a:rPr lang="en-US" sz="1800" dirty="0"/>
-              <a:t>Terraform apply</a:t>
-            </a:r>
-          </a:p>
-          <a:p>
-            <a:pPr marL="0" indent="0">
-              <a:buNone/>
-            </a:pPr>
-            <a:r>
-              <a:rPr lang="en-US" sz="1800" dirty="0"/>
-              <a:t>You will notice that each folder under </a:t>
-            </a:r>
-            <a:r>
-              <a:rPr lang="en-US" sz="1800" dirty="0" err="1"/>
-              <a:t>terraform.tfstate.d</a:t>
-            </a:r>
-            <a:r>
-              <a:rPr lang="en-US" sz="1800" dirty="0"/>
-              <a:t> has it’s own state file and both applies were successful although we were using the exact same code with the same </a:t>
-            </a:r>
-            <a:r>
-              <a:rPr lang="en-US" sz="1800" dirty="0" err="1"/>
-              <a:t>resrource</a:t>
-            </a:r>
-            <a:r>
-              <a:rPr lang="en-US" sz="1800" dirty="0"/>
-              <a:t>.</a:t>
-            </a:r>
-          </a:p>
-          <a:p>
-            <a:pPr marL="0" indent="0">
-              <a:buNone/>
-            </a:pPr>
-            <a:r>
-              <a:rPr lang="en-US" sz="1800" dirty="0"/>
-              <a:t>Now you have to instances running with their own state file</a:t>
-            </a:r>
-          </a:p>
-          <a:p>
-            <a:pPr marL="0" indent="0">
-              <a:buNone/>
-            </a:pPr>
-            <a:r>
-              <a:rPr lang="en-US" sz="1800" dirty="0"/>
-              <a:t>To clean up switch to each </a:t>
-            </a:r>
-            <a:r>
-              <a:rPr lang="en-US" sz="1800" dirty="0" err="1"/>
-              <a:t>ws</a:t>
-            </a:r>
-            <a:r>
-              <a:rPr lang="en-US" sz="1800" dirty="0"/>
-              <a:t> and run terraform destroy</a:t>
-            </a:r>
-          </a:p>
-          <a:p>
-            <a:endParaRPr lang="en-US" sz="1800" dirty="0"/>
-          </a:p>
-          <a:p>
-            <a:pPr marL="0" indent="0">
-              <a:buNone/>
-            </a:pPr>
+              <a:t>terraform.tfstate</a:t>
+            </a:r>
+            <a:r>
+              <a:rPr lang="en-US" sz="1800" dirty="0">
+                <a:solidFill>
+                  <a:srgbClr val="1D1E23"/>
+                </a:solidFill>
+                <a:latin typeface="metro-web"/>
+              </a:rPr>
+              <a:t>; some teams commit these files to version control, although using a remote backend instead is recommended when there are multiple collaborators.</a:t>
+            </a:r>
             <a:endParaRPr lang="en-US" sz="1800" dirty="0"/>
           </a:p>
         </p:txBody>
@@ -4646,7 +4539,7 @@
     </p:spTree>
     <p:extLst>
       <p:ext uri="{BB962C8B-B14F-4D97-AF65-F5344CB8AC3E}">
-        <p14:creationId xmlns:p14="http://schemas.microsoft.com/office/powerpoint/2010/main" val="2634557769"/>
+        <p14:creationId xmlns:p14="http://schemas.microsoft.com/office/powerpoint/2010/main" val="3197203705"/>
       </p:ext>
     </p:extLst>
   </p:cSld>
@@ -4678,6 +4571,239 @@
           <p:cNvPr id="2" name="Title 1">
             <a:extLst>
               <a:ext uri="{FF2B5EF4-FFF2-40B4-BE49-F238E27FC236}">
+                <a16:creationId xmlns:a16="http://schemas.microsoft.com/office/drawing/2014/main" id="{6E9EBAF7-D8C2-0348-800A-2C405EA1C6FD}"/>
+              </a:ext>
+            </a:extLst>
+          </p:cNvPr>
+          <p:cNvSpPr>
+            <a:spLocks noGrp="1"/>
+          </p:cNvSpPr>
+          <p:nvPr>
+            <p:ph type="title"/>
+          </p:nvPr>
+        </p:nvSpPr>
+        <p:spPr/>
+        <p:txBody>
+          <a:bodyPr/>
+          <a:lstStyle/>
+          <a:p>
+            <a:r>
+              <a:rPr lang="en-IL" dirty="0"/>
+              <a:t>Demo_7_modules: tf_demo/demo_7_workspaces </a:t>
+            </a:r>
+          </a:p>
+        </p:txBody>
+      </p:sp>
+      <p:sp>
+        <p:nvSpPr>
+          <p:cNvPr id="3" name="Content Placeholder 2">
+            <a:extLst>
+              <a:ext uri="{FF2B5EF4-FFF2-40B4-BE49-F238E27FC236}">
+                <a16:creationId xmlns:a16="http://schemas.microsoft.com/office/drawing/2014/main" id="{BCC5D51B-3BA5-F34F-994D-AEF78AA0E9DD}"/>
+              </a:ext>
+            </a:extLst>
+          </p:cNvPr>
+          <p:cNvSpPr>
+            <a:spLocks noGrp="1"/>
+          </p:cNvSpPr>
+          <p:nvPr>
+            <p:ph idx="1"/>
+          </p:nvPr>
+        </p:nvSpPr>
+        <p:spPr/>
+        <p:txBody>
+          <a:bodyPr>
+            <a:normAutofit lnSpcReduction="10000"/>
+          </a:bodyPr>
+          <a:lstStyle/>
+          <a:p>
+            <a:r>
+              <a:rPr lang="en-US" sz="1800" dirty="0"/>
+              <a:t>T</a:t>
+            </a:r>
+            <a:r>
+              <a:rPr lang="en-IL" sz="1800" dirty="0"/>
+              <a:t>erraform workspace show: show all ws and the current one</a:t>
+            </a:r>
+          </a:p>
+          <a:p>
+            <a:r>
+              <a:rPr lang="en-US" sz="1800" dirty="0"/>
+              <a:t>T</a:t>
+            </a:r>
+            <a:r>
+              <a:rPr lang="en-IL" sz="1800" dirty="0"/>
+              <a:t>erraform workspace create dev: create dev ws</a:t>
+            </a:r>
+          </a:p>
+          <a:p>
+            <a:r>
+              <a:rPr lang="en-US" sz="1800" dirty="0"/>
+              <a:t>T</a:t>
+            </a:r>
+            <a:r>
+              <a:rPr lang="en-IL" sz="1800" dirty="0"/>
+              <a:t>erraform workspace create prod: create prod ws </a:t>
+            </a:r>
+          </a:p>
+          <a:p>
+            <a:r>
+              <a:rPr lang="en-IL" sz="1800" dirty="0"/>
+              <a:t>You will notice that </a:t>
+            </a:r>
+            <a:r>
+              <a:rPr lang="en-US" sz="1800" dirty="0" err="1"/>
+              <a:t>terraform.tfstate.d</a:t>
+            </a:r>
+            <a:r>
+              <a:rPr lang="en-US" sz="1800" dirty="0"/>
+              <a:t> folder has been created with “dev” and “prod” folders inside. These are your workspaces to store the </a:t>
+            </a:r>
+            <a:r>
+              <a:rPr lang="en-US" sz="1800" dirty="0" err="1"/>
+              <a:t>tfstate</a:t>
+            </a:r>
+            <a:r>
+              <a:rPr lang="en-US" sz="1800" dirty="0"/>
+              <a:t> file in</a:t>
+            </a:r>
+          </a:p>
+          <a:p>
+            <a:r>
+              <a:rPr lang="en-US" sz="1800" dirty="0"/>
+              <a:t>Terraform workspace select dev: switch to dev </a:t>
+            </a:r>
+            <a:r>
+              <a:rPr lang="en-US" sz="1800" dirty="0" err="1"/>
+              <a:t>ws</a:t>
+            </a:r>
+            <a:endParaRPr lang="en-US" sz="1800" dirty="0"/>
+          </a:p>
+          <a:p>
+            <a:r>
+              <a:rPr lang="en-US" sz="1800" dirty="0"/>
+              <a:t>Terraform </a:t>
+            </a:r>
+            <a:r>
+              <a:rPr lang="en-US" sz="1800" dirty="0" err="1"/>
+              <a:t>aply</a:t>
+            </a:r>
+            <a:endParaRPr lang="en-US" sz="1800" dirty="0"/>
+          </a:p>
+          <a:p>
+            <a:r>
+              <a:rPr lang="en-US" sz="1800" dirty="0"/>
+              <a:t>Terraform workspace select prod: switch to prod </a:t>
+            </a:r>
+            <a:r>
+              <a:rPr lang="en-US" sz="1800" dirty="0" err="1"/>
+              <a:t>ws</a:t>
+            </a:r>
+            <a:endParaRPr lang="en-US" sz="1800" dirty="0"/>
+          </a:p>
+          <a:p>
+            <a:r>
+              <a:rPr lang="en-US" sz="1800" dirty="0"/>
+              <a:t>Terraform apply</a:t>
+            </a:r>
+          </a:p>
+          <a:p>
+            <a:pPr marL="0" indent="0">
+              <a:buNone/>
+            </a:pPr>
+            <a:r>
+              <a:rPr lang="en-US" sz="1800" dirty="0"/>
+              <a:t>You will notice that each folder under </a:t>
+            </a:r>
+            <a:r>
+              <a:rPr lang="en-US" sz="1800" dirty="0" err="1"/>
+              <a:t>terraform.tfstate.d</a:t>
+            </a:r>
+            <a:r>
+              <a:rPr lang="en-US" sz="1800" dirty="0"/>
+              <a:t> has it’s own state file and both applies were successful although we were using the exact same code with the same </a:t>
+            </a:r>
+            <a:r>
+              <a:rPr lang="en-US" sz="1800" dirty="0" err="1"/>
+              <a:t>resrource</a:t>
+            </a:r>
+            <a:r>
+              <a:rPr lang="en-US" sz="1800" dirty="0"/>
+              <a:t>.</a:t>
+            </a:r>
+          </a:p>
+          <a:p>
+            <a:pPr marL="0" indent="0">
+              <a:buNone/>
+            </a:pPr>
+            <a:r>
+              <a:rPr lang="en-US" sz="1800" dirty="0"/>
+              <a:t>Now you have to instances running with their own state file</a:t>
+            </a:r>
+          </a:p>
+          <a:p>
+            <a:pPr marL="0" indent="0">
+              <a:buNone/>
+            </a:pPr>
+            <a:r>
+              <a:rPr lang="en-US" sz="1800" dirty="0"/>
+              <a:t>To clean up switch to each </a:t>
+            </a:r>
+            <a:r>
+              <a:rPr lang="en-US" sz="1800" dirty="0" err="1"/>
+              <a:t>ws</a:t>
+            </a:r>
+            <a:r>
+              <a:rPr lang="en-US" sz="1800" dirty="0"/>
+              <a:t> and run terraform destroy</a:t>
+            </a:r>
+          </a:p>
+          <a:p>
+            <a:endParaRPr lang="en-US" sz="1800" dirty="0"/>
+          </a:p>
+          <a:p>
+            <a:pPr marL="0" indent="0">
+              <a:buNone/>
+            </a:pPr>
+            <a:endParaRPr lang="en-US" sz="1800" dirty="0"/>
+          </a:p>
+        </p:txBody>
+      </p:sp>
+    </p:spTree>
+    <p:extLst>
+      <p:ext uri="{BB962C8B-B14F-4D97-AF65-F5344CB8AC3E}">
+        <p14:creationId xmlns:p14="http://schemas.microsoft.com/office/powerpoint/2010/main" val="2634557769"/>
+      </p:ext>
+    </p:extLst>
+  </p:cSld>
+  <p:clrMapOvr>
+    <a:masterClrMapping/>
+  </p:clrMapOvr>
+</p:sld>
+</file>
+
+<file path=ppt/slides/slide16.xml><?xml version="1.0" encoding="utf-8"?>
+<p:sld xmlns:a="http://schemas.openxmlformats.org/drawingml/2006/main" xmlns:r="http://schemas.openxmlformats.org/officeDocument/2006/relationships" xmlns:p="http://schemas.openxmlformats.org/presentationml/2006/main">
+  <p:cSld>
+    <p:spTree>
+      <p:nvGrpSpPr>
+        <p:cNvPr id="1" name=""/>
+        <p:cNvGrpSpPr/>
+        <p:nvPr/>
+      </p:nvGrpSpPr>
+      <p:grpSpPr>
+        <a:xfrm>
+          <a:off x="0" y="0"/>
+          <a:ext cx="0" cy="0"/>
+          <a:chOff x="0" y="0"/>
+          <a:chExt cx="0" cy="0"/>
+        </a:xfrm>
+      </p:grpSpPr>
+      <p:sp>
+        <p:nvSpPr>
+          <p:cNvPr id="2" name="Title 1">
+            <a:extLst>
+              <a:ext uri="{FF2B5EF4-FFF2-40B4-BE49-F238E27FC236}">
                 <a16:creationId xmlns:a16="http://schemas.microsoft.com/office/drawing/2014/main" id="{AFC53C2C-1610-0345-92BF-D37181CD35CC}"/>
               </a:ext>
             </a:extLst>
@@ -4780,7 +4906,7 @@
           <a:p>
             <a:r>
               <a:rPr lang="en-US" dirty="0"/>
-              <a:t>Apple</a:t>
+              <a:t>Apply</a:t>
             </a:r>
           </a:p>
         </p:txBody>
@@ -5239,7 +5365,7 @@
           <p:cNvPr id="2" name="Title 1">
             <a:extLst>
               <a:ext uri="{FF2B5EF4-FFF2-40B4-BE49-F238E27FC236}">
-                <a16:creationId xmlns:a16="http://schemas.microsoft.com/office/drawing/2014/main" id="{BE44B7FC-3759-F84F-9CA9-2082CF516F1B}"/>
+                <a16:creationId xmlns:a16="http://schemas.microsoft.com/office/drawing/2014/main" id="{E2B80F3E-F145-C749-AA48-839B2C636F14}"/>
               </a:ext>
             </a:extLst>
           </p:cNvPr>
@@ -5257,7 +5383,7 @@
           <a:p>
             <a:r>
               <a:rPr lang="en-IL" dirty="0"/>
-              <a:t>Demo 1 – tf-demo/demo_1</a:t>
+              <a:t>Credentials (AWS)</a:t>
             </a:r>
           </a:p>
         </p:txBody>
@@ -5267,7 +5393,7 @@
           <p:cNvPr id="3" name="Content Placeholder 2">
             <a:extLst>
               <a:ext uri="{FF2B5EF4-FFF2-40B4-BE49-F238E27FC236}">
-                <a16:creationId xmlns:a16="http://schemas.microsoft.com/office/drawing/2014/main" id="{12DAB82A-94F6-B24C-9479-1A8006FC54F9}"/>
+                <a16:creationId xmlns:a16="http://schemas.microsoft.com/office/drawing/2014/main" id="{504B6B62-6F2F-814B-AF4C-EF300A40B02D}"/>
               </a:ext>
             </a:extLst>
           </p:cNvPr>
@@ -5280,107 +5406,78 @@
         </p:nvSpPr>
         <p:spPr/>
         <p:txBody>
-          <a:bodyPr>
-            <a:normAutofit lnSpcReduction="10000"/>
-          </a:bodyPr>
-          <a:lstStyle/>
-          <a:p>
-            <a:pPr marL="0" indent="0">
-              <a:buNone/>
-            </a:pPr>
-            <a:r>
-              <a:rPr lang="en-IL" dirty="0"/>
-              <a:t>Quick demo to create an AWS instance.</a:t>
-            </a:r>
-          </a:p>
-          <a:p>
-            <a:pPr marL="514350" indent="-514350">
-              <a:buAutoNum type="arabicPeriod"/>
-            </a:pPr>
+          <a:bodyPr/>
+          <a:lstStyle/>
+          <a:p>
             <a:r>
               <a:rPr lang="en-US" dirty="0"/>
-              <a:t>terraform plan</a:t>
-            </a:r>
-          </a:p>
-          <a:p>
-            <a:pPr marL="514350" indent="-514350">
-              <a:buAutoNum type="arabicPeriod"/>
-            </a:pPr>
+              <a:t>The AWS provider offers a flexible means of providing credentials for authentication. The following methods are supported, in this order, and explained below:</a:t>
+            </a:r>
+          </a:p>
+          <a:p>
             <a:r>
               <a:rPr lang="en-US" dirty="0"/>
-              <a:t>terraform apply</a:t>
-            </a:r>
-          </a:p>
-          <a:p>
-            <a:pPr marL="514350" indent="-514350">
-              <a:buAutoNum type="arabicPeriod"/>
-            </a:pPr>
+              <a:t>Static credentials – </a:t>
+            </a:r>
+            <a:r>
+              <a:rPr lang="en-US" dirty="0">
+                <a:solidFill>
+                  <a:srgbClr val="00B050"/>
+                </a:solidFill>
+              </a:rPr>
+              <a:t>“</a:t>
+            </a:r>
+            <a:r>
+              <a:rPr lang="en-US" dirty="0" err="1">
+                <a:solidFill>
+                  <a:srgbClr val="00B050"/>
+                </a:solidFill>
+              </a:rPr>
+              <a:t>aws</a:t>
+            </a:r>
+            <a:r>
+              <a:rPr lang="en-US" dirty="0">
+                <a:solidFill>
+                  <a:srgbClr val="00B050"/>
+                </a:solidFill>
+              </a:rPr>
+              <a:t> configure” using access key and ID, this is what we will be using</a:t>
+            </a:r>
+          </a:p>
+          <a:p>
             <a:r>
               <a:rPr lang="en-US" dirty="0"/>
-              <a:t>Modify a resource</a:t>
-            </a:r>
-          </a:p>
-          <a:p>
-            <a:pPr marL="514350" indent="-514350">
-              <a:buAutoNum type="arabicPeriod"/>
-            </a:pPr>
+              <a:t>Environment variables</a:t>
+            </a:r>
+          </a:p>
+          <a:p>
             <a:r>
               <a:rPr lang="en-US" dirty="0"/>
-              <a:t>terraform apply</a:t>
-            </a:r>
-          </a:p>
-          <a:p>
-            <a:pPr marL="514350" indent="-514350">
-              <a:buAutoNum type="arabicPeriod"/>
-            </a:pPr>
+              <a:t>Shared credentials/configuration file</a:t>
+            </a:r>
+          </a:p>
+          <a:p>
+            <a:r>
+              <a:rPr lang="en-US" dirty="0" err="1"/>
+              <a:t>CodeBuild</a:t>
+            </a:r>
             <a:r>
               <a:rPr lang="en-US" dirty="0"/>
-              <a:t>terraform destroy</a:t>
-            </a:r>
-          </a:p>
-          <a:p>
-            <a:pPr marL="0" indent="0">
-              <a:buNone/>
-            </a:pPr>
-            <a:endParaRPr lang="en-US" dirty="0"/>
-          </a:p>
-          <a:p>
-            <a:pPr marL="0" indent="0">
-              <a:buNone/>
-            </a:pPr>
+              <a:t>, ECS, and EKS Roles</a:t>
+            </a:r>
+          </a:p>
+          <a:p>
             <a:r>
               <a:rPr lang="en-US" dirty="0"/>
-              <a:t>- Check the output</a:t>
-            </a:r>
-          </a:p>
-          <a:p>
-            <a:pPr marL="0" indent="0">
-              <a:buNone/>
-            </a:pPr>
-            <a:r>
-              <a:rPr lang="en-US" dirty="0"/>
-              <a:t>- Check AWS console</a:t>
-            </a:r>
-          </a:p>
-          <a:p>
-            <a:pPr>
-              <a:buFontTx/>
-              <a:buChar char="-"/>
-            </a:pPr>
-            <a:endParaRPr lang="en-US" dirty="0"/>
-          </a:p>
-          <a:p>
-            <a:pPr marL="514350" indent="-514350">
-              <a:buAutoNum type="arabicPeriod"/>
-            </a:pPr>
-            <a:endParaRPr lang="en-IL" dirty="0"/>
+              <a:t>EC2 Instance Metadata Service (IMDS and IMDSv2)</a:t>
+            </a:r>
           </a:p>
         </p:txBody>
       </p:sp>
     </p:spTree>
     <p:extLst>
       <p:ext uri="{BB962C8B-B14F-4D97-AF65-F5344CB8AC3E}">
-        <p14:creationId xmlns:p14="http://schemas.microsoft.com/office/powerpoint/2010/main" val="3414622433"/>
+        <p14:creationId xmlns:p14="http://schemas.microsoft.com/office/powerpoint/2010/main" val="3778702286"/>
       </p:ext>
     </p:extLst>
   </p:cSld>
@@ -5412,7 +5509,7 @@
           <p:cNvPr id="2" name="Title 1">
             <a:extLst>
               <a:ext uri="{FF2B5EF4-FFF2-40B4-BE49-F238E27FC236}">
-                <a16:creationId xmlns:a16="http://schemas.microsoft.com/office/drawing/2014/main" id="{BB600B18-EB4F-4847-A0BD-70266BBF9685}"/>
+                <a16:creationId xmlns:a16="http://schemas.microsoft.com/office/drawing/2014/main" id="{BE44B7FC-3759-F84F-9CA9-2082CF516F1B}"/>
               </a:ext>
             </a:extLst>
           </p:cNvPr>
@@ -5430,7 +5527,7 @@
           <a:p>
             <a:r>
               <a:rPr lang="en-IL" dirty="0"/>
-              <a:t>Demo 2 Data: tf-demo/demo_2_data</a:t>
+              <a:t>Demo 1 – tf-demo/demo_1</a:t>
             </a:r>
           </a:p>
         </p:txBody>
@@ -5440,7 +5537,7 @@
           <p:cNvPr id="3" name="Content Placeholder 2">
             <a:extLst>
               <a:ext uri="{FF2B5EF4-FFF2-40B4-BE49-F238E27FC236}">
-                <a16:creationId xmlns:a16="http://schemas.microsoft.com/office/drawing/2014/main" id="{0B20C376-53FC-C347-AB4A-7EC2B813D934}"/>
+                <a16:creationId xmlns:a16="http://schemas.microsoft.com/office/drawing/2014/main" id="{12DAB82A-94F6-B24C-9479-1A8006FC54F9}"/>
               </a:ext>
             </a:extLst>
           </p:cNvPr>
@@ -5454,7 +5551,7 @@
         <p:spPr/>
         <p:txBody>
           <a:bodyPr>
-            <a:normAutofit/>
+            <a:normAutofit fontScale="77500" lnSpcReduction="20000"/>
           </a:bodyPr>
           <a:lstStyle/>
           <a:p>
@@ -5462,34 +5559,87 @@
               <a:buNone/>
             </a:pPr>
             <a:r>
-              <a:rPr lang="en-IL" sz="1600" u="sng" dirty="0"/>
-              <a:t>Data Source in Terraform</a:t>
-            </a:r>
-            <a:r>
-              <a:rPr lang="en-IL" sz="1600" dirty="0"/>
-              <a:t>: </a:t>
+              <a:rPr lang="en-IL" dirty="0"/>
+              <a:t>Quick demo to create an AWS instance.</a:t>
             </a:r>
           </a:p>
           <a:p>
             <a:pPr marL="0" indent="0">
               <a:buNone/>
             </a:pPr>
-            <a:r>
-              <a:rPr lang="en-US" sz="1600" i="1" dirty="0"/>
-              <a:t>Data sources</a:t>
-            </a:r>
-            <a:r>
-              <a:rPr lang="en-US" sz="1600" dirty="0"/>
-              <a:t> allow data to be fetched or computed for use elsewhere in Terraform configuration. Use of data sources allows a Terraform configuration to make use of information defined outside of Terraform, or defined by another separate Terraform configuration.</a:t>
-            </a:r>
+            <a:endParaRPr lang="en-IL" dirty="0"/>
+          </a:p>
+          <a:p>
+            <a:pPr marL="514350" indent="-514350">
+              <a:buAutoNum type="arabicPeriod"/>
+            </a:pPr>
+            <a:r>
+              <a:rPr lang="en-US" dirty="0"/>
+              <a:t>terraform </a:t>
+            </a:r>
+            <a:r>
+              <a:rPr lang="en-US" dirty="0" err="1"/>
+              <a:t>init</a:t>
+            </a:r>
+            <a:endParaRPr lang="en-US" dirty="0"/>
+          </a:p>
+          <a:p>
+            <a:pPr marL="514350" indent="-514350">
+              <a:buFont typeface="Arial" panose="020B0604020202020204" pitchFamily="34" charset="0"/>
+              <a:buAutoNum type="arabicPeriod"/>
+            </a:pPr>
+            <a:r>
+              <a:rPr lang="en-US" dirty="0"/>
+              <a:t>terraform plan</a:t>
+            </a:r>
+          </a:p>
+          <a:p>
+            <a:pPr marL="514350" indent="-514350">
+              <a:buAutoNum type="arabicPeriod"/>
+            </a:pPr>
+            <a:r>
+              <a:rPr lang="en-US" dirty="0"/>
+              <a:t>terraform apply</a:t>
+            </a:r>
+          </a:p>
+          <a:p>
+            <a:pPr marL="514350" indent="-514350">
+              <a:buAutoNum type="arabicPeriod"/>
+            </a:pPr>
+            <a:r>
+              <a:rPr lang="en-US" dirty="0"/>
+              <a:t>Modify a resource</a:t>
+            </a:r>
+          </a:p>
+          <a:p>
+            <a:pPr marL="514350" indent="-514350">
+              <a:buAutoNum type="arabicPeriod"/>
+            </a:pPr>
+            <a:r>
+              <a:rPr lang="en-US" dirty="0"/>
+              <a:t>terraform apply</a:t>
+            </a:r>
+          </a:p>
+          <a:p>
+            <a:pPr marL="514350" indent="-514350">
+              <a:buAutoNum type="arabicPeriod"/>
+            </a:pPr>
+            <a:r>
+              <a:rPr lang="en-US" dirty="0"/>
+              <a:t>terraform destroy</a:t>
+            </a:r>
+            <a:br>
+              <a:rPr lang="en-US" dirty="0"/>
+            </a:br>
+            <a:endParaRPr lang="en-US" dirty="0"/>
           </a:p>
           <a:p>
             <a:pPr marL="0" indent="0">
               <a:buNone/>
             </a:pPr>
             <a:r>
-              <a:rPr lang="en-US" sz="1600" dirty="0"/>
-              <a:t>Using data source in terraform can help us to get the needed information from the provider itself such as current resources/availability zones/regions/etc.</a:t>
+              <a:rPr lang="en-US" dirty="0"/>
+              <a:t>- Will create an instance in AWS</a:t>
             </a:r>
           </a:p>
           <a:p>
@@ -5497,8 +5647,8 @@
               <a:buNone/>
             </a:pPr>
             <a:r>
-              <a:rPr lang="en-US" sz="1600" dirty="0"/>
-              <a:t>In this quick demo we will fetch the latest AMI ID for an ubuntu amd64 instance and provision one with the AWS instance resource.</a:t>
+              <a:rPr lang="en-US" dirty="0"/>
+              <a:t>- Check the output</a:t>
             </a:r>
           </a:p>
           <a:p>
@@ -5506,49 +5656,29 @@
               <a:buNone/>
             </a:pPr>
             <a:r>
-              <a:rPr lang="en-US" sz="1600" dirty="0"/>
-              <a:t>In this specific scenario, data source will help us to provision the latest image dynamically without having to search for it in the AWS console and change it manually in the code.</a:t>
-            </a:r>
-          </a:p>
-          <a:p>
-            <a:pPr marL="0" indent="0">
-              <a:buNone/>
-            </a:pPr>
-            <a:r>
-              <a:rPr lang="en-US" sz="1600" dirty="0"/>
-              <a:t>More examples: </a:t>
-            </a:r>
-          </a:p>
-          <a:p>
-            <a:pPr marL="342900" indent="-342900">
+              <a:rPr lang="en-US" dirty="0"/>
+              <a:t>- Check AWS console</a:t>
+            </a:r>
+          </a:p>
+          <a:p>
+            <a:pPr>
+              <a:buFontTx/>
+              <a:buChar char="-"/>
+            </a:pPr>
+            <a:endParaRPr lang="en-US" dirty="0"/>
+          </a:p>
+          <a:p>
+            <a:pPr marL="514350" indent="-514350">
               <a:buAutoNum type="arabicPeriod"/>
             </a:pPr>
-            <a:r>
-              <a:rPr lang="en-US" sz="1600" dirty="0"/>
-              <a:t>Data source to fetch a value from an SSM Parameter store and use it in the code</a:t>
-            </a:r>
-          </a:p>
-          <a:p>
-            <a:pPr marL="342900" indent="-342900">
-              <a:buAutoNum type="arabicPeriod"/>
-            </a:pPr>
-            <a:r>
-              <a:rPr lang="en-US" sz="1600" dirty="0"/>
-              <a:t>Get the list of available AZs thus provision the resources depending on the number</a:t>
-            </a:r>
-          </a:p>
-          <a:p>
-            <a:pPr marL="342900" indent="-342900">
-              <a:buAutoNum type="arabicPeriod"/>
-            </a:pPr>
-            <a:endParaRPr lang="en-US" sz="1600" dirty="0"/>
+            <a:endParaRPr lang="en-IL" dirty="0"/>
           </a:p>
         </p:txBody>
       </p:sp>
     </p:spTree>
     <p:extLst>
       <p:ext uri="{BB962C8B-B14F-4D97-AF65-F5344CB8AC3E}">
-        <p14:creationId xmlns:p14="http://schemas.microsoft.com/office/powerpoint/2010/main" val="2965274379"/>
+        <p14:creationId xmlns:p14="http://schemas.microsoft.com/office/powerpoint/2010/main" val="3414622433"/>
       </p:ext>
     </p:extLst>
   </p:cSld>
@@ -5580,7 +5710,7 @@
           <p:cNvPr id="2" name="Title 1">
             <a:extLst>
               <a:ext uri="{FF2B5EF4-FFF2-40B4-BE49-F238E27FC236}">
-                <a16:creationId xmlns:a16="http://schemas.microsoft.com/office/drawing/2014/main" id="{C2182E1C-BCAE-3740-828F-93BAB9C5F343}"/>
+                <a16:creationId xmlns:a16="http://schemas.microsoft.com/office/drawing/2014/main" id="{BB600B18-EB4F-4847-A0BD-70266BBF9685}"/>
               </a:ext>
             </a:extLst>
           </p:cNvPr>
@@ -5598,7 +5728,7 @@
           <a:p>
             <a:r>
               <a:rPr lang="en-IL" dirty="0"/>
-              <a:t>Demo 3: tf-demo/demo_3_reference</a:t>
+              <a:t>Demo 2 Data: tf-demo/demo_2_data</a:t>
             </a:r>
           </a:p>
         </p:txBody>
@@ -5608,7 +5738,7 @@
           <p:cNvPr id="3" name="Content Placeholder 2">
             <a:extLst>
               <a:ext uri="{FF2B5EF4-FFF2-40B4-BE49-F238E27FC236}">
-                <a16:creationId xmlns:a16="http://schemas.microsoft.com/office/drawing/2014/main" id="{3588184A-54ED-1347-9C37-4E1E0A5D4DAF}"/>
+                <a16:creationId xmlns:a16="http://schemas.microsoft.com/office/drawing/2014/main" id="{0B20C376-53FC-C347-AB4A-7EC2B813D934}"/>
               </a:ext>
             </a:extLst>
           </p:cNvPr>
@@ -5621,65 +5751,102 @@
         </p:nvSpPr>
         <p:spPr/>
         <p:txBody>
-          <a:bodyPr/>
-          <a:lstStyle/>
-          <a:p>
-            <a:pPr marL="514350" indent="-514350">
+          <a:bodyPr>
+            <a:normAutofit/>
+          </a:bodyPr>
+          <a:lstStyle/>
+          <a:p>
+            <a:pPr marL="0" indent="0">
+              <a:buNone/>
+            </a:pPr>
+            <a:r>
+              <a:rPr lang="en-IL" sz="1600" u="sng" dirty="0"/>
+              <a:t>Data Source in Terraform</a:t>
+            </a:r>
+            <a:r>
+              <a:rPr lang="en-IL" sz="1600" dirty="0"/>
+              <a:t>: </a:t>
+            </a:r>
+          </a:p>
+          <a:p>
+            <a:pPr marL="0" indent="0">
+              <a:buNone/>
+            </a:pPr>
+            <a:r>
+              <a:rPr lang="en-US" sz="1600" i="1" dirty="0"/>
+              <a:t>Data sources</a:t>
+            </a:r>
+            <a:r>
+              <a:rPr lang="en-US" sz="1600" dirty="0"/>
+              <a:t> allow data to be fetched or computed for use elsewhere in Terraform configuration. Use of data sources allows a Terraform configuration to make use of information defined outside of Terraform, or defined by another separate Terraform configuration.</a:t>
+            </a:r>
+          </a:p>
+          <a:p>
+            <a:pPr marL="0" indent="0">
+              <a:buNone/>
+            </a:pPr>
+            <a:r>
+              <a:rPr lang="en-US" sz="1600" dirty="0"/>
+              <a:t>Using data source in terraform can help us to get the needed information from the provider itself such as current resources/availability zones/regions/etc.</a:t>
+            </a:r>
+          </a:p>
+          <a:p>
+            <a:pPr marL="0" indent="0">
+              <a:buNone/>
+            </a:pPr>
+            <a:r>
+              <a:rPr lang="en-US" sz="1600" dirty="0"/>
+              <a:t>In this quick demo we will fetch the latest AMI ID for an ubuntu amd64 instance and provision one with the AWS instance resource.</a:t>
+            </a:r>
+          </a:p>
+          <a:p>
+            <a:pPr marL="0" indent="0">
+              <a:buNone/>
+            </a:pPr>
+            <a:r>
+              <a:rPr lang="en-US" sz="1600" dirty="0"/>
+              <a:t>In this specific scenario, data source will help us to provision the latest image dynamically without having to search for it in the AWS console and change it manually in the code.</a:t>
+            </a:r>
+          </a:p>
+          <a:p>
+            <a:pPr marL="0" indent="0">
+              <a:buNone/>
+            </a:pPr>
+            <a:r>
+              <a:rPr lang="en-US" sz="1600" dirty="0"/>
+              <a:t>More examples: </a:t>
+            </a:r>
+          </a:p>
+          <a:p>
+            <a:pPr marL="342900" indent="-342900">
               <a:buAutoNum type="arabicPeriod"/>
             </a:pPr>
             <a:r>
-              <a:rPr lang="en-IL" dirty="0"/>
-              <a:t>Every resouce have a number of properties it outputs that can be used within the terraform code to reference into another resource.</a:t>
-            </a:r>
-          </a:p>
-          <a:p>
-            <a:pPr marL="514350" indent="-514350">
+              <a:rPr lang="en-US" sz="1600" dirty="0"/>
+              <a:t>Data source to fetch a value from an SSM Parameter store and use it in the code</a:t>
+            </a:r>
+          </a:p>
+          <a:p>
+            <a:pPr marL="342900" indent="-342900">
               <a:buAutoNum type="arabicPeriod"/>
             </a:pPr>
             <a:r>
-              <a:rPr lang="en-IL" dirty="0"/>
-              <a:t>Create a vpc</a:t>
-            </a:r>
-          </a:p>
-          <a:p>
-            <a:pPr marL="514350" indent="-514350">
+              <a:rPr lang="en-US" sz="1600" dirty="0"/>
+              <a:t>Get the list of available AZs thus provision the resources depending on the number</a:t>
+            </a:r>
+          </a:p>
+          <a:p>
+            <a:pPr marL="342900" indent="-342900">
               <a:buAutoNum type="arabicPeriod"/>
             </a:pPr>
-            <a:r>
-              <a:rPr lang="en-IL" dirty="0"/>
-              <a:t>Create a subnet and reference the VPC ID </a:t>
-            </a:r>
-          </a:p>
-          <a:p>
-            <a:pPr marL="514350" indent="-514350">
-              <a:buAutoNum type="arabicPeriod"/>
-            </a:pPr>
-            <a:r>
-              <a:rPr lang="en-IL" dirty="0"/>
-              <a:t>Check console</a:t>
-            </a:r>
-          </a:p>
-          <a:p>
-            <a:pPr marL="0" indent="0">
-              <a:buNone/>
-            </a:pPr>
-            <a:endParaRPr lang="en-IL" dirty="0"/>
-          </a:p>
-          <a:p>
-            <a:pPr marL="0" indent="0">
-              <a:buNone/>
-            </a:pPr>
-            <a:r>
-              <a:rPr lang="en-IL"/>
-              <a:t>We already used a reference with the data source so this is just another demo to show how cool this tool is.</a:t>
-            </a:r>
+            <a:endParaRPr lang="en-US" sz="1600" dirty="0"/>
           </a:p>
         </p:txBody>
       </p:sp>
     </p:spTree>
     <p:extLst>
       <p:ext uri="{BB962C8B-B14F-4D97-AF65-F5344CB8AC3E}">
-        <p14:creationId xmlns:p14="http://schemas.microsoft.com/office/powerpoint/2010/main" val="2225928613"/>
+        <p14:creationId xmlns:p14="http://schemas.microsoft.com/office/powerpoint/2010/main" val="2965274379"/>
       </p:ext>
     </p:extLst>
   </p:cSld>
@@ -5711,7 +5878,7 @@
           <p:cNvPr id="2" name="Title 1">
             <a:extLst>
               <a:ext uri="{FF2B5EF4-FFF2-40B4-BE49-F238E27FC236}">
-                <a16:creationId xmlns:a16="http://schemas.microsoft.com/office/drawing/2014/main" id="{B703BF2F-40F8-0540-991D-ABC08E2090D0}"/>
+                <a16:creationId xmlns:a16="http://schemas.microsoft.com/office/drawing/2014/main" id="{C2182E1C-BCAE-3740-828F-93BAB9C5F343}"/>
               </a:ext>
             </a:extLst>
           </p:cNvPr>
@@ -5729,7 +5896,7 @@
           <a:p>
             <a:r>
               <a:rPr lang="en-IL" dirty="0"/>
-              <a:t>Terraform Files</a:t>
+              <a:t>Demo 3: tf-demo/demo_3_reference</a:t>
             </a:r>
           </a:p>
         </p:txBody>
@@ -5739,7 +5906,7 @@
           <p:cNvPr id="3" name="Content Placeholder 2">
             <a:extLst>
               <a:ext uri="{FF2B5EF4-FFF2-40B4-BE49-F238E27FC236}">
-                <a16:creationId xmlns:a16="http://schemas.microsoft.com/office/drawing/2014/main" id="{B0DD7C58-8675-0A49-BCF3-862356F57306}"/>
+                <a16:creationId xmlns:a16="http://schemas.microsoft.com/office/drawing/2014/main" id="{3588184A-54ED-1347-9C37-4E1E0A5D4DAF}"/>
               </a:ext>
             </a:extLst>
           </p:cNvPr>
@@ -5752,101 +5919,57 @@
         </p:nvSpPr>
         <p:spPr/>
         <p:txBody>
-          <a:bodyPr>
-            <a:normAutofit/>
-          </a:bodyPr>
-          <a:lstStyle/>
+          <a:bodyPr/>
+          <a:lstStyle/>
+          <a:p>
+            <a:pPr marL="514350" indent="-514350">
+              <a:buAutoNum type="arabicPeriod"/>
+            </a:pPr>
+            <a:r>
+              <a:rPr lang="en-IL" dirty="0"/>
+              <a:t>Every resouce have a number of properties it outputs that can be used within the terraform code to reference into another resource.</a:t>
+            </a:r>
+          </a:p>
+          <a:p>
+            <a:pPr marL="514350" indent="-514350">
+              <a:buAutoNum type="arabicPeriod"/>
+            </a:pPr>
+            <a:r>
+              <a:rPr lang="en-IL" dirty="0"/>
+              <a:t>Create a vpc</a:t>
+            </a:r>
+          </a:p>
+          <a:p>
+            <a:pPr marL="514350" indent="-514350">
+              <a:buAutoNum type="arabicPeriod"/>
+            </a:pPr>
+            <a:r>
+              <a:rPr lang="en-IL" dirty="0"/>
+              <a:t>Create a subnet and reference the VPC ID </a:t>
+            </a:r>
+          </a:p>
+          <a:p>
+            <a:pPr marL="514350" indent="-514350">
+              <a:buAutoNum type="arabicPeriod"/>
+            </a:pPr>
+            <a:r>
+              <a:rPr lang="en-IL" dirty="0"/>
+              <a:t>Check console</a:t>
+            </a:r>
+          </a:p>
           <a:p>
             <a:pPr marL="0" indent="0">
               <a:buNone/>
             </a:pPr>
-            <a:r>
-              <a:rPr lang="en-IL" sz="1800" dirty="0"/>
-              <a:t>While running the demos you probably wondering what are those other files that are created when running terraform.</a:t>
-            </a:r>
+            <a:endParaRPr lang="en-IL" dirty="0"/>
           </a:p>
           <a:p>
             <a:pPr marL="0" indent="0">
               <a:buNone/>
             </a:pPr>
-            <a:endParaRPr lang="en-IL" sz="1800" dirty="0"/>
-          </a:p>
-          <a:p>
-            <a:pPr marL="0" indent="0">
-              <a:buNone/>
-            </a:pPr>
-            <a:r>
-              <a:rPr lang="en-IL" sz="1800" dirty="0"/>
-              <a:t>1. /.terraform: This directory is getting created when we run “terraform init” and it contains all the needed plugins/modules to run our code.</a:t>
-            </a:r>
-          </a:p>
-          <a:p>
-            <a:pPr marL="0" indent="0">
-              <a:buNone/>
-            </a:pPr>
-            <a:r>
-              <a:rPr lang="en-IL" sz="1800" dirty="0"/>
-              <a:t>2. terraform.state: the state of the files in a json format that hold your entire infrastucture. Most important file!!!</a:t>
-            </a:r>
-          </a:p>
-          <a:p>
-            <a:pPr marL="0" indent="0">
-              <a:buNone/>
-            </a:pPr>
-            <a:r>
-              <a:rPr lang="en-IL" sz="1800" dirty="0"/>
-              <a:t>3. </a:t>
-            </a:r>
-            <a:r>
-              <a:rPr lang="en-US" sz="1800" dirty="0" err="1"/>
-              <a:t>terraform.tfstate.backup</a:t>
-            </a:r>
-            <a:r>
-              <a:rPr lang="en-US" sz="1800" dirty="0"/>
-              <a:t>: a backup of the </a:t>
-            </a:r>
-            <a:r>
-              <a:rPr lang="en-US" sz="1800" dirty="0" err="1"/>
-              <a:t>tfstate</a:t>
-            </a:r>
-            <a:r>
-              <a:rPr lang="en-US" sz="1800" dirty="0"/>
-              <a:t> file in case you </a:t>
-            </a:r>
-            <a:r>
-              <a:rPr lang="en-US" sz="1800" dirty="0" err="1"/>
-              <a:t>delte</a:t>
-            </a:r>
-            <a:r>
-              <a:rPr lang="en-US" sz="1800" dirty="0"/>
-              <a:t> or lose your </a:t>
-            </a:r>
-            <a:r>
-              <a:rPr lang="en-US" sz="1800" dirty="0" err="1"/>
-              <a:t>tfstate</a:t>
-            </a:r>
-            <a:r>
-              <a:rPr lang="en-US" sz="1800" dirty="0"/>
-              <a:t> file</a:t>
-            </a:r>
-          </a:p>
-          <a:p>
-            <a:pPr marL="0" indent="0">
-              <a:buNone/>
-            </a:pPr>
-            <a:endParaRPr lang="en-IL" sz="1800" dirty="0"/>
-          </a:p>
-          <a:p>
-            <a:pPr marL="0" indent="0">
-              <a:buNone/>
-            </a:pPr>
-            <a:r>
-              <a:rPr lang="en-US" sz="1800" dirty="0"/>
-              <a:t>T</a:t>
-            </a:r>
-            <a:r>
-              <a:rPr lang="en-IL" sz="1800" dirty="0"/>
-              <a:t>fstate is crucial for the functionality of terraform and is the single most important component.</a:t>
+            <a:r>
+              <a:rPr lang="en-IL"/>
+              <a:t>We already used a reference with the data source so this is just another demo to show how cool this tool is.</a:t>
             </a:r>
           </a:p>
         </p:txBody>
@@ -5854,7 +5977,7 @@
     </p:spTree>
     <p:extLst>
       <p:ext uri="{BB962C8B-B14F-4D97-AF65-F5344CB8AC3E}">
-        <p14:creationId xmlns:p14="http://schemas.microsoft.com/office/powerpoint/2010/main" val="4021848477"/>
+        <p14:creationId xmlns:p14="http://schemas.microsoft.com/office/powerpoint/2010/main" val="2225928613"/>
       </p:ext>
     </p:extLst>
   </p:cSld>
@@ -5886,7 +6009,7 @@
           <p:cNvPr id="2" name="Title 1">
             <a:extLst>
               <a:ext uri="{FF2B5EF4-FFF2-40B4-BE49-F238E27FC236}">
-                <a16:creationId xmlns:a16="http://schemas.microsoft.com/office/drawing/2014/main" id="{113E2086-DBD8-7541-BD3F-5D0DAC494745}"/>
+                <a16:creationId xmlns:a16="http://schemas.microsoft.com/office/drawing/2014/main" id="{B703BF2F-40F8-0540-991D-ABC08E2090D0}"/>
               </a:ext>
             </a:extLst>
           </p:cNvPr>
@@ -5904,7 +6027,7 @@
           <a:p>
             <a:r>
               <a:rPr lang="en-IL" dirty="0"/>
-              <a:t>Demo 4: tf-demo/demo_4_infra</a:t>
+              <a:t>Terraform Files</a:t>
             </a:r>
           </a:p>
         </p:txBody>
@@ -5914,7 +6037,7 @@
           <p:cNvPr id="3" name="Content Placeholder 2">
             <a:extLst>
               <a:ext uri="{FF2B5EF4-FFF2-40B4-BE49-F238E27FC236}">
-                <a16:creationId xmlns:a16="http://schemas.microsoft.com/office/drawing/2014/main" id="{18006FCB-96A3-C24C-BAC1-03AEE23C51A5}"/>
+                <a16:creationId xmlns:a16="http://schemas.microsoft.com/office/drawing/2014/main" id="{B0DD7C58-8675-0A49-BCF3-862356F57306}"/>
               </a:ext>
             </a:extLst>
           </p:cNvPr>
@@ -5928,7 +6051,7 @@
         <p:spPr/>
         <p:txBody>
           <a:bodyPr>
-            <a:normAutofit fontScale="92500" lnSpcReduction="20000"/>
+            <a:normAutofit/>
           </a:bodyPr>
           <a:lstStyle/>
           <a:p>
@@ -5936,171 +6059,101 @@
               <a:buNone/>
             </a:pPr>
             <a:r>
-              <a:rPr lang="en-IL" sz="1600" dirty="0"/>
-              <a:t>Now let’s get to business: </a:t>
-            </a:r>
-          </a:p>
-          <a:p>
-            <a:pPr marL="342900" indent="-342900">
-              <a:buAutoNum type="arabicPeriod"/>
-            </a:pPr>
-            <a:r>
-              <a:rPr lang="en-IL" sz="1600" dirty="0"/>
-              <a:t>Create a VPC: </a:t>
-            </a:r>
-            <a:r>
-              <a:rPr lang="en-US" sz="1600" dirty="0">
-                <a:hlinkClick r:id="rId2"/>
-              </a:rPr>
-              <a:t>https://registry.terraform.io/providers/hashicorp/aws/latest/docs/resources/vpc</a:t>
-            </a:r>
-            <a:endParaRPr lang="en-IL" sz="1600" dirty="0"/>
-          </a:p>
-          <a:p>
-            <a:pPr marL="342900" indent="-342900">
-              <a:buAutoNum type="arabicPeriod"/>
-            </a:pPr>
-            <a:r>
-              <a:rPr lang="en-IL" sz="1600" dirty="0"/>
-              <a:t>Create an IGW: </a:t>
-            </a:r>
-            <a:r>
-              <a:rPr lang="en-US" sz="1600" dirty="0">
-                <a:hlinkClick r:id="rId3"/>
-              </a:rPr>
-              <a:t>https://registry.terraform.io/providers/hashicorp/aws/latest/docs/resources/internet_gateway</a:t>
-            </a:r>
-            <a:endParaRPr lang="en-IL" sz="1600" dirty="0"/>
-          </a:p>
-          <a:p>
-            <a:pPr marL="342900" indent="-342900">
-              <a:buAutoNum type="arabicPeriod"/>
-            </a:pPr>
-            <a:r>
-              <a:rPr lang="en-IL" sz="1600" dirty="0"/>
-              <a:t>Create a custom route table: </a:t>
-            </a:r>
-            <a:r>
-              <a:rPr lang="en-US" sz="1600" dirty="0">
-                <a:hlinkClick r:id="rId4"/>
-              </a:rPr>
-              <a:t>https://registry.terraform.io/providers/hashicorp/aws/latest/docs/resources/route_table</a:t>
-            </a:r>
-            <a:endParaRPr lang="en-IL" sz="1600" dirty="0"/>
-          </a:p>
-          <a:p>
-            <a:pPr marL="342900" indent="-342900">
-              <a:buAutoNum type="arabicPeriod"/>
-            </a:pPr>
-            <a:r>
-              <a:rPr lang="en-IL" sz="1600" dirty="0"/>
-              <a:t>Create a Subnet: </a:t>
-            </a:r>
-            <a:r>
-              <a:rPr lang="en-US" sz="1600" dirty="0">
-                <a:hlinkClick r:id="rId5"/>
-              </a:rPr>
-              <a:t>https://registry.terraform.io/providers/hashicorp/aws/latest/docs/resources/subnet</a:t>
-            </a:r>
-            <a:endParaRPr lang="en-IL" sz="1600" dirty="0"/>
-          </a:p>
-          <a:p>
-            <a:pPr marL="342900" indent="-342900">
-              <a:buAutoNum type="arabicPeriod"/>
-            </a:pPr>
-            <a:r>
-              <a:rPr lang="en-IL" sz="1600" dirty="0"/>
-              <a:t>Associate Subnet with Route Table: </a:t>
-            </a:r>
-            <a:r>
-              <a:rPr lang="en-US" sz="1600" dirty="0">
-                <a:hlinkClick r:id="rId6"/>
-              </a:rPr>
-              <a:t>https://registry.terraform.io/providers/hashicorp/aws/latest/docs/resources/route_table_association</a:t>
-            </a:r>
-            <a:endParaRPr lang="en-IL" sz="1600" dirty="0"/>
-          </a:p>
-          <a:p>
-            <a:pPr marL="342900" indent="-342900">
-              <a:buAutoNum type="arabicPeriod"/>
-            </a:pPr>
-            <a:r>
-              <a:rPr lang="en-IL" sz="1600" dirty="0"/>
-              <a:t>Create SG to allow ports 22,80,443: </a:t>
-            </a:r>
-            <a:r>
-              <a:rPr lang="en-US" sz="1600" dirty="0">
-                <a:hlinkClick r:id="rId7"/>
-              </a:rPr>
-              <a:t>https://registry.terraform.io/providers/hashicorp/aws/latest/docs/resources/security_group</a:t>
-            </a:r>
-            <a:endParaRPr lang="en-IL" sz="1600" dirty="0"/>
-          </a:p>
-          <a:p>
-            <a:pPr marL="342900" indent="-342900">
-              <a:buAutoNum type="arabicPeriod"/>
-            </a:pPr>
-            <a:r>
-              <a:rPr lang="en-IL" sz="1600" dirty="0"/>
-              <a:t>Create a network interface with an IP in the Subent that was created in step 4 : </a:t>
-            </a:r>
-            <a:r>
-              <a:rPr lang="en-US" sz="1600" dirty="0">
-                <a:hlinkClick r:id="rId8"/>
-              </a:rPr>
-              <a:t>https://registry.terraform.io/providers/hashicorp/aws/latest/docs/resources/network_interface</a:t>
-            </a:r>
-            <a:endParaRPr lang="en-IL" sz="1600" dirty="0"/>
-          </a:p>
-          <a:p>
-            <a:pPr marL="342900" indent="-342900">
-              <a:buAutoNum type="arabicPeriod"/>
-            </a:pPr>
-            <a:r>
-              <a:rPr lang="en-IL" sz="1600"/>
-              <a:t>Assign </a:t>
-            </a:r>
-            <a:r>
-              <a:rPr lang="en-IL" sz="1600" dirty="0"/>
-              <a:t>an Elastic IP to the network interface created in step 7:  </a:t>
-            </a:r>
-            <a:r>
-              <a:rPr lang="en-US" sz="1600" dirty="0">
-                <a:hlinkClick r:id="rId9"/>
-              </a:rPr>
-              <a:t>https://registry.terraform.io/providers/hashicorp/aws/latest/docs/resources/eip</a:t>
-            </a:r>
-            <a:endParaRPr lang="en-IL" sz="1600" dirty="0"/>
-          </a:p>
-          <a:p>
-            <a:pPr marL="342900" indent="-342900">
-              <a:buAutoNum type="arabicPeriod"/>
-            </a:pPr>
-            <a:r>
-              <a:rPr lang="en-IL" sz="1600" dirty="0"/>
-              <a:t>Create an ubuntu server and install/enable apache2: </a:t>
-            </a:r>
-            <a:r>
-              <a:rPr lang="en-US" sz="1600" dirty="0">
-                <a:hlinkClick r:id="rId10"/>
-              </a:rPr>
-              <a:t>https://registry.terraform.io/providers/hashicorp/aws/latest/docs/resources/instance</a:t>
-            </a:r>
-            <a:endParaRPr lang="en-IL" sz="1600" dirty="0"/>
-          </a:p>
-          <a:p>
-            <a:pPr marL="342900" indent="-342900">
-              <a:buAutoNum type="arabicPeriod"/>
-            </a:pPr>
-            <a:endParaRPr lang="en-IL" sz="1600" dirty="0"/>
+              <a:rPr lang="en-IL" sz="1800" dirty="0"/>
+              <a:t>While running the demos you probably wondering what are those other files that are created when running terraform.</a:t>
+            </a:r>
           </a:p>
           <a:p>
             <a:pPr marL="0" indent="0">
               <a:buNone/>
             </a:pPr>
-            <a:r>
-              <a:rPr lang="en-IL" sz="1600" dirty="0"/>
-              <a:t>- Create a key pair in AWS</a:t>
+            <a:endParaRPr lang="en-IL" sz="1800" dirty="0"/>
+          </a:p>
+          <a:p>
+            <a:pPr marL="0" indent="0">
+              <a:buNone/>
+            </a:pPr>
+            <a:r>
+              <a:rPr lang="en-IL" sz="1800" dirty="0"/>
+              <a:t>1. /.terraform: This directory is getting created when we run “terraform init” and it contains all the needed plugins/modules to run our code.</a:t>
+            </a:r>
+          </a:p>
+          <a:p>
+            <a:pPr marL="0" indent="0">
+              <a:buNone/>
+            </a:pPr>
+            <a:r>
+              <a:rPr lang="en-IL" sz="1800" dirty="0"/>
+              <a:t>2. terraform.state: the state of the files in a json format that hold your entire infrastucture. Most important file!!!</a:t>
+            </a:r>
+          </a:p>
+          <a:p>
+            <a:pPr marL="0" indent="0">
+              <a:buNone/>
+            </a:pPr>
+            <a:r>
+              <a:rPr lang="en-IL" sz="1800" dirty="0"/>
+              <a:t>3. </a:t>
+            </a:r>
+            <a:r>
+              <a:rPr lang="en-US" sz="1800" dirty="0" err="1"/>
+              <a:t>terraform.tfstate.backup</a:t>
+            </a:r>
+            <a:r>
+              <a:rPr lang="en-US" sz="1800" dirty="0"/>
+              <a:t>: a backup of the </a:t>
+            </a:r>
+            <a:r>
+              <a:rPr lang="en-US" sz="1800" dirty="0" err="1"/>
+              <a:t>tfstate</a:t>
+            </a:r>
+            <a:r>
+              <a:rPr lang="en-US" sz="1800" dirty="0"/>
+              <a:t> file in case you delete or lose your </a:t>
+            </a:r>
+            <a:r>
+              <a:rPr lang="en-US" sz="1800" dirty="0" err="1"/>
+              <a:t>tfstate</a:t>
+            </a:r>
+            <a:r>
+              <a:rPr lang="en-US" sz="1800" dirty="0"/>
+              <a:t> file</a:t>
+            </a:r>
+          </a:p>
+          <a:p>
+            <a:pPr marL="0" indent="0">
+              <a:buNone/>
+            </a:pPr>
+            <a:r>
+              <a:rPr lang="en-US" sz="1800" dirty="0"/>
+              <a:t>4. </a:t>
+            </a:r>
+            <a:r>
+              <a:rPr lang="en-US" sz="1800" dirty="0" err="1"/>
+              <a:t>terraform.tfstate.d</a:t>
+            </a:r>
+            <a:r>
+              <a:rPr lang="en-US" sz="1800" dirty="0"/>
+              <a:t>: folder to store your workspace state files</a:t>
+            </a:r>
+          </a:p>
+          <a:p>
+            <a:pPr marL="0" indent="0">
+              <a:buNone/>
+            </a:pPr>
+            <a:endParaRPr lang="en-IL" sz="1800" dirty="0"/>
+          </a:p>
+          <a:p>
+            <a:pPr marL="0" indent="0">
+              <a:buNone/>
+            </a:pPr>
+            <a:r>
+              <a:rPr lang="en-US" sz="1800" dirty="0"/>
+              <a:t>T</a:t>
+            </a:r>
+            <a:r>
+              <a:rPr lang="en-IL" sz="1800" dirty="0"/>
+              <a:t>fstate is crucial for the functionality of terraform and is the single most important component.</a:t>
             </a:r>
           </a:p>
         </p:txBody>
@@ -6108,7 +6161,7 @@
     </p:spTree>
     <p:extLst>
       <p:ext uri="{BB962C8B-B14F-4D97-AF65-F5344CB8AC3E}">
-        <p14:creationId xmlns:p14="http://schemas.microsoft.com/office/powerpoint/2010/main" val="3718290990"/>
+        <p14:creationId xmlns:p14="http://schemas.microsoft.com/office/powerpoint/2010/main" val="4021848477"/>
       </p:ext>
     </p:extLst>
   </p:cSld>
@@ -6140,7 +6193,7 @@
           <p:cNvPr id="2" name="Title 1">
             <a:extLst>
               <a:ext uri="{FF2B5EF4-FFF2-40B4-BE49-F238E27FC236}">
-                <a16:creationId xmlns:a16="http://schemas.microsoft.com/office/drawing/2014/main" id="{89E92D28-A2A1-8E4D-87BD-6F0063F21875}"/>
+                <a16:creationId xmlns:a16="http://schemas.microsoft.com/office/drawing/2014/main" id="{113E2086-DBD8-7541-BD3F-5D0DAC494745}"/>
               </a:ext>
             </a:extLst>
           </p:cNvPr>
@@ -6158,7 +6211,7 @@
           <a:p>
             <a:r>
               <a:rPr lang="en-IL" dirty="0"/>
-              <a:t>Variables and Outputs</a:t>
+              <a:t>Demo 4: tf-demo/demo_4_infra</a:t>
             </a:r>
           </a:p>
         </p:txBody>
@@ -6168,7 +6221,7 @@
           <p:cNvPr id="3" name="Content Placeholder 2">
             <a:extLst>
               <a:ext uri="{FF2B5EF4-FFF2-40B4-BE49-F238E27FC236}">
-                <a16:creationId xmlns:a16="http://schemas.microsoft.com/office/drawing/2014/main" id="{E12087E0-666D-574A-8026-67BC999D1D7B}"/>
+                <a16:creationId xmlns:a16="http://schemas.microsoft.com/office/drawing/2014/main" id="{18006FCB-96A3-C24C-BAC1-03AEE23C51A5}"/>
               </a:ext>
             </a:extLst>
           </p:cNvPr>
@@ -6181,120 +6234,188 @@
         </p:nvSpPr>
         <p:spPr/>
         <p:txBody>
-          <a:bodyPr/>
+          <a:bodyPr>
+            <a:normAutofit fontScale="92500" lnSpcReduction="20000"/>
+          </a:bodyPr>
           <a:lstStyle/>
           <a:p>
             <a:pPr marL="0" indent="0">
               <a:buNone/>
             </a:pPr>
             <a:r>
-              <a:rPr lang="en-IL" sz="1800" dirty="0"/>
-              <a:t>So far we have provisioned the resources using a “hard-coded” values.</a:t>
-            </a:r>
+              <a:rPr lang="en-IL" sz="1600" dirty="0"/>
+              <a:t>Now let’s get to business: </a:t>
+            </a:r>
+          </a:p>
+          <a:p>
+            <a:pPr marL="342900" indent="-342900">
+              <a:buAutoNum type="arabicPeriod"/>
+            </a:pPr>
+            <a:r>
+              <a:rPr lang="en-IL" sz="1600" dirty="0"/>
+              <a:t>Create a VPC: </a:t>
+            </a:r>
+            <a:r>
+              <a:rPr lang="en-US" sz="1600" dirty="0">
+                <a:hlinkClick r:id="rId2"/>
+              </a:rPr>
+              <a:t>https://registry.terraform.io/providers/hashicorp/aws/latest/docs/resources/vpc</a:t>
+            </a:r>
+            <a:endParaRPr lang="en-IL" sz="1600" dirty="0"/>
+          </a:p>
+          <a:p>
+            <a:pPr marL="342900" indent="-342900">
+              <a:buAutoNum type="arabicPeriod"/>
+            </a:pPr>
+            <a:r>
+              <a:rPr lang="en-IL" sz="1600" dirty="0"/>
+              <a:t>Create an IGW: </a:t>
+            </a:r>
+            <a:r>
+              <a:rPr lang="en-US" sz="1600" dirty="0">
+                <a:hlinkClick r:id="rId3"/>
+              </a:rPr>
+              <a:t>https://registry.terraform.io/providers/hashicorp/aws/latest/docs/resources/internet_gateway</a:t>
+            </a:r>
+            <a:endParaRPr lang="en-IL" sz="1600" dirty="0"/>
+          </a:p>
+          <a:p>
+            <a:pPr marL="342900" indent="-342900">
+              <a:buAutoNum type="arabicPeriod"/>
+            </a:pPr>
+            <a:r>
+              <a:rPr lang="en-IL" sz="1600" dirty="0"/>
+              <a:t>Create a custom route table: </a:t>
+            </a:r>
+            <a:r>
+              <a:rPr lang="en-US" sz="1600" dirty="0">
+                <a:hlinkClick r:id="rId4"/>
+              </a:rPr>
+              <a:t>https://registry.terraform.io/providers/hashicorp/aws/latest/docs/resources/route_table</a:t>
+            </a:r>
+            <a:endParaRPr lang="en-IL" sz="1600" dirty="0"/>
+          </a:p>
+          <a:p>
+            <a:pPr marL="342900" indent="-342900">
+              <a:buAutoNum type="arabicPeriod"/>
+            </a:pPr>
+            <a:r>
+              <a:rPr lang="en-IL" sz="1600" dirty="0"/>
+              <a:t>Create a Subnet: </a:t>
+            </a:r>
+            <a:r>
+              <a:rPr lang="en-US" sz="1600" dirty="0">
+                <a:hlinkClick r:id="rId5"/>
+              </a:rPr>
+              <a:t>https://registry.terraform.io/providers/hashicorp/aws/latest/docs/resources/subnet</a:t>
+            </a:r>
+            <a:endParaRPr lang="en-IL" sz="1600" dirty="0"/>
+          </a:p>
+          <a:p>
+            <a:pPr marL="342900" indent="-342900">
+              <a:buAutoNum type="arabicPeriod"/>
+            </a:pPr>
+            <a:r>
+              <a:rPr lang="en-IL" sz="1600" dirty="0"/>
+              <a:t>Associate Subnet with Route Table: </a:t>
+            </a:r>
+            <a:r>
+              <a:rPr lang="en-US" sz="1600" dirty="0">
+                <a:hlinkClick r:id="rId6"/>
+              </a:rPr>
+              <a:t>https://registry.terraform.io/providers/hashicorp/aws/latest/docs/resources/route_table_association</a:t>
+            </a:r>
+            <a:endParaRPr lang="en-IL" sz="1600" dirty="0"/>
+          </a:p>
+          <a:p>
+            <a:pPr marL="342900" indent="-342900">
+              <a:buAutoNum type="arabicPeriod"/>
+            </a:pPr>
+            <a:r>
+              <a:rPr lang="en-IL" sz="1600" dirty="0"/>
+              <a:t>Create SG to allow ports 22,80,443: </a:t>
+            </a:r>
+            <a:r>
+              <a:rPr lang="en-US" sz="1600" dirty="0">
+                <a:hlinkClick r:id="rId7"/>
+              </a:rPr>
+              <a:t>https://registry.terraform.io/providers/hashicorp/aws/latest/docs/resources/security_group</a:t>
+            </a:r>
+            <a:endParaRPr lang="en-IL" sz="1600" dirty="0"/>
+          </a:p>
+          <a:p>
+            <a:pPr marL="342900" indent="-342900">
+              <a:buAutoNum type="arabicPeriod"/>
+            </a:pPr>
+            <a:r>
+              <a:rPr lang="en-IL" sz="1600" dirty="0"/>
+              <a:t>Create a network interface with an IP in the Subent that was created in step 4 : </a:t>
+            </a:r>
+            <a:r>
+              <a:rPr lang="en-US" sz="1600" dirty="0">
+                <a:hlinkClick r:id="rId8"/>
+              </a:rPr>
+              <a:t>https://registry.terraform.io/providers/hashicorp/aws/latest/docs/resources/network_interface</a:t>
+            </a:r>
+            <a:endParaRPr lang="en-IL" sz="1600" dirty="0"/>
+          </a:p>
+          <a:p>
+            <a:pPr marL="342900" indent="-342900">
+              <a:buAutoNum type="arabicPeriod"/>
+            </a:pPr>
+            <a:r>
+              <a:rPr lang="en-IL" sz="1600"/>
+              <a:t>Assign </a:t>
+            </a:r>
+            <a:r>
+              <a:rPr lang="en-IL" sz="1600" dirty="0"/>
+              <a:t>an Elastic IP to the network interface created in step 7:  </a:t>
+            </a:r>
+            <a:r>
+              <a:rPr lang="en-US" sz="1600" dirty="0">
+                <a:hlinkClick r:id="rId9"/>
+              </a:rPr>
+              <a:t>https://registry.terraform.io/providers/hashicorp/aws/latest/docs/resources/eip</a:t>
+            </a:r>
+            <a:endParaRPr lang="en-IL" sz="1600" dirty="0"/>
+          </a:p>
+          <a:p>
+            <a:pPr marL="342900" indent="-342900">
+              <a:buAutoNum type="arabicPeriod"/>
+            </a:pPr>
+            <a:r>
+              <a:rPr lang="en-IL" sz="1600" dirty="0"/>
+              <a:t>Create an ubuntu server and install/enable apache2: </a:t>
+            </a:r>
+            <a:r>
+              <a:rPr lang="en-US" sz="1600" dirty="0">
+                <a:hlinkClick r:id="rId10"/>
+              </a:rPr>
+              <a:t>https://registry.terraform.io/providers/hashicorp/aws/latest/docs/resources/instance</a:t>
+            </a:r>
+            <a:endParaRPr lang="en-IL" sz="1600" dirty="0"/>
+          </a:p>
+          <a:p>
+            <a:pPr marL="342900" indent="-342900">
+              <a:buAutoNum type="arabicPeriod"/>
+            </a:pPr>
+            <a:endParaRPr lang="en-IL" sz="1600" dirty="0"/>
           </a:p>
           <a:p>
             <a:pPr marL="0" indent="0">
               <a:buNone/>
             </a:pPr>
             <a:r>
-              <a:rPr lang="en-IL" sz="1800" dirty="0"/>
-              <a:t>This will not be the case in the real world practices, especially in production. You want the code to receive the values for each attribute inside the resource (or the once requested by the customer) and populate them into the code at provision time.</a:t>
-            </a:r>
-          </a:p>
-          <a:p>
-            <a:pPr marL="0" indent="0">
-              <a:buNone/>
-            </a:pPr>
-            <a:r>
-              <a:rPr lang="en-IL" sz="1800" dirty="0"/>
-              <a:t>As we saw in the last demo, we can output the values of the provisioned resources in order to access them faster instead of looking them up in the console such as: instance ip, db endpoint, eks cluster endpoint and so on.</a:t>
-            </a:r>
-          </a:p>
-          <a:p>
-            <a:pPr marL="514350" indent="-514350">
-              <a:buAutoNum type="arabicPeriod"/>
-            </a:pPr>
-            <a:r>
-              <a:rPr lang="en-IL" sz="1800" dirty="0"/>
-              <a:t>variables.tf – in this file we assign the variables and have the option of giving them a default value</a:t>
-            </a:r>
-          </a:p>
-          <a:p>
-            <a:pPr marL="514350" indent="-514350">
-              <a:buAutoNum type="arabicPeriod"/>
-            </a:pPr>
-            <a:r>
-              <a:rPr lang="en-US" sz="1800" dirty="0" err="1"/>
-              <a:t>outputs.tf</a:t>
-            </a:r>
-            <a:r>
-              <a:rPr lang="en-US" sz="1800" dirty="0"/>
-              <a:t> – this is the conventional file to store all of your </a:t>
-            </a:r>
-            <a:r>
-              <a:rPr lang="en-US" sz="1800" dirty="0" err="1"/>
-              <a:t>ouputs</a:t>
-            </a:r>
-            <a:endParaRPr lang="en-US" sz="1800" dirty="0"/>
-          </a:p>
-          <a:p>
-            <a:pPr marL="514350" indent="-514350">
-              <a:buAutoNum type="arabicPeriod"/>
-            </a:pPr>
-            <a:endParaRPr lang="en-US" sz="1800" dirty="0"/>
-          </a:p>
-          <a:p>
-            <a:pPr>
-              <a:buFontTx/>
-              <a:buChar char="-"/>
-            </a:pPr>
-            <a:r>
-              <a:rPr lang="en-US" sz="1800" dirty="0"/>
-              <a:t>All of the .</a:t>
-            </a:r>
-            <a:r>
-              <a:rPr lang="en-US" sz="1800" dirty="0" err="1"/>
-              <a:t>tf</a:t>
-            </a:r>
-            <a:r>
-              <a:rPr lang="en-US" sz="1800" dirty="0"/>
-              <a:t> files we create is just a way to decouple different types of code (outputs, resources, variables </a:t>
-            </a:r>
-            <a:r>
-              <a:rPr lang="en-US" sz="1800" dirty="0" err="1"/>
-              <a:t>etc</a:t>
-            </a:r>
-            <a:r>
-              <a:rPr lang="en-US" sz="1800" dirty="0"/>
-              <a:t>). You can take all your code and store it in a single .</a:t>
-            </a:r>
-            <a:r>
-              <a:rPr lang="en-US" sz="1800" dirty="0" err="1"/>
-              <a:t>tf</a:t>
-            </a:r>
-            <a:r>
-              <a:rPr lang="en-US" sz="1800" dirty="0"/>
-              <a:t> file but this is far from being best practice and will never be used</a:t>
-            </a:r>
-          </a:p>
-          <a:p>
-            <a:pPr marL="0" indent="0">
-              <a:buNone/>
-            </a:pPr>
-            <a:endParaRPr lang="en-IL" sz="1800" dirty="0"/>
-          </a:p>
-          <a:p>
-            <a:pPr marL="0" indent="0">
-              <a:buNone/>
-            </a:pPr>
-            <a:endParaRPr lang="en-IL" dirty="0"/>
+              <a:rPr lang="en-IL" sz="1600" dirty="0"/>
+              <a:t>- Create a key pair in AWS</a:t>
+            </a:r>
           </a:p>
         </p:txBody>
       </p:sp>
     </p:spTree>
     <p:extLst>
       <p:ext uri="{BB962C8B-B14F-4D97-AF65-F5344CB8AC3E}">
-        <p14:creationId xmlns:p14="http://schemas.microsoft.com/office/powerpoint/2010/main" val="3789494029"/>
+        <p14:creationId xmlns:p14="http://schemas.microsoft.com/office/powerpoint/2010/main" val="3718290990"/>
       </p:ext>
     </p:extLst>
   </p:cSld>
@@ -6326,7 +6447,7 @@
           <p:cNvPr id="2" name="Title 1">
             <a:extLst>
               <a:ext uri="{FF2B5EF4-FFF2-40B4-BE49-F238E27FC236}">
-                <a16:creationId xmlns:a16="http://schemas.microsoft.com/office/drawing/2014/main" id="{6738D53A-3DF2-874A-9F87-BFD2D6E1B95C}"/>
+                <a16:creationId xmlns:a16="http://schemas.microsoft.com/office/drawing/2014/main" id="{89E92D28-A2A1-8E4D-87BD-6F0063F21875}"/>
               </a:ext>
             </a:extLst>
           </p:cNvPr>
@@ -6344,7 +6465,7 @@
           <a:p>
             <a:r>
               <a:rPr lang="en-IL" dirty="0"/>
-              <a:t>Demo_5_vars_outputs: tf-demo/demo_5_vars_outputs</a:t>
+              <a:t>Variables and Outputs</a:t>
             </a:r>
           </a:p>
         </p:txBody>
@@ -6354,7 +6475,7 @@
           <p:cNvPr id="3" name="Content Placeholder 2">
             <a:extLst>
               <a:ext uri="{FF2B5EF4-FFF2-40B4-BE49-F238E27FC236}">
-                <a16:creationId xmlns:a16="http://schemas.microsoft.com/office/drawing/2014/main" id="{2AB5B636-B3E9-BC46-AE93-FD499A8B3244}"/>
+                <a16:creationId xmlns:a16="http://schemas.microsoft.com/office/drawing/2014/main" id="{E12087E0-666D-574A-8026-67BC999D1D7B}"/>
               </a:ext>
             </a:extLst>
           </p:cNvPr>
@@ -6367,46 +6488,107 @@
         </p:nvSpPr>
         <p:spPr/>
         <p:txBody>
-          <a:bodyPr>
-            <a:normAutofit lnSpcReduction="10000"/>
-          </a:bodyPr>
-          <a:lstStyle/>
-          <a:p>
-            <a:r>
-              <a:rPr lang="en-IL" dirty="0"/>
-              <a:t>Using outputs will print any information you want about any resource you want on your terminal screen after the run has been completed</a:t>
-            </a:r>
-          </a:p>
-          <a:p>
-            <a:r>
-              <a:rPr lang="en-IL" dirty="0"/>
-              <a:t>Using variables will give you the option to control you environment and configure it at will</a:t>
-            </a:r>
-          </a:p>
-          <a:p>
-            <a:r>
-              <a:rPr lang="en-IL" dirty="0"/>
-              <a:t>Outputs manual alternitive: ”terraform state show &lt;resource&gt;”</a:t>
-            </a:r>
-            <a:br>
-              <a:rPr lang="en-IL" dirty="0"/>
-            </a:br>
-            <a:r>
-              <a:rPr lang="en-IL" dirty="0"/>
-              <a:t>This command will give you the information about the resource directly from the state file to pull the details you need</a:t>
-            </a:r>
-          </a:p>
-          <a:p>
-            <a:r>
-              <a:rPr lang="en-IL" dirty="0"/>
-              <a:t>run “terraform state list” to see the available resources</a:t>
-            </a:r>
-          </a:p>
-          <a:p>
-            <a:r>
-              <a:rPr lang="en-IL" dirty="0"/>
-              <a:t>If you want to add a new output, do not apply the changes and simply “terraform refresh” to get those outputs</a:t>
-            </a:r>
+          <a:bodyPr/>
+          <a:lstStyle/>
+          <a:p>
+            <a:pPr marL="0" indent="0">
+              <a:buNone/>
+            </a:pPr>
+            <a:r>
+              <a:rPr lang="en-IL" sz="1800" dirty="0"/>
+              <a:t>So far we have provisioned the resources using a “hard-coded” values.</a:t>
+            </a:r>
+          </a:p>
+          <a:p>
+            <a:pPr marL="0" indent="0">
+              <a:buNone/>
+            </a:pPr>
+            <a:r>
+              <a:rPr lang="en-IL" sz="1800" dirty="0"/>
+              <a:t>This will not be the case in the real world, especially in production. You want the code to receive the values for each attribute inside the resource (or the once requested by the customer) and populate them into the code at provision time.</a:t>
+            </a:r>
+          </a:p>
+          <a:p>
+            <a:pPr marL="0" indent="0">
+              <a:buNone/>
+            </a:pPr>
+            <a:r>
+              <a:rPr lang="en-IL" sz="1800" dirty="0"/>
+              <a:t>As we saw in the last demo, we can output the values of the provisioned resources in order to access them faster instead of looking them up in the console such as: instance ip, db endpoint, eks cluster endpoint and so on.</a:t>
+            </a:r>
+          </a:p>
+          <a:p>
+            <a:pPr marL="514350" indent="-514350">
+              <a:buAutoNum type="arabicPeriod"/>
+            </a:pPr>
+            <a:r>
+              <a:rPr lang="en-IL" sz="1800" dirty="0"/>
+              <a:t>variables.tf – in this file we assign the variables and have the option of giving them a default value</a:t>
+            </a:r>
+          </a:p>
+          <a:p>
+            <a:pPr marL="514350" indent="-514350">
+              <a:buAutoNum type="arabicPeriod"/>
+            </a:pPr>
+            <a:r>
+              <a:rPr lang="en-US" sz="1800" dirty="0" err="1"/>
+              <a:t>outputs.tf</a:t>
+            </a:r>
+            <a:r>
+              <a:rPr lang="en-US" sz="1800" dirty="0"/>
+              <a:t> – this is the conventional file to store all of your </a:t>
+            </a:r>
+            <a:r>
+              <a:rPr lang="en-US" sz="1800" dirty="0" err="1"/>
+              <a:t>ouputs</a:t>
+            </a:r>
+            <a:endParaRPr lang="en-US" sz="1800" dirty="0"/>
+          </a:p>
+          <a:p>
+            <a:pPr marL="514350" indent="-514350">
+              <a:buAutoNum type="arabicPeriod"/>
+            </a:pPr>
+            <a:endParaRPr lang="en-US" sz="1800" dirty="0"/>
+          </a:p>
+          <a:p>
+            <a:pPr>
+              <a:buFontTx/>
+              <a:buChar char="-"/>
+            </a:pPr>
+            <a:r>
+              <a:rPr lang="en-US" sz="1800" dirty="0"/>
+              <a:t>All of the .</a:t>
+            </a:r>
+            <a:r>
+              <a:rPr lang="en-US" sz="1800" dirty="0" err="1"/>
+              <a:t>tf</a:t>
+            </a:r>
+            <a:r>
+              <a:rPr lang="en-US" sz="1800" dirty="0"/>
+              <a:t> files we create is just a way to decouple different types of code (outputs, resources, variables </a:t>
+            </a:r>
+            <a:r>
+              <a:rPr lang="en-US" sz="1800" dirty="0" err="1"/>
+              <a:t>etc</a:t>
+            </a:r>
+            <a:r>
+              <a:rPr lang="en-US" sz="1800" dirty="0"/>
+              <a:t>). You can take all your code and store it in a single .</a:t>
+            </a:r>
+            <a:r>
+              <a:rPr lang="en-US" sz="1800" dirty="0" err="1"/>
+              <a:t>tf</a:t>
+            </a:r>
+            <a:r>
+              <a:rPr lang="en-US" sz="1800" dirty="0"/>
+              <a:t> file but this is far from being best practice and will never be used</a:t>
+            </a:r>
+          </a:p>
+          <a:p>
+            <a:pPr marL="0" indent="0">
+              <a:buNone/>
+            </a:pPr>
+            <a:endParaRPr lang="en-IL" sz="1800" dirty="0"/>
           </a:p>
           <a:p>
             <a:pPr marL="0" indent="0">
@@ -6419,7 +6601,7 @@
     </p:spTree>
     <p:extLst>
       <p:ext uri="{BB962C8B-B14F-4D97-AF65-F5344CB8AC3E}">
-        <p14:creationId xmlns:p14="http://schemas.microsoft.com/office/powerpoint/2010/main" val="1276881444"/>
+        <p14:creationId xmlns:p14="http://schemas.microsoft.com/office/powerpoint/2010/main" val="3789494029"/>
       </p:ext>
     </p:extLst>
   </p:cSld>

--- a/tf-demo-presentation.pptx
+++ b/tf-demo-presentation.pptx
@@ -8,19 +8,20 @@
     <p:sldId id="256" r:id="rId2"/>
     <p:sldId id="257" r:id="rId3"/>
     <p:sldId id="271" r:id="rId4"/>
-    <p:sldId id="258" r:id="rId5"/>
-    <p:sldId id="259" r:id="rId6"/>
-    <p:sldId id="260" r:id="rId7"/>
-    <p:sldId id="261" r:id="rId8"/>
-    <p:sldId id="262" r:id="rId9"/>
-    <p:sldId id="264" r:id="rId10"/>
-    <p:sldId id="265" r:id="rId11"/>
-    <p:sldId id="266" r:id="rId12"/>
-    <p:sldId id="263" r:id="rId13"/>
-    <p:sldId id="267" r:id="rId14"/>
-    <p:sldId id="268" r:id="rId15"/>
-    <p:sldId id="269" r:id="rId16"/>
-    <p:sldId id="270" r:id="rId17"/>
+    <p:sldId id="272" r:id="rId5"/>
+    <p:sldId id="258" r:id="rId6"/>
+    <p:sldId id="259" r:id="rId7"/>
+    <p:sldId id="260" r:id="rId8"/>
+    <p:sldId id="261" r:id="rId9"/>
+    <p:sldId id="262" r:id="rId10"/>
+    <p:sldId id="264" r:id="rId11"/>
+    <p:sldId id="265" r:id="rId12"/>
+    <p:sldId id="266" r:id="rId13"/>
+    <p:sldId id="263" r:id="rId14"/>
+    <p:sldId id="267" r:id="rId15"/>
+    <p:sldId id="268" r:id="rId16"/>
+    <p:sldId id="269" r:id="rId17"/>
+    <p:sldId id="270" r:id="rId18"/>
   </p:sldIdLst>
   <p:sldSz cx="12192000" cy="6858000"/>
   <p:notesSz cx="6858000" cy="9144000"/>
@@ -3707,7 +3708,7 @@
           <p:cNvPr id="2" name="Title 1">
             <a:extLst>
               <a:ext uri="{FF2B5EF4-FFF2-40B4-BE49-F238E27FC236}">
-                <a16:creationId xmlns:a16="http://schemas.microsoft.com/office/drawing/2014/main" id="{6738D53A-3DF2-874A-9F87-BFD2D6E1B95C}"/>
+                <a16:creationId xmlns:a16="http://schemas.microsoft.com/office/drawing/2014/main" id="{89E92D28-A2A1-8E4D-87BD-6F0063F21875}"/>
               </a:ext>
             </a:extLst>
           </p:cNvPr>
@@ -3725,7 +3726,7 @@
           <a:p>
             <a:r>
               <a:rPr lang="en-IL" dirty="0"/>
-              <a:t>Demo_5_vars_outputs: tf-demo/demo_5_vars_outputs</a:t>
+              <a:t>Variables and Outputs</a:t>
             </a:r>
           </a:p>
         </p:txBody>
@@ -3735,7 +3736,7 @@
           <p:cNvPr id="3" name="Content Placeholder 2">
             <a:extLst>
               <a:ext uri="{FF2B5EF4-FFF2-40B4-BE49-F238E27FC236}">
-                <a16:creationId xmlns:a16="http://schemas.microsoft.com/office/drawing/2014/main" id="{2AB5B636-B3E9-BC46-AE93-FD499A8B3244}"/>
+                <a16:creationId xmlns:a16="http://schemas.microsoft.com/office/drawing/2014/main" id="{E12087E0-666D-574A-8026-67BC999D1D7B}"/>
               </a:ext>
             </a:extLst>
           </p:cNvPr>
@@ -3748,46 +3749,107 @@
         </p:nvSpPr>
         <p:spPr/>
         <p:txBody>
-          <a:bodyPr>
-            <a:normAutofit lnSpcReduction="10000"/>
-          </a:bodyPr>
-          <a:lstStyle/>
-          <a:p>
-            <a:r>
-              <a:rPr lang="en-IL" dirty="0"/>
-              <a:t>Using outputs will print any information you want about any resource you want on your terminal screen after the run has been completed</a:t>
-            </a:r>
-          </a:p>
-          <a:p>
-            <a:r>
-              <a:rPr lang="en-IL" dirty="0"/>
-              <a:t>Using variables will give you the option to control you environment and configure it at will</a:t>
-            </a:r>
-          </a:p>
-          <a:p>
-            <a:r>
-              <a:rPr lang="en-IL" dirty="0"/>
-              <a:t>Outputs manual alternitive: ”terraform state show &lt;resource&gt;”</a:t>
-            </a:r>
-            <a:br>
-              <a:rPr lang="en-IL" dirty="0"/>
-            </a:br>
-            <a:r>
-              <a:rPr lang="en-IL" dirty="0"/>
-              <a:t>This command will give you the information about the resource directly from the state file to pull the details you need</a:t>
-            </a:r>
-          </a:p>
-          <a:p>
-            <a:r>
-              <a:rPr lang="en-IL" dirty="0"/>
-              <a:t>run “terraform state list” to see the available resources</a:t>
-            </a:r>
-          </a:p>
-          <a:p>
-            <a:r>
-              <a:rPr lang="en-IL" dirty="0"/>
-              <a:t>If you want to add a new output, do not apply the changes and simply “terraform refresh” to get those outputs</a:t>
-            </a:r>
+          <a:bodyPr/>
+          <a:lstStyle/>
+          <a:p>
+            <a:pPr marL="0" indent="0">
+              <a:buNone/>
+            </a:pPr>
+            <a:r>
+              <a:rPr lang="en-IL" sz="1800" dirty="0"/>
+              <a:t>So far we have provisioned the resources using a “hard-coded” values.</a:t>
+            </a:r>
+          </a:p>
+          <a:p>
+            <a:pPr marL="0" indent="0">
+              <a:buNone/>
+            </a:pPr>
+            <a:r>
+              <a:rPr lang="en-IL" sz="1800" dirty="0"/>
+              <a:t>This will not be the case in the real world, especially in production. You want the code to receive the values for each attribute inside the resource (or the once requested by the customer) and populate them into the code at provision time.</a:t>
+            </a:r>
+          </a:p>
+          <a:p>
+            <a:pPr marL="0" indent="0">
+              <a:buNone/>
+            </a:pPr>
+            <a:r>
+              <a:rPr lang="en-IL" sz="1800" dirty="0"/>
+              <a:t>As we saw in the last demo, we can output the values of the provisioned resources in order to access them faster instead of looking them up in the console such as: instance ip, db endpoint, eks cluster endpoint and so on.</a:t>
+            </a:r>
+          </a:p>
+          <a:p>
+            <a:pPr marL="514350" indent="-514350">
+              <a:buAutoNum type="arabicPeriod"/>
+            </a:pPr>
+            <a:r>
+              <a:rPr lang="en-IL" sz="1800" dirty="0"/>
+              <a:t>variables.tf – in this file we assign the variables and have the option of giving them a default value</a:t>
+            </a:r>
+          </a:p>
+          <a:p>
+            <a:pPr marL="514350" indent="-514350">
+              <a:buAutoNum type="arabicPeriod"/>
+            </a:pPr>
+            <a:r>
+              <a:rPr lang="en-US" sz="1800" dirty="0" err="1"/>
+              <a:t>outputs.tf</a:t>
+            </a:r>
+            <a:r>
+              <a:rPr lang="en-US" sz="1800" dirty="0"/>
+              <a:t> – this is the conventional file to store all of your </a:t>
+            </a:r>
+            <a:r>
+              <a:rPr lang="en-US" sz="1800" dirty="0" err="1"/>
+              <a:t>ouputs</a:t>
+            </a:r>
+            <a:endParaRPr lang="en-US" sz="1800" dirty="0"/>
+          </a:p>
+          <a:p>
+            <a:pPr marL="514350" indent="-514350">
+              <a:buAutoNum type="arabicPeriod"/>
+            </a:pPr>
+            <a:endParaRPr lang="en-US" sz="1800" dirty="0"/>
+          </a:p>
+          <a:p>
+            <a:pPr>
+              <a:buFontTx/>
+              <a:buChar char="-"/>
+            </a:pPr>
+            <a:r>
+              <a:rPr lang="en-US" sz="1800" dirty="0"/>
+              <a:t>All of the .</a:t>
+            </a:r>
+            <a:r>
+              <a:rPr lang="en-US" sz="1800" dirty="0" err="1"/>
+              <a:t>tf</a:t>
+            </a:r>
+            <a:r>
+              <a:rPr lang="en-US" sz="1800" dirty="0"/>
+              <a:t> files we create is just a way to decouple different types of code (outputs, resources, variables </a:t>
+            </a:r>
+            <a:r>
+              <a:rPr lang="en-US" sz="1800" dirty="0" err="1"/>
+              <a:t>etc</a:t>
+            </a:r>
+            <a:r>
+              <a:rPr lang="en-US" sz="1800" dirty="0"/>
+              <a:t>). You can take all your code and store it in a single .</a:t>
+            </a:r>
+            <a:r>
+              <a:rPr lang="en-US" sz="1800" dirty="0" err="1"/>
+              <a:t>tf</a:t>
+            </a:r>
+            <a:r>
+              <a:rPr lang="en-US" sz="1800" dirty="0"/>
+              <a:t> file but this is far from being best practice and will never be used</a:t>
+            </a:r>
+          </a:p>
+          <a:p>
+            <a:pPr marL="0" indent="0">
+              <a:buNone/>
+            </a:pPr>
+            <a:endParaRPr lang="en-IL" sz="1800" dirty="0"/>
           </a:p>
           <a:p>
             <a:pPr marL="0" indent="0">
@@ -3800,7 +3862,7 @@
     </p:spTree>
     <p:extLst>
       <p:ext uri="{BB962C8B-B14F-4D97-AF65-F5344CB8AC3E}">
-        <p14:creationId xmlns:p14="http://schemas.microsoft.com/office/powerpoint/2010/main" val="1276881444"/>
+        <p14:creationId xmlns:p14="http://schemas.microsoft.com/office/powerpoint/2010/main" val="3789494029"/>
       </p:ext>
     </p:extLst>
   </p:cSld>
@@ -3832,7 +3894,7 @@
           <p:cNvPr id="2" name="Title 1">
             <a:extLst>
               <a:ext uri="{FF2B5EF4-FFF2-40B4-BE49-F238E27FC236}">
-                <a16:creationId xmlns:a16="http://schemas.microsoft.com/office/drawing/2014/main" id="{2C8794AD-FDC5-3E42-AF18-BEFD05539DDE}"/>
+                <a16:creationId xmlns:a16="http://schemas.microsoft.com/office/drawing/2014/main" id="{6738D53A-3DF2-874A-9F87-BFD2D6E1B95C}"/>
               </a:ext>
             </a:extLst>
           </p:cNvPr>
@@ -3850,7 +3912,7 @@
           <a:p>
             <a:r>
               <a:rPr lang="en-IL" dirty="0"/>
-              <a:t>Terraform resource handling</a:t>
+              <a:t>Demo_5_vars_outputs: tf-demo/demo_5_vars_outputs</a:t>
             </a:r>
           </a:p>
         </p:txBody>
@@ -3860,7 +3922,7 @@
           <p:cNvPr id="3" name="Content Placeholder 2">
             <a:extLst>
               <a:ext uri="{FF2B5EF4-FFF2-40B4-BE49-F238E27FC236}">
-                <a16:creationId xmlns:a16="http://schemas.microsoft.com/office/drawing/2014/main" id="{3109B7B2-8F2E-7349-8A35-42634CD4ACFB}"/>
+                <a16:creationId xmlns:a16="http://schemas.microsoft.com/office/drawing/2014/main" id="{2AB5B636-B3E9-BC46-AE93-FD499A8B3244}"/>
               </a:ext>
             </a:extLst>
           </p:cNvPr>
@@ -3873,33 +3935,51 @@
         </p:nvSpPr>
         <p:spPr/>
         <p:txBody>
-          <a:bodyPr/>
+          <a:bodyPr>
+            <a:normAutofit lnSpcReduction="10000"/>
+          </a:bodyPr>
           <a:lstStyle/>
           <a:p>
             <a:r>
               <a:rPr lang="en-IL" dirty="0"/>
-              <a:t>”terraform apply/destroy –target &lt;resource name&gt;” – thise will create or destroy a specific resource without changing the other infrastructure</a:t>
+              <a:t>Using outputs will print any information you want about any resource you want on your terminal screen after the run has been completed</a:t>
             </a:r>
           </a:p>
           <a:p>
             <a:r>
               <a:rPr lang="en-IL" dirty="0"/>
-              <a:t>”terraform validate” – will run a syntax check across all of your .tf files but might miss some syntax errors</a:t>
-            </a:r>
-          </a:p>
-          <a:p>
-            <a:r>
-              <a:rPr lang="en-US" dirty="0"/>
-              <a:t>“terraform providers” – will show you all the providers used in your project in a “tree” view</a:t>
+              <a:t>Using variables will give you the option to control you environment and configure it at will</a:t>
             </a:r>
           </a:p>
           <a:p>
             <a:r>
               <a:rPr lang="en-IL" dirty="0"/>
-              <a:t>“terraform import” – will import an existing resource into your tfstate file</a:t>
-            </a:r>
-          </a:p>
-          <a:p>
+              <a:t>Outputs manual alternitive: ”terraform state show &lt;resource&gt;”</a:t>
+            </a:r>
+            <a:br>
+              <a:rPr lang="en-IL" dirty="0"/>
+            </a:br>
+            <a:r>
+              <a:rPr lang="en-IL" dirty="0"/>
+              <a:t>This command will give you the information about the resource directly from the state file to pull the details you need</a:t>
+            </a:r>
+          </a:p>
+          <a:p>
+            <a:r>
+              <a:rPr lang="en-IL" dirty="0"/>
+              <a:t>run “terraform state list” to see the available resources</a:t>
+            </a:r>
+          </a:p>
+          <a:p>
+            <a:r>
+              <a:rPr lang="en-IL" dirty="0"/>
+              <a:t>If you want to add a new output, do not apply the changes and simply “terraform refresh” to get those outputs</a:t>
+            </a:r>
+          </a:p>
+          <a:p>
+            <a:pPr marL="0" indent="0">
+              <a:buNone/>
+            </a:pPr>
             <a:endParaRPr lang="en-IL" dirty="0"/>
           </a:p>
         </p:txBody>
@@ -3907,7 +3987,7 @@
     </p:spTree>
     <p:extLst>
       <p:ext uri="{BB962C8B-B14F-4D97-AF65-F5344CB8AC3E}">
-        <p14:creationId xmlns:p14="http://schemas.microsoft.com/office/powerpoint/2010/main" val="1021470420"/>
+        <p14:creationId xmlns:p14="http://schemas.microsoft.com/office/powerpoint/2010/main" val="1276881444"/>
       </p:ext>
     </p:extLst>
   </p:cSld>
@@ -3939,7 +4019,7 @@
           <p:cNvPr id="2" name="Title 1">
             <a:extLst>
               <a:ext uri="{FF2B5EF4-FFF2-40B4-BE49-F238E27FC236}">
-                <a16:creationId xmlns:a16="http://schemas.microsoft.com/office/drawing/2014/main" id="{0DF592A7-5320-664A-992C-4CCDEC3E7229}"/>
+                <a16:creationId xmlns:a16="http://schemas.microsoft.com/office/drawing/2014/main" id="{2C8794AD-FDC5-3E42-AF18-BEFD05539DDE}"/>
               </a:ext>
             </a:extLst>
           </p:cNvPr>
@@ -3957,7 +4037,7 @@
           <a:p>
             <a:r>
               <a:rPr lang="en-IL" dirty="0"/>
-              <a:t>Modules</a:t>
+              <a:t>Terraform resource handling</a:t>
             </a:r>
           </a:p>
         </p:txBody>
@@ -3967,7 +4047,7 @@
           <p:cNvPr id="3" name="Content Placeholder 2">
             <a:extLst>
               <a:ext uri="{FF2B5EF4-FFF2-40B4-BE49-F238E27FC236}">
-                <a16:creationId xmlns:a16="http://schemas.microsoft.com/office/drawing/2014/main" id="{2C63E211-845C-674F-9685-EC40F43CF494}"/>
+                <a16:creationId xmlns:a16="http://schemas.microsoft.com/office/drawing/2014/main" id="{3109B7B2-8F2E-7349-8A35-42634CD4ACFB}"/>
               </a:ext>
             </a:extLst>
           </p:cNvPr>
@@ -3980,139 +4060,41 @@
         </p:nvSpPr>
         <p:spPr/>
         <p:txBody>
-          <a:bodyPr>
-            <a:normAutofit/>
-          </a:bodyPr>
-          <a:lstStyle/>
-          <a:p>
-            <a:pPr marL="0" indent="0">
-              <a:buNone/>
-            </a:pPr>
-            <a:r>
-              <a:rPr lang="en-IL" sz="1600" dirty="0"/>
-              <a:t>Modules are a way to isolate specific resources and provision them at any time, dynamically and without using a duplicate code inside your main root file.</a:t>
-            </a:r>
-          </a:p>
-          <a:p>
-            <a:pPr marL="0" indent="0">
-              <a:buNone/>
-            </a:pPr>
-            <a:r>
-              <a:rPr lang="en-IL" sz="1600" dirty="0"/>
-              <a:t>As we saw in the previous demos, the standard files that are making up the terraform code are: </a:t>
-            </a:r>
-          </a:p>
-          <a:p>
-            <a:pPr marL="342900" indent="-342900">
-              <a:buAutoNum type="arabicPeriod"/>
-            </a:pPr>
-            <a:r>
-              <a:rPr lang="en-IL" sz="1600" dirty="0"/>
-              <a:t>main.tf</a:t>
-            </a:r>
-          </a:p>
-          <a:p>
-            <a:pPr marL="342900" indent="-342900">
-              <a:buAutoNum type="arabicPeriod"/>
-            </a:pPr>
-            <a:r>
-              <a:rPr lang="en-US" sz="1600" dirty="0"/>
-              <a:t>v</a:t>
-            </a:r>
-            <a:r>
-              <a:rPr lang="en-IL" sz="1600" dirty="0"/>
-              <a:t>ariables.tf</a:t>
-            </a:r>
-          </a:p>
-          <a:p>
-            <a:pPr marL="342900" indent="-342900">
-              <a:buAutoNum type="arabicPeriod"/>
-            </a:pPr>
-            <a:r>
-              <a:rPr lang="en-US" sz="1600" dirty="0"/>
-              <a:t>o</a:t>
-            </a:r>
-            <a:r>
-              <a:rPr lang="en-IL" sz="1600" dirty="0"/>
-              <a:t>utputs.tf</a:t>
-            </a:r>
-          </a:p>
-          <a:p>
-            <a:pPr>
-              <a:buFontTx/>
-              <a:buChar char="-"/>
-            </a:pPr>
-            <a:r>
-              <a:rPr lang="en-IL" sz="1600" dirty="0"/>
-              <a:t>Reminder: these files can all be pulled into one single files but this is never recommended</a:t>
-            </a:r>
-          </a:p>
-          <a:p>
-            <a:pPr marL="0" indent="0">
-              <a:buNone/>
-            </a:pPr>
-            <a:r>
-              <a:rPr lang="en-IL" sz="1600" dirty="0"/>
-              <a:t>Module will consist of the same files as your main one but will reside in a different folder. Once you wrote your module, you will need a way to call this module, populate the variables and provision it.</a:t>
-            </a:r>
-          </a:p>
-          <a:p>
-            <a:pPr marL="0" indent="0">
-              <a:buNone/>
-            </a:pPr>
-            <a:r>
-              <a:rPr lang="en-IL" sz="1600" dirty="0"/>
-              <a:t>So now your original ”root” folder with all the above files will be the place where you can call yout modules and apply them.</a:t>
-            </a:r>
-          </a:p>
-          <a:p>
-            <a:pPr marL="0" indent="0">
-              <a:buNone/>
-            </a:pPr>
-            <a:r>
-              <a:rPr lang="en-IL" sz="1600" dirty="0"/>
-              <a:t>”Calling” a module, will tell terraform upon apply/plan, to get all the resources from the module’s folder location and use them in your run.</a:t>
-            </a:r>
-          </a:p>
-          <a:p>
-            <a:pPr marL="0" indent="0">
-              <a:buNone/>
-            </a:pPr>
-            <a:r>
-              <a:rPr lang="en-IL" sz="1600" dirty="0"/>
-              <a:t>This is the perfect way to decouple different layers of your infrustructure into multiple modules that can be called when needed and a fine grain control over each resource</a:t>
-            </a:r>
-          </a:p>
-          <a:p>
-            <a:pPr marL="0" indent="0">
-              <a:buNone/>
-            </a:pPr>
-            <a:endParaRPr lang="en-IL" sz="1600" dirty="0"/>
-          </a:p>
-          <a:p>
-            <a:pPr marL="342900" indent="-342900">
-              <a:buAutoNum type="arabicPeriod"/>
-            </a:pPr>
-            <a:endParaRPr lang="en-IL" sz="1600" dirty="0"/>
-          </a:p>
-          <a:p>
-            <a:pPr marL="0" indent="0">
-              <a:buNone/>
-            </a:pPr>
-            <a:endParaRPr lang="en-IL" sz="1600" dirty="0"/>
-          </a:p>
-          <a:p>
-            <a:pPr marL="0" indent="0">
-              <a:buNone/>
-            </a:pPr>
-            <a:endParaRPr lang="en-IL" sz="1600" dirty="0"/>
+          <a:bodyPr/>
+          <a:lstStyle/>
+          <a:p>
+            <a:r>
+              <a:rPr lang="en-IL" dirty="0"/>
+              <a:t>”terraform apply/destroy –target &lt;resource name&gt;” – thise will create or destroy a specific resource without changing the other infrastructure</a:t>
+            </a:r>
+          </a:p>
+          <a:p>
+            <a:r>
+              <a:rPr lang="en-IL" dirty="0"/>
+              <a:t>”terraform validate” – will run a syntax check across all of your .tf files but might miss some syntax errors</a:t>
+            </a:r>
+          </a:p>
+          <a:p>
+            <a:r>
+              <a:rPr lang="en-US" dirty="0"/>
+              <a:t>“terraform providers” – will show you all the providers used in your project in a “tree” view</a:t>
+            </a:r>
+          </a:p>
+          <a:p>
+            <a:r>
+              <a:rPr lang="en-IL" dirty="0"/>
+              <a:t>“terraform import” – will import an existing resource into your tfstate file</a:t>
+            </a:r>
+          </a:p>
+          <a:p>
+            <a:endParaRPr lang="en-IL" dirty="0"/>
           </a:p>
         </p:txBody>
       </p:sp>
     </p:spTree>
     <p:extLst>
       <p:ext uri="{BB962C8B-B14F-4D97-AF65-F5344CB8AC3E}">
-        <p14:creationId xmlns:p14="http://schemas.microsoft.com/office/powerpoint/2010/main" val="453868289"/>
+        <p14:creationId xmlns:p14="http://schemas.microsoft.com/office/powerpoint/2010/main" val="1021470420"/>
       </p:ext>
     </p:extLst>
   </p:cSld>
@@ -4144,7 +4126,7 @@
           <p:cNvPr id="2" name="Title 1">
             <a:extLst>
               <a:ext uri="{FF2B5EF4-FFF2-40B4-BE49-F238E27FC236}">
-                <a16:creationId xmlns:a16="http://schemas.microsoft.com/office/drawing/2014/main" id="{4340634E-1960-4F4D-82AA-37FE96AD9E58}"/>
+                <a16:creationId xmlns:a16="http://schemas.microsoft.com/office/drawing/2014/main" id="{0DF592A7-5320-664A-992C-4CCDEC3E7229}"/>
               </a:ext>
             </a:extLst>
           </p:cNvPr>
@@ -4162,7 +4144,7 @@
           <a:p>
             <a:r>
               <a:rPr lang="en-IL" dirty="0"/>
-              <a:t>Demo_6_modules: tf_demo/demo_6_modules </a:t>
+              <a:t>Modules</a:t>
             </a:r>
           </a:p>
         </p:txBody>
@@ -4172,7 +4154,7 @@
           <p:cNvPr id="3" name="Content Placeholder 2">
             <a:extLst>
               <a:ext uri="{FF2B5EF4-FFF2-40B4-BE49-F238E27FC236}">
-                <a16:creationId xmlns:a16="http://schemas.microsoft.com/office/drawing/2014/main" id="{5855D59C-C6CE-6444-91BE-4E0B37C1E8E1}"/>
+                <a16:creationId xmlns:a16="http://schemas.microsoft.com/office/drawing/2014/main" id="{2C63E211-845C-674F-9685-EC40F43CF494}"/>
               </a:ext>
             </a:extLst>
           </p:cNvPr>
@@ -4185,72 +4167,139 @@
         </p:nvSpPr>
         <p:spPr/>
         <p:txBody>
-          <a:bodyPr/>
-          <a:lstStyle/>
-          <a:p>
-            <a:r>
-              <a:rPr lang="en-IL" dirty="0"/>
-              <a:t>Server module: creating our webserver</a:t>
-            </a:r>
-          </a:p>
-          <a:p>
-            <a:r>
-              <a:rPr lang="en-IL" dirty="0"/>
-              <a:t>Network module: creating all the network components</a:t>
-            </a:r>
-          </a:p>
-          <a:p>
-            <a:r>
-              <a:rPr lang="en-IL" dirty="0"/>
-              <a:t>Root main.tf: calling both modules and pupoluates the variables</a:t>
-            </a:r>
-          </a:p>
-          <a:p>
-            <a:r>
-              <a:rPr lang="en-US" dirty="0"/>
-              <a:t>T</a:t>
-            </a:r>
-            <a:r>
-              <a:rPr lang="en-IL" dirty="0"/>
-              <a:t>erraform.tfvars: contains the values of the variables to be injected into the modules</a:t>
-            </a:r>
-          </a:p>
-          <a:p>
-            <a:r>
-              <a:rPr lang="en-US" dirty="0"/>
-              <a:t>Root </a:t>
-            </a:r>
-            <a:r>
-              <a:rPr lang="en-US" dirty="0" err="1"/>
-              <a:t>outputs.tf</a:t>
-            </a:r>
-            <a:r>
-              <a:rPr lang="en-US" dirty="0"/>
-              <a:t>: will output the </a:t>
-            </a:r>
-            <a:r>
-              <a:rPr lang="en-US" dirty="0" err="1"/>
-              <a:t>server_ip</a:t>
-            </a:r>
-            <a:endParaRPr lang="en-US" dirty="0"/>
-          </a:p>
-          <a:p>
-            <a:r>
-              <a:rPr lang="en-US" dirty="0" err="1"/>
-              <a:t>Depends_on</a:t>
-            </a:r>
-            <a:r>
-              <a:rPr lang="en-US" dirty="0"/>
-              <a:t>: server module will depend on the completion of the network module</a:t>
-            </a:r>
-            <a:endParaRPr lang="en-IL" dirty="0"/>
+          <a:bodyPr>
+            <a:normAutofit/>
+          </a:bodyPr>
+          <a:lstStyle/>
+          <a:p>
+            <a:pPr marL="0" indent="0">
+              <a:buNone/>
+            </a:pPr>
+            <a:r>
+              <a:rPr lang="en-IL" sz="1600" dirty="0"/>
+              <a:t>Modules are a way to isolate specific resources and provision them at any time, dynamically and without using a duplicate code inside your main root file.</a:t>
+            </a:r>
+          </a:p>
+          <a:p>
+            <a:pPr marL="0" indent="0">
+              <a:buNone/>
+            </a:pPr>
+            <a:r>
+              <a:rPr lang="en-IL" sz="1600" dirty="0"/>
+              <a:t>As we saw in the previous demos, the standard files that are making up the terraform code are: </a:t>
+            </a:r>
+          </a:p>
+          <a:p>
+            <a:pPr marL="342900" indent="-342900">
+              <a:buAutoNum type="arabicPeriod"/>
+            </a:pPr>
+            <a:r>
+              <a:rPr lang="en-IL" sz="1600" dirty="0"/>
+              <a:t>main.tf</a:t>
+            </a:r>
+          </a:p>
+          <a:p>
+            <a:pPr marL="342900" indent="-342900">
+              <a:buAutoNum type="arabicPeriod"/>
+            </a:pPr>
+            <a:r>
+              <a:rPr lang="en-US" sz="1600" dirty="0"/>
+              <a:t>v</a:t>
+            </a:r>
+            <a:r>
+              <a:rPr lang="en-IL" sz="1600" dirty="0"/>
+              <a:t>ariables.tf</a:t>
+            </a:r>
+          </a:p>
+          <a:p>
+            <a:pPr marL="342900" indent="-342900">
+              <a:buAutoNum type="arabicPeriod"/>
+            </a:pPr>
+            <a:r>
+              <a:rPr lang="en-US" sz="1600" dirty="0"/>
+              <a:t>o</a:t>
+            </a:r>
+            <a:r>
+              <a:rPr lang="en-IL" sz="1600" dirty="0"/>
+              <a:t>utputs.tf</a:t>
+            </a:r>
+          </a:p>
+          <a:p>
+            <a:pPr>
+              <a:buFontTx/>
+              <a:buChar char="-"/>
+            </a:pPr>
+            <a:r>
+              <a:rPr lang="en-IL" sz="1600" dirty="0"/>
+              <a:t>Reminder: these files can all be pulled into one single files but this is never recommended</a:t>
+            </a:r>
+          </a:p>
+          <a:p>
+            <a:pPr marL="0" indent="0">
+              <a:buNone/>
+            </a:pPr>
+            <a:r>
+              <a:rPr lang="en-IL" sz="1600" dirty="0"/>
+              <a:t>Module will consist of the same files as your main one but will reside in a different folder. Once you wrote your module, you will need a way to call this module, populate the variables and provision it.</a:t>
+            </a:r>
+          </a:p>
+          <a:p>
+            <a:pPr marL="0" indent="0">
+              <a:buNone/>
+            </a:pPr>
+            <a:r>
+              <a:rPr lang="en-IL" sz="1600" dirty="0"/>
+              <a:t>So now your original ”root” folder with all the above files will be the place where you can call yout modules and apply them.</a:t>
+            </a:r>
+          </a:p>
+          <a:p>
+            <a:pPr marL="0" indent="0">
+              <a:buNone/>
+            </a:pPr>
+            <a:r>
+              <a:rPr lang="en-IL" sz="1600" dirty="0"/>
+              <a:t>”Calling” a module, will tell terraform upon apply/plan, to get all the resources from the module’s folder location and use them in your run.</a:t>
+            </a:r>
+          </a:p>
+          <a:p>
+            <a:pPr marL="0" indent="0">
+              <a:buNone/>
+            </a:pPr>
+            <a:r>
+              <a:rPr lang="en-IL" sz="1600" dirty="0"/>
+              <a:t>This is the perfect way to decouple different layers of your infrustructure into multiple modules that can be called when needed and a fine grain control over each resource</a:t>
+            </a:r>
+          </a:p>
+          <a:p>
+            <a:pPr marL="0" indent="0">
+              <a:buNone/>
+            </a:pPr>
+            <a:endParaRPr lang="en-IL" sz="1600" dirty="0"/>
+          </a:p>
+          <a:p>
+            <a:pPr marL="342900" indent="-342900">
+              <a:buAutoNum type="arabicPeriod"/>
+            </a:pPr>
+            <a:endParaRPr lang="en-IL" sz="1600" dirty="0"/>
+          </a:p>
+          <a:p>
+            <a:pPr marL="0" indent="0">
+              <a:buNone/>
+            </a:pPr>
+            <a:endParaRPr lang="en-IL" sz="1600" dirty="0"/>
+          </a:p>
+          <a:p>
+            <a:pPr marL="0" indent="0">
+              <a:buNone/>
+            </a:pPr>
+            <a:endParaRPr lang="en-IL" sz="1600" dirty="0"/>
           </a:p>
         </p:txBody>
       </p:sp>
     </p:spTree>
     <p:extLst>
       <p:ext uri="{BB962C8B-B14F-4D97-AF65-F5344CB8AC3E}">
-        <p14:creationId xmlns:p14="http://schemas.microsoft.com/office/powerpoint/2010/main" val="2004404667"/>
+        <p14:creationId xmlns:p14="http://schemas.microsoft.com/office/powerpoint/2010/main" val="453868289"/>
       </p:ext>
     </p:extLst>
   </p:cSld>
@@ -4282,7 +4331,7 @@
           <p:cNvPr id="2" name="Title 1">
             <a:extLst>
               <a:ext uri="{FF2B5EF4-FFF2-40B4-BE49-F238E27FC236}">
-                <a16:creationId xmlns:a16="http://schemas.microsoft.com/office/drawing/2014/main" id="{D76B2E1D-677A-324B-A916-95BE633CB86D}"/>
+                <a16:creationId xmlns:a16="http://schemas.microsoft.com/office/drawing/2014/main" id="{4340634E-1960-4F4D-82AA-37FE96AD9E58}"/>
               </a:ext>
             </a:extLst>
           </p:cNvPr>
@@ -4300,7 +4349,7 @@
           <a:p>
             <a:r>
               <a:rPr lang="en-IL" dirty="0"/>
-              <a:t>Workspaces</a:t>
+              <a:t>Demo_6_modules: tf_demo/demo_6_modules </a:t>
             </a:r>
           </a:p>
         </p:txBody>
@@ -4310,7 +4359,7 @@
           <p:cNvPr id="3" name="Content Placeholder 2">
             <a:extLst>
               <a:ext uri="{FF2B5EF4-FFF2-40B4-BE49-F238E27FC236}">
-                <a16:creationId xmlns:a16="http://schemas.microsoft.com/office/drawing/2014/main" id="{DAFDD8BB-904B-7840-B6CF-E1FC6067FFAF}"/>
+                <a16:creationId xmlns:a16="http://schemas.microsoft.com/office/drawing/2014/main" id="{5855D59C-C6CE-6444-91BE-4E0B37C1E8E1}"/>
               </a:ext>
             </a:extLst>
           </p:cNvPr>
@@ -4323,223 +4372,72 @@
         </p:nvSpPr>
         <p:spPr/>
         <p:txBody>
-          <a:bodyPr>
-            <a:normAutofit/>
-          </a:bodyPr>
-          <a:lstStyle/>
-          <a:p>
-            <a:r>
-              <a:rPr lang="en-US" sz="1800" dirty="0">
-                <a:solidFill>
-                  <a:srgbClr val="1D1E23"/>
-                </a:solidFill>
-                <a:latin typeface="metro-web"/>
-              </a:rPr>
-              <a:t>Each Terraform configuration has an associated </a:t>
-            </a:r>
-            <a:r>
-              <a:rPr lang="en-US" sz="1800" dirty="0">
-                <a:solidFill>
-                  <a:srgbClr val="623CE4"/>
-                </a:solidFill>
-                <a:latin typeface="metro-web"/>
-                <a:hlinkClick r:id="rId2">
-                  <a:extLst>
-                    <a:ext uri="{A12FA001-AC4F-418D-AE19-62706E023703}">
-                      <ahyp:hlinkClr xmlns:ahyp="http://schemas.microsoft.com/office/drawing/2018/hyperlinkcolor" val="tx"/>
-                    </a:ext>
-                  </a:extLst>
-                </a:hlinkClick>
-              </a:rPr>
-              <a:t>backend</a:t>
-            </a:r>
-            <a:r>
-              <a:rPr lang="en-US" sz="1800" dirty="0">
-                <a:solidFill>
-                  <a:srgbClr val="1D1E23"/>
-                </a:solidFill>
-                <a:latin typeface="metro-web"/>
-              </a:rPr>
-              <a:t> that defines how operations are executed and where persistent data such as </a:t>
-            </a:r>
-            <a:r>
-              <a:rPr lang="en-US" sz="1800" dirty="0">
-                <a:solidFill>
-                  <a:srgbClr val="623CE4"/>
-                </a:solidFill>
-                <a:latin typeface="metro-web"/>
-                <a:hlinkClick r:id="rId3">
-                  <a:extLst>
-                    <a:ext uri="{A12FA001-AC4F-418D-AE19-62706E023703}">
-                      <ahyp:hlinkClr xmlns:ahyp="http://schemas.microsoft.com/office/drawing/2018/hyperlinkcolor" val="tx"/>
-                    </a:ext>
-                  </a:extLst>
-                </a:hlinkClick>
-              </a:rPr>
-              <a:t>the Terraform state</a:t>
-            </a:r>
-            <a:r>
-              <a:rPr lang="en-US" sz="1800" dirty="0">
-                <a:solidFill>
-                  <a:srgbClr val="1D1E23"/>
-                </a:solidFill>
-                <a:latin typeface="metro-web"/>
-              </a:rPr>
-              <a:t> are stored</a:t>
-            </a:r>
-          </a:p>
-          <a:p>
-            <a:r>
-              <a:rPr lang="en-US" sz="1800" dirty="0">
-                <a:solidFill>
-                  <a:srgbClr val="1D1E23"/>
-                </a:solidFill>
-                <a:latin typeface="metro-web"/>
-              </a:rPr>
-              <a:t>The persistent data stored in the backend belongs to a </a:t>
-            </a:r>
-            <a:r>
-              <a:rPr lang="en-US" sz="1800" i="1" dirty="0">
-                <a:solidFill>
-                  <a:srgbClr val="1D1E23"/>
-                </a:solidFill>
-                <a:latin typeface="metro-web"/>
-              </a:rPr>
-              <a:t>workspace</a:t>
-            </a:r>
-            <a:r>
-              <a:rPr lang="en-US" sz="1800" dirty="0">
-                <a:solidFill>
-                  <a:srgbClr val="1D1E23"/>
-                </a:solidFill>
-                <a:latin typeface="metro-web"/>
-              </a:rPr>
-              <a:t>. Initially the backend has only one workspace, called "default", and thus there is only one Terraform state associated with that configuration</a:t>
-            </a:r>
-          </a:p>
-          <a:p>
-            <a:r>
-              <a:rPr lang="en-US" sz="1800" dirty="0">
-                <a:solidFill>
-                  <a:srgbClr val="1D1E23"/>
-                </a:solidFill>
-                <a:latin typeface="metro-web"/>
-              </a:rPr>
-              <a:t>By creating multiple workspaces, you can control multiple environments and it’s resources</a:t>
-            </a:r>
-          </a:p>
-          <a:p>
-            <a:r>
-              <a:rPr lang="en-US" sz="1800" dirty="0">
-                <a:solidFill>
-                  <a:srgbClr val="1D1E23"/>
-                </a:solidFill>
-                <a:latin typeface="metro-web"/>
-              </a:rPr>
-              <a:t>Each workspace will create it’s on </a:t>
-            </a:r>
-            <a:r>
-              <a:rPr lang="en-US" sz="1800" dirty="0" err="1">
-                <a:solidFill>
-                  <a:srgbClr val="1D1E23"/>
-                </a:solidFill>
-                <a:latin typeface="metro-web"/>
-              </a:rPr>
-              <a:t>tfstate</a:t>
-            </a:r>
-            <a:r>
-              <a:rPr lang="en-US" sz="1800" dirty="0">
-                <a:solidFill>
-                  <a:srgbClr val="1D1E23"/>
-                </a:solidFill>
-                <a:latin typeface="metro-web"/>
-              </a:rPr>
-              <a:t> after a run.</a:t>
-            </a:r>
-          </a:p>
-          <a:p>
-            <a:r>
-              <a:rPr lang="en-US" sz="1800" dirty="0">
-                <a:solidFill>
-                  <a:srgbClr val="1D1E23"/>
-                </a:solidFill>
-                <a:latin typeface="metro-web"/>
-              </a:rPr>
-              <a:t>Commands: </a:t>
-            </a:r>
-            <a:br>
-              <a:rPr lang="en-IL" sz="1800" dirty="0">
-                <a:solidFill>
-                  <a:srgbClr val="1D1E23"/>
-                </a:solidFill>
-                <a:latin typeface="metro-web"/>
-              </a:rPr>
-            </a:br>
-            <a:r>
-              <a:rPr lang="en-IL" sz="1800" dirty="0">
-                <a:solidFill>
-                  <a:srgbClr val="1D1E23"/>
-                </a:solidFill>
-                <a:latin typeface="metro-web"/>
-              </a:rPr>
-              <a:t>- </a:t>
-            </a:r>
-            <a:r>
-              <a:rPr lang="en-US" sz="1800" dirty="0"/>
-              <a:t>terraform workspace new dev: will create a new workspace for the dev environment and will be completely separated from the default one</a:t>
-            </a:r>
-            <a:br>
-              <a:rPr lang="en-US" sz="1800" dirty="0"/>
-            </a:br>
-            <a:r>
-              <a:rPr lang="en-US" sz="1800" dirty="0"/>
-              <a:t>- terraform workspace show: show all the workspaces available and the current one being used</a:t>
-            </a:r>
-          </a:p>
-          <a:p>
-            <a:r>
-              <a:rPr lang="en-US" sz="1800" dirty="0">
-                <a:solidFill>
-                  <a:srgbClr val="1D1E23"/>
-                </a:solidFill>
-                <a:latin typeface="metro-web"/>
-              </a:rPr>
-              <a:t>For local state, Terraform stores the workspace states in a directory called </a:t>
-            </a:r>
-            <a:r>
-              <a:rPr lang="en-US" sz="1800" dirty="0" err="1"/>
-              <a:t>terraform.tfstate.d</a:t>
-            </a:r>
-            <a:r>
-              <a:rPr lang="en-US" sz="1800" dirty="0">
-                <a:solidFill>
-                  <a:srgbClr val="1D1E23"/>
-                </a:solidFill>
-                <a:latin typeface="metro-web"/>
-              </a:rPr>
-              <a:t>. This directory should be treated similarly to local-only </a:t>
-            </a:r>
-            <a:r>
-              <a:rPr lang="en-US" sz="1800" dirty="0" err="1"/>
-              <a:t>terraform.tfstate</a:t>
-            </a:r>
-            <a:r>
-              <a:rPr lang="en-US" sz="1800" dirty="0">
-                <a:solidFill>
-                  <a:srgbClr val="1D1E23"/>
-                </a:solidFill>
-                <a:latin typeface="metro-web"/>
-              </a:rPr>
-              <a:t>; some teams commit these files to version control, although using a remote backend instead is recommended when there are multiple collaborators.</a:t>
-            </a:r>
-            <a:endParaRPr lang="en-US" sz="1800" dirty="0"/>
+          <a:bodyPr/>
+          <a:lstStyle/>
+          <a:p>
+            <a:r>
+              <a:rPr lang="en-IL" dirty="0"/>
+              <a:t>Server module: creating our webserver</a:t>
+            </a:r>
+          </a:p>
+          <a:p>
+            <a:r>
+              <a:rPr lang="en-IL" dirty="0"/>
+              <a:t>Network module: creating all the network components</a:t>
+            </a:r>
+          </a:p>
+          <a:p>
+            <a:r>
+              <a:rPr lang="en-IL" dirty="0"/>
+              <a:t>Root main.tf: calling both modules and pupoluates the variables</a:t>
+            </a:r>
+          </a:p>
+          <a:p>
+            <a:r>
+              <a:rPr lang="en-US" dirty="0"/>
+              <a:t>T</a:t>
+            </a:r>
+            <a:r>
+              <a:rPr lang="en-IL" dirty="0"/>
+              <a:t>erraform.tfvars: contains the values of the variables to be injected into the modules</a:t>
+            </a:r>
+          </a:p>
+          <a:p>
+            <a:r>
+              <a:rPr lang="en-US" dirty="0"/>
+              <a:t>Root </a:t>
+            </a:r>
+            <a:r>
+              <a:rPr lang="en-US" dirty="0" err="1"/>
+              <a:t>outputs.tf</a:t>
+            </a:r>
+            <a:r>
+              <a:rPr lang="en-US" dirty="0"/>
+              <a:t>: will output the </a:t>
+            </a:r>
+            <a:r>
+              <a:rPr lang="en-US" dirty="0" err="1"/>
+              <a:t>server_ip</a:t>
+            </a:r>
+            <a:endParaRPr lang="en-US" dirty="0"/>
+          </a:p>
+          <a:p>
+            <a:r>
+              <a:rPr lang="en-US" dirty="0" err="1"/>
+              <a:t>Depends_on</a:t>
+            </a:r>
+            <a:r>
+              <a:rPr lang="en-US" dirty="0"/>
+              <a:t>: server module will depend on the completion of the network module</a:t>
+            </a:r>
+            <a:endParaRPr lang="en-IL" dirty="0"/>
           </a:p>
         </p:txBody>
       </p:sp>
     </p:spTree>
     <p:extLst>
       <p:ext uri="{BB962C8B-B14F-4D97-AF65-F5344CB8AC3E}">
-        <p14:creationId xmlns:p14="http://schemas.microsoft.com/office/powerpoint/2010/main" val="3197203705"/>
+        <p14:creationId xmlns:p14="http://schemas.microsoft.com/office/powerpoint/2010/main" val="2004404667"/>
       </p:ext>
     </p:extLst>
   </p:cSld>
@@ -4571,6 +4469,295 @@
           <p:cNvPr id="2" name="Title 1">
             <a:extLst>
               <a:ext uri="{FF2B5EF4-FFF2-40B4-BE49-F238E27FC236}">
+                <a16:creationId xmlns:a16="http://schemas.microsoft.com/office/drawing/2014/main" id="{D76B2E1D-677A-324B-A916-95BE633CB86D}"/>
+              </a:ext>
+            </a:extLst>
+          </p:cNvPr>
+          <p:cNvSpPr>
+            <a:spLocks noGrp="1"/>
+          </p:cNvSpPr>
+          <p:nvPr>
+            <p:ph type="title"/>
+          </p:nvPr>
+        </p:nvSpPr>
+        <p:spPr/>
+        <p:txBody>
+          <a:bodyPr/>
+          <a:lstStyle/>
+          <a:p>
+            <a:r>
+              <a:rPr lang="en-IL" dirty="0"/>
+              <a:t>Workspaces</a:t>
+            </a:r>
+          </a:p>
+        </p:txBody>
+      </p:sp>
+      <p:sp>
+        <p:nvSpPr>
+          <p:cNvPr id="3" name="Content Placeholder 2">
+            <a:extLst>
+              <a:ext uri="{FF2B5EF4-FFF2-40B4-BE49-F238E27FC236}">
+                <a16:creationId xmlns:a16="http://schemas.microsoft.com/office/drawing/2014/main" id="{DAFDD8BB-904B-7840-B6CF-E1FC6067FFAF}"/>
+              </a:ext>
+            </a:extLst>
+          </p:cNvPr>
+          <p:cNvSpPr>
+            <a:spLocks noGrp="1"/>
+          </p:cNvSpPr>
+          <p:nvPr>
+            <p:ph idx="1"/>
+          </p:nvPr>
+        </p:nvSpPr>
+        <p:spPr/>
+        <p:txBody>
+          <a:bodyPr>
+            <a:normAutofit/>
+          </a:bodyPr>
+          <a:lstStyle/>
+          <a:p>
+            <a:r>
+              <a:rPr lang="en-US" sz="1800" dirty="0">
+                <a:solidFill>
+                  <a:srgbClr val="1D1E23"/>
+                </a:solidFill>
+                <a:latin typeface="metro-web"/>
+              </a:rPr>
+              <a:t>Each Terraform configuration has an associated </a:t>
+            </a:r>
+            <a:r>
+              <a:rPr lang="en-US" sz="1800" dirty="0">
+                <a:solidFill>
+                  <a:srgbClr val="623CE4"/>
+                </a:solidFill>
+                <a:latin typeface="metro-web"/>
+                <a:hlinkClick r:id="rId2">
+                  <a:extLst>
+                    <a:ext uri="{A12FA001-AC4F-418D-AE19-62706E023703}">
+                      <ahyp:hlinkClr xmlns:ahyp="http://schemas.microsoft.com/office/drawing/2018/hyperlinkcolor" val="tx"/>
+                    </a:ext>
+                  </a:extLst>
+                </a:hlinkClick>
+              </a:rPr>
+              <a:t>backend</a:t>
+            </a:r>
+            <a:r>
+              <a:rPr lang="en-US" sz="1800" dirty="0">
+                <a:solidFill>
+                  <a:srgbClr val="1D1E23"/>
+                </a:solidFill>
+                <a:latin typeface="metro-web"/>
+              </a:rPr>
+              <a:t> that defines how operations are executed and where persistent data such as </a:t>
+            </a:r>
+            <a:r>
+              <a:rPr lang="en-US" sz="1800" dirty="0">
+                <a:solidFill>
+                  <a:srgbClr val="623CE4"/>
+                </a:solidFill>
+                <a:latin typeface="metro-web"/>
+                <a:hlinkClick r:id="rId3">
+                  <a:extLst>
+                    <a:ext uri="{A12FA001-AC4F-418D-AE19-62706E023703}">
+                      <ahyp:hlinkClr xmlns:ahyp="http://schemas.microsoft.com/office/drawing/2018/hyperlinkcolor" val="tx"/>
+                    </a:ext>
+                  </a:extLst>
+                </a:hlinkClick>
+              </a:rPr>
+              <a:t>the Terraform state</a:t>
+            </a:r>
+            <a:r>
+              <a:rPr lang="en-US" sz="1800" dirty="0">
+                <a:solidFill>
+                  <a:srgbClr val="1D1E23"/>
+                </a:solidFill>
+                <a:latin typeface="metro-web"/>
+              </a:rPr>
+              <a:t> are stored</a:t>
+            </a:r>
+          </a:p>
+          <a:p>
+            <a:r>
+              <a:rPr lang="en-US" sz="1800" dirty="0">
+                <a:solidFill>
+                  <a:srgbClr val="1D1E23"/>
+                </a:solidFill>
+                <a:latin typeface="metro-web"/>
+              </a:rPr>
+              <a:t>The persistent data stored in the backend belongs to a </a:t>
+            </a:r>
+            <a:r>
+              <a:rPr lang="en-US" sz="1800" i="1" dirty="0">
+                <a:solidFill>
+                  <a:srgbClr val="1D1E23"/>
+                </a:solidFill>
+                <a:latin typeface="metro-web"/>
+              </a:rPr>
+              <a:t>workspace</a:t>
+            </a:r>
+            <a:r>
+              <a:rPr lang="en-US" sz="1800" dirty="0">
+                <a:solidFill>
+                  <a:srgbClr val="1D1E23"/>
+                </a:solidFill>
+                <a:latin typeface="metro-web"/>
+              </a:rPr>
+              <a:t>. Initially the backend has only one workspace, called "default", and thus there is only one Terraform state associated with that configuration</a:t>
+            </a:r>
+          </a:p>
+          <a:p>
+            <a:r>
+              <a:rPr lang="en-US" sz="1800" dirty="0">
+                <a:solidFill>
+                  <a:srgbClr val="1D1E23"/>
+                </a:solidFill>
+                <a:latin typeface="metro-web"/>
+              </a:rPr>
+              <a:t>By creating multiple workspaces, you can control multiple environments and it’s resources</a:t>
+            </a:r>
+          </a:p>
+          <a:p>
+            <a:r>
+              <a:rPr lang="en-US" sz="1800" dirty="0">
+                <a:solidFill>
+                  <a:srgbClr val="1D1E23"/>
+                </a:solidFill>
+                <a:latin typeface="metro-web"/>
+              </a:rPr>
+              <a:t>Each workspace will create it’s on </a:t>
+            </a:r>
+            <a:r>
+              <a:rPr lang="en-US" sz="1800" dirty="0" err="1">
+                <a:solidFill>
+                  <a:srgbClr val="1D1E23"/>
+                </a:solidFill>
+                <a:latin typeface="metro-web"/>
+              </a:rPr>
+              <a:t>tfstate</a:t>
+            </a:r>
+            <a:r>
+              <a:rPr lang="en-US" sz="1800" dirty="0">
+                <a:solidFill>
+                  <a:srgbClr val="1D1E23"/>
+                </a:solidFill>
+                <a:latin typeface="metro-web"/>
+              </a:rPr>
+              <a:t> after a run.</a:t>
+            </a:r>
+          </a:p>
+          <a:p>
+            <a:r>
+              <a:rPr lang="en-US" sz="1800" dirty="0">
+                <a:solidFill>
+                  <a:srgbClr val="1D1E23"/>
+                </a:solidFill>
+                <a:latin typeface="metro-web"/>
+              </a:rPr>
+              <a:t>Commands: </a:t>
+            </a:r>
+            <a:br>
+              <a:rPr lang="en-IL" sz="1800" dirty="0">
+                <a:solidFill>
+                  <a:srgbClr val="1D1E23"/>
+                </a:solidFill>
+                <a:latin typeface="metro-web"/>
+              </a:rPr>
+            </a:br>
+            <a:r>
+              <a:rPr lang="en-IL" sz="1800" dirty="0">
+                <a:solidFill>
+                  <a:srgbClr val="1D1E23"/>
+                </a:solidFill>
+                <a:latin typeface="metro-web"/>
+              </a:rPr>
+              <a:t>- </a:t>
+            </a:r>
+            <a:r>
+              <a:rPr lang="en-US" sz="1800" dirty="0"/>
+              <a:t>terraform workspace new dev: will create a new workspace for the dev environment and will be completely separated from the default one</a:t>
+            </a:r>
+            <a:br>
+              <a:rPr lang="en-US" sz="1800" dirty="0"/>
+            </a:br>
+            <a:r>
+              <a:rPr lang="en-US" sz="1800" dirty="0"/>
+              <a:t>- terraform workspace show: show all the workspaces available and the current one being used</a:t>
+            </a:r>
+          </a:p>
+          <a:p>
+            <a:r>
+              <a:rPr lang="en-US" sz="1800" dirty="0">
+                <a:solidFill>
+                  <a:srgbClr val="1D1E23"/>
+                </a:solidFill>
+                <a:latin typeface="metro-web"/>
+              </a:rPr>
+              <a:t>For local state, Terraform stores the workspace states in a directory called </a:t>
+            </a:r>
+            <a:r>
+              <a:rPr lang="en-US" sz="1800" dirty="0" err="1"/>
+              <a:t>terraform.tfstate.d</a:t>
+            </a:r>
+            <a:r>
+              <a:rPr lang="en-US" sz="1800" dirty="0">
+                <a:solidFill>
+                  <a:srgbClr val="1D1E23"/>
+                </a:solidFill>
+                <a:latin typeface="metro-web"/>
+              </a:rPr>
+              <a:t>. This directory should be treated similarly to local-only </a:t>
+            </a:r>
+            <a:r>
+              <a:rPr lang="en-US" sz="1800" dirty="0" err="1"/>
+              <a:t>terraform.tfstate</a:t>
+            </a:r>
+            <a:r>
+              <a:rPr lang="en-US" sz="1800" dirty="0">
+                <a:solidFill>
+                  <a:srgbClr val="1D1E23"/>
+                </a:solidFill>
+                <a:latin typeface="metro-web"/>
+              </a:rPr>
+              <a:t>; some teams commit these files to version control, although using a remote backend instead is recommended when there are multiple collaborators.</a:t>
+            </a:r>
+            <a:endParaRPr lang="en-US" sz="1800" dirty="0"/>
+          </a:p>
+        </p:txBody>
+      </p:sp>
+    </p:spTree>
+    <p:extLst>
+      <p:ext uri="{BB962C8B-B14F-4D97-AF65-F5344CB8AC3E}">
+        <p14:creationId xmlns:p14="http://schemas.microsoft.com/office/powerpoint/2010/main" val="3197203705"/>
+      </p:ext>
+    </p:extLst>
+  </p:cSld>
+  <p:clrMapOvr>
+    <a:masterClrMapping/>
+  </p:clrMapOvr>
+</p:sld>
+</file>
+
+<file path=ppt/slides/slide16.xml><?xml version="1.0" encoding="utf-8"?>
+<p:sld xmlns:a="http://schemas.openxmlformats.org/drawingml/2006/main" xmlns:r="http://schemas.openxmlformats.org/officeDocument/2006/relationships" xmlns:p="http://schemas.openxmlformats.org/presentationml/2006/main">
+  <p:cSld>
+    <p:spTree>
+      <p:nvGrpSpPr>
+        <p:cNvPr id="1" name=""/>
+        <p:cNvGrpSpPr/>
+        <p:nvPr/>
+      </p:nvGrpSpPr>
+      <p:grpSpPr>
+        <a:xfrm>
+          <a:off x="0" y="0"/>
+          <a:ext cx="0" cy="0"/>
+          <a:chOff x="0" y="0"/>
+          <a:chExt cx="0" cy="0"/>
+        </a:xfrm>
+      </p:grpSpPr>
+      <p:sp>
+        <p:nvSpPr>
+          <p:cNvPr id="2" name="Title 1">
+            <a:extLst>
+              <a:ext uri="{FF2B5EF4-FFF2-40B4-BE49-F238E27FC236}">
                 <a16:creationId xmlns:a16="http://schemas.microsoft.com/office/drawing/2014/main" id="{6E9EBAF7-D8C2-0348-800A-2C405EA1C6FD}"/>
               </a:ext>
             </a:extLst>
@@ -4782,7 +4969,7 @@
 </p:sld>
 </file>
 
-<file path=ppt/slides/slide16.xml><?xml version="1.0" encoding="utf-8"?>
+<file path=ppt/slides/slide17.xml><?xml version="1.0" encoding="utf-8"?>
 <p:sld xmlns:a="http://schemas.openxmlformats.org/drawingml/2006/main" xmlns:r="http://schemas.openxmlformats.org/officeDocument/2006/relationships" xmlns:p="http://schemas.openxmlformats.org/presentationml/2006/main">
   <p:cSld>
     <p:spTree>
@@ -5509,7 +5696,7 @@
           <p:cNvPr id="2" name="Title 1">
             <a:extLst>
               <a:ext uri="{FF2B5EF4-FFF2-40B4-BE49-F238E27FC236}">
-                <a16:creationId xmlns:a16="http://schemas.microsoft.com/office/drawing/2014/main" id="{BE44B7FC-3759-F84F-9CA9-2082CF516F1B}"/>
+                <a16:creationId xmlns:a16="http://schemas.microsoft.com/office/drawing/2014/main" id="{FCABB3C0-C12C-6A4F-9504-A6F3EFF951FC}"/>
               </a:ext>
             </a:extLst>
           </p:cNvPr>
@@ -5527,7 +5714,7 @@
           <a:p>
             <a:r>
               <a:rPr lang="en-IL" dirty="0"/>
-              <a:t>Demo 1 – tf-demo/demo_1</a:t>
+              <a:t>Installing terraform cli</a:t>
             </a:r>
           </a:p>
         </p:txBody>
@@ -5537,7 +5724,7 @@
           <p:cNvPr id="3" name="Content Placeholder 2">
             <a:extLst>
               <a:ext uri="{FF2B5EF4-FFF2-40B4-BE49-F238E27FC236}">
-                <a16:creationId xmlns:a16="http://schemas.microsoft.com/office/drawing/2014/main" id="{12DAB82A-94F6-B24C-9479-1A8006FC54F9}"/>
+                <a16:creationId xmlns:a16="http://schemas.microsoft.com/office/drawing/2014/main" id="{1049CEAC-28E9-514F-907F-AA9DCD064BD4}"/>
               </a:ext>
             </a:extLst>
           </p:cNvPr>
@@ -5550,127 +5737,25 @@
         </p:nvSpPr>
         <p:spPr/>
         <p:txBody>
-          <a:bodyPr>
-            <a:normAutofit fontScale="77500" lnSpcReduction="20000"/>
-          </a:bodyPr>
-          <a:lstStyle/>
-          <a:p>
-            <a:pPr marL="0" indent="0">
-              <a:buNone/>
-            </a:pPr>
+          <a:bodyPr/>
+          <a:lstStyle/>
+          <a:p>
             <a:r>
               <a:rPr lang="en-IL" dirty="0"/>
-              <a:t>Quick demo to create an AWS instance.</a:t>
-            </a:r>
-          </a:p>
-          <a:p>
-            <a:pPr marL="0" indent="0">
-              <a:buNone/>
-            </a:pPr>
-            <a:endParaRPr lang="en-IL" dirty="0"/>
-          </a:p>
-          <a:p>
-            <a:pPr marL="514350" indent="-514350">
-              <a:buAutoNum type="arabicPeriod"/>
-            </a:pPr>
-            <a:r>
-              <a:rPr lang="en-US" dirty="0"/>
-              <a:t>terraform </a:t>
-            </a:r>
-            <a:r>
-              <a:rPr lang="en-US" dirty="0" err="1"/>
-              <a:t>init</a:t>
-            </a:r>
-            <a:endParaRPr lang="en-US" dirty="0"/>
-          </a:p>
-          <a:p>
-            <a:pPr marL="514350" indent="-514350">
-              <a:buFont typeface="Arial" panose="020B0604020202020204" pitchFamily="34" charset="0"/>
-              <a:buAutoNum type="arabicPeriod"/>
-            </a:pPr>
-            <a:r>
-              <a:rPr lang="en-US" dirty="0"/>
-              <a:t>terraform plan</a:t>
-            </a:r>
-          </a:p>
-          <a:p>
-            <a:pPr marL="514350" indent="-514350">
-              <a:buAutoNum type="arabicPeriod"/>
-            </a:pPr>
-            <a:r>
-              <a:rPr lang="en-US" dirty="0"/>
-              <a:t>terraform apply</a:t>
-            </a:r>
-          </a:p>
-          <a:p>
-            <a:pPr marL="514350" indent="-514350">
-              <a:buAutoNum type="arabicPeriod"/>
-            </a:pPr>
-            <a:r>
-              <a:rPr lang="en-US" dirty="0"/>
-              <a:t>Modify a resource</a:t>
-            </a:r>
-          </a:p>
-          <a:p>
-            <a:pPr marL="514350" indent="-514350">
-              <a:buAutoNum type="arabicPeriod"/>
-            </a:pPr>
-            <a:r>
-              <a:rPr lang="en-US" dirty="0"/>
-              <a:t>terraform apply</a:t>
-            </a:r>
-          </a:p>
-          <a:p>
-            <a:pPr marL="514350" indent="-514350">
-              <a:buAutoNum type="arabicPeriod"/>
-            </a:pPr>
-            <a:r>
-              <a:rPr lang="en-US" dirty="0"/>
-              <a:t>terraform destroy</a:t>
+              <a:t>Follow this link to install the terraform cli according to your OS:</a:t>
             </a:r>
             <a:br>
-              <a:rPr lang="en-US" dirty="0"/>
+              <a:rPr lang="en-IL" dirty="0"/>
             </a:br>
-            <a:endParaRPr lang="en-US" dirty="0"/>
-          </a:p>
-          <a:p>
-            <a:pPr marL="0" indent="0">
-              <a:buNone/>
-            </a:pPr>
-            <a:r>
-              <a:rPr lang="en-US" dirty="0"/>
-              <a:t>- Will create an instance in AWS</a:t>
-            </a:r>
-          </a:p>
-          <a:p>
-            <a:pPr marL="0" indent="0">
-              <a:buNone/>
-            </a:pPr>
-            <a:r>
-              <a:rPr lang="en-US" dirty="0"/>
-              <a:t>- Check the output</a:t>
-            </a:r>
-          </a:p>
-          <a:p>
-            <a:pPr marL="0" indent="0">
-              <a:buNone/>
-            </a:pPr>
-            <a:r>
-              <a:rPr lang="en-US" dirty="0"/>
-              <a:t>- Check AWS console</a:t>
-            </a:r>
-          </a:p>
-          <a:p>
-            <a:pPr>
-              <a:buFontTx/>
-              <a:buChar char="-"/>
-            </a:pPr>
-            <a:endParaRPr lang="en-US" dirty="0"/>
-          </a:p>
-          <a:p>
-            <a:pPr marL="514350" indent="-514350">
-              <a:buAutoNum type="arabicPeriod"/>
-            </a:pPr>
+            <a:br>
+              <a:rPr lang="en-IL" dirty="0"/>
+            </a:br>
+            <a:r>
+              <a:rPr lang="en-US" dirty="0">
+                <a:hlinkClick r:id="rId2"/>
+              </a:rPr>
+              <a:t>https://learn.hashicorp.com/tutorials/terraform/install-cli</a:t>
+            </a:r>
             <a:endParaRPr lang="en-IL" dirty="0"/>
           </a:p>
         </p:txBody>
@@ -5678,7 +5763,7 @@
     </p:spTree>
     <p:extLst>
       <p:ext uri="{BB962C8B-B14F-4D97-AF65-F5344CB8AC3E}">
-        <p14:creationId xmlns:p14="http://schemas.microsoft.com/office/powerpoint/2010/main" val="3414622433"/>
+        <p14:creationId xmlns:p14="http://schemas.microsoft.com/office/powerpoint/2010/main" val="453446283"/>
       </p:ext>
     </p:extLst>
   </p:cSld>
@@ -5710,7 +5795,7 @@
           <p:cNvPr id="2" name="Title 1">
             <a:extLst>
               <a:ext uri="{FF2B5EF4-FFF2-40B4-BE49-F238E27FC236}">
-                <a16:creationId xmlns:a16="http://schemas.microsoft.com/office/drawing/2014/main" id="{BB600B18-EB4F-4847-A0BD-70266BBF9685}"/>
+                <a16:creationId xmlns:a16="http://schemas.microsoft.com/office/drawing/2014/main" id="{BE44B7FC-3759-F84F-9CA9-2082CF516F1B}"/>
               </a:ext>
             </a:extLst>
           </p:cNvPr>
@@ -5728,7 +5813,7 @@
           <a:p>
             <a:r>
               <a:rPr lang="en-IL" dirty="0"/>
-              <a:t>Demo 2 Data: tf-demo/demo_2_data</a:t>
+              <a:t>Demo 1 – tf-demo/demo_1</a:t>
             </a:r>
           </a:p>
         </p:txBody>
@@ -5738,7 +5823,7 @@
           <p:cNvPr id="3" name="Content Placeholder 2">
             <a:extLst>
               <a:ext uri="{FF2B5EF4-FFF2-40B4-BE49-F238E27FC236}">
-                <a16:creationId xmlns:a16="http://schemas.microsoft.com/office/drawing/2014/main" id="{0B20C376-53FC-C347-AB4A-7EC2B813D934}"/>
+                <a16:creationId xmlns:a16="http://schemas.microsoft.com/office/drawing/2014/main" id="{12DAB82A-94F6-B24C-9479-1A8006FC54F9}"/>
               </a:ext>
             </a:extLst>
           </p:cNvPr>
@@ -5752,7 +5837,7 @@
         <p:spPr/>
         <p:txBody>
           <a:bodyPr>
-            <a:normAutofit/>
+            <a:normAutofit fontScale="77500" lnSpcReduction="20000"/>
           </a:bodyPr>
           <a:lstStyle/>
           <a:p>
@@ -5760,34 +5845,87 @@
               <a:buNone/>
             </a:pPr>
             <a:r>
-              <a:rPr lang="en-IL" sz="1600" u="sng" dirty="0"/>
-              <a:t>Data Source in Terraform</a:t>
-            </a:r>
-            <a:r>
-              <a:rPr lang="en-IL" sz="1600" dirty="0"/>
-              <a:t>: </a:t>
+              <a:rPr lang="en-IL" dirty="0"/>
+              <a:t>Quick demo to create an AWS instance.</a:t>
             </a:r>
           </a:p>
           <a:p>
             <a:pPr marL="0" indent="0">
               <a:buNone/>
             </a:pPr>
-            <a:r>
-              <a:rPr lang="en-US" sz="1600" i="1" dirty="0"/>
-              <a:t>Data sources</a:t>
-            </a:r>
-            <a:r>
-              <a:rPr lang="en-US" sz="1600" dirty="0"/>
-              <a:t> allow data to be fetched or computed for use elsewhere in Terraform configuration. Use of data sources allows a Terraform configuration to make use of information defined outside of Terraform, or defined by another separate Terraform configuration.</a:t>
-            </a:r>
+            <a:endParaRPr lang="en-IL" dirty="0"/>
+          </a:p>
+          <a:p>
+            <a:pPr marL="514350" indent="-514350">
+              <a:buAutoNum type="arabicPeriod"/>
+            </a:pPr>
+            <a:r>
+              <a:rPr lang="en-US" dirty="0"/>
+              <a:t>terraform </a:t>
+            </a:r>
+            <a:r>
+              <a:rPr lang="en-US" dirty="0" err="1"/>
+              <a:t>init</a:t>
+            </a:r>
+            <a:endParaRPr lang="en-US" dirty="0"/>
+          </a:p>
+          <a:p>
+            <a:pPr marL="514350" indent="-514350">
+              <a:buFont typeface="Arial" panose="020B0604020202020204" pitchFamily="34" charset="0"/>
+              <a:buAutoNum type="arabicPeriod"/>
+            </a:pPr>
+            <a:r>
+              <a:rPr lang="en-US" dirty="0"/>
+              <a:t>terraform plan</a:t>
+            </a:r>
+          </a:p>
+          <a:p>
+            <a:pPr marL="514350" indent="-514350">
+              <a:buAutoNum type="arabicPeriod"/>
+            </a:pPr>
+            <a:r>
+              <a:rPr lang="en-US" dirty="0"/>
+              <a:t>terraform apply</a:t>
+            </a:r>
+          </a:p>
+          <a:p>
+            <a:pPr marL="514350" indent="-514350">
+              <a:buAutoNum type="arabicPeriod"/>
+            </a:pPr>
+            <a:r>
+              <a:rPr lang="en-US" dirty="0"/>
+              <a:t>Modify a resource</a:t>
+            </a:r>
+          </a:p>
+          <a:p>
+            <a:pPr marL="514350" indent="-514350">
+              <a:buAutoNum type="arabicPeriod"/>
+            </a:pPr>
+            <a:r>
+              <a:rPr lang="en-US" dirty="0"/>
+              <a:t>terraform apply</a:t>
+            </a:r>
+          </a:p>
+          <a:p>
+            <a:pPr marL="514350" indent="-514350">
+              <a:buAutoNum type="arabicPeriod"/>
+            </a:pPr>
+            <a:r>
+              <a:rPr lang="en-US" dirty="0"/>
+              <a:t>terraform destroy</a:t>
+            </a:r>
+            <a:br>
+              <a:rPr lang="en-US" dirty="0"/>
+            </a:br>
+            <a:endParaRPr lang="en-US" dirty="0"/>
           </a:p>
           <a:p>
             <a:pPr marL="0" indent="0">
               <a:buNone/>
             </a:pPr>
             <a:r>
-              <a:rPr lang="en-US" sz="1600" dirty="0"/>
-              <a:t>Using data source in terraform can help us to get the needed information from the provider itself such as current resources/availability zones/regions/etc.</a:t>
+              <a:rPr lang="en-US" dirty="0"/>
+              <a:t>- Will create an instance in AWS</a:t>
             </a:r>
           </a:p>
           <a:p>
@@ -5795,8 +5933,8 @@
               <a:buNone/>
             </a:pPr>
             <a:r>
-              <a:rPr lang="en-US" sz="1600" dirty="0"/>
-              <a:t>In this quick demo we will fetch the latest AMI ID for an ubuntu amd64 instance and provision one with the AWS instance resource.</a:t>
+              <a:rPr lang="en-US" dirty="0"/>
+              <a:t>- Check the output</a:t>
             </a:r>
           </a:p>
           <a:p>
@@ -5804,49 +5942,29 @@
               <a:buNone/>
             </a:pPr>
             <a:r>
-              <a:rPr lang="en-US" sz="1600" dirty="0"/>
-              <a:t>In this specific scenario, data source will help us to provision the latest image dynamically without having to search for it in the AWS console and change it manually in the code.</a:t>
-            </a:r>
-          </a:p>
-          <a:p>
-            <a:pPr marL="0" indent="0">
-              <a:buNone/>
-            </a:pPr>
-            <a:r>
-              <a:rPr lang="en-US" sz="1600" dirty="0"/>
-              <a:t>More examples: </a:t>
-            </a:r>
-          </a:p>
-          <a:p>
-            <a:pPr marL="342900" indent="-342900">
+              <a:rPr lang="en-US" dirty="0"/>
+              <a:t>- Check AWS console</a:t>
+            </a:r>
+          </a:p>
+          <a:p>
+            <a:pPr>
+              <a:buFontTx/>
+              <a:buChar char="-"/>
+            </a:pPr>
+            <a:endParaRPr lang="en-US" dirty="0"/>
+          </a:p>
+          <a:p>
+            <a:pPr marL="514350" indent="-514350">
               <a:buAutoNum type="arabicPeriod"/>
             </a:pPr>
-            <a:r>
-              <a:rPr lang="en-US" sz="1600" dirty="0"/>
-              <a:t>Data source to fetch a value from an SSM Parameter store and use it in the code</a:t>
-            </a:r>
-          </a:p>
-          <a:p>
-            <a:pPr marL="342900" indent="-342900">
-              <a:buAutoNum type="arabicPeriod"/>
-            </a:pPr>
-            <a:r>
-              <a:rPr lang="en-US" sz="1600" dirty="0"/>
-              <a:t>Get the list of available AZs thus provision the resources depending on the number</a:t>
-            </a:r>
-          </a:p>
-          <a:p>
-            <a:pPr marL="342900" indent="-342900">
-              <a:buAutoNum type="arabicPeriod"/>
-            </a:pPr>
-            <a:endParaRPr lang="en-US" sz="1600" dirty="0"/>
+            <a:endParaRPr lang="en-IL" dirty="0"/>
           </a:p>
         </p:txBody>
       </p:sp>
     </p:spTree>
     <p:extLst>
       <p:ext uri="{BB962C8B-B14F-4D97-AF65-F5344CB8AC3E}">
-        <p14:creationId xmlns:p14="http://schemas.microsoft.com/office/powerpoint/2010/main" val="2965274379"/>
+        <p14:creationId xmlns:p14="http://schemas.microsoft.com/office/powerpoint/2010/main" val="3414622433"/>
       </p:ext>
     </p:extLst>
   </p:cSld>
@@ -5878,7 +5996,7 @@
           <p:cNvPr id="2" name="Title 1">
             <a:extLst>
               <a:ext uri="{FF2B5EF4-FFF2-40B4-BE49-F238E27FC236}">
-                <a16:creationId xmlns:a16="http://schemas.microsoft.com/office/drawing/2014/main" id="{C2182E1C-BCAE-3740-828F-93BAB9C5F343}"/>
+                <a16:creationId xmlns:a16="http://schemas.microsoft.com/office/drawing/2014/main" id="{BB600B18-EB4F-4847-A0BD-70266BBF9685}"/>
               </a:ext>
             </a:extLst>
           </p:cNvPr>
@@ -5896,7 +6014,7 @@
           <a:p>
             <a:r>
               <a:rPr lang="en-IL" dirty="0"/>
-              <a:t>Demo 3: tf-demo/demo_3_reference</a:t>
+              <a:t>Demo 2 Data: tf-demo/demo_2_data</a:t>
             </a:r>
           </a:p>
         </p:txBody>
@@ -5906,7 +6024,7 @@
           <p:cNvPr id="3" name="Content Placeholder 2">
             <a:extLst>
               <a:ext uri="{FF2B5EF4-FFF2-40B4-BE49-F238E27FC236}">
-                <a16:creationId xmlns:a16="http://schemas.microsoft.com/office/drawing/2014/main" id="{3588184A-54ED-1347-9C37-4E1E0A5D4DAF}"/>
+                <a16:creationId xmlns:a16="http://schemas.microsoft.com/office/drawing/2014/main" id="{0B20C376-53FC-C347-AB4A-7EC2B813D934}"/>
               </a:ext>
             </a:extLst>
           </p:cNvPr>
@@ -5919,65 +6037,102 @@
         </p:nvSpPr>
         <p:spPr/>
         <p:txBody>
-          <a:bodyPr/>
-          <a:lstStyle/>
-          <a:p>
-            <a:pPr marL="514350" indent="-514350">
+          <a:bodyPr>
+            <a:normAutofit/>
+          </a:bodyPr>
+          <a:lstStyle/>
+          <a:p>
+            <a:pPr marL="0" indent="0">
+              <a:buNone/>
+            </a:pPr>
+            <a:r>
+              <a:rPr lang="en-IL" sz="1600" u="sng" dirty="0"/>
+              <a:t>Data Source in Terraform</a:t>
+            </a:r>
+            <a:r>
+              <a:rPr lang="en-IL" sz="1600" dirty="0"/>
+              <a:t>: </a:t>
+            </a:r>
+          </a:p>
+          <a:p>
+            <a:pPr marL="0" indent="0">
+              <a:buNone/>
+            </a:pPr>
+            <a:r>
+              <a:rPr lang="en-US" sz="1600" i="1" dirty="0"/>
+              <a:t>Data sources</a:t>
+            </a:r>
+            <a:r>
+              <a:rPr lang="en-US" sz="1600" dirty="0"/>
+              <a:t> allow data to be fetched or computed for use elsewhere in Terraform configuration. Use of data sources allows a Terraform configuration to make use of information defined outside of Terraform, or defined by another separate Terraform configuration.</a:t>
+            </a:r>
+          </a:p>
+          <a:p>
+            <a:pPr marL="0" indent="0">
+              <a:buNone/>
+            </a:pPr>
+            <a:r>
+              <a:rPr lang="en-US" sz="1600" dirty="0"/>
+              <a:t>Using data source in terraform can help us to get the needed information from the provider itself such as current resources/availability zones/regions/etc.</a:t>
+            </a:r>
+          </a:p>
+          <a:p>
+            <a:pPr marL="0" indent="0">
+              <a:buNone/>
+            </a:pPr>
+            <a:r>
+              <a:rPr lang="en-US" sz="1600" dirty="0"/>
+              <a:t>In this quick demo we will fetch the latest AMI ID for an ubuntu amd64 instance and provision one with the AWS instance resource.</a:t>
+            </a:r>
+          </a:p>
+          <a:p>
+            <a:pPr marL="0" indent="0">
+              <a:buNone/>
+            </a:pPr>
+            <a:r>
+              <a:rPr lang="en-US" sz="1600" dirty="0"/>
+              <a:t>In this specific scenario, data source will help us to provision the latest image dynamically without having to search for it in the AWS console and change it manually in the code.</a:t>
+            </a:r>
+          </a:p>
+          <a:p>
+            <a:pPr marL="0" indent="0">
+              <a:buNone/>
+            </a:pPr>
+            <a:r>
+              <a:rPr lang="en-US" sz="1600" dirty="0"/>
+              <a:t>More examples: </a:t>
+            </a:r>
+          </a:p>
+          <a:p>
+            <a:pPr marL="342900" indent="-342900">
               <a:buAutoNum type="arabicPeriod"/>
             </a:pPr>
             <a:r>
-              <a:rPr lang="en-IL" dirty="0"/>
-              <a:t>Every resouce have a number of properties it outputs that can be used within the terraform code to reference into another resource.</a:t>
-            </a:r>
-          </a:p>
-          <a:p>
-            <a:pPr marL="514350" indent="-514350">
+              <a:rPr lang="en-US" sz="1600" dirty="0"/>
+              <a:t>Data source to fetch a value from an SSM Parameter store and use it in the code</a:t>
+            </a:r>
+          </a:p>
+          <a:p>
+            <a:pPr marL="342900" indent="-342900">
               <a:buAutoNum type="arabicPeriod"/>
             </a:pPr>
             <a:r>
-              <a:rPr lang="en-IL" dirty="0"/>
-              <a:t>Create a vpc</a:t>
-            </a:r>
-          </a:p>
-          <a:p>
-            <a:pPr marL="514350" indent="-514350">
+              <a:rPr lang="en-US" sz="1600" dirty="0"/>
+              <a:t>Get the list of available AZs thus provision the resources depending on the number</a:t>
+            </a:r>
+          </a:p>
+          <a:p>
+            <a:pPr marL="342900" indent="-342900">
               <a:buAutoNum type="arabicPeriod"/>
             </a:pPr>
-            <a:r>
-              <a:rPr lang="en-IL" dirty="0"/>
-              <a:t>Create a subnet and reference the VPC ID </a:t>
-            </a:r>
-          </a:p>
-          <a:p>
-            <a:pPr marL="514350" indent="-514350">
-              <a:buAutoNum type="arabicPeriod"/>
-            </a:pPr>
-            <a:r>
-              <a:rPr lang="en-IL" dirty="0"/>
-              <a:t>Check console</a:t>
-            </a:r>
-          </a:p>
-          <a:p>
-            <a:pPr marL="0" indent="0">
-              <a:buNone/>
-            </a:pPr>
-            <a:endParaRPr lang="en-IL" dirty="0"/>
-          </a:p>
-          <a:p>
-            <a:pPr marL="0" indent="0">
-              <a:buNone/>
-            </a:pPr>
-            <a:r>
-              <a:rPr lang="en-IL"/>
-              <a:t>We already used a reference with the data source so this is just another demo to show how cool this tool is.</a:t>
-            </a:r>
+            <a:endParaRPr lang="en-US" sz="1600" dirty="0"/>
           </a:p>
         </p:txBody>
       </p:sp>
     </p:spTree>
     <p:extLst>
       <p:ext uri="{BB962C8B-B14F-4D97-AF65-F5344CB8AC3E}">
-        <p14:creationId xmlns:p14="http://schemas.microsoft.com/office/powerpoint/2010/main" val="2225928613"/>
+        <p14:creationId xmlns:p14="http://schemas.microsoft.com/office/powerpoint/2010/main" val="2965274379"/>
       </p:ext>
     </p:extLst>
   </p:cSld>
@@ -6009,7 +6164,7 @@
           <p:cNvPr id="2" name="Title 1">
             <a:extLst>
               <a:ext uri="{FF2B5EF4-FFF2-40B4-BE49-F238E27FC236}">
-                <a16:creationId xmlns:a16="http://schemas.microsoft.com/office/drawing/2014/main" id="{B703BF2F-40F8-0540-991D-ABC08E2090D0}"/>
+                <a16:creationId xmlns:a16="http://schemas.microsoft.com/office/drawing/2014/main" id="{C2182E1C-BCAE-3740-828F-93BAB9C5F343}"/>
               </a:ext>
             </a:extLst>
           </p:cNvPr>
@@ -6027,7 +6182,7 @@
           <a:p>
             <a:r>
               <a:rPr lang="en-IL" dirty="0"/>
-              <a:t>Terraform Files</a:t>
+              <a:t>Demo 3: tf-demo/demo_3_reference</a:t>
             </a:r>
           </a:p>
         </p:txBody>
@@ -6037,7 +6192,7 @@
           <p:cNvPr id="3" name="Content Placeholder 2">
             <a:extLst>
               <a:ext uri="{FF2B5EF4-FFF2-40B4-BE49-F238E27FC236}">
-                <a16:creationId xmlns:a16="http://schemas.microsoft.com/office/drawing/2014/main" id="{B0DD7C58-8675-0A49-BCF3-862356F57306}"/>
+                <a16:creationId xmlns:a16="http://schemas.microsoft.com/office/drawing/2014/main" id="{3588184A-54ED-1347-9C37-4E1E0A5D4DAF}"/>
               </a:ext>
             </a:extLst>
           </p:cNvPr>
@@ -6050,110 +6205,57 @@
         </p:nvSpPr>
         <p:spPr/>
         <p:txBody>
-          <a:bodyPr>
-            <a:normAutofit/>
-          </a:bodyPr>
-          <a:lstStyle/>
+          <a:bodyPr/>
+          <a:lstStyle/>
+          <a:p>
+            <a:pPr marL="514350" indent="-514350">
+              <a:buAutoNum type="arabicPeriod"/>
+            </a:pPr>
+            <a:r>
+              <a:rPr lang="en-IL" dirty="0"/>
+              <a:t>Every resouce have a number of properties it outputs that can be used within the terraform code to reference into another resource.</a:t>
+            </a:r>
+          </a:p>
+          <a:p>
+            <a:pPr marL="514350" indent="-514350">
+              <a:buAutoNum type="arabicPeriod"/>
+            </a:pPr>
+            <a:r>
+              <a:rPr lang="en-IL" dirty="0"/>
+              <a:t>Create a vpc</a:t>
+            </a:r>
+          </a:p>
+          <a:p>
+            <a:pPr marL="514350" indent="-514350">
+              <a:buAutoNum type="arabicPeriod"/>
+            </a:pPr>
+            <a:r>
+              <a:rPr lang="en-IL" dirty="0"/>
+              <a:t>Create a subnet and reference the VPC ID </a:t>
+            </a:r>
+          </a:p>
+          <a:p>
+            <a:pPr marL="514350" indent="-514350">
+              <a:buAutoNum type="arabicPeriod"/>
+            </a:pPr>
+            <a:r>
+              <a:rPr lang="en-IL" dirty="0"/>
+              <a:t>Check console</a:t>
+            </a:r>
+          </a:p>
           <a:p>
             <a:pPr marL="0" indent="0">
               <a:buNone/>
             </a:pPr>
-            <a:r>
-              <a:rPr lang="en-IL" sz="1800" dirty="0"/>
-              <a:t>While running the demos you probably wondering what are those other files that are created when running terraform.</a:t>
-            </a:r>
+            <a:endParaRPr lang="en-IL" dirty="0"/>
           </a:p>
           <a:p>
             <a:pPr marL="0" indent="0">
               <a:buNone/>
             </a:pPr>
-            <a:endParaRPr lang="en-IL" sz="1800" dirty="0"/>
-          </a:p>
-          <a:p>
-            <a:pPr marL="0" indent="0">
-              <a:buNone/>
-            </a:pPr>
-            <a:r>
-              <a:rPr lang="en-IL" sz="1800" dirty="0"/>
-              <a:t>1. /.terraform: This directory is getting created when we run “terraform init” and it contains all the needed plugins/modules to run our code.</a:t>
-            </a:r>
-          </a:p>
-          <a:p>
-            <a:pPr marL="0" indent="0">
-              <a:buNone/>
-            </a:pPr>
-            <a:r>
-              <a:rPr lang="en-IL" sz="1800" dirty="0"/>
-              <a:t>2. terraform.state: the state of the files in a json format that hold your entire infrastucture. Most important file!!!</a:t>
-            </a:r>
-          </a:p>
-          <a:p>
-            <a:pPr marL="0" indent="0">
-              <a:buNone/>
-            </a:pPr>
-            <a:r>
-              <a:rPr lang="en-IL" sz="1800" dirty="0"/>
-              <a:t>3. </a:t>
-            </a:r>
-            <a:r>
-              <a:rPr lang="en-US" sz="1800" dirty="0" err="1"/>
-              <a:t>terraform.tfstate.backup</a:t>
-            </a:r>
-            <a:r>
-              <a:rPr lang="en-US" sz="1800" dirty="0"/>
-              <a:t>: a backup of the </a:t>
-            </a:r>
-            <a:r>
-              <a:rPr lang="en-US" sz="1800" dirty="0" err="1"/>
-              <a:t>tfstate</a:t>
-            </a:r>
-            <a:r>
-              <a:rPr lang="en-US" sz="1800" dirty="0"/>
-              <a:t> file in case you delete or lose your </a:t>
-            </a:r>
-            <a:r>
-              <a:rPr lang="en-US" sz="1800" dirty="0" err="1"/>
-              <a:t>tfstate</a:t>
-            </a:r>
-            <a:r>
-              <a:rPr lang="en-US" sz="1800" dirty="0"/>
-              <a:t> file</a:t>
-            </a:r>
-          </a:p>
-          <a:p>
-            <a:pPr marL="0" indent="0">
-              <a:buNone/>
-            </a:pPr>
-            <a:r>
-              <a:rPr lang="en-US" sz="1800" dirty="0"/>
-              <a:t>4. </a:t>
-            </a:r>
-            <a:r>
-              <a:rPr lang="en-US" sz="1800" dirty="0" err="1"/>
-              <a:t>terraform.tfstate.d</a:t>
-            </a:r>
-            <a:r>
-              <a:rPr lang="en-US" sz="1800" dirty="0"/>
-              <a:t>: folder to store your workspace state files</a:t>
-            </a:r>
-          </a:p>
-          <a:p>
-            <a:pPr marL="0" indent="0">
-              <a:buNone/>
-            </a:pPr>
-            <a:endParaRPr lang="en-IL" sz="1800" dirty="0"/>
-          </a:p>
-          <a:p>
-            <a:pPr marL="0" indent="0">
-              <a:buNone/>
-            </a:pPr>
-            <a:r>
-              <a:rPr lang="en-US" sz="1800" dirty="0"/>
-              <a:t>T</a:t>
-            </a:r>
-            <a:r>
-              <a:rPr lang="en-IL" sz="1800" dirty="0"/>
-              <a:t>fstate is crucial for the functionality of terraform and is the single most important component.</a:t>
+            <a:r>
+              <a:rPr lang="en-IL"/>
+              <a:t>We already used a reference with the data source so this is just another demo to show how cool this tool is.</a:t>
             </a:r>
           </a:p>
         </p:txBody>
@@ -6161,7 +6263,7 @@
     </p:spTree>
     <p:extLst>
       <p:ext uri="{BB962C8B-B14F-4D97-AF65-F5344CB8AC3E}">
-        <p14:creationId xmlns:p14="http://schemas.microsoft.com/office/powerpoint/2010/main" val="4021848477"/>
+        <p14:creationId xmlns:p14="http://schemas.microsoft.com/office/powerpoint/2010/main" val="2225928613"/>
       </p:ext>
     </p:extLst>
   </p:cSld>
@@ -6193,7 +6295,7 @@
           <p:cNvPr id="2" name="Title 1">
             <a:extLst>
               <a:ext uri="{FF2B5EF4-FFF2-40B4-BE49-F238E27FC236}">
-                <a16:creationId xmlns:a16="http://schemas.microsoft.com/office/drawing/2014/main" id="{113E2086-DBD8-7541-BD3F-5D0DAC494745}"/>
+                <a16:creationId xmlns:a16="http://schemas.microsoft.com/office/drawing/2014/main" id="{B703BF2F-40F8-0540-991D-ABC08E2090D0}"/>
               </a:ext>
             </a:extLst>
           </p:cNvPr>
@@ -6211,7 +6313,7 @@
           <a:p>
             <a:r>
               <a:rPr lang="en-IL" dirty="0"/>
-              <a:t>Demo 4: tf-demo/demo_4_infra</a:t>
+              <a:t>Terraform Files</a:t>
             </a:r>
           </a:p>
         </p:txBody>
@@ -6221,7 +6323,7 @@
           <p:cNvPr id="3" name="Content Placeholder 2">
             <a:extLst>
               <a:ext uri="{FF2B5EF4-FFF2-40B4-BE49-F238E27FC236}">
-                <a16:creationId xmlns:a16="http://schemas.microsoft.com/office/drawing/2014/main" id="{18006FCB-96A3-C24C-BAC1-03AEE23C51A5}"/>
+                <a16:creationId xmlns:a16="http://schemas.microsoft.com/office/drawing/2014/main" id="{B0DD7C58-8675-0A49-BCF3-862356F57306}"/>
               </a:ext>
             </a:extLst>
           </p:cNvPr>
@@ -6235,7 +6337,7 @@
         <p:spPr/>
         <p:txBody>
           <a:bodyPr>
-            <a:normAutofit fontScale="92500" lnSpcReduction="20000"/>
+            <a:normAutofit/>
           </a:bodyPr>
           <a:lstStyle/>
           <a:p>
@@ -6243,171 +6345,101 @@
               <a:buNone/>
             </a:pPr>
             <a:r>
-              <a:rPr lang="en-IL" sz="1600" dirty="0"/>
-              <a:t>Now let’s get to business: </a:t>
-            </a:r>
-          </a:p>
-          <a:p>
-            <a:pPr marL="342900" indent="-342900">
-              <a:buAutoNum type="arabicPeriod"/>
-            </a:pPr>
-            <a:r>
-              <a:rPr lang="en-IL" sz="1600" dirty="0"/>
-              <a:t>Create a VPC: </a:t>
-            </a:r>
-            <a:r>
-              <a:rPr lang="en-US" sz="1600" dirty="0">
-                <a:hlinkClick r:id="rId2"/>
-              </a:rPr>
-              <a:t>https://registry.terraform.io/providers/hashicorp/aws/latest/docs/resources/vpc</a:t>
-            </a:r>
-            <a:endParaRPr lang="en-IL" sz="1600" dirty="0"/>
-          </a:p>
-          <a:p>
-            <a:pPr marL="342900" indent="-342900">
-              <a:buAutoNum type="arabicPeriod"/>
-            </a:pPr>
-            <a:r>
-              <a:rPr lang="en-IL" sz="1600" dirty="0"/>
-              <a:t>Create an IGW: </a:t>
-            </a:r>
-            <a:r>
-              <a:rPr lang="en-US" sz="1600" dirty="0">
-                <a:hlinkClick r:id="rId3"/>
-              </a:rPr>
-              <a:t>https://registry.terraform.io/providers/hashicorp/aws/latest/docs/resources/internet_gateway</a:t>
-            </a:r>
-            <a:endParaRPr lang="en-IL" sz="1600" dirty="0"/>
-          </a:p>
-          <a:p>
-            <a:pPr marL="342900" indent="-342900">
-              <a:buAutoNum type="arabicPeriod"/>
-            </a:pPr>
-            <a:r>
-              <a:rPr lang="en-IL" sz="1600" dirty="0"/>
-              <a:t>Create a custom route table: </a:t>
-            </a:r>
-            <a:r>
-              <a:rPr lang="en-US" sz="1600" dirty="0">
-                <a:hlinkClick r:id="rId4"/>
-              </a:rPr>
-              <a:t>https://registry.terraform.io/providers/hashicorp/aws/latest/docs/resources/route_table</a:t>
-            </a:r>
-            <a:endParaRPr lang="en-IL" sz="1600" dirty="0"/>
-          </a:p>
-          <a:p>
-            <a:pPr marL="342900" indent="-342900">
-              <a:buAutoNum type="arabicPeriod"/>
-            </a:pPr>
-            <a:r>
-              <a:rPr lang="en-IL" sz="1600" dirty="0"/>
-              <a:t>Create a Subnet: </a:t>
-            </a:r>
-            <a:r>
-              <a:rPr lang="en-US" sz="1600" dirty="0">
-                <a:hlinkClick r:id="rId5"/>
-              </a:rPr>
-              <a:t>https://registry.terraform.io/providers/hashicorp/aws/latest/docs/resources/subnet</a:t>
-            </a:r>
-            <a:endParaRPr lang="en-IL" sz="1600" dirty="0"/>
-          </a:p>
-          <a:p>
-            <a:pPr marL="342900" indent="-342900">
-              <a:buAutoNum type="arabicPeriod"/>
-            </a:pPr>
-            <a:r>
-              <a:rPr lang="en-IL" sz="1600" dirty="0"/>
-              <a:t>Associate Subnet with Route Table: </a:t>
-            </a:r>
-            <a:r>
-              <a:rPr lang="en-US" sz="1600" dirty="0">
-                <a:hlinkClick r:id="rId6"/>
-              </a:rPr>
-              <a:t>https://registry.terraform.io/providers/hashicorp/aws/latest/docs/resources/route_table_association</a:t>
-            </a:r>
-            <a:endParaRPr lang="en-IL" sz="1600" dirty="0"/>
-          </a:p>
-          <a:p>
-            <a:pPr marL="342900" indent="-342900">
-              <a:buAutoNum type="arabicPeriod"/>
-            </a:pPr>
-            <a:r>
-              <a:rPr lang="en-IL" sz="1600" dirty="0"/>
-              <a:t>Create SG to allow ports 22,80,443: </a:t>
-            </a:r>
-            <a:r>
-              <a:rPr lang="en-US" sz="1600" dirty="0">
-                <a:hlinkClick r:id="rId7"/>
-              </a:rPr>
-              <a:t>https://registry.terraform.io/providers/hashicorp/aws/latest/docs/resources/security_group</a:t>
-            </a:r>
-            <a:endParaRPr lang="en-IL" sz="1600" dirty="0"/>
-          </a:p>
-          <a:p>
-            <a:pPr marL="342900" indent="-342900">
-              <a:buAutoNum type="arabicPeriod"/>
-            </a:pPr>
-            <a:r>
-              <a:rPr lang="en-IL" sz="1600" dirty="0"/>
-              <a:t>Create a network interface with an IP in the Subent that was created in step 4 : </a:t>
-            </a:r>
-            <a:r>
-              <a:rPr lang="en-US" sz="1600" dirty="0">
-                <a:hlinkClick r:id="rId8"/>
-              </a:rPr>
-              <a:t>https://registry.terraform.io/providers/hashicorp/aws/latest/docs/resources/network_interface</a:t>
-            </a:r>
-            <a:endParaRPr lang="en-IL" sz="1600" dirty="0"/>
-          </a:p>
-          <a:p>
-            <a:pPr marL="342900" indent="-342900">
-              <a:buAutoNum type="arabicPeriod"/>
-            </a:pPr>
-            <a:r>
-              <a:rPr lang="en-IL" sz="1600"/>
-              <a:t>Assign </a:t>
-            </a:r>
-            <a:r>
-              <a:rPr lang="en-IL" sz="1600" dirty="0"/>
-              <a:t>an Elastic IP to the network interface created in step 7:  </a:t>
-            </a:r>
-            <a:r>
-              <a:rPr lang="en-US" sz="1600" dirty="0">
-                <a:hlinkClick r:id="rId9"/>
-              </a:rPr>
-              <a:t>https://registry.terraform.io/providers/hashicorp/aws/latest/docs/resources/eip</a:t>
-            </a:r>
-            <a:endParaRPr lang="en-IL" sz="1600" dirty="0"/>
-          </a:p>
-          <a:p>
-            <a:pPr marL="342900" indent="-342900">
-              <a:buAutoNum type="arabicPeriod"/>
-            </a:pPr>
-            <a:r>
-              <a:rPr lang="en-IL" sz="1600" dirty="0"/>
-              <a:t>Create an ubuntu server and install/enable apache2: </a:t>
-            </a:r>
-            <a:r>
-              <a:rPr lang="en-US" sz="1600" dirty="0">
-                <a:hlinkClick r:id="rId10"/>
-              </a:rPr>
-              <a:t>https://registry.terraform.io/providers/hashicorp/aws/latest/docs/resources/instance</a:t>
-            </a:r>
-            <a:endParaRPr lang="en-IL" sz="1600" dirty="0"/>
-          </a:p>
-          <a:p>
-            <a:pPr marL="342900" indent="-342900">
-              <a:buAutoNum type="arabicPeriod"/>
-            </a:pPr>
-            <a:endParaRPr lang="en-IL" sz="1600" dirty="0"/>
+              <a:rPr lang="en-IL" sz="1800" dirty="0"/>
+              <a:t>While running the demos you probably wondering what are those other files that are created when running terraform.</a:t>
+            </a:r>
           </a:p>
           <a:p>
             <a:pPr marL="0" indent="0">
               <a:buNone/>
             </a:pPr>
-            <a:r>
-              <a:rPr lang="en-IL" sz="1600" dirty="0"/>
-              <a:t>- Create a key pair in AWS</a:t>
+            <a:endParaRPr lang="en-IL" sz="1800" dirty="0"/>
+          </a:p>
+          <a:p>
+            <a:pPr marL="0" indent="0">
+              <a:buNone/>
+            </a:pPr>
+            <a:r>
+              <a:rPr lang="en-IL" sz="1800" dirty="0"/>
+              <a:t>1. /.terraform: This directory is getting created when we run “terraform init” and it contains all the needed plugins/modules to run our code.</a:t>
+            </a:r>
+          </a:p>
+          <a:p>
+            <a:pPr marL="0" indent="0">
+              <a:buNone/>
+            </a:pPr>
+            <a:r>
+              <a:rPr lang="en-IL" sz="1800" dirty="0"/>
+              <a:t>2. terraform.state: the state of the files in a json format that hold your entire infrastucture. Most important file!!!</a:t>
+            </a:r>
+          </a:p>
+          <a:p>
+            <a:pPr marL="0" indent="0">
+              <a:buNone/>
+            </a:pPr>
+            <a:r>
+              <a:rPr lang="en-IL" sz="1800" dirty="0"/>
+              <a:t>3. </a:t>
+            </a:r>
+            <a:r>
+              <a:rPr lang="en-US" sz="1800" dirty="0" err="1"/>
+              <a:t>terraform.tfstate.backup</a:t>
+            </a:r>
+            <a:r>
+              <a:rPr lang="en-US" sz="1800" dirty="0"/>
+              <a:t>: a backup of the </a:t>
+            </a:r>
+            <a:r>
+              <a:rPr lang="en-US" sz="1800" dirty="0" err="1"/>
+              <a:t>tfstate</a:t>
+            </a:r>
+            <a:r>
+              <a:rPr lang="en-US" sz="1800" dirty="0"/>
+              <a:t> file in case you delete or lose your </a:t>
+            </a:r>
+            <a:r>
+              <a:rPr lang="en-US" sz="1800" dirty="0" err="1"/>
+              <a:t>tfstate</a:t>
+            </a:r>
+            <a:r>
+              <a:rPr lang="en-US" sz="1800" dirty="0"/>
+              <a:t> file</a:t>
+            </a:r>
+          </a:p>
+          <a:p>
+            <a:pPr marL="0" indent="0">
+              <a:buNone/>
+            </a:pPr>
+            <a:r>
+              <a:rPr lang="en-US" sz="1800" dirty="0"/>
+              <a:t>4. </a:t>
+            </a:r>
+            <a:r>
+              <a:rPr lang="en-US" sz="1800" dirty="0" err="1"/>
+              <a:t>terraform.tfstate.d</a:t>
+            </a:r>
+            <a:r>
+              <a:rPr lang="en-US" sz="1800" dirty="0"/>
+              <a:t>: folder to store your workspace state files</a:t>
+            </a:r>
+          </a:p>
+          <a:p>
+            <a:pPr marL="0" indent="0">
+              <a:buNone/>
+            </a:pPr>
+            <a:endParaRPr lang="en-IL" sz="1800" dirty="0"/>
+          </a:p>
+          <a:p>
+            <a:pPr marL="0" indent="0">
+              <a:buNone/>
+            </a:pPr>
+            <a:r>
+              <a:rPr lang="en-US" sz="1800" dirty="0"/>
+              <a:t>T</a:t>
+            </a:r>
+            <a:r>
+              <a:rPr lang="en-IL" sz="1800" dirty="0"/>
+              <a:t>fstate is crucial for the functionality of terraform and is the single most important component.</a:t>
             </a:r>
           </a:p>
         </p:txBody>
@@ -6415,7 +6447,7 @@
     </p:spTree>
     <p:extLst>
       <p:ext uri="{BB962C8B-B14F-4D97-AF65-F5344CB8AC3E}">
-        <p14:creationId xmlns:p14="http://schemas.microsoft.com/office/powerpoint/2010/main" val="3718290990"/>
+        <p14:creationId xmlns:p14="http://schemas.microsoft.com/office/powerpoint/2010/main" val="4021848477"/>
       </p:ext>
     </p:extLst>
   </p:cSld>
@@ -6447,7 +6479,7 @@
           <p:cNvPr id="2" name="Title 1">
             <a:extLst>
               <a:ext uri="{FF2B5EF4-FFF2-40B4-BE49-F238E27FC236}">
-                <a16:creationId xmlns:a16="http://schemas.microsoft.com/office/drawing/2014/main" id="{89E92D28-A2A1-8E4D-87BD-6F0063F21875}"/>
+                <a16:creationId xmlns:a16="http://schemas.microsoft.com/office/drawing/2014/main" id="{113E2086-DBD8-7541-BD3F-5D0DAC494745}"/>
               </a:ext>
             </a:extLst>
           </p:cNvPr>
@@ -6465,7 +6497,7 @@
           <a:p>
             <a:r>
               <a:rPr lang="en-IL" dirty="0"/>
-              <a:t>Variables and Outputs</a:t>
+              <a:t>Demo 4: tf-demo/demo_4_infra</a:t>
             </a:r>
           </a:p>
         </p:txBody>
@@ -6475,7 +6507,7 @@
           <p:cNvPr id="3" name="Content Placeholder 2">
             <a:extLst>
               <a:ext uri="{FF2B5EF4-FFF2-40B4-BE49-F238E27FC236}">
-                <a16:creationId xmlns:a16="http://schemas.microsoft.com/office/drawing/2014/main" id="{E12087E0-666D-574A-8026-67BC999D1D7B}"/>
+                <a16:creationId xmlns:a16="http://schemas.microsoft.com/office/drawing/2014/main" id="{18006FCB-96A3-C24C-BAC1-03AEE23C51A5}"/>
               </a:ext>
             </a:extLst>
           </p:cNvPr>
@@ -6488,120 +6520,188 @@
         </p:nvSpPr>
         <p:spPr/>
         <p:txBody>
-          <a:bodyPr/>
+          <a:bodyPr>
+            <a:normAutofit fontScale="92500" lnSpcReduction="20000"/>
+          </a:bodyPr>
           <a:lstStyle/>
           <a:p>
             <a:pPr marL="0" indent="0">
               <a:buNone/>
             </a:pPr>
             <a:r>
-              <a:rPr lang="en-IL" sz="1800" dirty="0"/>
-              <a:t>So far we have provisioned the resources using a “hard-coded” values.</a:t>
-            </a:r>
+              <a:rPr lang="en-IL" sz="1600" dirty="0"/>
+              <a:t>Now let’s get to business: </a:t>
+            </a:r>
+          </a:p>
+          <a:p>
+            <a:pPr marL="342900" indent="-342900">
+              <a:buAutoNum type="arabicPeriod"/>
+            </a:pPr>
+            <a:r>
+              <a:rPr lang="en-IL" sz="1600" dirty="0"/>
+              <a:t>Create a VPC: </a:t>
+            </a:r>
+            <a:r>
+              <a:rPr lang="en-US" sz="1600" dirty="0">
+                <a:hlinkClick r:id="rId2"/>
+              </a:rPr>
+              <a:t>https://registry.terraform.io/providers/hashicorp/aws/latest/docs/resources/vpc</a:t>
+            </a:r>
+            <a:endParaRPr lang="en-IL" sz="1600" dirty="0"/>
+          </a:p>
+          <a:p>
+            <a:pPr marL="342900" indent="-342900">
+              <a:buAutoNum type="arabicPeriod"/>
+            </a:pPr>
+            <a:r>
+              <a:rPr lang="en-IL" sz="1600" dirty="0"/>
+              <a:t>Create an IGW: </a:t>
+            </a:r>
+            <a:r>
+              <a:rPr lang="en-US" sz="1600" dirty="0">
+                <a:hlinkClick r:id="rId3"/>
+              </a:rPr>
+              <a:t>https://registry.terraform.io/providers/hashicorp/aws/latest/docs/resources/internet_gateway</a:t>
+            </a:r>
+            <a:endParaRPr lang="en-IL" sz="1600" dirty="0"/>
+          </a:p>
+          <a:p>
+            <a:pPr marL="342900" indent="-342900">
+              <a:buAutoNum type="arabicPeriod"/>
+            </a:pPr>
+            <a:r>
+              <a:rPr lang="en-IL" sz="1600" dirty="0"/>
+              <a:t>Create a custom route table: </a:t>
+            </a:r>
+            <a:r>
+              <a:rPr lang="en-US" sz="1600" dirty="0">
+                <a:hlinkClick r:id="rId4"/>
+              </a:rPr>
+              <a:t>https://registry.terraform.io/providers/hashicorp/aws/latest/docs/resources/route_table</a:t>
+            </a:r>
+            <a:endParaRPr lang="en-IL" sz="1600" dirty="0"/>
+          </a:p>
+          <a:p>
+            <a:pPr marL="342900" indent="-342900">
+              <a:buAutoNum type="arabicPeriod"/>
+            </a:pPr>
+            <a:r>
+              <a:rPr lang="en-IL" sz="1600" dirty="0"/>
+              <a:t>Create a Subnet: </a:t>
+            </a:r>
+            <a:r>
+              <a:rPr lang="en-US" sz="1600" dirty="0">
+                <a:hlinkClick r:id="rId5"/>
+              </a:rPr>
+              <a:t>https://registry.terraform.io/providers/hashicorp/aws/latest/docs/resources/subnet</a:t>
+            </a:r>
+            <a:endParaRPr lang="en-IL" sz="1600" dirty="0"/>
+          </a:p>
+          <a:p>
+            <a:pPr marL="342900" indent="-342900">
+              <a:buAutoNum type="arabicPeriod"/>
+            </a:pPr>
+            <a:r>
+              <a:rPr lang="en-IL" sz="1600" dirty="0"/>
+              <a:t>Associate Subnet with Route Table: </a:t>
+            </a:r>
+            <a:r>
+              <a:rPr lang="en-US" sz="1600" dirty="0">
+                <a:hlinkClick r:id="rId6"/>
+              </a:rPr>
+              <a:t>https://registry.terraform.io/providers/hashicorp/aws/latest/docs/resources/route_table_association</a:t>
+            </a:r>
+            <a:endParaRPr lang="en-IL" sz="1600" dirty="0"/>
+          </a:p>
+          <a:p>
+            <a:pPr marL="342900" indent="-342900">
+              <a:buAutoNum type="arabicPeriod"/>
+            </a:pPr>
+            <a:r>
+              <a:rPr lang="en-IL" sz="1600" dirty="0"/>
+              <a:t>Create SG to allow ports 22,80,443: </a:t>
+            </a:r>
+            <a:r>
+              <a:rPr lang="en-US" sz="1600" dirty="0">
+                <a:hlinkClick r:id="rId7"/>
+              </a:rPr>
+              <a:t>https://registry.terraform.io/providers/hashicorp/aws/latest/docs/resources/security_group</a:t>
+            </a:r>
+            <a:endParaRPr lang="en-IL" sz="1600" dirty="0"/>
+          </a:p>
+          <a:p>
+            <a:pPr marL="342900" indent="-342900">
+              <a:buAutoNum type="arabicPeriod"/>
+            </a:pPr>
+            <a:r>
+              <a:rPr lang="en-IL" sz="1600" dirty="0"/>
+              <a:t>Create a network interface with an IP in the Subent that was created in step 4 : </a:t>
+            </a:r>
+            <a:r>
+              <a:rPr lang="en-US" sz="1600" dirty="0">
+                <a:hlinkClick r:id="rId8"/>
+              </a:rPr>
+              <a:t>https://registry.terraform.io/providers/hashicorp/aws/latest/docs/resources/network_interface</a:t>
+            </a:r>
+            <a:endParaRPr lang="en-IL" sz="1600" dirty="0"/>
+          </a:p>
+          <a:p>
+            <a:pPr marL="342900" indent="-342900">
+              <a:buAutoNum type="arabicPeriod"/>
+            </a:pPr>
+            <a:r>
+              <a:rPr lang="en-IL" sz="1600"/>
+              <a:t>Assign </a:t>
+            </a:r>
+            <a:r>
+              <a:rPr lang="en-IL" sz="1600" dirty="0"/>
+              <a:t>an Elastic IP to the network interface created in step 7:  </a:t>
+            </a:r>
+            <a:r>
+              <a:rPr lang="en-US" sz="1600" dirty="0">
+                <a:hlinkClick r:id="rId9"/>
+              </a:rPr>
+              <a:t>https://registry.terraform.io/providers/hashicorp/aws/latest/docs/resources/eip</a:t>
+            </a:r>
+            <a:endParaRPr lang="en-IL" sz="1600" dirty="0"/>
+          </a:p>
+          <a:p>
+            <a:pPr marL="342900" indent="-342900">
+              <a:buAutoNum type="arabicPeriod"/>
+            </a:pPr>
+            <a:r>
+              <a:rPr lang="en-IL" sz="1600" dirty="0"/>
+              <a:t>Create an ubuntu server and install/enable apache2: </a:t>
+            </a:r>
+            <a:r>
+              <a:rPr lang="en-US" sz="1600" dirty="0">
+                <a:hlinkClick r:id="rId10"/>
+              </a:rPr>
+              <a:t>https://registry.terraform.io/providers/hashicorp/aws/latest/docs/resources/instance</a:t>
+            </a:r>
+            <a:endParaRPr lang="en-IL" sz="1600" dirty="0"/>
+          </a:p>
+          <a:p>
+            <a:pPr marL="342900" indent="-342900">
+              <a:buAutoNum type="arabicPeriod"/>
+            </a:pPr>
+            <a:endParaRPr lang="en-IL" sz="1600" dirty="0"/>
           </a:p>
           <a:p>
             <a:pPr marL="0" indent="0">
               <a:buNone/>
             </a:pPr>
             <a:r>
-              <a:rPr lang="en-IL" sz="1800" dirty="0"/>
-              <a:t>This will not be the case in the real world, especially in production. You want the code to receive the values for each attribute inside the resource (or the once requested by the customer) and populate them into the code at provision time.</a:t>
-            </a:r>
-          </a:p>
-          <a:p>
-            <a:pPr marL="0" indent="0">
-              <a:buNone/>
-            </a:pPr>
-            <a:r>
-              <a:rPr lang="en-IL" sz="1800" dirty="0"/>
-              <a:t>As we saw in the last demo, we can output the values of the provisioned resources in order to access them faster instead of looking them up in the console such as: instance ip, db endpoint, eks cluster endpoint and so on.</a:t>
-            </a:r>
-          </a:p>
-          <a:p>
-            <a:pPr marL="514350" indent="-514350">
-              <a:buAutoNum type="arabicPeriod"/>
-            </a:pPr>
-            <a:r>
-              <a:rPr lang="en-IL" sz="1800" dirty="0"/>
-              <a:t>variables.tf – in this file we assign the variables and have the option of giving them a default value</a:t>
-            </a:r>
-          </a:p>
-          <a:p>
-            <a:pPr marL="514350" indent="-514350">
-              <a:buAutoNum type="arabicPeriod"/>
-            </a:pPr>
-            <a:r>
-              <a:rPr lang="en-US" sz="1800" dirty="0" err="1"/>
-              <a:t>outputs.tf</a:t>
-            </a:r>
-            <a:r>
-              <a:rPr lang="en-US" sz="1800" dirty="0"/>
-              <a:t> – this is the conventional file to store all of your </a:t>
-            </a:r>
-            <a:r>
-              <a:rPr lang="en-US" sz="1800" dirty="0" err="1"/>
-              <a:t>ouputs</a:t>
-            </a:r>
-            <a:endParaRPr lang="en-US" sz="1800" dirty="0"/>
-          </a:p>
-          <a:p>
-            <a:pPr marL="514350" indent="-514350">
-              <a:buAutoNum type="arabicPeriod"/>
-            </a:pPr>
-            <a:endParaRPr lang="en-US" sz="1800" dirty="0"/>
-          </a:p>
-          <a:p>
-            <a:pPr>
-              <a:buFontTx/>
-              <a:buChar char="-"/>
-            </a:pPr>
-            <a:r>
-              <a:rPr lang="en-US" sz="1800" dirty="0"/>
-              <a:t>All of the .</a:t>
-            </a:r>
-            <a:r>
-              <a:rPr lang="en-US" sz="1800" dirty="0" err="1"/>
-              <a:t>tf</a:t>
-            </a:r>
-            <a:r>
-              <a:rPr lang="en-US" sz="1800" dirty="0"/>
-              <a:t> files we create is just a way to decouple different types of code (outputs, resources, variables </a:t>
-            </a:r>
-            <a:r>
-              <a:rPr lang="en-US" sz="1800" dirty="0" err="1"/>
-              <a:t>etc</a:t>
-            </a:r>
-            <a:r>
-              <a:rPr lang="en-US" sz="1800" dirty="0"/>
-              <a:t>). You can take all your code and store it in a single .</a:t>
-            </a:r>
-            <a:r>
-              <a:rPr lang="en-US" sz="1800" dirty="0" err="1"/>
-              <a:t>tf</a:t>
-            </a:r>
-            <a:r>
-              <a:rPr lang="en-US" sz="1800" dirty="0"/>
-              <a:t> file but this is far from being best practice and will never be used</a:t>
-            </a:r>
-          </a:p>
-          <a:p>
-            <a:pPr marL="0" indent="0">
-              <a:buNone/>
-            </a:pPr>
-            <a:endParaRPr lang="en-IL" sz="1800" dirty="0"/>
-          </a:p>
-          <a:p>
-            <a:pPr marL="0" indent="0">
-              <a:buNone/>
-            </a:pPr>
-            <a:endParaRPr lang="en-IL" dirty="0"/>
+              <a:rPr lang="en-IL" sz="1600" dirty="0"/>
+              <a:t>- Create a key pair in AWS</a:t>
+            </a:r>
           </a:p>
         </p:txBody>
       </p:sp>
     </p:spTree>
     <p:extLst>
       <p:ext uri="{BB962C8B-B14F-4D97-AF65-F5344CB8AC3E}">
-        <p14:creationId xmlns:p14="http://schemas.microsoft.com/office/powerpoint/2010/main" val="3789494029"/>
+        <p14:creationId xmlns:p14="http://schemas.microsoft.com/office/powerpoint/2010/main" val="3718290990"/>
       </p:ext>
     </p:extLst>
   </p:cSld>

--- a/tf-demo-presentation.pptx
+++ b/tf-demo-presentation.pptx
@@ -3618,6 +3618,54 @@
               </a:rPr>
               <a:t>A provider is responsible for understanding API interactions and exposing resources. Most providers configure a specific infrastructure platform (either cloud or self-hosted). Providers can also offer local utilities for tasks like generating random numbers for unique resource names</a:t>
             </a:r>
+            <a:br>
+              <a:rPr lang="en-US" sz="5500" dirty="0">
+                <a:solidFill>
+                  <a:srgbClr val="1D1E23"/>
+                </a:solidFill>
+                <a:latin typeface="metro-web"/>
+              </a:rPr>
+            </a:br>
+            <a:br>
+              <a:rPr lang="en-US" sz="5500" dirty="0">
+                <a:solidFill>
+                  <a:srgbClr val="1D1E23"/>
+                </a:solidFill>
+                <a:latin typeface="metro-web"/>
+              </a:rPr>
+            </a:br>
+            <a:r>
+              <a:rPr lang="en-US" sz="5500" dirty="0">
+                <a:solidFill>
+                  <a:srgbClr val="1D1E23"/>
+                </a:solidFill>
+                <a:latin typeface="metro-web"/>
+              </a:rPr>
+              <a:t>- We will be using the AWS provider and the only difference between that and other providers is </a:t>
+            </a:r>
+            <a:r>
+              <a:rPr lang="en-US" sz="5500">
+                <a:solidFill>
+                  <a:srgbClr val="1D1E23"/>
+                </a:solidFill>
+                <a:latin typeface="metro-web"/>
+              </a:rPr>
+              <a:t>the syntax used.</a:t>
+            </a:r>
+            <a:br>
+              <a:rPr lang="en-US" sz="5500">
+                <a:solidFill>
+                  <a:srgbClr val="1D1E23"/>
+                </a:solidFill>
+                <a:latin typeface="metro-web"/>
+              </a:rPr>
+            </a:br>
+            <a:endParaRPr lang="en-US" sz="5500" dirty="0">
+              <a:solidFill>
+                <a:srgbClr val="1D1E23"/>
+              </a:solidFill>
+              <a:latin typeface="metro-web"/>
+            </a:endParaRPr>
           </a:p>
           <a:p>
             <a:pPr marL="457200" indent="-457200" algn="l">

--- a/tf-demo-presentation.pptx
+++ b/tf-demo-presentation.pptx
@@ -22,6 +22,11 @@
     <p:sldId id="268" r:id="rId16"/>
     <p:sldId id="269" r:id="rId17"/>
     <p:sldId id="270" r:id="rId18"/>
+    <p:sldId id="273" r:id="rId19"/>
+    <p:sldId id="274" r:id="rId20"/>
+    <p:sldId id="275" r:id="rId21"/>
+    <p:sldId id="276" r:id="rId22"/>
+    <p:sldId id="277" r:id="rId23"/>
   </p:sldIdLst>
   <p:sldSz cx="12192000" cy="6858000"/>
   <p:notesSz cx="6858000" cy="9144000"/>
@@ -3641,19 +3646,10 @@
                 </a:solidFill>
                 <a:latin typeface="metro-web"/>
               </a:rPr>
-              <a:t>- We will be using the AWS provider and the only difference between that and other providers is </a:t>
-            </a:r>
-            <a:r>
-              <a:rPr lang="en-US" sz="5500">
-                <a:solidFill>
-                  <a:srgbClr val="1D1E23"/>
-                </a:solidFill>
-                <a:latin typeface="metro-web"/>
-              </a:rPr>
-              <a:t>the syntax used.</a:t>
+              <a:t>- We will be using the AWS provider and the only difference between that and other providers is the syntax used.</a:t>
             </a:r>
             <a:br>
-              <a:rPr lang="en-US" sz="5500">
+              <a:rPr lang="en-US" sz="5500" dirty="0">
                 <a:solidFill>
                   <a:srgbClr val="1D1E23"/>
                 </a:solidFill>
@@ -5159,6 +5155,655 @@
 </p:sld>
 </file>
 
+<file path=ppt/slides/slide18.xml><?xml version="1.0" encoding="utf-8"?>
+<p:sld xmlns:a="http://schemas.openxmlformats.org/drawingml/2006/main" xmlns:r="http://schemas.openxmlformats.org/officeDocument/2006/relationships" xmlns:p="http://schemas.openxmlformats.org/presentationml/2006/main">
+  <p:cSld>
+    <p:spTree>
+      <p:nvGrpSpPr>
+        <p:cNvPr id="1" name=""/>
+        <p:cNvGrpSpPr/>
+        <p:nvPr/>
+      </p:nvGrpSpPr>
+      <p:grpSpPr>
+        <a:xfrm>
+          <a:off x="0" y="0"/>
+          <a:ext cx="0" cy="0"/>
+          <a:chOff x="0" y="0"/>
+          <a:chExt cx="0" cy="0"/>
+        </a:xfrm>
+      </p:grpSpPr>
+      <p:sp>
+        <p:nvSpPr>
+          <p:cNvPr id="2" name="Title 1">
+            <a:extLst>
+              <a:ext uri="{FF2B5EF4-FFF2-40B4-BE49-F238E27FC236}">
+                <a16:creationId xmlns:a16="http://schemas.microsoft.com/office/drawing/2014/main" id="{5E52F881-E560-D542-A9EA-E0999A131BBE}"/>
+              </a:ext>
+            </a:extLst>
+          </p:cNvPr>
+          <p:cNvSpPr>
+            <a:spLocks noGrp="1"/>
+          </p:cNvSpPr>
+          <p:nvPr>
+            <p:ph type="title"/>
+          </p:nvPr>
+        </p:nvSpPr>
+        <p:spPr/>
+        <p:txBody>
+          <a:bodyPr/>
+          <a:lstStyle/>
+          <a:p>
+            <a:r>
+              <a:rPr lang="en-IL" dirty="0"/>
+              <a:t>Demo_9_final: tf_demo/demo_9_final </a:t>
+            </a:r>
+          </a:p>
+        </p:txBody>
+      </p:sp>
+      <p:sp>
+        <p:nvSpPr>
+          <p:cNvPr id="3" name="Content Placeholder 2">
+            <a:extLst>
+              <a:ext uri="{FF2B5EF4-FFF2-40B4-BE49-F238E27FC236}">
+                <a16:creationId xmlns:a16="http://schemas.microsoft.com/office/drawing/2014/main" id="{F3D235ED-9452-974A-8824-54022A037108}"/>
+              </a:ext>
+            </a:extLst>
+          </p:cNvPr>
+          <p:cNvSpPr>
+            <a:spLocks noGrp="1"/>
+          </p:cNvSpPr>
+          <p:nvPr>
+            <p:ph idx="1"/>
+          </p:nvPr>
+        </p:nvSpPr>
+        <p:spPr/>
+        <p:txBody>
+          <a:bodyPr>
+            <a:normAutofit fontScale="92500"/>
+          </a:bodyPr>
+          <a:lstStyle/>
+          <a:p>
+            <a:pPr marL="0" indent="0">
+              <a:buNone/>
+            </a:pPr>
+            <a:r>
+              <a:rPr lang="en-IL" sz="1600" dirty="0"/>
+              <a:t>Now we will use everything we learned so far with a little twist! Multiple environments via workspaces!</a:t>
+            </a:r>
+          </a:p>
+          <a:p>
+            <a:pPr marL="342900" indent="-342900">
+              <a:buAutoNum type="arabicPeriod"/>
+            </a:pPr>
+            <a:r>
+              <a:rPr lang="en-IL" sz="1600" dirty="0"/>
+              <a:t>locals.tf: general local file that will contain the mapping to our workspace and select the locals-&lt;config_name&gt;.tf according to our WS name to pull the variables and the values from</a:t>
+            </a:r>
+          </a:p>
+          <a:p>
+            <a:pPr marL="342900" indent="-342900">
+              <a:buAutoNum type="arabicPeriod"/>
+            </a:pPr>
+            <a:r>
+              <a:rPr lang="en-US" sz="1600" dirty="0"/>
+              <a:t>L</a:t>
+            </a:r>
+            <a:r>
+              <a:rPr lang="en-IL" sz="1600" dirty="0"/>
+              <a:t>ocals-dev.tf/prod.tf: files that will contain differ</a:t>
+            </a:r>
+            <a:r>
+              <a:rPr lang="en-US" sz="1600" dirty="0"/>
+              <a:t>e</a:t>
+            </a:r>
+            <a:r>
+              <a:rPr lang="en-IL" sz="1600" dirty="0"/>
+              <a:t>nt variables and values and will be used for each environment accoridng to the WS we are in</a:t>
+            </a:r>
+          </a:p>
+          <a:p>
+            <a:pPr marL="342900" indent="-342900">
+              <a:buAutoNum type="arabicPeriod"/>
+            </a:pPr>
+            <a:r>
+              <a:rPr lang="en-IL" sz="1600" dirty="0"/>
+              <a:t>The ”magic”, locals.tf has the following vars:</a:t>
+            </a:r>
+          </a:p>
+          <a:p>
+            <a:pPr marL="0" indent="0">
+              <a:buNone/>
+            </a:pPr>
+            <a:r>
+              <a:rPr lang="en-IL" sz="1600" dirty="0"/>
+              <a:t>- workspace: will read our current workspace, “dev” for example</a:t>
+            </a:r>
+            <a:br>
+              <a:rPr lang="en-IL" sz="1600" dirty="0"/>
+            </a:br>
+            <a:r>
+              <a:rPr lang="en-IL" sz="1600" dirty="0"/>
+              <a:t>- cofig: using the “lookup” function, we are accessing the config_map var and finding the var that has the same name as our WS (“dev)”</a:t>
+            </a:r>
+          </a:p>
+          <a:p>
+            <a:pPr marL="0" indent="0">
+              <a:buNone/>
+            </a:pPr>
+            <a:r>
+              <a:rPr lang="en-IL" sz="1600" dirty="0"/>
+              <a:t>- config_map: currently has two vars, ”dev and “prod”. Each points to the appropriate config in locals, “dev_config” and “prod_config”</a:t>
+            </a:r>
+            <a:br>
+              <a:rPr lang="en-IL" sz="1600" dirty="0"/>
+            </a:br>
+            <a:r>
+              <a:rPr lang="en-IL" sz="1600" dirty="0"/>
+              <a:t>4. locals-dev.tf/prod.tf files has the config_map value section, locals-dev.tf &gt; dev_config</a:t>
+            </a:r>
+          </a:p>
+          <a:p>
+            <a:pPr marL="0" indent="0">
+              <a:buNone/>
+            </a:pPr>
+            <a:r>
+              <a:rPr lang="en-IL" sz="1600" dirty="0"/>
+              <a:t>5. The flow is extremly cool and let’s you manage multiple emvironemnts by leveraging terraform workspaces and inner function: </a:t>
+            </a:r>
+            <a:br>
+              <a:rPr lang="en-IL" sz="1600" dirty="0"/>
+            </a:br>
+            <a:br>
+              <a:rPr lang="en-IL" sz="1600" dirty="0"/>
+            </a:br>
+            <a:r>
+              <a:rPr lang="en-IL" sz="1600" dirty="0"/>
+              <a:t>WS create (dev) &gt; apple &gt; locals.tf &gt; config will find the dev key inside config_map and resolve it to dev_config &gt; will go to locals-dev.tf (the naming is just for understading what file this is) &gt; finds the section “dev_config” and gains access to it’s vars</a:t>
+            </a:r>
+          </a:p>
+          <a:p>
+            <a:pPr marL="0" indent="0">
+              <a:buNone/>
+            </a:pPr>
+            <a:r>
+              <a:rPr lang="en-IL" sz="1600" dirty="0"/>
+              <a:t>You can add as much config files and environments vars to the locals.tf &gt; config_map as you want !!!</a:t>
+            </a:r>
+          </a:p>
+        </p:txBody>
+      </p:sp>
+    </p:spTree>
+    <p:extLst>
+      <p:ext uri="{BB962C8B-B14F-4D97-AF65-F5344CB8AC3E}">
+        <p14:creationId xmlns:p14="http://schemas.microsoft.com/office/powerpoint/2010/main" val="3157840295"/>
+      </p:ext>
+    </p:extLst>
+  </p:cSld>
+  <p:clrMapOvr>
+    <a:masterClrMapping/>
+  </p:clrMapOvr>
+</p:sld>
+</file>
+
+<file path=ppt/slides/slide19.xml><?xml version="1.0" encoding="utf-8"?>
+<p:sld xmlns:a="http://schemas.openxmlformats.org/drawingml/2006/main" xmlns:r="http://schemas.openxmlformats.org/officeDocument/2006/relationships" xmlns:p="http://schemas.openxmlformats.org/presentationml/2006/main">
+  <p:cSld>
+    <p:spTree>
+      <p:nvGrpSpPr>
+        <p:cNvPr id="1" name=""/>
+        <p:cNvGrpSpPr/>
+        <p:nvPr/>
+      </p:nvGrpSpPr>
+      <p:grpSpPr>
+        <a:xfrm>
+          <a:off x="0" y="0"/>
+          <a:ext cx="0" cy="0"/>
+          <a:chOff x="0" y="0"/>
+          <a:chExt cx="0" cy="0"/>
+        </a:xfrm>
+      </p:grpSpPr>
+      <p:sp>
+        <p:nvSpPr>
+          <p:cNvPr id="2" name="Title 1">
+            <a:extLst>
+              <a:ext uri="{FF2B5EF4-FFF2-40B4-BE49-F238E27FC236}">
+                <a16:creationId xmlns:a16="http://schemas.microsoft.com/office/drawing/2014/main" id="{11C437BA-8ECB-B94D-ABF7-C32D3F4FE0E2}"/>
+              </a:ext>
+            </a:extLst>
+          </p:cNvPr>
+          <p:cNvSpPr>
+            <a:spLocks noGrp="1"/>
+          </p:cNvSpPr>
+          <p:nvPr>
+            <p:ph type="title"/>
+          </p:nvPr>
+        </p:nvSpPr>
+        <p:spPr/>
+        <p:txBody>
+          <a:bodyPr/>
+          <a:lstStyle/>
+          <a:p>
+            <a:r>
+              <a:rPr lang="en-IL" dirty="0"/>
+              <a:t>Demo_10_misc: tf_demo/demo_10_misc </a:t>
+            </a:r>
+          </a:p>
+        </p:txBody>
+      </p:sp>
+      <p:sp>
+        <p:nvSpPr>
+          <p:cNvPr id="3" name="Content Placeholder 2">
+            <a:extLst>
+              <a:ext uri="{FF2B5EF4-FFF2-40B4-BE49-F238E27FC236}">
+                <a16:creationId xmlns:a16="http://schemas.microsoft.com/office/drawing/2014/main" id="{E03C3FB3-5E84-094C-9362-32A21F9CF60F}"/>
+              </a:ext>
+            </a:extLst>
+          </p:cNvPr>
+          <p:cNvSpPr>
+            <a:spLocks noGrp="1"/>
+          </p:cNvSpPr>
+          <p:nvPr>
+            <p:ph idx="1"/>
+          </p:nvPr>
+        </p:nvSpPr>
+        <p:spPr/>
+        <p:txBody>
+          <a:bodyPr>
+            <a:normAutofit fontScale="92500" lnSpcReduction="10000"/>
+          </a:bodyPr>
+          <a:lstStyle/>
+          <a:p>
+            <a:pPr marL="0" indent="0">
+              <a:buNone/>
+            </a:pPr>
+            <a:r>
+              <a:rPr lang="en-IL" sz="1600" dirty="0"/>
+              <a:t>Let’s explore some cool and helpful functions that will make your code a lot more dynamic: </a:t>
+            </a:r>
+          </a:p>
+          <a:p>
+            <a:pPr marL="342900" indent="-342900">
+              <a:buAutoNum type="arabicPeriod"/>
+            </a:pPr>
+            <a:r>
+              <a:rPr lang="en-IL" sz="1600" dirty="0"/>
+              <a:t>count: using this in a resource/module will create multiple resources with the configuration inide</a:t>
+            </a:r>
+          </a:p>
+          <a:p>
+            <a:pPr marL="342900" indent="-342900">
+              <a:buAutoNum type="arabicPeriod"/>
+            </a:pPr>
+            <a:r>
+              <a:rPr lang="en-US" sz="1600" dirty="0" err="1"/>
+              <a:t>count.index</a:t>
+            </a:r>
+            <a:r>
+              <a:rPr lang="en-US" sz="1600" dirty="0"/>
+              <a:t>: since you created multiple resources, their output in the state file is now a “list”. Accessing them will require you to use “</a:t>
+            </a:r>
+            <a:r>
+              <a:rPr lang="en-US" sz="1600" dirty="0" err="1"/>
+              <a:t>count.index</a:t>
+            </a:r>
+            <a:r>
+              <a:rPr lang="en-US" sz="1600" dirty="0"/>
+              <a:t>”</a:t>
+            </a:r>
+          </a:p>
+          <a:p>
+            <a:pPr marL="342900" indent="-342900">
+              <a:buAutoNum type="arabicPeriod"/>
+            </a:pPr>
+            <a:r>
+              <a:rPr lang="en-US" sz="1600" dirty="0"/>
+              <a:t>locals-</a:t>
+            </a:r>
+            <a:r>
+              <a:rPr lang="en-US" sz="1600" dirty="0" err="1"/>
+              <a:t>dev.tf</a:t>
+            </a:r>
+            <a:r>
+              <a:rPr lang="en-US" sz="1600" dirty="0"/>
+              <a:t> now has two values for </a:t>
+            </a:r>
+            <a:r>
+              <a:rPr lang="en-US" sz="1600" dirty="0" err="1"/>
+              <a:t>private_ips</a:t>
+            </a:r>
+            <a:r>
+              <a:rPr lang="en-US" sz="1600" dirty="0"/>
+              <a:t> since we are creating two network interfaces</a:t>
+            </a:r>
+          </a:p>
+          <a:p>
+            <a:pPr marL="342900" indent="-342900">
+              <a:buAutoNum type="arabicPeriod"/>
+            </a:pPr>
+            <a:r>
+              <a:rPr lang="en-US" sz="1600" dirty="0"/>
+              <a:t>network/</a:t>
+            </a:r>
+            <a:r>
+              <a:rPr lang="en-US" sz="1600" dirty="0" err="1"/>
+              <a:t>main.tf</a:t>
+            </a:r>
+            <a:r>
+              <a:rPr lang="en-US" sz="1600" dirty="0"/>
+              <a:t>: one of the security group ingresses has a “for” loop that will iterate through the </a:t>
+            </a:r>
+            <a:r>
+              <a:rPr lang="en-US" sz="1600" dirty="0" err="1"/>
+              <a:t>var.subnet_numbers</a:t>
+            </a:r>
+            <a:r>
+              <a:rPr lang="en-US" sz="1600" dirty="0"/>
+              <a:t> and add all of them as an ingress rule</a:t>
+            </a:r>
+          </a:p>
+          <a:p>
+            <a:pPr marL="342900" indent="-342900">
+              <a:buFont typeface="Arial" panose="020B0604020202020204" pitchFamily="34" charset="0"/>
+              <a:buAutoNum type="arabicPeriod"/>
+            </a:pPr>
+            <a:r>
+              <a:rPr lang="en-IL" sz="1600" dirty="0"/>
+              <a:t>Pay attention to the “workaround” in network/main.tf/aws_network_interface/private_ips attribute. According to the terraform docs it has to receive a list of vallues. When we use “</a:t>
+            </a:r>
+            <a:r>
+              <a:rPr lang="en-US" sz="1600" dirty="0" err="1"/>
+              <a:t>var.</a:t>
+            </a:r>
+            <a:r>
+              <a:rPr lang="en-US" sz="1600" dirty="0" err="1">
+                <a:solidFill>
+                  <a:srgbClr val="EF596F"/>
+                </a:solidFill>
+              </a:rPr>
+              <a:t>private_ips</a:t>
+            </a:r>
+            <a:r>
+              <a:rPr lang="en-US" sz="1600" dirty="0"/>
+              <a:t>[</a:t>
+            </a:r>
+            <a:r>
+              <a:rPr lang="en-US" sz="1600" dirty="0" err="1"/>
+              <a:t>count.</a:t>
+            </a:r>
+            <a:r>
+              <a:rPr lang="en-US" sz="1600" dirty="0" err="1">
+                <a:solidFill>
+                  <a:srgbClr val="EF596F"/>
+                </a:solidFill>
+              </a:rPr>
+              <a:t>index</a:t>
+            </a:r>
+            <a:r>
+              <a:rPr lang="en-US" sz="1600" dirty="0"/>
+              <a:t>]”, the </a:t>
+            </a:r>
+            <a:r>
+              <a:rPr lang="en-US" sz="1600" dirty="0" err="1"/>
+              <a:t>ips</a:t>
+            </a:r>
+            <a:r>
+              <a:rPr lang="en-US" sz="1600" dirty="0"/>
+              <a:t> from locals-</a:t>
+            </a:r>
+            <a:r>
+              <a:rPr lang="en-US" sz="1600" dirty="0" err="1"/>
+              <a:t>dev.tf</a:t>
+            </a:r>
+            <a:r>
+              <a:rPr lang="en-US" sz="1600" dirty="0"/>
+              <a:t>/</a:t>
+            </a:r>
+            <a:r>
+              <a:rPr lang="en-US" sz="1600" dirty="0" err="1"/>
+              <a:t>private_ips</a:t>
+            </a:r>
+            <a:r>
+              <a:rPr lang="en-US" sz="1600" dirty="0"/>
+              <a:t> becomes a string. This resource does not like it and will fail with an error. </a:t>
+            </a:r>
+            <a:br>
+              <a:rPr lang="en-US" sz="1600" dirty="0"/>
+            </a:br>
+            <a:r>
+              <a:rPr lang="en-US" sz="1600" dirty="0"/>
+              <a:t>“</a:t>
+            </a:r>
+            <a:r>
+              <a:rPr lang="en-US" sz="1600" dirty="0" err="1"/>
+              <a:t>tolist</a:t>
+            </a:r>
+            <a:r>
+              <a:rPr lang="en-US" sz="1600" dirty="0"/>
+              <a:t>” is a function in terraform that will convert any value into a list: </a:t>
+            </a:r>
+            <a:br>
+              <a:rPr lang="en-US" sz="1600" dirty="0"/>
+            </a:br>
+            <a:r>
+              <a:rPr lang="en-US" sz="1600" dirty="0"/>
+              <a:t>count =1 &gt; </a:t>
+            </a:r>
+            <a:r>
+              <a:rPr lang="en-US" sz="1600" dirty="0" err="1"/>
+              <a:t>var.</a:t>
+            </a:r>
+            <a:r>
+              <a:rPr lang="en-US" sz="1600" dirty="0" err="1">
+                <a:solidFill>
+                  <a:srgbClr val="EF596F"/>
+                </a:solidFill>
+              </a:rPr>
+              <a:t>private_ips</a:t>
+            </a:r>
+            <a:r>
+              <a:rPr lang="en-US" sz="1600" dirty="0"/>
+              <a:t>[</a:t>
+            </a:r>
+            <a:r>
+              <a:rPr lang="en-US" sz="1600" dirty="0" err="1"/>
+              <a:t>count.</a:t>
+            </a:r>
+            <a:r>
+              <a:rPr lang="en-US" sz="1600" dirty="0" err="1">
+                <a:solidFill>
+                  <a:srgbClr val="EF596F"/>
+                </a:solidFill>
+              </a:rPr>
+              <a:t>index</a:t>
+            </a:r>
+            <a:r>
+              <a:rPr lang="en-US" sz="1600" dirty="0"/>
+              <a:t>] = </a:t>
+            </a:r>
+            <a:r>
+              <a:rPr lang="en-IL" sz="1600" dirty="0">
+                <a:solidFill>
+                  <a:srgbClr val="89CA78"/>
+                </a:solidFill>
+              </a:rPr>
+              <a:t>"10.0.1.50” (string, not good) &gt; </a:t>
+            </a:r>
+            <a:r>
+              <a:rPr lang="en-US" sz="1600" dirty="0" err="1"/>
+              <a:t>tolist</a:t>
+            </a:r>
+            <a:r>
+              <a:rPr lang="en-US" sz="1600" dirty="0"/>
+              <a:t>([</a:t>
+            </a:r>
+            <a:r>
+              <a:rPr lang="en-US" sz="1600" dirty="0" err="1"/>
+              <a:t>var.</a:t>
+            </a:r>
+            <a:r>
+              <a:rPr lang="en-US" sz="1600" dirty="0" err="1">
+                <a:solidFill>
+                  <a:srgbClr val="EF596F"/>
+                </a:solidFill>
+              </a:rPr>
+              <a:t>private_ips</a:t>
+            </a:r>
+            <a:r>
+              <a:rPr lang="en-US" sz="1600" dirty="0"/>
+              <a:t>[</a:t>
+            </a:r>
+            <a:r>
+              <a:rPr lang="en-US" sz="1600" dirty="0" err="1"/>
+              <a:t>count.</a:t>
+            </a:r>
+            <a:r>
+              <a:rPr lang="en-US" sz="1600" dirty="0" err="1">
+                <a:solidFill>
+                  <a:srgbClr val="EF596F"/>
+                </a:solidFill>
+              </a:rPr>
+              <a:t>index</a:t>
+            </a:r>
+            <a:r>
+              <a:rPr lang="en-US" sz="1600" dirty="0"/>
+              <a:t>]]) = ["10.0.1.50"] (perfect for this key to receive)</a:t>
+            </a:r>
+          </a:p>
+          <a:p>
+            <a:pPr marL="342900" indent="-342900">
+              <a:buFont typeface="Arial" panose="020B0604020202020204" pitchFamily="34" charset="0"/>
+              <a:buAutoNum type="arabicPeriod"/>
+            </a:pPr>
+            <a:r>
+              <a:rPr lang="en-US" sz="1600" dirty="0"/>
+              <a:t>server/</a:t>
+            </a:r>
+            <a:r>
+              <a:rPr lang="en-US" sz="1600" dirty="0" err="1"/>
+              <a:t>main.tf</a:t>
+            </a:r>
+            <a:r>
+              <a:rPr lang="en-US" sz="1600" dirty="0"/>
+              <a:t> now has a count of 2 for the instances since we creating 2 ENIs with 2 EIPs, we want to use them with 2 servers. Now take a look at the network/</a:t>
+            </a:r>
+            <a:r>
+              <a:rPr lang="en-US" sz="1600" dirty="0" err="1"/>
+              <a:t>outputs.tf</a:t>
+            </a:r>
+            <a:r>
+              <a:rPr lang="en-US" sz="1600" dirty="0"/>
+              <a:t>.</a:t>
+            </a:r>
+            <a:br>
+              <a:rPr lang="en-US" sz="1600" dirty="0"/>
+            </a:br>
+            <a:r>
+              <a:rPr lang="en-US" sz="1600" dirty="0"/>
+              <a:t>- </a:t>
+            </a:r>
+            <a:r>
+              <a:rPr lang="en-US" sz="1600" dirty="0" err="1">
+                <a:solidFill>
+                  <a:srgbClr val="E5C07B"/>
+                </a:solidFill>
+              </a:rPr>
+              <a:t>aws_network_interface</a:t>
+            </a:r>
+            <a:r>
+              <a:rPr lang="en-US" sz="1600" dirty="0" err="1"/>
+              <a:t>.</a:t>
+            </a:r>
+            <a:r>
+              <a:rPr lang="en-US" sz="1600" dirty="0" err="1">
+                <a:solidFill>
+                  <a:srgbClr val="E5C07B"/>
+                </a:solidFill>
+              </a:rPr>
+              <a:t>awesome_network_interface</a:t>
+            </a:r>
+            <a:r>
+              <a:rPr lang="en-US" sz="1600" dirty="0"/>
+              <a:t>.</a:t>
+            </a:r>
+            <a:r>
+              <a:rPr lang="en-US" sz="1600" dirty="0">
+                <a:solidFill>
+                  <a:srgbClr val="EF596F"/>
+                </a:solidFill>
+              </a:rPr>
+              <a:t>*</a:t>
+            </a:r>
+            <a:r>
+              <a:rPr lang="en-US" sz="1600" dirty="0"/>
+              <a:t>.</a:t>
+            </a:r>
+            <a:r>
+              <a:rPr lang="en-US" sz="1600" dirty="0">
+                <a:solidFill>
+                  <a:srgbClr val="EF596F"/>
+                </a:solidFill>
+              </a:rPr>
+              <a:t>id: </a:t>
+            </a:r>
+            <a:r>
+              <a:rPr lang="en-US" sz="1600" dirty="0"/>
+              <a:t>we are now outputting both ids using a wildcard “*”.</a:t>
+            </a:r>
+            <a:br>
+              <a:rPr lang="en-US" sz="1600" dirty="0"/>
+            </a:br>
+            <a:r>
+              <a:rPr lang="en-US" sz="1600" dirty="0"/>
+              <a:t>- the server resource will then use the </a:t>
+            </a:r>
+            <a:r>
+              <a:rPr lang="en-US" sz="1600" dirty="0" err="1"/>
+              <a:t>count.index</a:t>
+            </a:r>
+            <a:r>
+              <a:rPr lang="en-US" sz="1600" dirty="0"/>
+              <a:t> to iterate through this list and get the value each time it creates the instance</a:t>
+            </a:r>
+          </a:p>
+          <a:p>
+            <a:pPr marL="342900" indent="-342900">
+              <a:buFont typeface="Arial" panose="020B0604020202020204" pitchFamily="34" charset="0"/>
+              <a:buAutoNum type="arabicPeriod"/>
+            </a:pPr>
+            <a:r>
+              <a:rPr lang="en-US" sz="1600" dirty="0"/>
+              <a:t>server/</a:t>
+            </a:r>
+            <a:r>
+              <a:rPr lang="en-US" sz="1600" dirty="0" err="1"/>
+              <a:t>variables.tf</a:t>
+            </a:r>
+            <a:r>
+              <a:rPr lang="en-US" sz="1600" dirty="0"/>
+              <a:t>: creator variable contains a var validator from terraform 0.13</a:t>
+            </a:r>
+          </a:p>
+          <a:p>
+            <a:pPr marL="0" indent="0">
+              <a:buNone/>
+            </a:pPr>
+            <a:endParaRPr lang="en-IL" sz="1600" dirty="0"/>
+          </a:p>
+        </p:txBody>
+      </p:sp>
+    </p:spTree>
+    <p:extLst>
+      <p:ext uri="{BB962C8B-B14F-4D97-AF65-F5344CB8AC3E}">
+        <p14:creationId xmlns:p14="http://schemas.microsoft.com/office/powerpoint/2010/main" val="458852544"/>
+      </p:ext>
+    </p:extLst>
+  </p:cSld>
+  <p:clrMapOvr>
+    <a:masterClrMapping/>
+  </p:clrMapOvr>
+</p:sld>
+</file>
+
 <file path=ppt/slides/slide2.xml><?xml version="1.0" encoding="utf-8"?>
 <p:sld xmlns:a="http://schemas.openxmlformats.org/drawingml/2006/main" xmlns:r="http://schemas.openxmlformats.org/officeDocument/2006/relationships" xmlns:p="http://schemas.openxmlformats.org/presentationml/2006/main">
   <p:cSld>
@@ -5569,6 +6214,474 @@
     <p:extLst>
       <p:ext uri="{BB962C8B-B14F-4D97-AF65-F5344CB8AC3E}">
         <p14:creationId xmlns:p14="http://schemas.microsoft.com/office/powerpoint/2010/main" val="1473638197"/>
+      </p:ext>
+    </p:extLst>
+  </p:cSld>
+  <p:clrMapOvr>
+    <a:masterClrMapping/>
+  </p:clrMapOvr>
+</p:sld>
+</file>
+
+<file path=ppt/slides/slide20.xml><?xml version="1.0" encoding="utf-8"?>
+<p:sld xmlns:a="http://schemas.openxmlformats.org/drawingml/2006/main" xmlns:r="http://schemas.openxmlformats.org/officeDocument/2006/relationships" xmlns:p="http://schemas.openxmlformats.org/presentationml/2006/main">
+  <p:cSld>
+    <p:spTree>
+      <p:nvGrpSpPr>
+        <p:cNvPr id="1" name=""/>
+        <p:cNvGrpSpPr/>
+        <p:nvPr/>
+      </p:nvGrpSpPr>
+      <p:grpSpPr>
+        <a:xfrm>
+          <a:off x="0" y="0"/>
+          <a:ext cx="0" cy="0"/>
+          <a:chOff x="0" y="0"/>
+          <a:chExt cx="0" cy="0"/>
+        </a:xfrm>
+      </p:grpSpPr>
+      <p:sp>
+        <p:nvSpPr>
+          <p:cNvPr id="2" name="Title 1">
+            <a:extLst>
+              <a:ext uri="{FF2B5EF4-FFF2-40B4-BE49-F238E27FC236}">
+                <a16:creationId xmlns:a16="http://schemas.microsoft.com/office/drawing/2014/main" id="{651EB4E2-F93C-1C45-9381-8C5E3C947C74}"/>
+              </a:ext>
+            </a:extLst>
+          </p:cNvPr>
+          <p:cNvSpPr>
+            <a:spLocks noGrp="1"/>
+          </p:cNvSpPr>
+          <p:nvPr>
+            <p:ph type="title"/>
+          </p:nvPr>
+        </p:nvSpPr>
+        <p:spPr/>
+        <p:txBody>
+          <a:bodyPr/>
+          <a:lstStyle/>
+          <a:p>
+            <a:r>
+              <a:rPr lang="en-IL" dirty="0"/>
+              <a:t>Best Practices</a:t>
+            </a:r>
+          </a:p>
+        </p:txBody>
+      </p:sp>
+      <p:sp>
+        <p:nvSpPr>
+          <p:cNvPr id="3" name="Content Placeholder 2">
+            <a:extLst>
+              <a:ext uri="{FF2B5EF4-FFF2-40B4-BE49-F238E27FC236}">
+                <a16:creationId xmlns:a16="http://schemas.microsoft.com/office/drawing/2014/main" id="{94882B48-57C3-E145-82F4-CCF972B699C7}"/>
+              </a:ext>
+            </a:extLst>
+          </p:cNvPr>
+          <p:cNvSpPr>
+            <a:spLocks noGrp="1"/>
+          </p:cNvSpPr>
+          <p:nvPr>
+            <p:ph idx="1"/>
+          </p:nvPr>
+        </p:nvSpPr>
+        <p:spPr/>
+        <p:txBody>
+          <a:bodyPr>
+            <a:normAutofit/>
+          </a:bodyPr>
+          <a:lstStyle/>
+          <a:p>
+            <a:r>
+              <a:rPr lang="en-IL" sz="1800" dirty="0"/>
+              <a:t>Use modules to decouple resources for a fine grain control and reusage</a:t>
+            </a:r>
+          </a:p>
+          <a:p>
+            <a:r>
+              <a:rPr lang="en-IL" sz="1800" dirty="0"/>
+              <a:t>Use vars 100% via variables.tf and abstract the variable you want to control to the root variables file (tfvars/locals)</a:t>
+            </a:r>
+          </a:p>
+          <a:p>
+            <a:r>
+              <a:rPr lang="en-US" sz="1800" dirty="0"/>
+              <a:t>L</a:t>
+            </a:r>
+            <a:r>
+              <a:rPr lang="en-IL" sz="1800" dirty="0"/>
+              <a:t>ocals is the perfect way to create a multi environment code and should be used even if only one is needed for future purposes.</a:t>
+            </a:r>
+          </a:p>
+          <a:p>
+            <a:r>
+              <a:rPr lang="en-IL" sz="1800" dirty="0"/>
+              <a:t>Try to use official modules from the registry when possible. They are generally better than anything you would write on your own and even if you will go for creating a perfect one, it will tale a valuble time from that you somrtimes do not have. Moreover, those modules are supported constantly.</a:t>
+            </a:r>
+          </a:p>
+          <a:p>
+            <a:r>
+              <a:rPr lang="en-IL" sz="1800" dirty="0"/>
+              <a:t>Decouple the differect types of resources into multiple files in the same directory for a better and faster control such as: data.tf, rules.tf etc</a:t>
+            </a:r>
+          </a:p>
+          <a:p>
+            <a:r>
+              <a:rPr lang="en-IL" sz="1800" dirty="0"/>
+              <a:t>Always tag resources with the ”environment” key.</a:t>
+            </a:r>
+          </a:p>
+          <a:p>
+            <a:r>
+              <a:rPr lang="en-IL" sz="1800" dirty="0"/>
+              <a:t>Follow the terraform patches as they can change your existing code and break it</a:t>
+            </a:r>
+          </a:p>
+        </p:txBody>
+      </p:sp>
+    </p:spTree>
+    <p:extLst>
+      <p:ext uri="{BB962C8B-B14F-4D97-AF65-F5344CB8AC3E}">
+        <p14:creationId xmlns:p14="http://schemas.microsoft.com/office/powerpoint/2010/main" val="732759439"/>
+      </p:ext>
+    </p:extLst>
+  </p:cSld>
+  <p:clrMapOvr>
+    <a:masterClrMapping/>
+  </p:clrMapOvr>
+</p:sld>
+</file>
+
+<file path=ppt/slides/slide21.xml><?xml version="1.0" encoding="utf-8"?>
+<p:sld xmlns:a="http://schemas.openxmlformats.org/drawingml/2006/main" xmlns:r="http://schemas.openxmlformats.org/officeDocument/2006/relationships" xmlns:p="http://schemas.openxmlformats.org/presentationml/2006/main">
+  <p:cSld>
+    <p:spTree>
+      <p:nvGrpSpPr>
+        <p:cNvPr id="1" name=""/>
+        <p:cNvGrpSpPr/>
+        <p:nvPr/>
+      </p:nvGrpSpPr>
+      <p:grpSpPr>
+        <a:xfrm>
+          <a:off x="0" y="0"/>
+          <a:ext cx="0" cy="0"/>
+          <a:chOff x="0" y="0"/>
+          <a:chExt cx="0" cy="0"/>
+        </a:xfrm>
+      </p:grpSpPr>
+      <p:sp>
+        <p:nvSpPr>
+          <p:cNvPr id="2" name="Title 1">
+            <a:extLst>
+              <a:ext uri="{FF2B5EF4-FFF2-40B4-BE49-F238E27FC236}">
+                <a16:creationId xmlns:a16="http://schemas.microsoft.com/office/drawing/2014/main" id="{A0A23555-53B2-5042-A963-9235A226E8CE}"/>
+              </a:ext>
+            </a:extLst>
+          </p:cNvPr>
+          <p:cNvSpPr>
+            <a:spLocks noGrp="1"/>
+          </p:cNvSpPr>
+          <p:nvPr>
+            <p:ph type="title"/>
+          </p:nvPr>
+        </p:nvSpPr>
+        <p:spPr/>
+        <p:txBody>
+          <a:bodyPr/>
+          <a:lstStyle/>
+          <a:p>
+            <a:r>
+              <a:rPr lang="en-IL" dirty="0"/>
+              <a:t>Terraform 13</a:t>
+            </a:r>
+          </a:p>
+        </p:txBody>
+      </p:sp>
+      <p:sp>
+        <p:nvSpPr>
+          <p:cNvPr id="3" name="Content Placeholder 2">
+            <a:extLst>
+              <a:ext uri="{FF2B5EF4-FFF2-40B4-BE49-F238E27FC236}">
+                <a16:creationId xmlns:a16="http://schemas.microsoft.com/office/drawing/2014/main" id="{2A4933E9-3D22-A24B-91A1-0656611816FC}"/>
+              </a:ext>
+            </a:extLst>
+          </p:cNvPr>
+          <p:cNvSpPr>
+            <a:spLocks noGrp="1"/>
+          </p:cNvSpPr>
+          <p:nvPr>
+            <p:ph idx="1"/>
+          </p:nvPr>
+        </p:nvSpPr>
+        <p:spPr/>
+        <p:txBody>
+          <a:bodyPr/>
+          <a:lstStyle/>
+          <a:p>
+            <a:pPr marL="0" indent="0">
+              <a:buNone/>
+            </a:pPr>
+            <a:r>
+              <a:rPr lang="en-IL" dirty="0"/>
+              <a:t>There aren’t a lot of new features in terraform 13 and mostly consists of fixes but the features that did come out are incredible!</a:t>
+            </a:r>
+          </a:p>
+          <a:p>
+            <a:pPr>
+              <a:buFontTx/>
+              <a:buChar char="-"/>
+            </a:pPr>
+            <a:r>
+              <a:rPr lang="en-IL" dirty="0"/>
+              <a:t>“for_each” for modules</a:t>
+            </a:r>
+          </a:p>
+          <a:p>
+            <a:pPr>
+              <a:buFontTx/>
+              <a:buChar char="-"/>
+            </a:pPr>
+            <a:r>
+              <a:rPr lang="en-IL" dirty="0"/>
+              <a:t>“count” for modules</a:t>
+            </a:r>
+          </a:p>
+          <a:p>
+            <a:pPr>
+              <a:buFontTx/>
+              <a:buChar char="-"/>
+            </a:pPr>
+            <a:r>
+              <a:rPr lang="en-IL" dirty="0"/>
+              <a:t>“depends_on” for modules </a:t>
+            </a:r>
+          </a:p>
+          <a:p>
+            <a:pPr>
+              <a:buFontTx/>
+              <a:buChar char="-"/>
+            </a:pPr>
+            <a:r>
+              <a:rPr lang="en-US" dirty="0"/>
+              <a:t>Custom variable validation: as used in demo_10_misc/server/</a:t>
+            </a:r>
+            <a:r>
+              <a:rPr lang="en-US" dirty="0" err="1"/>
+              <a:t>variables.tf</a:t>
+            </a:r>
+            <a:r>
+              <a:rPr lang="en-US" dirty="0"/>
+              <a:t> creator var</a:t>
+            </a:r>
+            <a:br>
+              <a:rPr lang="en-US" dirty="0"/>
+            </a:br>
+            <a:br>
+              <a:rPr lang="en-US" dirty="0"/>
+            </a:br>
+            <a:endParaRPr lang="en-IL" dirty="0"/>
+          </a:p>
+        </p:txBody>
+      </p:sp>
+    </p:spTree>
+    <p:extLst>
+      <p:ext uri="{BB962C8B-B14F-4D97-AF65-F5344CB8AC3E}">
+        <p14:creationId xmlns:p14="http://schemas.microsoft.com/office/powerpoint/2010/main" val="3044920035"/>
+      </p:ext>
+    </p:extLst>
+  </p:cSld>
+  <p:clrMapOvr>
+    <a:masterClrMapping/>
+  </p:clrMapOvr>
+</p:sld>
+</file>
+
+<file path=ppt/slides/slide22.xml><?xml version="1.0" encoding="utf-8"?>
+<p:sld xmlns:a="http://schemas.openxmlformats.org/drawingml/2006/main" xmlns:r="http://schemas.openxmlformats.org/officeDocument/2006/relationships" xmlns:p="http://schemas.openxmlformats.org/presentationml/2006/main">
+  <p:cSld>
+    <p:spTree>
+      <p:nvGrpSpPr>
+        <p:cNvPr id="1" name=""/>
+        <p:cNvGrpSpPr/>
+        <p:nvPr/>
+      </p:nvGrpSpPr>
+      <p:grpSpPr>
+        <a:xfrm>
+          <a:off x="0" y="0"/>
+          <a:ext cx="0" cy="0"/>
+          <a:chOff x="0" y="0"/>
+          <a:chExt cx="0" cy="0"/>
+        </a:xfrm>
+      </p:grpSpPr>
+      <p:sp>
+        <p:nvSpPr>
+          <p:cNvPr id="2" name="Title 1">
+            <a:extLst>
+              <a:ext uri="{FF2B5EF4-FFF2-40B4-BE49-F238E27FC236}">
+                <a16:creationId xmlns:a16="http://schemas.microsoft.com/office/drawing/2014/main" id="{6879732E-596C-D246-8F9B-36E72BD86A40}"/>
+              </a:ext>
+            </a:extLst>
+          </p:cNvPr>
+          <p:cNvSpPr>
+            <a:spLocks noGrp="1"/>
+          </p:cNvSpPr>
+          <p:nvPr>
+            <p:ph type="title"/>
+          </p:nvPr>
+        </p:nvSpPr>
+        <p:spPr/>
+        <p:txBody>
+          <a:bodyPr/>
+          <a:lstStyle/>
+          <a:p>
+            <a:r>
+              <a:rPr lang="en-IL" dirty="0"/>
+              <a:t>Terraform Cloud	</a:t>
+            </a:r>
+          </a:p>
+        </p:txBody>
+      </p:sp>
+      <p:sp>
+        <p:nvSpPr>
+          <p:cNvPr id="3" name="Content Placeholder 2">
+            <a:extLst>
+              <a:ext uri="{FF2B5EF4-FFF2-40B4-BE49-F238E27FC236}">
+                <a16:creationId xmlns:a16="http://schemas.microsoft.com/office/drawing/2014/main" id="{22F76C4B-F148-1546-A77E-58600B511AD9}"/>
+              </a:ext>
+            </a:extLst>
+          </p:cNvPr>
+          <p:cNvSpPr>
+            <a:spLocks noGrp="1"/>
+          </p:cNvSpPr>
+          <p:nvPr>
+            <p:ph idx="1"/>
+          </p:nvPr>
+        </p:nvSpPr>
+        <p:spPr/>
+        <p:txBody>
+          <a:bodyPr>
+            <a:normAutofit/>
+          </a:bodyPr>
+          <a:lstStyle/>
+          <a:p>
+            <a:pPr marL="0" indent="0">
+              <a:buNone/>
+            </a:pPr>
+            <a:r>
+              <a:rPr lang="en-US" sz="2000" dirty="0">
+                <a:latin typeface="metro-web"/>
+              </a:rPr>
+              <a:t>Terraform Cloud </a:t>
+            </a:r>
+            <a:r>
+              <a:rPr lang="en-US" sz="2000" dirty="0">
+                <a:solidFill>
+                  <a:srgbClr val="1D1E23"/>
+                </a:solidFill>
+                <a:latin typeface="metro-web"/>
+              </a:rPr>
+              <a:t>is an application that helps teams use Terraform together. It manages Terraform runs in a consistent and reliable environment, and includes easy access to shared state and secret data, access controls for approving changes to infrastructure, a private registry for sharing Terraform modules, detailed policy controls for governing the contents of Terraform configurations, and more.</a:t>
+            </a:r>
+          </a:p>
+          <a:p>
+            <a:pPr marL="0" indent="0">
+              <a:buNone/>
+            </a:pPr>
+            <a:endParaRPr lang="en-US" sz="2000" dirty="0">
+              <a:solidFill>
+                <a:srgbClr val="1D1E23"/>
+              </a:solidFill>
+              <a:latin typeface="metro-web"/>
+            </a:endParaRPr>
+          </a:p>
+          <a:p>
+            <a:pPr marL="0" indent="0">
+              <a:buNone/>
+            </a:pPr>
+            <a:r>
+              <a:rPr lang="en-US" sz="2000" dirty="0">
+                <a:solidFill>
+                  <a:srgbClr val="1D1E23"/>
+                </a:solidFill>
+                <a:latin typeface="metro-web"/>
+              </a:rPr>
+              <a:t>We will not discussing terraform cloud in this training since this is a huge subject on its own.</a:t>
+            </a:r>
+          </a:p>
+          <a:p>
+            <a:pPr marL="0" indent="0">
+              <a:buNone/>
+            </a:pPr>
+            <a:r>
+              <a:rPr lang="en-US" sz="2000" dirty="0">
+                <a:solidFill>
+                  <a:srgbClr val="1D1E23"/>
+                </a:solidFill>
+                <a:latin typeface="metro-web"/>
+              </a:rPr>
+              <a:t>One of the main feature is integration of SCV and creating a pipeline that will test/plan/apply/destroy/change </a:t>
+            </a:r>
+            <a:r>
+              <a:rPr lang="en-US" sz="2000" dirty="0" err="1">
+                <a:solidFill>
+                  <a:srgbClr val="1D1E23"/>
+                </a:solidFill>
+                <a:latin typeface="metro-web"/>
+              </a:rPr>
+              <a:t>etc</a:t>
+            </a:r>
+            <a:r>
+              <a:rPr lang="en-US" sz="2000" dirty="0">
+                <a:solidFill>
+                  <a:srgbClr val="1D1E23"/>
+                </a:solidFill>
+                <a:latin typeface="metro-web"/>
+              </a:rPr>
+              <a:t> your infrastructure based on the changes in your repository code via pull requests.</a:t>
+            </a:r>
+          </a:p>
+          <a:p>
+            <a:pPr marL="0" indent="0">
+              <a:buNone/>
+            </a:pPr>
+            <a:endParaRPr lang="en-US" sz="2000" dirty="0">
+              <a:solidFill>
+                <a:srgbClr val="1D1E23"/>
+              </a:solidFill>
+              <a:latin typeface="metro-web"/>
+            </a:endParaRPr>
+          </a:p>
+          <a:p>
+            <a:pPr marL="0" indent="0">
+              <a:buNone/>
+            </a:pPr>
+            <a:r>
+              <a:rPr lang="en-US" sz="2000" dirty="0">
+                <a:solidFill>
+                  <a:srgbClr val="1D1E23"/>
+                </a:solidFill>
+                <a:latin typeface="metro-web"/>
+              </a:rPr>
+              <a:t>You can read more here: </a:t>
+            </a:r>
+            <a:r>
+              <a:rPr lang="en-US" sz="2000" dirty="0">
+                <a:hlinkClick r:id="rId2"/>
+              </a:rPr>
+              <a:t>https://www.terraform.io/docs/cloud</a:t>
+            </a:r>
+            <a:endParaRPr lang="en-US" sz="2000" dirty="0">
+              <a:solidFill>
+                <a:srgbClr val="1D1E23"/>
+              </a:solidFill>
+              <a:latin typeface="metro-web"/>
+            </a:endParaRPr>
+          </a:p>
+        </p:txBody>
+      </p:sp>
+    </p:spTree>
+    <p:extLst>
+      <p:ext uri="{BB962C8B-B14F-4D97-AF65-F5344CB8AC3E}">
+        <p14:creationId xmlns:p14="http://schemas.microsoft.com/office/powerpoint/2010/main" val="2356435670"/>
       </p:ext>
     </p:extLst>
   </p:cSld>

--- a/tf-demo-presentation.pptx
+++ b/tf-demo-presentation.pptx
@@ -23,10 +23,11 @@
     <p:sldId id="269" r:id="rId17"/>
     <p:sldId id="270" r:id="rId18"/>
     <p:sldId id="273" r:id="rId19"/>
-    <p:sldId id="274" r:id="rId20"/>
-    <p:sldId id="275" r:id="rId21"/>
-    <p:sldId id="276" r:id="rId22"/>
-    <p:sldId id="277" r:id="rId23"/>
+    <p:sldId id="278" r:id="rId20"/>
+    <p:sldId id="274" r:id="rId21"/>
+    <p:sldId id="275" r:id="rId22"/>
+    <p:sldId id="276" r:id="rId23"/>
+    <p:sldId id="277" r:id="rId24"/>
   </p:sldIdLst>
   <p:sldSz cx="12192000" cy="6858000"/>
   <p:notesSz cx="6858000" cy="9144000"/>
@@ -282,7 +283,7 @@
           <a:p>
             <a:fld id="{FB4FC625-9259-7748-9FCE-6E75ED235EC3}" type="datetimeFigureOut">
               <a:rPr lang="en-IL" smtClean="0"/>
-              <a:t>12/08/2020</a:t>
+              <a:t>15/08/2020</a:t>
             </a:fld>
             <a:endParaRPr lang="en-IL"/>
           </a:p>
@@ -482,7 +483,7 @@
           <a:p>
             <a:fld id="{FB4FC625-9259-7748-9FCE-6E75ED235EC3}" type="datetimeFigureOut">
               <a:rPr lang="en-IL" smtClean="0"/>
-              <a:t>12/08/2020</a:t>
+              <a:t>15/08/2020</a:t>
             </a:fld>
             <a:endParaRPr lang="en-IL"/>
           </a:p>
@@ -692,7 +693,7 @@
           <a:p>
             <a:fld id="{FB4FC625-9259-7748-9FCE-6E75ED235EC3}" type="datetimeFigureOut">
               <a:rPr lang="en-IL" smtClean="0"/>
-              <a:t>12/08/2020</a:t>
+              <a:t>15/08/2020</a:t>
             </a:fld>
             <a:endParaRPr lang="en-IL"/>
           </a:p>
@@ -892,7 +893,7 @@
           <a:p>
             <a:fld id="{FB4FC625-9259-7748-9FCE-6E75ED235EC3}" type="datetimeFigureOut">
               <a:rPr lang="en-IL" smtClean="0"/>
-              <a:t>12/08/2020</a:t>
+              <a:t>15/08/2020</a:t>
             </a:fld>
             <a:endParaRPr lang="en-IL"/>
           </a:p>
@@ -1168,7 +1169,7 @@
           <a:p>
             <a:fld id="{FB4FC625-9259-7748-9FCE-6E75ED235EC3}" type="datetimeFigureOut">
               <a:rPr lang="en-IL" smtClean="0"/>
-              <a:t>12/08/2020</a:t>
+              <a:t>15/08/2020</a:t>
             </a:fld>
             <a:endParaRPr lang="en-IL"/>
           </a:p>
@@ -1436,7 +1437,7 @@
           <a:p>
             <a:fld id="{FB4FC625-9259-7748-9FCE-6E75ED235EC3}" type="datetimeFigureOut">
               <a:rPr lang="en-IL" smtClean="0"/>
-              <a:t>12/08/2020</a:t>
+              <a:t>15/08/2020</a:t>
             </a:fld>
             <a:endParaRPr lang="en-IL"/>
           </a:p>
@@ -1851,7 +1852,7 @@
           <a:p>
             <a:fld id="{FB4FC625-9259-7748-9FCE-6E75ED235EC3}" type="datetimeFigureOut">
               <a:rPr lang="en-IL" smtClean="0"/>
-              <a:t>12/08/2020</a:t>
+              <a:t>15/08/2020</a:t>
             </a:fld>
             <a:endParaRPr lang="en-IL"/>
           </a:p>
@@ -1993,7 +1994,7 @@
           <a:p>
             <a:fld id="{FB4FC625-9259-7748-9FCE-6E75ED235EC3}" type="datetimeFigureOut">
               <a:rPr lang="en-IL" smtClean="0"/>
-              <a:t>12/08/2020</a:t>
+              <a:t>15/08/2020</a:t>
             </a:fld>
             <a:endParaRPr lang="en-IL"/>
           </a:p>
@@ -2106,7 +2107,7 @@
           <a:p>
             <a:fld id="{FB4FC625-9259-7748-9FCE-6E75ED235EC3}" type="datetimeFigureOut">
               <a:rPr lang="en-IL" smtClean="0"/>
-              <a:t>12/08/2020</a:t>
+              <a:t>15/08/2020</a:t>
             </a:fld>
             <a:endParaRPr lang="en-IL"/>
           </a:p>
@@ -2419,7 +2420,7 @@
           <a:p>
             <a:fld id="{FB4FC625-9259-7748-9FCE-6E75ED235EC3}" type="datetimeFigureOut">
               <a:rPr lang="en-IL" smtClean="0"/>
-              <a:t>12/08/2020</a:t>
+              <a:t>15/08/2020</a:t>
             </a:fld>
             <a:endParaRPr lang="en-IL"/>
           </a:p>
@@ -2708,7 +2709,7 @@
           <a:p>
             <a:fld id="{FB4FC625-9259-7748-9FCE-6E75ED235EC3}" type="datetimeFigureOut">
               <a:rPr lang="en-IL" smtClean="0"/>
-              <a:t>12/08/2020</a:t>
+              <a:t>15/08/2020</a:t>
             </a:fld>
             <a:endParaRPr lang="en-IL"/>
           </a:p>
@@ -2951,7 +2952,7 @@
           <a:p>
             <a:fld id="{FB4FC625-9259-7748-9FCE-6E75ED235EC3}" type="datetimeFigureOut">
               <a:rPr lang="en-IL" smtClean="0"/>
-              <a:t>12/08/2020</a:t>
+              <a:t>15/08/2020</a:t>
             </a:fld>
             <a:endParaRPr lang="en-IL"/>
           </a:p>
@@ -5367,7 +5368,7 @@
           <p:cNvPr id="2" name="Title 1">
             <a:extLst>
               <a:ext uri="{FF2B5EF4-FFF2-40B4-BE49-F238E27FC236}">
-                <a16:creationId xmlns:a16="http://schemas.microsoft.com/office/drawing/2014/main" id="{11C437BA-8ECB-B94D-ABF7-C32D3F4FE0E2}"/>
+                <a16:creationId xmlns:a16="http://schemas.microsoft.com/office/drawing/2014/main" id="{4E685257-4EE9-734C-AF79-80ED39BBECFD}"/>
               </a:ext>
             </a:extLst>
           </p:cNvPr>
@@ -5385,7 +5386,7 @@
           <a:p>
             <a:r>
               <a:rPr lang="en-IL" dirty="0"/>
-              <a:t>Demo_10_misc: tf_demo/demo_10_misc </a:t>
+              <a:t>Backend State: s3</a:t>
             </a:r>
           </a:p>
         </p:txBody>
@@ -5395,7 +5396,7 @@
           <p:cNvPr id="3" name="Content Placeholder 2">
             <a:extLst>
               <a:ext uri="{FF2B5EF4-FFF2-40B4-BE49-F238E27FC236}">
-                <a16:creationId xmlns:a16="http://schemas.microsoft.com/office/drawing/2014/main" id="{E03C3FB3-5E84-094C-9362-32A21F9CF60F}"/>
+                <a16:creationId xmlns:a16="http://schemas.microsoft.com/office/drawing/2014/main" id="{10D55F6F-4378-4241-95FD-879A8CA20553}"/>
               </a:ext>
             </a:extLst>
           </p:cNvPr>
@@ -5409,7 +5410,7 @@
         <p:spPr/>
         <p:txBody>
           <a:bodyPr>
-            <a:normAutofit fontScale="92500" lnSpcReduction="10000"/>
+            <a:normAutofit/>
           </a:bodyPr>
           <a:lstStyle/>
           <a:p>
@@ -5417,8 +5418,26 @@
               <a:buNone/>
             </a:pPr>
             <a:r>
-              <a:rPr lang="en-IL" sz="1600" dirty="0"/>
-              <a:t>Let’s explore some cool and helpful functions that will make your code a lot more dynamic: </a:t>
+              <a:rPr lang="en-IL" sz="1400" dirty="0"/>
+              <a:t>As you know by now the tfstate file is sotored locally by default. </a:t>
+            </a:r>
+          </a:p>
+          <a:p>
+            <a:pPr marL="0" indent="0">
+              <a:buNone/>
+            </a:pPr>
+            <a:r>
+              <a:rPr lang="en-IL" sz="1400" dirty="0"/>
+              <a:t>This is not something you would like to keep and the best thing to do is to move this file to a remote location which woll greatly improve security and human error prevention.</a:t>
+            </a:r>
+          </a:p>
+          <a:p>
+            <a:pPr marL="0" indent="0">
+              <a:buNone/>
+            </a:pPr>
+            <a:r>
+              <a:rPr lang="en-IL" sz="1400" dirty="0"/>
+              <a:t>Now we will look at how we can store our tfstate file per environment in s3 and use DynamoDB to send a lock signal once terraform is running to prevent anyone else from making changes at the same time and breaking our apply.</a:t>
             </a:r>
           </a:p>
           <a:p>
@@ -5426,8 +5445,16 @@
               <a:buAutoNum type="arabicPeriod"/>
             </a:pPr>
             <a:r>
-              <a:rPr lang="en-IL" sz="1600" dirty="0"/>
-              <a:t>count: using this in a resource/module will create multiple resources with the configuration inide</a:t>
+              <a:rPr lang="en-IL" sz="1400" dirty="0"/>
+              <a:t>modules/backend_state: will be our sep</a:t>
+            </a:r>
+            <a:r>
+              <a:rPr lang="en-US" sz="1400" dirty="0"/>
+              <a:t>a</a:t>
+            </a:r>
+            <a:r>
+              <a:rPr lang="en-IL" sz="1400" dirty="0"/>
+              <a:t>rate module for creating the s3 bucket and dynamoDB table to store the lock signal</a:t>
             </a:r>
           </a:p>
           <a:p>
@@ -5435,20 +5462,12 @@
               <a:buAutoNum type="arabicPeriod"/>
             </a:pPr>
             <a:r>
-              <a:rPr lang="en-US" sz="1600" dirty="0" err="1"/>
-              <a:t>count.index</a:t>
-            </a:r>
-            <a:r>
-              <a:rPr lang="en-US" sz="1600" dirty="0"/>
-              <a:t>: since you created multiple resources, their output in the state file is now a “list”. Accessing them will require you to use “</a:t>
-            </a:r>
-            <a:r>
-              <a:rPr lang="en-US" sz="1600" dirty="0" err="1"/>
-              <a:t>count.index</a:t>
-            </a:r>
-            <a:r>
-              <a:rPr lang="en-US" sz="1600" dirty="0"/>
-              <a:t>”</a:t>
+              <a:rPr lang="en-US" sz="1400" dirty="0"/>
+              <a:t>t</a:t>
+            </a:r>
+            <a:r>
+              <a:rPr lang="en-IL" sz="1400" dirty="0"/>
+              <a:t>erraform init inside this module</a:t>
             </a:r>
           </a:p>
           <a:p>
@@ -5456,24 +5475,12 @@
               <a:buAutoNum type="arabicPeriod"/>
             </a:pPr>
             <a:r>
-              <a:rPr lang="en-US" sz="1600" dirty="0"/>
-              <a:t>locals-</a:t>
-            </a:r>
-            <a:r>
-              <a:rPr lang="en-US" sz="1600" dirty="0" err="1"/>
-              <a:t>dev.tf</a:t>
-            </a:r>
-            <a:r>
-              <a:rPr lang="en-US" sz="1600" dirty="0"/>
-              <a:t> now has two values for </a:t>
-            </a:r>
-            <a:r>
-              <a:rPr lang="en-US" sz="1600" dirty="0" err="1"/>
-              <a:t>private_ips</a:t>
-            </a:r>
-            <a:r>
-              <a:rPr lang="en-US" sz="1600" dirty="0"/>
-              <a:t> since we are creating two network interfaces</a:t>
+              <a:rPr lang="en-US" sz="1400" dirty="0"/>
+              <a:t>t</a:t>
+            </a:r>
+            <a:r>
+              <a:rPr lang="en-IL" sz="1400" dirty="0"/>
+              <a:t>erraform workspace create dev</a:t>
             </a:r>
           </a:p>
           <a:p>
@@ -5481,320 +5488,88 @@
               <a:buAutoNum type="arabicPeriod"/>
             </a:pPr>
             <a:r>
-              <a:rPr lang="en-US" sz="1600" dirty="0"/>
-              <a:t>network/</a:t>
-            </a:r>
-            <a:r>
-              <a:rPr lang="en-US" sz="1600" dirty="0" err="1"/>
-              <a:t>main.tf</a:t>
-            </a:r>
-            <a:r>
-              <a:rPr lang="en-US" sz="1600" dirty="0"/>
-              <a:t>: one of the security group ingresses has a “for” loop that will iterate through the </a:t>
-            </a:r>
-            <a:r>
-              <a:rPr lang="en-US" sz="1600" dirty="0" err="1"/>
-              <a:t>var.subnet_numbers</a:t>
-            </a:r>
-            <a:r>
-              <a:rPr lang="en-US" sz="1600" dirty="0"/>
-              <a:t> and add all of them as an ingress rule</a:t>
+              <a:rPr lang="en-US" sz="1400" dirty="0"/>
+              <a:t>t</a:t>
+            </a:r>
+            <a:r>
+              <a:rPr lang="en-IL" sz="1400" dirty="0"/>
+              <a:t>erraform apply</a:t>
             </a:r>
           </a:p>
           <a:p>
             <a:pPr marL="342900" indent="-342900">
-              <a:buFont typeface="Arial" panose="020B0604020202020204" pitchFamily="34" charset="0"/>
               <a:buAutoNum type="arabicPeriod"/>
             </a:pPr>
             <a:r>
-              <a:rPr lang="en-IL" sz="1600" dirty="0"/>
-              <a:t>Pay attention to the “workaround” in network/main.tf/aws_network_interface/private_ips attribute. According to the terraform docs it has to receive a list of vallues. When we use “</a:t>
-            </a:r>
-            <a:r>
-              <a:rPr lang="en-US" sz="1600" dirty="0" err="1"/>
-              <a:t>var.</a:t>
-            </a:r>
-            <a:r>
-              <a:rPr lang="en-US" sz="1600" dirty="0" err="1">
-                <a:solidFill>
-                  <a:srgbClr val="EF596F"/>
-                </a:solidFill>
-              </a:rPr>
-              <a:t>private_ips</a:t>
-            </a:r>
-            <a:r>
-              <a:rPr lang="en-US" sz="1600" dirty="0"/>
-              <a:t>[</a:t>
-            </a:r>
-            <a:r>
-              <a:rPr lang="en-US" sz="1600" dirty="0" err="1"/>
-              <a:t>count.</a:t>
-            </a:r>
-            <a:r>
-              <a:rPr lang="en-US" sz="1600" dirty="0" err="1">
-                <a:solidFill>
-                  <a:srgbClr val="EF596F"/>
-                </a:solidFill>
-              </a:rPr>
-              <a:t>index</a:t>
-            </a:r>
-            <a:r>
-              <a:rPr lang="en-US" sz="1600" dirty="0"/>
-              <a:t>]”, the </a:t>
-            </a:r>
-            <a:r>
-              <a:rPr lang="en-US" sz="1600" dirty="0" err="1"/>
-              <a:t>ips</a:t>
-            </a:r>
-            <a:r>
-              <a:rPr lang="en-US" sz="1600" dirty="0"/>
-              <a:t> from locals-</a:t>
-            </a:r>
-            <a:r>
-              <a:rPr lang="en-US" sz="1600" dirty="0" err="1"/>
+              <a:rPr lang="en-IL" sz="1400" dirty="0"/>
+              <a:t>Take the outputs after the run and populate them accordingly in the root/backend-dev.tf</a:t>
+            </a:r>
+          </a:p>
+          <a:p>
+            <a:pPr marL="342900" indent="-342900">
+              <a:buAutoNum type="arabicPeriod"/>
+            </a:pPr>
+            <a:r>
+              <a:rPr lang="en-US" sz="1400" dirty="0"/>
+              <a:t>R</a:t>
+            </a:r>
+            <a:r>
+              <a:rPr lang="en-IL" sz="1400" dirty="0"/>
+              <a:t>un terraform init in the root directory</a:t>
+            </a:r>
+          </a:p>
+          <a:p>
+            <a:pPr marL="342900" indent="-342900">
+              <a:buAutoNum type="arabicPeriod"/>
+            </a:pPr>
+            <a:r>
+              <a:rPr lang="en-US" sz="1400" dirty="0"/>
+              <a:t>terraform apply</a:t>
+            </a:r>
+          </a:p>
+          <a:p>
+            <a:pPr>
+              <a:buFontTx/>
+              <a:buChar char="-"/>
+            </a:pPr>
+            <a:r>
+              <a:rPr lang="en-US" sz="1400" dirty="0"/>
+              <a:t>This will create your infrastructure using the s3 bucket, </a:t>
+            </a:r>
+            <a:r>
+              <a:rPr lang="en-US" sz="1400" dirty="0" err="1"/>
+              <a:t>dynamoDB</a:t>
+            </a:r>
+            <a:r>
+              <a:rPr lang="en-US" sz="1400" dirty="0"/>
+              <a:t> and locals-</a:t>
+            </a:r>
+            <a:r>
+              <a:rPr lang="en-US" sz="1400" dirty="0" err="1"/>
               <a:t>dev.tf</a:t>
             </a:r>
             <a:r>
-              <a:rPr lang="en-US" sz="1600" dirty="0"/>
-              <a:t>/</a:t>
-            </a:r>
-            <a:r>
-              <a:rPr lang="en-US" sz="1600" dirty="0" err="1"/>
-              <a:t>private_ips</a:t>
-            </a:r>
-            <a:r>
-              <a:rPr lang="en-US" sz="1600" dirty="0"/>
-              <a:t> becomes a string. This resource does not like it and will fail with an error. </a:t>
-            </a:r>
-            <a:br>
-              <a:rPr lang="en-US" sz="1600" dirty="0"/>
-            </a:br>
-            <a:r>
-              <a:rPr lang="en-US" sz="1600" dirty="0"/>
-              <a:t>“</a:t>
-            </a:r>
-            <a:r>
-              <a:rPr lang="en-US" sz="1600" dirty="0" err="1"/>
-              <a:t>tolist</a:t>
-            </a:r>
-            <a:r>
-              <a:rPr lang="en-US" sz="1600" dirty="0"/>
-              <a:t>” is a function in terraform that will convert any value into a list: </a:t>
-            </a:r>
-            <a:br>
-              <a:rPr lang="en-US" sz="1600" dirty="0"/>
-            </a:br>
-            <a:r>
-              <a:rPr lang="en-US" sz="1600" dirty="0"/>
-              <a:t>count =1 &gt; </a:t>
-            </a:r>
-            <a:r>
-              <a:rPr lang="en-US" sz="1600" dirty="0" err="1"/>
-              <a:t>var.</a:t>
-            </a:r>
-            <a:r>
-              <a:rPr lang="en-US" sz="1600" dirty="0" err="1">
-                <a:solidFill>
-                  <a:srgbClr val="EF596F"/>
-                </a:solidFill>
-              </a:rPr>
-              <a:t>private_ips</a:t>
-            </a:r>
-            <a:r>
-              <a:rPr lang="en-US" sz="1600" dirty="0"/>
-              <a:t>[</a:t>
-            </a:r>
-            <a:r>
-              <a:rPr lang="en-US" sz="1600" dirty="0" err="1"/>
-              <a:t>count.</a:t>
-            </a:r>
-            <a:r>
-              <a:rPr lang="en-US" sz="1600" dirty="0" err="1">
-                <a:solidFill>
-                  <a:srgbClr val="EF596F"/>
-                </a:solidFill>
-              </a:rPr>
-              <a:t>index</a:t>
-            </a:r>
-            <a:r>
-              <a:rPr lang="en-US" sz="1600" dirty="0"/>
-              <a:t>] = </a:t>
-            </a:r>
-            <a:r>
-              <a:rPr lang="en-IL" sz="1600" dirty="0">
-                <a:solidFill>
-                  <a:srgbClr val="89CA78"/>
-                </a:solidFill>
-              </a:rPr>
-              <a:t>"10.0.1.50” (string, not good) &gt; </a:t>
-            </a:r>
-            <a:r>
-              <a:rPr lang="en-US" sz="1600" dirty="0" err="1"/>
-              <a:t>tolist</a:t>
-            </a:r>
-            <a:r>
-              <a:rPr lang="en-US" sz="1600" dirty="0"/>
-              <a:t>([</a:t>
-            </a:r>
-            <a:r>
-              <a:rPr lang="en-US" sz="1600" dirty="0" err="1"/>
-              <a:t>var.</a:t>
-            </a:r>
-            <a:r>
-              <a:rPr lang="en-US" sz="1600" dirty="0" err="1">
-                <a:solidFill>
-                  <a:srgbClr val="EF596F"/>
-                </a:solidFill>
-              </a:rPr>
-              <a:t>private_ips</a:t>
-            </a:r>
-            <a:r>
-              <a:rPr lang="en-US" sz="1600" dirty="0"/>
-              <a:t>[</a:t>
-            </a:r>
-            <a:r>
-              <a:rPr lang="en-US" sz="1600" dirty="0" err="1"/>
-              <a:t>count.</a:t>
-            </a:r>
-            <a:r>
-              <a:rPr lang="en-US" sz="1600" dirty="0" err="1">
-                <a:solidFill>
-                  <a:srgbClr val="EF596F"/>
-                </a:solidFill>
-              </a:rPr>
-              <a:t>index</a:t>
-            </a:r>
-            <a:r>
-              <a:rPr lang="en-US" sz="1600" dirty="0"/>
-              <a:t>]]) = ["10.0.1.50"] (perfect for this key to receive)</a:t>
-            </a:r>
-          </a:p>
-          <a:p>
-            <a:pPr marL="342900" indent="-342900">
-              <a:buFont typeface="Arial" panose="020B0604020202020204" pitchFamily="34" charset="0"/>
-              <a:buAutoNum type="arabicPeriod"/>
-            </a:pPr>
-            <a:r>
-              <a:rPr lang="en-US" sz="1600" dirty="0"/>
-              <a:t>server/</a:t>
-            </a:r>
-            <a:r>
-              <a:rPr lang="en-US" sz="1600" dirty="0" err="1"/>
-              <a:t>main.tf</a:t>
-            </a:r>
-            <a:r>
-              <a:rPr lang="en-US" sz="1600" dirty="0"/>
-              <a:t> now has a count of 2 for the instances since we creating 2 ENIs with 2 EIPs, we want to use them with 2 servers. Now take a look at the network/</a:t>
-            </a:r>
-            <a:r>
-              <a:rPr lang="en-US" sz="1600" dirty="0" err="1"/>
-              <a:t>outputs.tf</a:t>
-            </a:r>
-            <a:r>
-              <a:rPr lang="en-US" sz="1600" dirty="0"/>
-              <a:t>.</a:t>
-            </a:r>
-            <a:br>
-              <a:rPr lang="en-US" sz="1600" dirty="0"/>
-            </a:br>
-            <a:r>
-              <a:rPr lang="en-US" sz="1600" dirty="0"/>
-              <a:t>- </a:t>
-            </a:r>
-            <a:r>
-              <a:rPr lang="en-US" sz="1600" dirty="0" err="1">
-                <a:solidFill>
-                  <a:srgbClr val="E5C07B"/>
-                </a:solidFill>
-              </a:rPr>
-              <a:t>aws_network_interface</a:t>
-            </a:r>
-            <a:r>
-              <a:rPr lang="en-US" sz="1600" dirty="0" err="1"/>
-              <a:t>.</a:t>
-            </a:r>
-            <a:r>
-              <a:rPr lang="en-US" sz="1600" dirty="0" err="1">
-                <a:solidFill>
-                  <a:srgbClr val="E5C07B"/>
-                </a:solidFill>
-              </a:rPr>
-              <a:t>awesome_network_interface</a:t>
-            </a:r>
-            <a:r>
-              <a:rPr lang="en-US" sz="1600" dirty="0"/>
-              <a:t>.</a:t>
-            </a:r>
-            <a:r>
-              <a:rPr lang="en-US" sz="1600" dirty="0">
-                <a:solidFill>
-                  <a:srgbClr val="EF596F"/>
-                </a:solidFill>
-              </a:rPr>
-              <a:t>*</a:t>
-            </a:r>
-            <a:r>
-              <a:rPr lang="en-US" sz="1600" dirty="0"/>
-              <a:t>.</a:t>
-            </a:r>
-            <a:r>
-              <a:rPr lang="en-US" sz="1600" dirty="0">
-                <a:solidFill>
-                  <a:srgbClr val="EF596F"/>
-                </a:solidFill>
-              </a:rPr>
-              <a:t>id: </a:t>
-            </a:r>
-            <a:r>
-              <a:rPr lang="en-US" sz="1600" dirty="0"/>
-              <a:t>we are now outputting both ids using a wildcard “*”.</a:t>
-            </a:r>
-            <a:br>
-              <a:rPr lang="en-US" sz="1600" dirty="0"/>
-            </a:br>
-            <a:r>
-              <a:rPr lang="en-US" sz="1600" dirty="0"/>
-              <a:t>- the server resource will then use the </a:t>
-            </a:r>
-            <a:r>
-              <a:rPr lang="en-US" sz="1600" dirty="0" err="1"/>
-              <a:t>count.index</a:t>
-            </a:r>
-            <a:r>
-              <a:rPr lang="en-US" sz="1600" dirty="0"/>
-              <a:t> to iterate through this list and get the value each time it creates the instance</a:t>
-            </a:r>
-          </a:p>
-          <a:p>
-            <a:pPr marL="342900" indent="-342900">
-              <a:buFont typeface="Arial" panose="020B0604020202020204" pitchFamily="34" charset="0"/>
-              <a:buAutoNum type="arabicPeriod"/>
-            </a:pPr>
-            <a:r>
-              <a:rPr lang="en-US" sz="1600" dirty="0"/>
-              <a:t>server/</a:t>
-            </a:r>
-            <a:r>
-              <a:rPr lang="en-US" sz="1600" dirty="0" err="1"/>
-              <a:t>variables.tf</a:t>
-            </a:r>
-            <a:r>
-              <a:rPr lang="en-US" sz="1600" dirty="0"/>
-              <a:t>: creator variable contains a var validator from terraform 0.13</a:t>
-            </a:r>
-          </a:p>
-          <a:p>
-            <a:pPr marL="0" indent="0">
-              <a:buNone/>
-            </a:pPr>
-            <a:endParaRPr lang="en-IL" sz="1600" dirty="0"/>
+              <a:rPr lang="en-US" sz="1400" dirty="0"/>
+              <a:t> which is appropriate for your environment</a:t>
+            </a:r>
+          </a:p>
+          <a:p>
+            <a:pPr>
+              <a:buFontTx/>
+              <a:buChar char="-"/>
+            </a:pPr>
+            <a:r>
+              <a:rPr lang="en-US" sz="1400" u="sng" dirty="0"/>
+              <a:t>Repeat the steps for any environment you want to!</a:t>
+            </a:r>
+            <a:endParaRPr lang="en-IL" sz="1400" u="sng" dirty="0"/>
           </a:p>
         </p:txBody>
       </p:sp>
     </p:spTree>
     <p:extLst>
       <p:ext uri="{BB962C8B-B14F-4D97-AF65-F5344CB8AC3E}">
-        <p14:creationId xmlns:p14="http://schemas.microsoft.com/office/powerpoint/2010/main" val="458852544"/>
+        <p14:creationId xmlns:p14="http://schemas.microsoft.com/office/powerpoint/2010/main" val="1220656596"/>
       </p:ext>
     </p:extLst>
   </p:cSld>
@@ -5906,33 +5681,7 @@
                 <a:latin typeface="David" panose="020E0502060401010101" pitchFamily="34" charset="-79"/>
                 <a:cs typeface="David" panose="020E0502060401010101" pitchFamily="34" charset="-79"/>
               </a:rPr>
-              <a:t>” : Terraform will look at our configuration and download all the providers/modules that we have in our code (</a:t>
-            </a:r>
-            <a:r>
-              <a:rPr lang="en-US" sz="1600" dirty="0" err="1">
-                <a:latin typeface="David" panose="020E0502060401010101" pitchFamily="34" charset="-79"/>
-                <a:cs typeface="David" panose="020E0502060401010101" pitchFamily="34" charset="-79"/>
-              </a:rPr>
-              <a:t>gitignore</a:t>
-            </a:r>
-            <a:r>
-              <a:rPr lang="en-US" sz="1600" dirty="0">
-                <a:latin typeface="David" panose="020E0502060401010101" pitchFamily="34" charset="-79"/>
-                <a:cs typeface="David" panose="020E0502060401010101" pitchFamily="34" charset="-79"/>
-              </a:rPr>
-              <a:t>?)</a:t>
-            </a:r>
-          </a:p>
-          <a:p>
-            <a:pPr marL="342900" indent="-342900">
-              <a:buAutoNum type="arabicPeriod"/>
-            </a:pPr>
-            <a:r>
-              <a:rPr lang="en-US" sz="1600" dirty="0">
-                <a:latin typeface="David" panose="020E0502060401010101" pitchFamily="34" charset="-79"/>
-                <a:cs typeface="David" panose="020E0502060401010101" pitchFamily="34" charset="-79"/>
-              </a:rPr>
-              <a:t>“terraform apply”: Terraform will go over our code, create a plan, print it on our terminal screen and </a:t>
+              <a:t>” : Terraform will look at our configuration and download all the providers/modules that we have in our code “terraform apply”: Terraform will go over our code, create a plan, print it on our terminal screen and </a:t>
             </a:r>
             <a:r>
               <a:rPr lang="en-US" sz="1600" dirty="0" err="1">
@@ -6245,7 +5994,7 @@
           <p:cNvPr id="2" name="Title 1">
             <a:extLst>
               <a:ext uri="{FF2B5EF4-FFF2-40B4-BE49-F238E27FC236}">
-                <a16:creationId xmlns:a16="http://schemas.microsoft.com/office/drawing/2014/main" id="{651EB4E2-F93C-1C45-9381-8C5E3C947C74}"/>
+                <a16:creationId xmlns:a16="http://schemas.microsoft.com/office/drawing/2014/main" id="{11C437BA-8ECB-B94D-ABF7-C32D3F4FE0E2}"/>
               </a:ext>
             </a:extLst>
           </p:cNvPr>
@@ -6263,7 +6012,7 @@
           <a:p>
             <a:r>
               <a:rPr lang="en-IL" dirty="0"/>
-              <a:t>Best Practices</a:t>
+              <a:t>Demo_10_misc: tf_demo/demo_10_misc </a:t>
             </a:r>
           </a:p>
         </p:txBody>
@@ -6273,7 +6022,7 @@
           <p:cNvPr id="3" name="Content Placeholder 2">
             <a:extLst>
               <a:ext uri="{FF2B5EF4-FFF2-40B4-BE49-F238E27FC236}">
-                <a16:creationId xmlns:a16="http://schemas.microsoft.com/office/drawing/2014/main" id="{94882B48-57C3-E145-82F4-CCF972B699C7}"/>
+                <a16:creationId xmlns:a16="http://schemas.microsoft.com/office/drawing/2014/main" id="{E03C3FB3-5E84-094C-9362-32A21F9CF60F}"/>
               </a:ext>
             </a:extLst>
           </p:cNvPr>
@@ -6287,61 +6036,392 @@
         <p:spPr/>
         <p:txBody>
           <a:bodyPr>
-            <a:normAutofit/>
+            <a:normAutofit fontScale="92500" lnSpcReduction="10000"/>
           </a:bodyPr>
           <a:lstStyle/>
           <a:p>
-            <a:r>
-              <a:rPr lang="en-IL" sz="1800" dirty="0"/>
-              <a:t>Use modules to decouple resources for a fine grain control and reusage</a:t>
-            </a:r>
-          </a:p>
-          <a:p>
-            <a:r>
-              <a:rPr lang="en-IL" sz="1800" dirty="0"/>
-              <a:t>Use vars 100% via variables.tf and abstract the variable you want to control to the root variables file (tfvars/locals)</a:t>
-            </a:r>
-          </a:p>
-          <a:p>
-            <a:r>
-              <a:rPr lang="en-US" sz="1800" dirty="0"/>
-              <a:t>L</a:t>
-            </a:r>
-            <a:r>
-              <a:rPr lang="en-IL" sz="1800" dirty="0"/>
-              <a:t>ocals is the perfect way to create a multi environment code and should be used even if only one is needed for future purposes.</a:t>
-            </a:r>
-          </a:p>
-          <a:p>
-            <a:r>
-              <a:rPr lang="en-IL" sz="1800" dirty="0"/>
-              <a:t>Try to use official modules from the registry when possible. They are generally better than anything you would write on your own and even if you will go for creating a perfect one, it will tale a valuble time from that you somrtimes do not have. Moreover, those modules are supported constantly.</a:t>
-            </a:r>
-          </a:p>
-          <a:p>
-            <a:r>
-              <a:rPr lang="en-IL" sz="1800" dirty="0"/>
-              <a:t>Decouple the differect types of resources into multiple files in the same directory for a better and faster control such as: data.tf, rules.tf etc</a:t>
-            </a:r>
-          </a:p>
-          <a:p>
-            <a:r>
-              <a:rPr lang="en-IL" sz="1800" dirty="0"/>
-              <a:t>Always tag resources with the ”environment” key.</a:t>
-            </a:r>
-          </a:p>
-          <a:p>
-            <a:r>
-              <a:rPr lang="en-IL" sz="1800" dirty="0"/>
-              <a:t>Follow the terraform patches as they can change your existing code and break it</a:t>
-            </a:r>
+            <a:pPr marL="0" indent="0">
+              <a:buNone/>
+            </a:pPr>
+            <a:r>
+              <a:rPr lang="en-IL" sz="1600" dirty="0"/>
+              <a:t>Let’s explore some cool and helpful functions that will make your code a lot more dynamic: </a:t>
+            </a:r>
+          </a:p>
+          <a:p>
+            <a:pPr marL="342900" indent="-342900">
+              <a:buAutoNum type="arabicPeriod"/>
+            </a:pPr>
+            <a:r>
+              <a:rPr lang="en-IL" sz="1600" dirty="0"/>
+              <a:t>count: using this in a resource/module will create multiple resources with the configuration inide</a:t>
+            </a:r>
+          </a:p>
+          <a:p>
+            <a:pPr marL="342900" indent="-342900">
+              <a:buAutoNum type="arabicPeriod"/>
+            </a:pPr>
+            <a:r>
+              <a:rPr lang="en-US" sz="1600" dirty="0" err="1"/>
+              <a:t>count.index</a:t>
+            </a:r>
+            <a:r>
+              <a:rPr lang="en-US" sz="1600" dirty="0"/>
+              <a:t>: since you created multiple resources, their output in the state file is now a “list”. Accessing them will require you to use “</a:t>
+            </a:r>
+            <a:r>
+              <a:rPr lang="en-US" sz="1600" dirty="0" err="1"/>
+              <a:t>count.index</a:t>
+            </a:r>
+            <a:r>
+              <a:rPr lang="en-US" sz="1600" dirty="0"/>
+              <a:t>”</a:t>
+            </a:r>
+          </a:p>
+          <a:p>
+            <a:pPr marL="342900" indent="-342900">
+              <a:buAutoNum type="arabicPeriod"/>
+            </a:pPr>
+            <a:r>
+              <a:rPr lang="en-US" sz="1600" dirty="0"/>
+              <a:t>locals-</a:t>
+            </a:r>
+            <a:r>
+              <a:rPr lang="en-US" sz="1600" dirty="0" err="1"/>
+              <a:t>dev.tf</a:t>
+            </a:r>
+            <a:r>
+              <a:rPr lang="en-US" sz="1600" dirty="0"/>
+              <a:t> now has two values for </a:t>
+            </a:r>
+            <a:r>
+              <a:rPr lang="en-US" sz="1600" dirty="0" err="1"/>
+              <a:t>private_ips</a:t>
+            </a:r>
+            <a:r>
+              <a:rPr lang="en-US" sz="1600" dirty="0"/>
+              <a:t> since we are creating two network interfaces</a:t>
+            </a:r>
+          </a:p>
+          <a:p>
+            <a:pPr marL="342900" indent="-342900">
+              <a:buAutoNum type="arabicPeriod"/>
+            </a:pPr>
+            <a:r>
+              <a:rPr lang="en-US" sz="1600" dirty="0"/>
+              <a:t>network/</a:t>
+            </a:r>
+            <a:r>
+              <a:rPr lang="en-US" sz="1600" dirty="0" err="1"/>
+              <a:t>main.tf</a:t>
+            </a:r>
+            <a:r>
+              <a:rPr lang="en-US" sz="1600" dirty="0"/>
+              <a:t>: one of the security group ingresses has a “for” loop that will iterate through the </a:t>
+            </a:r>
+            <a:r>
+              <a:rPr lang="en-US" sz="1600" dirty="0" err="1"/>
+              <a:t>var.subnet_numbers</a:t>
+            </a:r>
+            <a:r>
+              <a:rPr lang="en-US" sz="1600" dirty="0"/>
+              <a:t> and add all of them as an ingress rule</a:t>
+            </a:r>
+          </a:p>
+          <a:p>
+            <a:pPr marL="342900" indent="-342900">
+              <a:buFont typeface="Arial" panose="020B0604020202020204" pitchFamily="34" charset="0"/>
+              <a:buAutoNum type="arabicPeriod"/>
+            </a:pPr>
+            <a:r>
+              <a:rPr lang="en-IL" sz="1600" dirty="0"/>
+              <a:t>Pay attention to the “workaround” in network/main.tf/aws_network_interface/private_ips attribute. According to the terraform docs it has to receive a list of vallues. When we use “</a:t>
+            </a:r>
+            <a:r>
+              <a:rPr lang="en-US" sz="1600" dirty="0" err="1"/>
+              <a:t>var.</a:t>
+            </a:r>
+            <a:r>
+              <a:rPr lang="en-US" sz="1600" dirty="0" err="1">
+                <a:solidFill>
+                  <a:srgbClr val="EF596F"/>
+                </a:solidFill>
+              </a:rPr>
+              <a:t>private_ips</a:t>
+            </a:r>
+            <a:r>
+              <a:rPr lang="en-US" sz="1600" dirty="0"/>
+              <a:t>[</a:t>
+            </a:r>
+            <a:r>
+              <a:rPr lang="en-US" sz="1600" dirty="0" err="1"/>
+              <a:t>count.</a:t>
+            </a:r>
+            <a:r>
+              <a:rPr lang="en-US" sz="1600" dirty="0" err="1">
+                <a:solidFill>
+                  <a:srgbClr val="EF596F"/>
+                </a:solidFill>
+              </a:rPr>
+              <a:t>index</a:t>
+            </a:r>
+            <a:r>
+              <a:rPr lang="en-US" sz="1600" dirty="0"/>
+              <a:t>]”, the </a:t>
+            </a:r>
+            <a:r>
+              <a:rPr lang="en-US" sz="1600" dirty="0" err="1"/>
+              <a:t>ips</a:t>
+            </a:r>
+            <a:r>
+              <a:rPr lang="en-US" sz="1600" dirty="0"/>
+              <a:t> from locals-</a:t>
+            </a:r>
+            <a:r>
+              <a:rPr lang="en-US" sz="1600" dirty="0" err="1"/>
+              <a:t>dev.tf</a:t>
+            </a:r>
+            <a:r>
+              <a:rPr lang="en-US" sz="1600" dirty="0"/>
+              <a:t>/</a:t>
+            </a:r>
+            <a:r>
+              <a:rPr lang="en-US" sz="1600" dirty="0" err="1"/>
+              <a:t>private_ips</a:t>
+            </a:r>
+            <a:r>
+              <a:rPr lang="en-US" sz="1600" dirty="0"/>
+              <a:t> becomes a string. This resource does not like it and will fail with an error. </a:t>
+            </a:r>
+            <a:br>
+              <a:rPr lang="en-US" sz="1600" dirty="0"/>
+            </a:br>
+            <a:r>
+              <a:rPr lang="en-US" sz="1600" dirty="0"/>
+              <a:t>“</a:t>
+            </a:r>
+            <a:r>
+              <a:rPr lang="en-US" sz="1600" dirty="0" err="1"/>
+              <a:t>tolist</a:t>
+            </a:r>
+            <a:r>
+              <a:rPr lang="en-US" sz="1600" dirty="0"/>
+              <a:t>” is a function in terraform that will convert any value into a list: </a:t>
+            </a:r>
+            <a:br>
+              <a:rPr lang="en-US" sz="1600" dirty="0"/>
+            </a:br>
+            <a:r>
+              <a:rPr lang="en-US" sz="1600" dirty="0"/>
+              <a:t>count =1 &gt; </a:t>
+            </a:r>
+            <a:r>
+              <a:rPr lang="en-US" sz="1600" dirty="0" err="1"/>
+              <a:t>var.</a:t>
+            </a:r>
+            <a:r>
+              <a:rPr lang="en-US" sz="1600" dirty="0" err="1">
+                <a:solidFill>
+                  <a:srgbClr val="EF596F"/>
+                </a:solidFill>
+              </a:rPr>
+              <a:t>private_ips</a:t>
+            </a:r>
+            <a:r>
+              <a:rPr lang="en-US" sz="1600" dirty="0"/>
+              <a:t>[</a:t>
+            </a:r>
+            <a:r>
+              <a:rPr lang="en-US" sz="1600" dirty="0" err="1"/>
+              <a:t>count.</a:t>
+            </a:r>
+            <a:r>
+              <a:rPr lang="en-US" sz="1600" dirty="0" err="1">
+                <a:solidFill>
+                  <a:srgbClr val="EF596F"/>
+                </a:solidFill>
+              </a:rPr>
+              <a:t>index</a:t>
+            </a:r>
+            <a:r>
+              <a:rPr lang="en-US" sz="1600" dirty="0"/>
+              <a:t>] = </a:t>
+            </a:r>
+            <a:r>
+              <a:rPr lang="en-IL" sz="1600" dirty="0">
+                <a:solidFill>
+                  <a:srgbClr val="89CA78"/>
+                </a:solidFill>
+              </a:rPr>
+              <a:t>"10.0.1.50” (string, not good) &gt; </a:t>
+            </a:r>
+            <a:r>
+              <a:rPr lang="en-US" sz="1600" dirty="0" err="1"/>
+              <a:t>tolist</a:t>
+            </a:r>
+            <a:r>
+              <a:rPr lang="en-US" sz="1600" dirty="0"/>
+              <a:t>([</a:t>
+            </a:r>
+            <a:r>
+              <a:rPr lang="en-US" sz="1600" dirty="0" err="1"/>
+              <a:t>var.</a:t>
+            </a:r>
+            <a:r>
+              <a:rPr lang="en-US" sz="1600" dirty="0" err="1">
+                <a:solidFill>
+                  <a:srgbClr val="EF596F"/>
+                </a:solidFill>
+              </a:rPr>
+              <a:t>private_ips</a:t>
+            </a:r>
+            <a:r>
+              <a:rPr lang="en-US" sz="1600" dirty="0"/>
+              <a:t>[</a:t>
+            </a:r>
+            <a:r>
+              <a:rPr lang="en-US" sz="1600" dirty="0" err="1"/>
+              <a:t>count.</a:t>
+            </a:r>
+            <a:r>
+              <a:rPr lang="en-US" sz="1600" dirty="0" err="1">
+                <a:solidFill>
+                  <a:srgbClr val="EF596F"/>
+                </a:solidFill>
+              </a:rPr>
+              <a:t>index</a:t>
+            </a:r>
+            <a:r>
+              <a:rPr lang="en-US" sz="1600" dirty="0"/>
+              <a:t>]]) = ["10.0.1.50"] (perfect for this key to receive)</a:t>
+            </a:r>
+          </a:p>
+          <a:p>
+            <a:pPr marL="342900" indent="-342900">
+              <a:buFont typeface="Arial" panose="020B0604020202020204" pitchFamily="34" charset="0"/>
+              <a:buAutoNum type="arabicPeriod"/>
+            </a:pPr>
+            <a:r>
+              <a:rPr lang="en-US" sz="1600" dirty="0"/>
+              <a:t>server/</a:t>
+            </a:r>
+            <a:r>
+              <a:rPr lang="en-US" sz="1600" dirty="0" err="1"/>
+              <a:t>main.tf</a:t>
+            </a:r>
+            <a:r>
+              <a:rPr lang="en-US" sz="1600" dirty="0"/>
+              <a:t> now has a count of 2 for the instances since we creating 2 ENIs with 2 EIPs, we want to use them with 2 servers. Now take a look at the network/</a:t>
+            </a:r>
+            <a:r>
+              <a:rPr lang="en-US" sz="1600" dirty="0" err="1"/>
+              <a:t>outputs.tf</a:t>
+            </a:r>
+            <a:r>
+              <a:rPr lang="en-US" sz="1600" dirty="0"/>
+              <a:t>.</a:t>
+            </a:r>
+            <a:br>
+              <a:rPr lang="en-US" sz="1600" dirty="0"/>
+            </a:br>
+            <a:r>
+              <a:rPr lang="en-US" sz="1600" dirty="0"/>
+              <a:t>- </a:t>
+            </a:r>
+            <a:r>
+              <a:rPr lang="en-US" sz="1600" dirty="0" err="1">
+                <a:solidFill>
+                  <a:srgbClr val="E5C07B"/>
+                </a:solidFill>
+              </a:rPr>
+              <a:t>aws_network_interface</a:t>
+            </a:r>
+            <a:r>
+              <a:rPr lang="en-US" sz="1600" dirty="0" err="1"/>
+              <a:t>.</a:t>
+            </a:r>
+            <a:r>
+              <a:rPr lang="en-US" sz="1600" dirty="0" err="1">
+                <a:solidFill>
+                  <a:srgbClr val="E5C07B"/>
+                </a:solidFill>
+              </a:rPr>
+              <a:t>awesome_network_interface</a:t>
+            </a:r>
+            <a:r>
+              <a:rPr lang="en-US" sz="1600" dirty="0"/>
+              <a:t>.</a:t>
+            </a:r>
+            <a:r>
+              <a:rPr lang="en-US" sz="1600" dirty="0">
+                <a:solidFill>
+                  <a:srgbClr val="EF596F"/>
+                </a:solidFill>
+              </a:rPr>
+              <a:t>*</a:t>
+            </a:r>
+            <a:r>
+              <a:rPr lang="en-US" sz="1600" dirty="0"/>
+              <a:t>.</a:t>
+            </a:r>
+            <a:r>
+              <a:rPr lang="en-US" sz="1600" dirty="0">
+                <a:solidFill>
+                  <a:srgbClr val="EF596F"/>
+                </a:solidFill>
+              </a:rPr>
+              <a:t>id: </a:t>
+            </a:r>
+            <a:r>
+              <a:rPr lang="en-US" sz="1600" dirty="0"/>
+              <a:t>we are now outputting both ids using a wildcard “*”.</a:t>
+            </a:r>
+            <a:br>
+              <a:rPr lang="en-US" sz="1600" dirty="0"/>
+            </a:br>
+            <a:r>
+              <a:rPr lang="en-US" sz="1600" dirty="0"/>
+              <a:t>- the server resource will then use the </a:t>
+            </a:r>
+            <a:r>
+              <a:rPr lang="en-US" sz="1600" dirty="0" err="1"/>
+              <a:t>count.index</a:t>
+            </a:r>
+            <a:r>
+              <a:rPr lang="en-US" sz="1600" dirty="0"/>
+              <a:t> to iterate through this list and get the value each time it creates the instance</a:t>
+            </a:r>
+          </a:p>
+          <a:p>
+            <a:pPr marL="342900" indent="-342900">
+              <a:buFont typeface="Arial" panose="020B0604020202020204" pitchFamily="34" charset="0"/>
+              <a:buAutoNum type="arabicPeriod"/>
+            </a:pPr>
+            <a:r>
+              <a:rPr lang="en-US" sz="1600" dirty="0"/>
+              <a:t>server/</a:t>
+            </a:r>
+            <a:r>
+              <a:rPr lang="en-US" sz="1600" dirty="0" err="1"/>
+              <a:t>variables.tf</a:t>
+            </a:r>
+            <a:r>
+              <a:rPr lang="en-US" sz="1600" dirty="0"/>
+              <a:t>: creator variable contains a var validator from terraform 0.13</a:t>
+            </a:r>
+          </a:p>
+          <a:p>
+            <a:pPr marL="0" indent="0">
+              <a:buNone/>
+            </a:pPr>
+            <a:endParaRPr lang="en-IL" sz="1600" dirty="0"/>
           </a:p>
         </p:txBody>
       </p:sp>
     </p:spTree>
     <p:extLst>
       <p:ext uri="{BB962C8B-B14F-4D97-AF65-F5344CB8AC3E}">
-        <p14:creationId xmlns:p14="http://schemas.microsoft.com/office/powerpoint/2010/main" val="732759439"/>
+        <p14:creationId xmlns:p14="http://schemas.microsoft.com/office/powerpoint/2010/main" val="458852544"/>
       </p:ext>
     </p:extLst>
   </p:cSld>
@@ -6373,7 +6453,7 @@
           <p:cNvPr id="2" name="Title 1">
             <a:extLst>
               <a:ext uri="{FF2B5EF4-FFF2-40B4-BE49-F238E27FC236}">
-                <a16:creationId xmlns:a16="http://schemas.microsoft.com/office/drawing/2014/main" id="{A0A23555-53B2-5042-A963-9235A226E8CE}"/>
+                <a16:creationId xmlns:a16="http://schemas.microsoft.com/office/drawing/2014/main" id="{651EB4E2-F93C-1C45-9381-8C5E3C947C74}"/>
               </a:ext>
             </a:extLst>
           </p:cNvPr>
@@ -6391,7 +6471,7 @@
           <a:p>
             <a:r>
               <a:rPr lang="en-IL" dirty="0"/>
-              <a:t>Terraform 13</a:t>
+              <a:t>Best Practices</a:t>
             </a:r>
           </a:p>
         </p:txBody>
@@ -6401,7 +6481,7 @@
           <p:cNvPr id="3" name="Content Placeholder 2">
             <a:extLst>
               <a:ext uri="{FF2B5EF4-FFF2-40B4-BE49-F238E27FC236}">
-                <a16:creationId xmlns:a16="http://schemas.microsoft.com/office/drawing/2014/main" id="{2A4933E9-3D22-A24B-91A1-0656611816FC}"/>
+                <a16:creationId xmlns:a16="http://schemas.microsoft.com/office/drawing/2014/main" id="{94882B48-57C3-E145-82F4-CCF972B699C7}"/>
               </a:ext>
             </a:extLst>
           </p:cNvPr>
@@ -6414,78 +6494,68 @@
         </p:nvSpPr>
         <p:spPr/>
         <p:txBody>
-          <a:bodyPr/>
-          <a:lstStyle/>
-          <a:p>
-            <a:pPr marL="0" indent="0">
-              <a:buNone/>
-            </a:pPr>
-            <a:r>
-              <a:rPr lang="en-IL" dirty="0"/>
-              <a:t>There aren’t a lot of new features in terraform 13 and mostly consists of fixes but the features that did come out are incredible!</a:t>
-            </a:r>
-          </a:p>
-          <a:p>
-            <a:pPr>
-              <a:buFontTx/>
-              <a:buChar char="-"/>
-            </a:pPr>
-            <a:r>
-              <a:rPr lang="en-IL" dirty="0"/>
-              <a:t>“for_each” for modules</a:t>
-            </a:r>
-          </a:p>
-          <a:p>
-            <a:pPr>
-              <a:buFontTx/>
-              <a:buChar char="-"/>
-            </a:pPr>
-            <a:r>
-              <a:rPr lang="en-IL" dirty="0"/>
-              <a:t>“count” for modules</a:t>
-            </a:r>
-          </a:p>
-          <a:p>
-            <a:pPr>
-              <a:buFontTx/>
-              <a:buChar char="-"/>
-            </a:pPr>
-            <a:r>
-              <a:rPr lang="en-IL" dirty="0"/>
-              <a:t>“depends_on” for modules </a:t>
-            </a:r>
-          </a:p>
-          <a:p>
-            <a:pPr>
-              <a:buFontTx/>
-              <a:buChar char="-"/>
-            </a:pPr>
-            <a:r>
-              <a:rPr lang="en-US" dirty="0"/>
-              <a:t>Custom variable validation: as used in demo_10_misc/server/</a:t>
-            </a:r>
-            <a:r>
-              <a:rPr lang="en-US" dirty="0" err="1"/>
-              <a:t>variables.tf</a:t>
-            </a:r>
-            <a:r>
-              <a:rPr lang="en-US" dirty="0"/>
-              <a:t> creator var</a:t>
-            </a:r>
-            <a:br>
-              <a:rPr lang="en-US" dirty="0"/>
-            </a:br>
-            <a:br>
-              <a:rPr lang="en-US" dirty="0"/>
-            </a:br>
-            <a:endParaRPr lang="en-IL" dirty="0"/>
+          <a:bodyPr>
+            <a:normAutofit/>
+          </a:bodyPr>
+          <a:lstStyle/>
+          <a:p>
+            <a:r>
+              <a:rPr lang="en-IL" sz="1800" dirty="0"/>
+              <a:t>Use modules to decouple resources for a fine grain control and reusage</a:t>
+            </a:r>
+          </a:p>
+          <a:p>
+            <a:r>
+              <a:rPr lang="en-IL" sz="1800" dirty="0"/>
+              <a:t>Use vars 100% via variables.tf and abstract the variable you want to control to the root variables file (tfvars/locals)</a:t>
+            </a:r>
+          </a:p>
+          <a:p>
+            <a:r>
+              <a:rPr lang="en-US" sz="1800" dirty="0"/>
+              <a:t>L</a:t>
+            </a:r>
+            <a:r>
+              <a:rPr lang="en-IL" sz="1800" dirty="0"/>
+              <a:t>ocals is the perfect way to create a multi environment code and should be used even if only one is needed for future purposes.</a:t>
+            </a:r>
+          </a:p>
+          <a:p>
+            <a:r>
+              <a:rPr lang="en-IL" sz="1800" dirty="0"/>
+              <a:t>Try to use official modules from the registry when possible. They are generally better than anything you would write on your own and even if you will go for creating a perfect one, it will tale a valuble time from that you somrtimes do not have. Moreover, those modules are supported constantly.</a:t>
+            </a:r>
+          </a:p>
+          <a:p>
+            <a:r>
+              <a:rPr lang="en-IL" sz="1800" dirty="0"/>
+              <a:t>Decouple the differect types of resources into multiple files in the same directory for a better and faster control such as: data.tf, rules.tf etc</a:t>
+            </a:r>
+          </a:p>
+          <a:p>
+            <a:r>
+              <a:rPr lang="en-IL" sz="1800" dirty="0"/>
+              <a:t>Always tag resources with the ”environment” key.</a:t>
+            </a:r>
+          </a:p>
+          <a:p>
+            <a:r>
+              <a:rPr lang="en-IL" sz="1800" dirty="0"/>
+              <a:t>Follow the terraform patches as they can change your existing code and break it</a:t>
+            </a:r>
+          </a:p>
+          <a:p>
+            <a:r>
+              <a:rPr lang="en-IL" sz="1800" dirty="0"/>
+              <a:t>Put all .idea, .terraform, terraform.tfstate in your gitignore folder when using VCS</a:t>
+            </a:r>
           </a:p>
         </p:txBody>
       </p:sp>
     </p:spTree>
     <p:extLst>
       <p:ext uri="{BB962C8B-B14F-4D97-AF65-F5344CB8AC3E}">
-        <p14:creationId xmlns:p14="http://schemas.microsoft.com/office/powerpoint/2010/main" val="3044920035"/>
+        <p14:creationId xmlns:p14="http://schemas.microsoft.com/office/powerpoint/2010/main" val="732759439"/>
       </p:ext>
     </p:extLst>
   </p:cSld>
@@ -6517,6 +6587,174 @@
           <p:cNvPr id="2" name="Title 1">
             <a:extLst>
               <a:ext uri="{FF2B5EF4-FFF2-40B4-BE49-F238E27FC236}">
+                <a16:creationId xmlns:a16="http://schemas.microsoft.com/office/drawing/2014/main" id="{A0A23555-53B2-5042-A963-9235A226E8CE}"/>
+              </a:ext>
+            </a:extLst>
+          </p:cNvPr>
+          <p:cNvSpPr>
+            <a:spLocks noGrp="1"/>
+          </p:cNvSpPr>
+          <p:nvPr>
+            <p:ph type="title"/>
+          </p:nvPr>
+        </p:nvSpPr>
+        <p:spPr/>
+        <p:txBody>
+          <a:bodyPr/>
+          <a:lstStyle/>
+          <a:p>
+            <a:r>
+              <a:rPr lang="en-IL" dirty="0"/>
+              <a:t>Terraform 13</a:t>
+            </a:r>
+          </a:p>
+        </p:txBody>
+      </p:sp>
+      <p:sp>
+        <p:nvSpPr>
+          <p:cNvPr id="3" name="Content Placeholder 2">
+            <a:extLst>
+              <a:ext uri="{FF2B5EF4-FFF2-40B4-BE49-F238E27FC236}">
+                <a16:creationId xmlns:a16="http://schemas.microsoft.com/office/drawing/2014/main" id="{2A4933E9-3D22-A24B-91A1-0656611816FC}"/>
+              </a:ext>
+            </a:extLst>
+          </p:cNvPr>
+          <p:cNvSpPr>
+            <a:spLocks noGrp="1"/>
+          </p:cNvSpPr>
+          <p:nvPr>
+            <p:ph idx="1"/>
+          </p:nvPr>
+        </p:nvSpPr>
+        <p:spPr/>
+        <p:txBody>
+          <a:bodyPr>
+            <a:normAutofit fontScale="92500" lnSpcReduction="10000"/>
+          </a:bodyPr>
+          <a:lstStyle/>
+          <a:p>
+            <a:pPr marL="0" indent="0">
+              <a:buNone/>
+            </a:pPr>
+            <a:r>
+              <a:rPr lang="en-IL" dirty="0"/>
+              <a:t>There aren’t a lot of new features in terraform 13 and mostly consists of fixes but the features that did come out are incredible!</a:t>
+            </a:r>
+          </a:p>
+          <a:p>
+            <a:pPr>
+              <a:buFontTx/>
+              <a:buChar char="-"/>
+            </a:pPr>
+            <a:r>
+              <a:rPr lang="en-IL" dirty="0"/>
+              <a:t>“for_each” for modules</a:t>
+            </a:r>
+          </a:p>
+          <a:p>
+            <a:pPr>
+              <a:buFontTx/>
+              <a:buChar char="-"/>
+            </a:pPr>
+            <a:r>
+              <a:rPr lang="en-IL" dirty="0"/>
+              <a:t>“count” for modules</a:t>
+            </a:r>
+          </a:p>
+          <a:p>
+            <a:pPr>
+              <a:buFontTx/>
+              <a:buChar char="-"/>
+            </a:pPr>
+            <a:r>
+              <a:rPr lang="en-IL" dirty="0"/>
+              <a:t>“depends_on” for modules </a:t>
+            </a:r>
+          </a:p>
+          <a:p>
+            <a:pPr>
+              <a:buFontTx/>
+              <a:buChar char="-"/>
+            </a:pPr>
+            <a:r>
+              <a:rPr lang="en-US" dirty="0"/>
+              <a:t>Custom variable validation: as used in demo_10_misc/server/</a:t>
+            </a:r>
+            <a:r>
+              <a:rPr lang="en-US" dirty="0" err="1"/>
+              <a:t>variables.tf</a:t>
+            </a:r>
+            <a:r>
+              <a:rPr lang="en-US" dirty="0"/>
+              <a:t> creator var</a:t>
+            </a:r>
+          </a:p>
+          <a:p>
+            <a:pPr>
+              <a:buFontTx/>
+              <a:buChar char="-"/>
+            </a:pPr>
+            <a:r>
+              <a:rPr lang="en-US" dirty="0"/>
+              <a:t>Store the </a:t>
+            </a:r>
+            <a:r>
+              <a:rPr lang="en-US" dirty="0" err="1"/>
+              <a:t>tfstate</a:t>
+            </a:r>
+            <a:r>
+              <a:rPr lang="en-US" dirty="0"/>
+              <a:t> in a remote location such as s3 with integration of a lock signal to protect and version </a:t>
+            </a:r>
+            <a:r>
+              <a:rPr lang="en-US"/>
+              <a:t>your state</a:t>
+            </a:r>
+            <a:br>
+              <a:rPr lang="en-US" dirty="0"/>
+            </a:br>
+            <a:br>
+              <a:rPr lang="en-US" dirty="0"/>
+            </a:br>
+            <a:endParaRPr lang="en-IL" dirty="0"/>
+          </a:p>
+        </p:txBody>
+      </p:sp>
+    </p:spTree>
+    <p:extLst>
+      <p:ext uri="{BB962C8B-B14F-4D97-AF65-F5344CB8AC3E}">
+        <p14:creationId xmlns:p14="http://schemas.microsoft.com/office/powerpoint/2010/main" val="3044920035"/>
+      </p:ext>
+    </p:extLst>
+  </p:cSld>
+  <p:clrMapOvr>
+    <a:masterClrMapping/>
+  </p:clrMapOvr>
+</p:sld>
+</file>
+
+<file path=ppt/slides/slide23.xml><?xml version="1.0" encoding="utf-8"?>
+<p:sld xmlns:a="http://schemas.openxmlformats.org/drawingml/2006/main" xmlns:r="http://schemas.openxmlformats.org/officeDocument/2006/relationships" xmlns:p="http://schemas.openxmlformats.org/presentationml/2006/main">
+  <p:cSld>
+    <p:spTree>
+      <p:nvGrpSpPr>
+        <p:cNvPr id="1" name=""/>
+        <p:cNvGrpSpPr/>
+        <p:nvPr/>
+      </p:nvGrpSpPr>
+      <p:grpSpPr>
+        <a:xfrm>
+          <a:off x="0" y="0"/>
+          <a:ext cx="0" cy="0"/>
+          <a:chOff x="0" y="0"/>
+          <a:chExt cx="0" cy="0"/>
+        </a:xfrm>
+      </p:grpSpPr>
+      <p:sp>
+        <p:nvSpPr>
+          <p:cNvPr id="2" name="Title 1">
+            <a:extLst>
+              <a:ext uri="{FF2B5EF4-FFF2-40B4-BE49-F238E27FC236}">
                 <a16:creationId xmlns:a16="http://schemas.microsoft.com/office/drawing/2014/main" id="{6879732E-596C-D246-8F9B-36E72BD86A40}"/>
               </a:ext>
             </a:extLst>
@@ -6618,25 +6856,7 @@
                 </a:solidFill>
                 <a:latin typeface="metro-web"/>
               </a:rPr>
-              <a:t>One of the main feature is integration of SCV and creating a pipeline that will test/plan/apply/destroy/change </a:t>
-            </a:r>
-            <a:r>
-              <a:rPr lang="en-US" sz="2000" dirty="0" err="1">
-                <a:solidFill>
-                  <a:srgbClr val="1D1E23"/>
-                </a:solidFill>
-                <a:latin typeface="metro-web"/>
-              </a:rPr>
-              <a:t>etc</a:t>
-            </a:r>
-            <a:r>
-              <a:rPr lang="en-US" sz="2000" dirty="0">
-                <a:solidFill>
-                  <a:srgbClr val="1D1E23"/>
-                </a:solidFill>
-                <a:latin typeface="metro-web"/>
-              </a:rPr>
-              <a:t> your infrastructure based on the changes in your repository code via pull requests.</a:t>
+              <a:t>One of the main feature is integration of VCS and creating a pipeline that will test/plan/apply/destroy/change etc. your infrastructure based on the changes in your repository code via pull requests.</a:t>
             </a:r>
           </a:p>
           <a:p>

--- a/tf-demo-presentation.pptx
+++ b/tf-demo-presentation.pptx
@@ -23,11 +23,10 @@
     <p:sldId id="269" r:id="rId17"/>
     <p:sldId id="270" r:id="rId18"/>
     <p:sldId id="273" r:id="rId19"/>
-    <p:sldId id="278" r:id="rId20"/>
-    <p:sldId id="274" r:id="rId21"/>
-    <p:sldId id="275" r:id="rId22"/>
-    <p:sldId id="276" r:id="rId23"/>
-    <p:sldId id="277" r:id="rId24"/>
+    <p:sldId id="274" r:id="rId20"/>
+    <p:sldId id="275" r:id="rId21"/>
+    <p:sldId id="276" r:id="rId22"/>
+    <p:sldId id="277" r:id="rId23"/>
   </p:sldIdLst>
   <p:sldSz cx="12192000" cy="6858000"/>
   <p:notesSz cx="6858000" cy="9144000"/>
@@ -5368,7 +5367,7 @@
           <p:cNvPr id="2" name="Title 1">
             <a:extLst>
               <a:ext uri="{FF2B5EF4-FFF2-40B4-BE49-F238E27FC236}">
-                <a16:creationId xmlns:a16="http://schemas.microsoft.com/office/drawing/2014/main" id="{4E685257-4EE9-734C-AF79-80ED39BBECFD}"/>
+                <a16:creationId xmlns:a16="http://schemas.microsoft.com/office/drawing/2014/main" id="{11C437BA-8ECB-B94D-ABF7-C32D3F4FE0E2}"/>
               </a:ext>
             </a:extLst>
           </p:cNvPr>
@@ -5386,7 +5385,7 @@
           <a:p>
             <a:r>
               <a:rPr lang="en-IL" dirty="0"/>
-              <a:t>Backend State: s3</a:t>
+              <a:t>Demo_10_misc: tf_demo/demo_10_misc </a:t>
             </a:r>
           </a:p>
         </p:txBody>
@@ -5396,7 +5395,7 @@
           <p:cNvPr id="3" name="Content Placeholder 2">
             <a:extLst>
               <a:ext uri="{FF2B5EF4-FFF2-40B4-BE49-F238E27FC236}">
-                <a16:creationId xmlns:a16="http://schemas.microsoft.com/office/drawing/2014/main" id="{10D55F6F-4378-4241-95FD-879A8CA20553}"/>
+                <a16:creationId xmlns:a16="http://schemas.microsoft.com/office/drawing/2014/main" id="{E03C3FB3-5E84-094C-9362-32A21F9CF60F}"/>
               </a:ext>
             </a:extLst>
           </p:cNvPr>
@@ -5410,7 +5409,7 @@
         <p:spPr/>
         <p:txBody>
           <a:bodyPr>
-            <a:normAutofit/>
+            <a:normAutofit fontScale="92500" lnSpcReduction="20000"/>
           </a:bodyPr>
           <a:lstStyle/>
           <a:p>
@@ -5418,26 +5417,8 @@
               <a:buNone/>
             </a:pPr>
             <a:r>
-              <a:rPr lang="en-IL" sz="1400" dirty="0"/>
-              <a:t>As you know by now the tfstate file is sotored locally by default. </a:t>
-            </a:r>
-          </a:p>
-          <a:p>
-            <a:pPr marL="0" indent="0">
-              <a:buNone/>
-            </a:pPr>
-            <a:r>
-              <a:rPr lang="en-IL" sz="1400" dirty="0"/>
-              <a:t>This is not something you would like to keep and the best thing to do is to move this file to a remote location which woll greatly improve security and human error prevention.</a:t>
-            </a:r>
-          </a:p>
-          <a:p>
-            <a:pPr marL="0" indent="0">
-              <a:buNone/>
-            </a:pPr>
-            <a:r>
-              <a:rPr lang="en-IL" sz="1400" dirty="0"/>
-              <a:t>Now we will look at how we can store our tfstate file per environment in s3 and use DynamoDB to send a lock signal once terraform is running to prevent anyone else from making changes at the same time and breaking our apply.</a:t>
+              <a:rPr lang="en-IL" sz="1600" dirty="0"/>
+              <a:t>Let’s explore some cool and helpful functions that will make your code a lot more dynamic: </a:t>
             </a:r>
           </a:p>
           <a:p>
@@ -5445,16 +5426,8 @@
               <a:buAutoNum type="arabicPeriod"/>
             </a:pPr>
             <a:r>
-              <a:rPr lang="en-IL" sz="1400" dirty="0"/>
-              <a:t>modules/backend_state: will be our sep</a:t>
-            </a:r>
-            <a:r>
-              <a:rPr lang="en-US" sz="1400" dirty="0"/>
-              <a:t>a</a:t>
-            </a:r>
-            <a:r>
-              <a:rPr lang="en-IL" sz="1400" dirty="0"/>
-              <a:t>rate module for creating the s3 bucket and dynamoDB table to store the lock signal</a:t>
+              <a:rPr lang="en-IL" sz="1600" dirty="0"/>
+              <a:t>count: using this in a resource/module will create multiple resources with the configuration inide</a:t>
             </a:r>
           </a:p>
           <a:p>
@@ -5462,12 +5435,20 @@
               <a:buAutoNum type="arabicPeriod"/>
             </a:pPr>
             <a:r>
-              <a:rPr lang="en-US" sz="1400" dirty="0"/>
-              <a:t>t</a:t>
-            </a:r>
-            <a:r>
-              <a:rPr lang="en-IL" sz="1400" dirty="0"/>
-              <a:t>erraform init inside this module</a:t>
+              <a:rPr lang="en-US" sz="1600" dirty="0" err="1"/>
+              <a:t>count.index</a:t>
+            </a:r>
+            <a:r>
+              <a:rPr lang="en-US" sz="1600" dirty="0"/>
+              <a:t>: since you created multiple resources, their output in the state file is now a “list”. Accessing them will require you to use “</a:t>
+            </a:r>
+            <a:r>
+              <a:rPr lang="en-US" sz="1600" dirty="0" err="1"/>
+              <a:t>count.index</a:t>
+            </a:r>
+            <a:r>
+              <a:rPr lang="en-US" sz="1600" dirty="0"/>
+              <a:t>”</a:t>
             </a:r>
           </a:p>
           <a:p>
@@ -5475,12 +5456,24 @@
               <a:buAutoNum type="arabicPeriod"/>
             </a:pPr>
             <a:r>
-              <a:rPr lang="en-US" sz="1400" dirty="0"/>
-              <a:t>t</a:t>
-            </a:r>
-            <a:r>
-              <a:rPr lang="en-IL" sz="1400" dirty="0"/>
-              <a:t>erraform workspace create dev</a:t>
+              <a:rPr lang="en-US" sz="1600" dirty="0"/>
+              <a:t>locals-</a:t>
+            </a:r>
+            <a:r>
+              <a:rPr lang="en-US" sz="1600" dirty="0" err="1"/>
+              <a:t>dev.tf</a:t>
+            </a:r>
+            <a:r>
+              <a:rPr lang="en-US" sz="1600" dirty="0"/>
+              <a:t> now has two values for </a:t>
+            </a:r>
+            <a:r>
+              <a:rPr lang="en-US" sz="1600" dirty="0" err="1"/>
+              <a:t>private_ips</a:t>
+            </a:r>
+            <a:r>
+              <a:rPr lang="en-US" sz="1600" dirty="0"/>
+              <a:t> since we are creating two network interfaces</a:t>
             </a:r>
           </a:p>
           <a:p>
@@ -5488,88 +5481,335 @@
               <a:buAutoNum type="arabicPeriod"/>
             </a:pPr>
             <a:r>
-              <a:rPr lang="en-US" sz="1400" dirty="0"/>
-              <a:t>t</a:t>
-            </a:r>
-            <a:r>
-              <a:rPr lang="en-IL" sz="1400" dirty="0"/>
-              <a:t>erraform apply</a:t>
+              <a:rPr lang="en-US" sz="1600" dirty="0"/>
+              <a:t>network/</a:t>
+            </a:r>
+            <a:r>
+              <a:rPr lang="en-US" sz="1600" dirty="0" err="1"/>
+              <a:t>main.tf</a:t>
+            </a:r>
+            <a:r>
+              <a:rPr lang="en-US" sz="1600" dirty="0"/>
+              <a:t>: one of the security group ingresses has a “for” loop that will iterate through the </a:t>
+            </a:r>
+            <a:r>
+              <a:rPr lang="en-US" sz="1600" dirty="0" err="1"/>
+              <a:t>var.subnet_numbers</a:t>
+            </a:r>
+            <a:r>
+              <a:rPr lang="en-US" sz="1600" dirty="0"/>
+              <a:t> and add all of them as an ingress rule</a:t>
             </a:r>
           </a:p>
           <a:p>
             <a:pPr marL="342900" indent="-342900">
+              <a:buFont typeface="Arial" panose="020B0604020202020204" pitchFamily="34" charset="0"/>
               <a:buAutoNum type="arabicPeriod"/>
             </a:pPr>
             <a:r>
-              <a:rPr lang="en-IL" sz="1400" dirty="0"/>
-              <a:t>Take the outputs after the run and populate them accordingly in the root/backend-dev.tf</a:t>
+              <a:rPr lang="en-IL" sz="1600" dirty="0"/>
+              <a:t>Pay attention to the “workaround” in network/main.tf/aws_network_interface/private_ips attribute. According to the terraform docs it has to receive a list of vallues. When we use “</a:t>
+            </a:r>
+            <a:r>
+              <a:rPr lang="en-US" sz="1600" dirty="0" err="1"/>
+              <a:t>var.</a:t>
+            </a:r>
+            <a:r>
+              <a:rPr lang="en-US" sz="1600" dirty="0" err="1">
+                <a:solidFill>
+                  <a:srgbClr val="EF596F"/>
+                </a:solidFill>
+              </a:rPr>
+              <a:t>private_ips</a:t>
+            </a:r>
+            <a:r>
+              <a:rPr lang="en-US" sz="1600" dirty="0"/>
+              <a:t>[</a:t>
+            </a:r>
+            <a:r>
+              <a:rPr lang="en-US" sz="1600" dirty="0" err="1"/>
+              <a:t>count.</a:t>
+            </a:r>
+            <a:r>
+              <a:rPr lang="en-US" sz="1600" dirty="0" err="1">
+                <a:solidFill>
+                  <a:srgbClr val="EF596F"/>
+                </a:solidFill>
+              </a:rPr>
+              <a:t>index</a:t>
+            </a:r>
+            <a:r>
+              <a:rPr lang="en-US" sz="1600" dirty="0"/>
+              <a:t>]”, the </a:t>
+            </a:r>
+            <a:r>
+              <a:rPr lang="en-US" sz="1600" dirty="0" err="1"/>
+              <a:t>ips</a:t>
+            </a:r>
+            <a:r>
+              <a:rPr lang="en-US" sz="1600" dirty="0"/>
+              <a:t> from locals-</a:t>
+            </a:r>
+            <a:r>
+              <a:rPr lang="en-US" sz="1600" dirty="0" err="1"/>
+              <a:t>dev.tf</a:t>
+            </a:r>
+            <a:r>
+              <a:rPr lang="en-US" sz="1600" dirty="0"/>
+              <a:t>/</a:t>
+            </a:r>
+            <a:r>
+              <a:rPr lang="en-US" sz="1600" dirty="0" err="1"/>
+              <a:t>private_ips</a:t>
+            </a:r>
+            <a:r>
+              <a:rPr lang="en-US" sz="1600" dirty="0"/>
+              <a:t> becomes a string. This resource does not like it and will fail with an error. </a:t>
+            </a:r>
+            <a:br>
+              <a:rPr lang="en-US" sz="1600" dirty="0"/>
+            </a:br>
+            <a:r>
+              <a:rPr lang="en-US" sz="1600" dirty="0"/>
+              <a:t>“</a:t>
+            </a:r>
+            <a:r>
+              <a:rPr lang="en-US" sz="1600" dirty="0" err="1"/>
+              <a:t>tolist</a:t>
+            </a:r>
+            <a:r>
+              <a:rPr lang="en-US" sz="1600" dirty="0"/>
+              <a:t>” is a function in terraform that will convert any value into a list: </a:t>
+            </a:r>
+            <a:br>
+              <a:rPr lang="en-US" sz="1600" dirty="0"/>
+            </a:br>
+            <a:r>
+              <a:rPr lang="en-US" sz="1600" dirty="0"/>
+              <a:t>count =1 &gt; </a:t>
+            </a:r>
+            <a:r>
+              <a:rPr lang="en-US" sz="1600" dirty="0" err="1"/>
+              <a:t>var.</a:t>
+            </a:r>
+            <a:r>
+              <a:rPr lang="en-US" sz="1600" dirty="0" err="1">
+                <a:solidFill>
+                  <a:srgbClr val="EF596F"/>
+                </a:solidFill>
+              </a:rPr>
+              <a:t>private_ips</a:t>
+            </a:r>
+            <a:r>
+              <a:rPr lang="en-US" sz="1600" dirty="0"/>
+              <a:t>[</a:t>
+            </a:r>
+            <a:r>
+              <a:rPr lang="en-US" sz="1600" dirty="0" err="1"/>
+              <a:t>count.</a:t>
+            </a:r>
+            <a:r>
+              <a:rPr lang="en-US" sz="1600" dirty="0" err="1">
+                <a:solidFill>
+                  <a:srgbClr val="EF596F"/>
+                </a:solidFill>
+              </a:rPr>
+              <a:t>index</a:t>
+            </a:r>
+            <a:r>
+              <a:rPr lang="en-US" sz="1600" dirty="0"/>
+              <a:t>] = </a:t>
+            </a:r>
+            <a:r>
+              <a:rPr lang="en-IL" sz="1600" dirty="0">
+                <a:solidFill>
+                  <a:srgbClr val="89CA78"/>
+                </a:solidFill>
+              </a:rPr>
+              <a:t>"10.0.1.50” (string, not good) &gt; </a:t>
+            </a:r>
+            <a:r>
+              <a:rPr lang="en-US" sz="1600" dirty="0" err="1"/>
+              <a:t>tolist</a:t>
+            </a:r>
+            <a:r>
+              <a:rPr lang="en-US" sz="1600" dirty="0"/>
+              <a:t>([</a:t>
+            </a:r>
+            <a:r>
+              <a:rPr lang="en-US" sz="1600" dirty="0" err="1"/>
+              <a:t>var.</a:t>
+            </a:r>
+            <a:r>
+              <a:rPr lang="en-US" sz="1600" dirty="0" err="1">
+                <a:solidFill>
+                  <a:srgbClr val="EF596F"/>
+                </a:solidFill>
+              </a:rPr>
+              <a:t>private_ips</a:t>
+            </a:r>
+            <a:r>
+              <a:rPr lang="en-US" sz="1600" dirty="0"/>
+              <a:t>[</a:t>
+            </a:r>
+            <a:r>
+              <a:rPr lang="en-US" sz="1600" dirty="0" err="1"/>
+              <a:t>count.</a:t>
+            </a:r>
+            <a:r>
+              <a:rPr lang="en-US" sz="1600" dirty="0" err="1">
+                <a:solidFill>
+                  <a:srgbClr val="EF596F"/>
+                </a:solidFill>
+              </a:rPr>
+              <a:t>index</a:t>
+            </a:r>
+            <a:r>
+              <a:rPr lang="en-US" sz="1600" dirty="0"/>
+              <a:t>]]) = ["10.0.1.50"] (perfect for this key to receive)</a:t>
             </a:r>
           </a:p>
           <a:p>
             <a:pPr marL="342900" indent="-342900">
+              <a:buFont typeface="Arial" panose="020B0604020202020204" pitchFamily="34" charset="0"/>
               <a:buAutoNum type="arabicPeriod"/>
             </a:pPr>
             <a:r>
-              <a:rPr lang="en-US" sz="1400" dirty="0"/>
-              <a:t>R</a:t>
-            </a:r>
-            <a:r>
-              <a:rPr lang="en-IL" sz="1400" dirty="0"/>
-              <a:t>un terraform init in the root directory</a:t>
+              <a:rPr lang="en-US" sz="1600" dirty="0"/>
+              <a:t>server/</a:t>
+            </a:r>
+            <a:r>
+              <a:rPr lang="en-US" sz="1600" dirty="0" err="1"/>
+              <a:t>main.tf</a:t>
+            </a:r>
+            <a:r>
+              <a:rPr lang="en-US" sz="1600" dirty="0"/>
+              <a:t> now has a count of 2 for the instances since we creating 2 ENIs with 2 EIPs, we want to use them with 2 servers. Now take a look at the network/</a:t>
+            </a:r>
+            <a:r>
+              <a:rPr lang="en-US" sz="1600" dirty="0" err="1"/>
+              <a:t>outputs.tf</a:t>
+            </a:r>
+            <a:r>
+              <a:rPr lang="en-US" sz="1600" dirty="0"/>
+              <a:t>.</a:t>
+            </a:r>
+            <a:br>
+              <a:rPr lang="en-US" sz="1600" dirty="0"/>
+            </a:br>
+            <a:r>
+              <a:rPr lang="en-US" sz="1600" dirty="0"/>
+              <a:t>- </a:t>
+            </a:r>
+            <a:r>
+              <a:rPr lang="en-US" sz="1600" dirty="0" err="1">
+                <a:solidFill>
+                  <a:srgbClr val="E5C07B"/>
+                </a:solidFill>
+              </a:rPr>
+              <a:t>aws_network_interface</a:t>
+            </a:r>
+            <a:r>
+              <a:rPr lang="en-US" sz="1600" dirty="0" err="1"/>
+              <a:t>.</a:t>
+            </a:r>
+            <a:r>
+              <a:rPr lang="en-US" sz="1600" dirty="0" err="1">
+                <a:solidFill>
+                  <a:srgbClr val="E5C07B"/>
+                </a:solidFill>
+              </a:rPr>
+              <a:t>awesome_network_interface</a:t>
+            </a:r>
+            <a:r>
+              <a:rPr lang="en-US" sz="1600" dirty="0"/>
+              <a:t>.</a:t>
+            </a:r>
+            <a:r>
+              <a:rPr lang="en-US" sz="1600" dirty="0">
+                <a:solidFill>
+                  <a:srgbClr val="EF596F"/>
+                </a:solidFill>
+              </a:rPr>
+              <a:t>*</a:t>
+            </a:r>
+            <a:r>
+              <a:rPr lang="en-US" sz="1600" dirty="0"/>
+              <a:t>.</a:t>
+            </a:r>
+            <a:r>
+              <a:rPr lang="en-US" sz="1600" dirty="0">
+                <a:solidFill>
+                  <a:srgbClr val="EF596F"/>
+                </a:solidFill>
+              </a:rPr>
+              <a:t>id: </a:t>
+            </a:r>
+            <a:r>
+              <a:rPr lang="en-US" sz="1600" dirty="0"/>
+              <a:t>we are now outputting both ids using a wildcard “*”.</a:t>
+            </a:r>
+            <a:br>
+              <a:rPr lang="en-US" sz="1600" dirty="0"/>
+            </a:br>
+            <a:r>
+              <a:rPr lang="en-US" sz="1600" dirty="0"/>
+              <a:t>- the server resource will then use the </a:t>
+            </a:r>
+            <a:r>
+              <a:rPr lang="en-US" sz="1600" dirty="0" err="1"/>
+              <a:t>count.index</a:t>
+            </a:r>
+            <a:r>
+              <a:rPr lang="en-US" sz="1600" dirty="0"/>
+              <a:t> to iterate through this list and get the value each time it creates the instance</a:t>
             </a:r>
           </a:p>
           <a:p>
             <a:pPr marL="342900" indent="-342900">
+              <a:buFont typeface="Arial" panose="020B0604020202020204" pitchFamily="34" charset="0"/>
               <a:buAutoNum type="arabicPeriod"/>
             </a:pPr>
             <a:r>
-              <a:rPr lang="en-US" sz="1400" dirty="0"/>
-              <a:t>terraform apply</a:t>
-            </a:r>
-          </a:p>
-          <a:p>
-            <a:pPr>
-              <a:buFontTx/>
-              <a:buChar char="-"/>
-            </a:pPr>
-            <a:r>
-              <a:rPr lang="en-US" sz="1400" dirty="0"/>
-              <a:t>This will create your infrastructure using the s3 bucket, </a:t>
-            </a:r>
-            <a:r>
-              <a:rPr lang="en-US" sz="1400" dirty="0" err="1"/>
-              <a:t>dynamoDB</a:t>
-            </a:r>
-            <a:r>
-              <a:rPr lang="en-US" sz="1400" dirty="0"/>
-              <a:t> and locals-</a:t>
-            </a:r>
-            <a:r>
-              <a:rPr lang="en-US" sz="1400" dirty="0" err="1"/>
-              <a:t>dev.tf</a:t>
-            </a:r>
-            <a:r>
-              <a:rPr lang="en-US" sz="1400" dirty="0"/>
-              <a:t> which is appropriate for your environment</a:t>
-            </a:r>
-          </a:p>
-          <a:p>
-            <a:pPr>
-              <a:buFontTx/>
-              <a:buChar char="-"/>
-            </a:pPr>
-            <a:r>
-              <a:rPr lang="en-US" sz="1400" u="sng" dirty="0"/>
-              <a:t>Repeat the steps for any environment you want to!</a:t>
-            </a:r>
-            <a:endParaRPr lang="en-IL" sz="1400" u="sng" dirty="0"/>
+              <a:rPr lang="en-US" sz="1600" dirty="0"/>
+              <a:t>server/</a:t>
+            </a:r>
+            <a:r>
+              <a:rPr lang="en-US" sz="1600" dirty="0" err="1"/>
+              <a:t>variables.tf</a:t>
+            </a:r>
+            <a:r>
+              <a:rPr lang="en-US" sz="1600" dirty="0"/>
+              <a:t>: creator variable contains a var validator from terraform 0.13</a:t>
+            </a:r>
+          </a:p>
+          <a:p>
+            <a:pPr marL="342900" indent="-342900">
+              <a:buFont typeface="Arial" panose="020B0604020202020204" pitchFamily="34" charset="0"/>
+              <a:buAutoNum type="arabicPeriod"/>
+            </a:pPr>
+            <a:r>
+              <a:rPr lang="en-US" sz="1600" dirty="0"/>
+              <a:t>condition ? action : action – you cant and should control when your resources are created with this </a:t>
+            </a:r>
+            <a:r>
+              <a:rPr lang="en-US" sz="1600"/>
+              <a:t>condition function</a:t>
+            </a:r>
+            <a:endParaRPr lang="en-US" sz="1600" dirty="0"/>
+          </a:p>
+          <a:p>
+            <a:pPr marL="0" indent="0">
+              <a:buNone/>
+            </a:pPr>
+            <a:endParaRPr lang="en-IL" sz="1600" dirty="0"/>
           </a:p>
         </p:txBody>
       </p:sp>
     </p:spTree>
     <p:extLst>
       <p:ext uri="{BB962C8B-B14F-4D97-AF65-F5344CB8AC3E}">
-        <p14:creationId xmlns:p14="http://schemas.microsoft.com/office/powerpoint/2010/main" val="1220656596"/>
+        <p14:creationId xmlns:p14="http://schemas.microsoft.com/office/powerpoint/2010/main" val="458852544"/>
       </p:ext>
     </p:extLst>
   </p:cSld>
@@ -5681,7 +5921,33 @@
                 <a:latin typeface="David" panose="020E0502060401010101" pitchFamily="34" charset="-79"/>
                 <a:cs typeface="David" panose="020E0502060401010101" pitchFamily="34" charset="-79"/>
               </a:rPr>
-              <a:t>” : Terraform will look at our configuration and download all the providers/modules that we have in our code “terraform apply”: Terraform will go over our code, create a plan, print it on our terminal screen and </a:t>
+              <a:t>” : Terraform will look at our configuration and download all the providers/modules that we have in our code (</a:t>
+            </a:r>
+            <a:r>
+              <a:rPr lang="en-US" sz="1600" dirty="0" err="1">
+                <a:latin typeface="David" panose="020E0502060401010101" pitchFamily="34" charset="-79"/>
+                <a:cs typeface="David" panose="020E0502060401010101" pitchFamily="34" charset="-79"/>
+              </a:rPr>
+              <a:t>gitignore</a:t>
+            </a:r>
+            <a:r>
+              <a:rPr lang="en-US" sz="1600" dirty="0">
+                <a:latin typeface="David" panose="020E0502060401010101" pitchFamily="34" charset="-79"/>
+                <a:cs typeface="David" panose="020E0502060401010101" pitchFamily="34" charset="-79"/>
+              </a:rPr>
+              <a:t>?)</a:t>
+            </a:r>
+          </a:p>
+          <a:p>
+            <a:pPr marL="342900" indent="-342900">
+              <a:buAutoNum type="arabicPeriod"/>
+            </a:pPr>
+            <a:r>
+              <a:rPr lang="en-US" sz="1600" dirty="0">
+                <a:latin typeface="David" panose="020E0502060401010101" pitchFamily="34" charset="-79"/>
+                <a:cs typeface="David" panose="020E0502060401010101" pitchFamily="34" charset="-79"/>
+              </a:rPr>
+              <a:t>“terraform apply”: Terraform will go over our code, create a plan, print it on our terminal screen and </a:t>
             </a:r>
             <a:r>
               <a:rPr lang="en-US" sz="1600" dirty="0" err="1">
@@ -5994,7 +6260,7 @@
           <p:cNvPr id="2" name="Title 1">
             <a:extLst>
               <a:ext uri="{FF2B5EF4-FFF2-40B4-BE49-F238E27FC236}">
-                <a16:creationId xmlns:a16="http://schemas.microsoft.com/office/drawing/2014/main" id="{11C437BA-8ECB-B94D-ABF7-C32D3F4FE0E2}"/>
+                <a16:creationId xmlns:a16="http://schemas.microsoft.com/office/drawing/2014/main" id="{651EB4E2-F93C-1C45-9381-8C5E3C947C74}"/>
               </a:ext>
             </a:extLst>
           </p:cNvPr>
@@ -6012,7 +6278,7 @@
           <a:p>
             <a:r>
               <a:rPr lang="en-IL" dirty="0"/>
-              <a:t>Demo_10_misc: tf_demo/demo_10_misc </a:t>
+              <a:t>Best Practices</a:t>
             </a:r>
           </a:p>
         </p:txBody>
@@ -6022,7 +6288,7 @@
           <p:cNvPr id="3" name="Content Placeholder 2">
             <a:extLst>
               <a:ext uri="{FF2B5EF4-FFF2-40B4-BE49-F238E27FC236}">
-                <a16:creationId xmlns:a16="http://schemas.microsoft.com/office/drawing/2014/main" id="{E03C3FB3-5E84-094C-9362-32A21F9CF60F}"/>
+                <a16:creationId xmlns:a16="http://schemas.microsoft.com/office/drawing/2014/main" id="{94882B48-57C3-E145-82F4-CCF972B699C7}"/>
               </a:ext>
             </a:extLst>
           </p:cNvPr>
@@ -6036,392 +6302,61 @@
         <p:spPr/>
         <p:txBody>
           <a:bodyPr>
-            <a:normAutofit fontScale="92500" lnSpcReduction="10000"/>
+            <a:normAutofit/>
           </a:bodyPr>
           <a:lstStyle/>
           <a:p>
-            <a:pPr marL="0" indent="0">
-              <a:buNone/>
-            </a:pPr>
-            <a:r>
-              <a:rPr lang="en-IL" sz="1600" dirty="0"/>
-              <a:t>Let’s explore some cool and helpful functions that will make your code a lot more dynamic: </a:t>
-            </a:r>
-          </a:p>
-          <a:p>
-            <a:pPr marL="342900" indent="-342900">
-              <a:buAutoNum type="arabicPeriod"/>
-            </a:pPr>
-            <a:r>
-              <a:rPr lang="en-IL" sz="1600" dirty="0"/>
-              <a:t>count: using this in a resource/module will create multiple resources with the configuration inide</a:t>
-            </a:r>
-          </a:p>
-          <a:p>
-            <a:pPr marL="342900" indent="-342900">
-              <a:buAutoNum type="arabicPeriod"/>
-            </a:pPr>
-            <a:r>
-              <a:rPr lang="en-US" sz="1600" dirty="0" err="1"/>
-              <a:t>count.index</a:t>
-            </a:r>
-            <a:r>
-              <a:rPr lang="en-US" sz="1600" dirty="0"/>
-              <a:t>: since you created multiple resources, their output in the state file is now a “list”. Accessing them will require you to use “</a:t>
-            </a:r>
-            <a:r>
-              <a:rPr lang="en-US" sz="1600" dirty="0" err="1"/>
-              <a:t>count.index</a:t>
-            </a:r>
-            <a:r>
-              <a:rPr lang="en-US" sz="1600" dirty="0"/>
-              <a:t>”</a:t>
-            </a:r>
-          </a:p>
-          <a:p>
-            <a:pPr marL="342900" indent="-342900">
-              <a:buAutoNum type="arabicPeriod"/>
-            </a:pPr>
-            <a:r>
-              <a:rPr lang="en-US" sz="1600" dirty="0"/>
-              <a:t>locals-</a:t>
-            </a:r>
-            <a:r>
-              <a:rPr lang="en-US" sz="1600" dirty="0" err="1"/>
-              <a:t>dev.tf</a:t>
-            </a:r>
-            <a:r>
-              <a:rPr lang="en-US" sz="1600" dirty="0"/>
-              <a:t> now has two values for </a:t>
-            </a:r>
-            <a:r>
-              <a:rPr lang="en-US" sz="1600" dirty="0" err="1"/>
-              <a:t>private_ips</a:t>
-            </a:r>
-            <a:r>
-              <a:rPr lang="en-US" sz="1600" dirty="0"/>
-              <a:t> since we are creating two network interfaces</a:t>
-            </a:r>
-          </a:p>
-          <a:p>
-            <a:pPr marL="342900" indent="-342900">
-              <a:buAutoNum type="arabicPeriod"/>
-            </a:pPr>
-            <a:r>
-              <a:rPr lang="en-US" sz="1600" dirty="0"/>
-              <a:t>network/</a:t>
-            </a:r>
-            <a:r>
-              <a:rPr lang="en-US" sz="1600" dirty="0" err="1"/>
-              <a:t>main.tf</a:t>
-            </a:r>
-            <a:r>
-              <a:rPr lang="en-US" sz="1600" dirty="0"/>
-              <a:t>: one of the security group ingresses has a “for” loop that will iterate through the </a:t>
-            </a:r>
-            <a:r>
-              <a:rPr lang="en-US" sz="1600" dirty="0" err="1"/>
-              <a:t>var.subnet_numbers</a:t>
-            </a:r>
-            <a:r>
-              <a:rPr lang="en-US" sz="1600" dirty="0"/>
-              <a:t> and add all of them as an ingress rule</a:t>
-            </a:r>
-          </a:p>
-          <a:p>
-            <a:pPr marL="342900" indent="-342900">
-              <a:buFont typeface="Arial" panose="020B0604020202020204" pitchFamily="34" charset="0"/>
-              <a:buAutoNum type="arabicPeriod"/>
-            </a:pPr>
-            <a:r>
-              <a:rPr lang="en-IL" sz="1600" dirty="0"/>
-              <a:t>Pay attention to the “workaround” in network/main.tf/aws_network_interface/private_ips attribute. According to the terraform docs it has to receive a list of vallues. When we use “</a:t>
-            </a:r>
-            <a:r>
-              <a:rPr lang="en-US" sz="1600" dirty="0" err="1"/>
-              <a:t>var.</a:t>
-            </a:r>
-            <a:r>
-              <a:rPr lang="en-US" sz="1600" dirty="0" err="1">
-                <a:solidFill>
-                  <a:srgbClr val="EF596F"/>
-                </a:solidFill>
-              </a:rPr>
-              <a:t>private_ips</a:t>
-            </a:r>
-            <a:r>
-              <a:rPr lang="en-US" sz="1600" dirty="0"/>
-              <a:t>[</a:t>
-            </a:r>
-            <a:r>
-              <a:rPr lang="en-US" sz="1600" dirty="0" err="1"/>
-              <a:t>count.</a:t>
-            </a:r>
-            <a:r>
-              <a:rPr lang="en-US" sz="1600" dirty="0" err="1">
-                <a:solidFill>
-                  <a:srgbClr val="EF596F"/>
-                </a:solidFill>
-              </a:rPr>
-              <a:t>index</a:t>
-            </a:r>
-            <a:r>
-              <a:rPr lang="en-US" sz="1600" dirty="0"/>
-              <a:t>]”, the </a:t>
-            </a:r>
-            <a:r>
-              <a:rPr lang="en-US" sz="1600" dirty="0" err="1"/>
-              <a:t>ips</a:t>
-            </a:r>
-            <a:r>
-              <a:rPr lang="en-US" sz="1600" dirty="0"/>
-              <a:t> from locals-</a:t>
-            </a:r>
-            <a:r>
-              <a:rPr lang="en-US" sz="1600" dirty="0" err="1"/>
-              <a:t>dev.tf</a:t>
-            </a:r>
-            <a:r>
-              <a:rPr lang="en-US" sz="1600" dirty="0"/>
-              <a:t>/</a:t>
-            </a:r>
-            <a:r>
-              <a:rPr lang="en-US" sz="1600" dirty="0" err="1"/>
-              <a:t>private_ips</a:t>
-            </a:r>
-            <a:r>
-              <a:rPr lang="en-US" sz="1600" dirty="0"/>
-              <a:t> becomes a string. This resource does not like it and will fail with an error. </a:t>
-            </a:r>
-            <a:br>
-              <a:rPr lang="en-US" sz="1600" dirty="0"/>
-            </a:br>
-            <a:r>
-              <a:rPr lang="en-US" sz="1600" dirty="0"/>
-              <a:t>“</a:t>
-            </a:r>
-            <a:r>
-              <a:rPr lang="en-US" sz="1600" dirty="0" err="1"/>
-              <a:t>tolist</a:t>
-            </a:r>
-            <a:r>
-              <a:rPr lang="en-US" sz="1600" dirty="0"/>
-              <a:t>” is a function in terraform that will convert any value into a list: </a:t>
-            </a:r>
-            <a:br>
-              <a:rPr lang="en-US" sz="1600" dirty="0"/>
-            </a:br>
-            <a:r>
-              <a:rPr lang="en-US" sz="1600" dirty="0"/>
-              <a:t>count =1 &gt; </a:t>
-            </a:r>
-            <a:r>
-              <a:rPr lang="en-US" sz="1600" dirty="0" err="1"/>
-              <a:t>var.</a:t>
-            </a:r>
-            <a:r>
-              <a:rPr lang="en-US" sz="1600" dirty="0" err="1">
-                <a:solidFill>
-                  <a:srgbClr val="EF596F"/>
-                </a:solidFill>
-              </a:rPr>
-              <a:t>private_ips</a:t>
-            </a:r>
-            <a:r>
-              <a:rPr lang="en-US" sz="1600" dirty="0"/>
-              <a:t>[</a:t>
-            </a:r>
-            <a:r>
-              <a:rPr lang="en-US" sz="1600" dirty="0" err="1"/>
-              <a:t>count.</a:t>
-            </a:r>
-            <a:r>
-              <a:rPr lang="en-US" sz="1600" dirty="0" err="1">
-                <a:solidFill>
-                  <a:srgbClr val="EF596F"/>
-                </a:solidFill>
-              </a:rPr>
-              <a:t>index</a:t>
-            </a:r>
-            <a:r>
-              <a:rPr lang="en-US" sz="1600" dirty="0"/>
-              <a:t>] = </a:t>
-            </a:r>
-            <a:r>
-              <a:rPr lang="en-IL" sz="1600" dirty="0">
-                <a:solidFill>
-                  <a:srgbClr val="89CA78"/>
-                </a:solidFill>
-              </a:rPr>
-              <a:t>"10.0.1.50” (string, not good) &gt; </a:t>
-            </a:r>
-            <a:r>
-              <a:rPr lang="en-US" sz="1600" dirty="0" err="1"/>
-              <a:t>tolist</a:t>
-            </a:r>
-            <a:r>
-              <a:rPr lang="en-US" sz="1600" dirty="0"/>
-              <a:t>([</a:t>
-            </a:r>
-            <a:r>
-              <a:rPr lang="en-US" sz="1600" dirty="0" err="1"/>
-              <a:t>var.</a:t>
-            </a:r>
-            <a:r>
-              <a:rPr lang="en-US" sz="1600" dirty="0" err="1">
-                <a:solidFill>
-                  <a:srgbClr val="EF596F"/>
-                </a:solidFill>
-              </a:rPr>
-              <a:t>private_ips</a:t>
-            </a:r>
-            <a:r>
-              <a:rPr lang="en-US" sz="1600" dirty="0"/>
-              <a:t>[</a:t>
-            </a:r>
-            <a:r>
-              <a:rPr lang="en-US" sz="1600" dirty="0" err="1"/>
-              <a:t>count.</a:t>
-            </a:r>
-            <a:r>
-              <a:rPr lang="en-US" sz="1600" dirty="0" err="1">
-                <a:solidFill>
-                  <a:srgbClr val="EF596F"/>
-                </a:solidFill>
-              </a:rPr>
-              <a:t>index</a:t>
-            </a:r>
-            <a:r>
-              <a:rPr lang="en-US" sz="1600" dirty="0"/>
-              <a:t>]]) = ["10.0.1.50"] (perfect for this key to receive)</a:t>
-            </a:r>
-          </a:p>
-          <a:p>
-            <a:pPr marL="342900" indent="-342900">
-              <a:buFont typeface="Arial" panose="020B0604020202020204" pitchFamily="34" charset="0"/>
-              <a:buAutoNum type="arabicPeriod"/>
-            </a:pPr>
-            <a:r>
-              <a:rPr lang="en-US" sz="1600" dirty="0"/>
-              <a:t>server/</a:t>
-            </a:r>
-            <a:r>
-              <a:rPr lang="en-US" sz="1600" dirty="0" err="1"/>
-              <a:t>main.tf</a:t>
-            </a:r>
-            <a:r>
-              <a:rPr lang="en-US" sz="1600" dirty="0"/>
-              <a:t> now has a count of 2 for the instances since we creating 2 ENIs with 2 EIPs, we want to use them with 2 servers. Now take a look at the network/</a:t>
-            </a:r>
-            <a:r>
-              <a:rPr lang="en-US" sz="1600" dirty="0" err="1"/>
-              <a:t>outputs.tf</a:t>
-            </a:r>
-            <a:r>
-              <a:rPr lang="en-US" sz="1600" dirty="0"/>
-              <a:t>.</a:t>
-            </a:r>
-            <a:br>
-              <a:rPr lang="en-US" sz="1600" dirty="0"/>
-            </a:br>
-            <a:r>
-              <a:rPr lang="en-US" sz="1600" dirty="0"/>
-              <a:t>- </a:t>
-            </a:r>
-            <a:r>
-              <a:rPr lang="en-US" sz="1600" dirty="0" err="1">
-                <a:solidFill>
-                  <a:srgbClr val="E5C07B"/>
-                </a:solidFill>
-              </a:rPr>
-              <a:t>aws_network_interface</a:t>
-            </a:r>
-            <a:r>
-              <a:rPr lang="en-US" sz="1600" dirty="0" err="1"/>
-              <a:t>.</a:t>
-            </a:r>
-            <a:r>
-              <a:rPr lang="en-US" sz="1600" dirty="0" err="1">
-                <a:solidFill>
-                  <a:srgbClr val="E5C07B"/>
-                </a:solidFill>
-              </a:rPr>
-              <a:t>awesome_network_interface</a:t>
-            </a:r>
-            <a:r>
-              <a:rPr lang="en-US" sz="1600" dirty="0"/>
-              <a:t>.</a:t>
-            </a:r>
-            <a:r>
-              <a:rPr lang="en-US" sz="1600" dirty="0">
-                <a:solidFill>
-                  <a:srgbClr val="EF596F"/>
-                </a:solidFill>
-              </a:rPr>
-              <a:t>*</a:t>
-            </a:r>
-            <a:r>
-              <a:rPr lang="en-US" sz="1600" dirty="0"/>
-              <a:t>.</a:t>
-            </a:r>
-            <a:r>
-              <a:rPr lang="en-US" sz="1600" dirty="0">
-                <a:solidFill>
-                  <a:srgbClr val="EF596F"/>
-                </a:solidFill>
-              </a:rPr>
-              <a:t>id: </a:t>
-            </a:r>
-            <a:r>
-              <a:rPr lang="en-US" sz="1600" dirty="0"/>
-              <a:t>we are now outputting both ids using a wildcard “*”.</a:t>
-            </a:r>
-            <a:br>
-              <a:rPr lang="en-US" sz="1600" dirty="0"/>
-            </a:br>
-            <a:r>
-              <a:rPr lang="en-US" sz="1600" dirty="0"/>
-              <a:t>- the server resource will then use the </a:t>
-            </a:r>
-            <a:r>
-              <a:rPr lang="en-US" sz="1600" dirty="0" err="1"/>
-              <a:t>count.index</a:t>
-            </a:r>
-            <a:r>
-              <a:rPr lang="en-US" sz="1600" dirty="0"/>
-              <a:t> to iterate through this list and get the value each time it creates the instance</a:t>
-            </a:r>
-          </a:p>
-          <a:p>
-            <a:pPr marL="342900" indent="-342900">
-              <a:buFont typeface="Arial" panose="020B0604020202020204" pitchFamily="34" charset="0"/>
-              <a:buAutoNum type="arabicPeriod"/>
-            </a:pPr>
-            <a:r>
-              <a:rPr lang="en-US" sz="1600" dirty="0"/>
-              <a:t>server/</a:t>
-            </a:r>
-            <a:r>
-              <a:rPr lang="en-US" sz="1600" dirty="0" err="1"/>
-              <a:t>variables.tf</a:t>
-            </a:r>
-            <a:r>
-              <a:rPr lang="en-US" sz="1600" dirty="0"/>
-              <a:t>: creator variable contains a var validator from terraform 0.13</a:t>
-            </a:r>
-          </a:p>
-          <a:p>
-            <a:pPr marL="0" indent="0">
-              <a:buNone/>
-            </a:pPr>
-            <a:endParaRPr lang="en-IL" sz="1600" dirty="0"/>
+            <a:r>
+              <a:rPr lang="en-IL" sz="1800" dirty="0"/>
+              <a:t>Use modules to decouple resources for a fine grain control and reusage</a:t>
+            </a:r>
+          </a:p>
+          <a:p>
+            <a:r>
+              <a:rPr lang="en-IL" sz="1800" dirty="0"/>
+              <a:t>Use vars 100% via variables.tf and abstract the variable you want to control to the root variables file (tfvars/locals)</a:t>
+            </a:r>
+          </a:p>
+          <a:p>
+            <a:r>
+              <a:rPr lang="en-US" sz="1800" dirty="0"/>
+              <a:t>L</a:t>
+            </a:r>
+            <a:r>
+              <a:rPr lang="en-IL" sz="1800" dirty="0"/>
+              <a:t>ocals is the perfect way to create a multi environment code and should be used even if only one is needed for future purposes.</a:t>
+            </a:r>
+          </a:p>
+          <a:p>
+            <a:r>
+              <a:rPr lang="en-IL" sz="1800" dirty="0"/>
+              <a:t>Try to use official modules from the registry when possible. They are generally better than anything you would write on your own and even if you will go for creating a perfect one, it will tale a valuble time from that you somrtimes do not have. Moreover, those modules are supported constantly.</a:t>
+            </a:r>
+          </a:p>
+          <a:p>
+            <a:r>
+              <a:rPr lang="en-IL" sz="1800" dirty="0"/>
+              <a:t>Decouple the differect types of resources into multiple files in the same directory for a better and faster control such as: data.tf, rules.tf etc</a:t>
+            </a:r>
+          </a:p>
+          <a:p>
+            <a:r>
+              <a:rPr lang="en-IL" sz="1800" dirty="0"/>
+              <a:t>Always tag resources with the ”environment” key.</a:t>
+            </a:r>
+          </a:p>
+          <a:p>
+            <a:r>
+              <a:rPr lang="en-IL" sz="1800" dirty="0"/>
+              <a:t>Follow the terraform patches as they can change your existing code and break it</a:t>
+            </a:r>
           </a:p>
         </p:txBody>
       </p:sp>
     </p:spTree>
     <p:extLst>
       <p:ext uri="{BB962C8B-B14F-4D97-AF65-F5344CB8AC3E}">
-        <p14:creationId xmlns:p14="http://schemas.microsoft.com/office/powerpoint/2010/main" val="458852544"/>
+        <p14:creationId xmlns:p14="http://schemas.microsoft.com/office/powerpoint/2010/main" val="732759439"/>
       </p:ext>
     </p:extLst>
   </p:cSld>
@@ -6453,7 +6388,7 @@
           <p:cNvPr id="2" name="Title 1">
             <a:extLst>
               <a:ext uri="{FF2B5EF4-FFF2-40B4-BE49-F238E27FC236}">
-                <a16:creationId xmlns:a16="http://schemas.microsoft.com/office/drawing/2014/main" id="{651EB4E2-F93C-1C45-9381-8C5E3C947C74}"/>
+                <a16:creationId xmlns:a16="http://schemas.microsoft.com/office/drawing/2014/main" id="{A0A23555-53B2-5042-A963-9235A226E8CE}"/>
               </a:ext>
             </a:extLst>
           </p:cNvPr>
@@ -6471,7 +6406,7 @@
           <a:p>
             <a:r>
               <a:rPr lang="en-IL" dirty="0"/>
-              <a:t>Best Practices</a:t>
+              <a:t>Terraform 13</a:t>
             </a:r>
           </a:p>
         </p:txBody>
@@ -6481,7 +6416,7 @@
           <p:cNvPr id="3" name="Content Placeholder 2">
             <a:extLst>
               <a:ext uri="{FF2B5EF4-FFF2-40B4-BE49-F238E27FC236}">
-                <a16:creationId xmlns:a16="http://schemas.microsoft.com/office/drawing/2014/main" id="{94882B48-57C3-E145-82F4-CCF972B699C7}"/>
+                <a16:creationId xmlns:a16="http://schemas.microsoft.com/office/drawing/2014/main" id="{2A4933E9-3D22-A24B-91A1-0656611816FC}"/>
               </a:ext>
             </a:extLst>
           </p:cNvPr>
@@ -6494,68 +6429,78 @@
         </p:nvSpPr>
         <p:spPr/>
         <p:txBody>
-          <a:bodyPr>
-            <a:normAutofit/>
-          </a:bodyPr>
-          <a:lstStyle/>
-          <a:p>
-            <a:r>
-              <a:rPr lang="en-IL" sz="1800" dirty="0"/>
-              <a:t>Use modules to decouple resources for a fine grain control and reusage</a:t>
-            </a:r>
-          </a:p>
-          <a:p>
-            <a:r>
-              <a:rPr lang="en-IL" sz="1800" dirty="0"/>
-              <a:t>Use vars 100% via variables.tf and abstract the variable you want to control to the root variables file (tfvars/locals)</a:t>
-            </a:r>
-          </a:p>
-          <a:p>
-            <a:r>
-              <a:rPr lang="en-US" sz="1800" dirty="0"/>
-              <a:t>L</a:t>
-            </a:r>
-            <a:r>
-              <a:rPr lang="en-IL" sz="1800" dirty="0"/>
-              <a:t>ocals is the perfect way to create a multi environment code and should be used even if only one is needed for future purposes.</a:t>
-            </a:r>
-          </a:p>
-          <a:p>
-            <a:r>
-              <a:rPr lang="en-IL" sz="1800" dirty="0"/>
-              <a:t>Try to use official modules from the registry when possible. They are generally better than anything you would write on your own and even if you will go for creating a perfect one, it will tale a valuble time from that you somrtimes do not have. Moreover, those modules are supported constantly.</a:t>
-            </a:r>
-          </a:p>
-          <a:p>
-            <a:r>
-              <a:rPr lang="en-IL" sz="1800" dirty="0"/>
-              <a:t>Decouple the differect types of resources into multiple files in the same directory for a better and faster control such as: data.tf, rules.tf etc</a:t>
-            </a:r>
-          </a:p>
-          <a:p>
-            <a:r>
-              <a:rPr lang="en-IL" sz="1800" dirty="0"/>
-              <a:t>Always tag resources with the ”environment” key.</a:t>
-            </a:r>
-          </a:p>
-          <a:p>
-            <a:r>
-              <a:rPr lang="en-IL" sz="1800" dirty="0"/>
-              <a:t>Follow the terraform patches as they can change your existing code and break it</a:t>
-            </a:r>
-          </a:p>
-          <a:p>
-            <a:r>
-              <a:rPr lang="en-IL" sz="1800" dirty="0"/>
-              <a:t>Put all .idea, .terraform, terraform.tfstate in your gitignore folder when using VCS</a:t>
-            </a:r>
+          <a:bodyPr/>
+          <a:lstStyle/>
+          <a:p>
+            <a:pPr marL="0" indent="0">
+              <a:buNone/>
+            </a:pPr>
+            <a:r>
+              <a:rPr lang="en-IL" dirty="0"/>
+              <a:t>There aren’t a lot of new features in terraform 13 and mostly consists of fixes but the features that did come out are incredible!</a:t>
+            </a:r>
+          </a:p>
+          <a:p>
+            <a:pPr>
+              <a:buFontTx/>
+              <a:buChar char="-"/>
+            </a:pPr>
+            <a:r>
+              <a:rPr lang="en-IL" dirty="0"/>
+              <a:t>“for_each” for modules</a:t>
+            </a:r>
+          </a:p>
+          <a:p>
+            <a:pPr>
+              <a:buFontTx/>
+              <a:buChar char="-"/>
+            </a:pPr>
+            <a:r>
+              <a:rPr lang="en-IL" dirty="0"/>
+              <a:t>“count” for modules</a:t>
+            </a:r>
+          </a:p>
+          <a:p>
+            <a:pPr>
+              <a:buFontTx/>
+              <a:buChar char="-"/>
+            </a:pPr>
+            <a:r>
+              <a:rPr lang="en-IL" dirty="0"/>
+              <a:t>“depends_on” for modules </a:t>
+            </a:r>
+          </a:p>
+          <a:p>
+            <a:pPr>
+              <a:buFontTx/>
+              <a:buChar char="-"/>
+            </a:pPr>
+            <a:r>
+              <a:rPr lang="en-US" dirty="0"/>
+              <a:t>Custom variable validation: as used in demo_10_misc/server/</a:t>
+            </a:r>
+            <a:r>
+              <a:rPr lang="en-US" dirty="0" err="1"/>
+              <a:t>variables.tf</a:t>
+            </a:r>
+            <a:r>
+              <a:rPr lang="en-US" dirty="0"/>
+              <a:t> creator var</a:t>
+            </a:r>
+            <a:br>
+              <a:rPr lang="en-US" dirty="0"/>
+            </a:br>
+            <a:br>
+              <a:rPr lang="en-US" dirty="0"/>
+            </a:br>
+            <a:endParaRPr lang="en-IL" dirty="0"/>
           </a:p>
         </p:txBody>
       </p:sp>
     </p:spTree>
     <p:extLst>
       <p:ext uri="{BB962C8B-B14F-4D97-AF65-F5344CB8AC3E}">
-        <p14:creationId xmlns:p14="http://schemas.microsoft.com/office/powerpoint/2010/main" val="732759439"/>
+        <p14:creationId xmlns:p14="http://schemas.microsoft.com/office/powerpoint/2010/main" val="3044920035"/>
       </p:ext>
     </p:extLst>
   </p:cSld>
@@ -6587,174 +6532,6 @@
           <p:cNvPr id="2" name="Title 1">
             <a:extLst>
               <a:ext uri="{FF2B5EF4-FFF2-40B4-BE49-F238E27FC236}">
-                <a16:creationId xmlns:a16="http://schemas.microsoft.com/office/drawing/2014/main" id="{A0A23555-53B2-5042-A963-9235A226E8CE}"/>
-              </a:ext>
-            </a:extLst>
-          </p:cNvPr>
-          <p:cNvSpPr>
-            <a:spLocks noGrp="1"/>
-          </p:cNvSpPr>
-          <p:nvPr>
-            <p:ph type="title"/>
-          </p:nvPr>
-        </p:nvSpPr>
-        <p:spPr/>
-        <p:txBody>
-          <a:bodyPr/>
-          <a:lstStyle/>
-          <a:p>
-            <a:r>
-              <a:rPr lang="en-IL" dirty="0"/>
-              <a:t>Terraform 13</a:t>
-            </a:r>
-          </a:p>
-        </p:txBody>
-      </p:sp>
-      <p:sp>
-        <p:nvSpPr>
-          <p:cNvPr id="3" name="Content Placeholder 2">
-            <a:extLst>
-              <a:ext uri="{FF2B5EF4-FFF2-40B4-BE49-F238E27FC236}">
-                <a16:creationId xmlns:a16="http://schemas.microsoft.com/office/drawing/2014/main" id="{2A4933E9-3D22-A24B-91A1-0656611816FC}"/>
-              </a:ext>
-            </a:extLst>
-          </p:cNvPr>
-          <p:cNvSpPr>
-            <a:spLocks noGrp="1"/>
-          </p:cNvSpPr>
-          <p:nvPr>
-            <p:ph idx="1"/>
-          </p:nvPr>
-        </p:nvSpPr>
-        <p:spPr/>
-        <p:txBody>
-          <a:bodyPr>
-            <a:normAutofit fontScale="92500" lnSpcReduction="10000"/>
-          </a:bodyPr>
-          <a:lstStyle/>
-          <a:p>
-            <a:pPr marL="0" indent="0">
-              <a:buNone/>
-            </a:pPr>
-            <a:r>
-              <a:rPr lang="en-IL" dirty="0"/>
-              <a:t>There aren’t a lot of new features in terraform 13 and mostly consists of fixes but the features that did come out are incredible!</a:t>
-            </a:r>
-          </a:p>
-          <a:p>
-            <a:pPr>
-              <a:buFontTx/>
-              <a:buChar char="-"/>
-            </a:pPr>
-            <a:r>
-              <a:rPr lang="en-IL" dirty="0"/>
-              <a:t>“for_each” for modules</a:t>
-            </a:r>
-          </a:p>
-          <a:p>
-            <a:pPr>
-              <a:buFontTx/>
-              <a:buChar char="-"/>
-            </a:pPr>
-            <a:r>
-              <a:rPr lang="en-IL" dirty="0"/>
-              <a:t>“count” for modules</a:t>
-            </a:r>
-          </a:p>
-          <a:p>
-            <a:pPr>
-              <a:buFontTx/>
-              <a:buChar char="-"/>
-            </a:pPr>
-            <a:r>
-              <a:rPr lang="en-IL" dirty="0"/>
-              <a:t>“depends_on” for modules </a:t>
-            </a:r>
-          </a:p>
-          <a:p>
-            <a:pPr>
-              <a:buFontTx/>
-              <a:buChar char="-"/>
-            </a:pPr>
-            <a:r>
-              <a:rPr lang="en-US" dirty="0"/>
-              <a:t>Custom variable validation: as used in demo_10_misc/server/</a:t>
-            </a:r>
-            <a:r>
-              <a:rPr lang="en-US" dirty="0" err="1"/>
-              <a:t>variables.tf</a:t>
-            </a:r>
-            <a:r>
-              <a:rPr lang="en-US" dirty="0"/>
-              <a:t> creator var</a:t>
-            </a:r>
-          </a:p>
-          <a:p>
-            <a:pPr>
-              <a:buFontTx/>
-              <a:buChar char="-"/>
-            </a:pPr>
-            <a:r>
-              <a:rPr lang="en-US" dirty="0"/>
-              <a:t>Store the </a:t>
-            </a:r>
-            <a:r>
-              <a:rPr lang="en-US" dirty="0" err="1"/>
-              <a:t>tfstate</a:t>
-            </a:r>
-            <a:r>
-              <a:rPr lang="en-US" dirty="0"/>
-              <a:t> in a remote location such as s3 with integration of a lock signal to protect and version </a:t>
-            </a:r>
-            <a:r>
-              <a:rPr lang="en-US"/>
-              <a:t>your state</a:t>
-            </a:r>
-            <a:br>
-              <a:rPr lang="en-US" dirty="0"/>
-            </a:br>
-            <a:br>
-              <a:rPr lang="en-US" dirty="0"/>
-            </a:br>
-            <a:endParaRPr lang="en-IL" dirty="0"/>
-          </a:p>
-        </p:txBody>
-      </p:sp>
-    </p:spTree>
-    <p:extLst>
-      <p:ext uri="{BB962C8B-B14F-4D97-AF65-F5344CB8AC3E}">
-        <p14:creationId xmlns:p14="http://schemas.microsoft.com/office/powerpoint/2010/main" val="3044920035"/>
-      </p:ext>
-    </p:extLst>
-  </p:cSld>
-  <p:clrMapOvr>
-    <a:masterClrMapping/>
-  </p:clrMapOvr>
-</p:sld>
-</file>
-
-<file path=ppt/slides/slide23.xml><?xml version="1.0" encoding="utf-8"?>
-<p:sld xmlns:a="http://schemas.openxmlformats.org/drawingml/2006/main" xmlns:r="http://schemas.openxmlformats.org/officeDocument/2006/relationships" xmlns:p="http://schemas.openxmlformats.org/presentationml/2006/main">
-  <p:cSld>
-    <p:spTree>
-      <p:nvGrpSpPr>
-        <p:cNvPr id="1" name=""/>
-        <p:cNvGrpSpPr/>
-        <p:nvPr/>
-      </p:nvGrpSpPr>
-      <p:grpSpPr>
-        <a:xfrm>
-          <a:off x="0" y="0"/>
-          <a:ext cx="0" cy="0"/>
-          <a:chOff x="0" y="0"/>
-          <a:chExt cx="0" cy="0"/>
-        </a:xfrm>
-      </p:grpSpPr>
-      <p:sp>
-        <p:nvSpPr>
-          <p:cNvPr id="2" name="Title 1">
-            <a:extLst>
-              <a:ext uri="{FF2B5EF4-FFF2-40B4-BE49-F238E27FC236}">
                 <a16:creationId xmlns:a16="http://schemas.microsoft.com/office/drawing/2014/main" id="{6879732E-596C-D246-8F9B-36E72BD86A40}"/>
               </a:ext>
             </a:extLst>
@@ -6856,7 +6633,25 @@
                 </a:solidFill>
                 <a:latin typeface="metro-web"/>
               </a:rPr>
-              <a:t>One of the main feature is integration of VCS and creating a pipeline that will test/plan/apply/destroy/change etc. your infrastructure based on the changes in your repository code via pull requests.</a:t>
+              <a:t>One of the main feature is integration of SCV and creating a pipeline that will test/plan/apply/destroy/change </a:t>
+            </a:r>
+            <a:r>
+              <a:rPr lang="en-US" sz="2000" dirty="0" err="1">
+                <a:solidFill>
+                  <a:srgbClr val="1D1E23"/>
+                </a:solidFill>
+                <a:latin typeface="metro-web"/>
+              </a:rPr>
+              <a:t>etc</a:t>
+            </a:r>
+            <a:r>
+              <a:rPr lang="en-US" sz="2000" dirty="0">
+                <a:solidFill>
+                  <a:srgbClr val="1D1E23"/>
+                </a:solidFill>
+                <a:latin typeface="metro-web"/>
+              </a:rPr>
+              <a:t> your infrastructure based on the changes in your repository code via pull requests.</a:t>
             </a:r>
           </a:p>
           <a:p>
